--- a/세미나/BART_김정현.pptx
+++ b/세미나/BART_김정현.pptx
@@ -8868,7 +8868,7 @@
                 <a:ea typeface="나눔스퀘어" panose="020B0600000101010101" pitchFamily="50" charset="-127"/>
                 <a:cs typeface="NanumSquare" pitchFamily="34" charset="0"/>
               </a:rPr>
-              <a:t>Facebook AI, 2019</a:t>
+              <a:t>Facebook AI, ACL, 2019</a:t>
             </a:r>
             <a:endParaRPr lang="en-US" altLang="ko-KR" sz="2000" dirty="0">
               <a:solidFill>
@@ -9460,19 +9460,17 @@
             </a:r>
           </a:p>
           <a:p>
-            <a:pPr marL="914400" lvl="1" indent="-457200">
+            <a:pPr lvl="1">
               <a:buClr>
                 <a:srgbClr val="0F569B"/>
               </a:buClr>
-              <a:buFont typeface="Arial" panose="020B0604020202020204" pitchFamily="34" charset="0"/>
-              <a:buChar char="•"/>
             </a:pPr>
             <a:r>
               <a:rPr lang="en-US" altLang="ko-KR" sz="3200" dirty="0">
                 <a:latin typeface="나눔스퀘어 Bold" panose="020B0600000101010101" pitchFamily="50" charset="-127"/>
                 <a:ea typeface="나눔스퀘어 Bold" panose="020B0600000101010101" pitchFamily="50" charset="-127"/>
               </a:rPr>
-              <a:t>BERT</a:t>
+              <a:t>	BERT</a:t>
             </a:r>
             <a:r>
               <a:rPr lang="ko-KR" altLang="en-US" sz="3200" dirty="0">
@@ -10383,7 +10381,7 @@
         </p:blipFill>
         <p:spPr>
           <a:xfrm>
-            <a:off x="10860443" y="1574699"/>
+            <a:off x="10860443" y="2470456"/>
             <a:ext cx="6291993" cy="3495551"/>
           </a:xfrm>
           <a:prstGeom prst="rect">
@@ -10773,6 +10771,42 @@
               <a:t> / 40</a:t>
             </a:r>
             <a:endParaRPr lang="en-US" dirty="0"/>
+          </a:p>
+        </p:txBody>
+      </p:sp>
+      <p:sp>
+        <p:nvSpPr>
+          <p:cNvPr id="3" name="TextBox 2">
+            <a:extLst>
+              <a:ext uri="{FF2B5EF4-FFF2-40B4-BE49-F238E27FC236}">
+                <a16:creationId xmlns:a16="http://schemas.microsoft.com/office/drawing/2014/main" id="{7DB85F64-C050-207B-1A7F-16DBF3206A54}"/>
+              </a:ext>
+            </a:extLst>
+          </p:cNvPr>
+          <p:cNvSpPr txBox="1"/>
+          <p:nvPr/>
+        </p:nvSpPr>
+        <p:spPr>
+          <a:xfrm>
+            <a:off x="10439399" y="7734300"/>
+            <a:ext cx="7567613" cy="1200329"/>
+          </a:xfrm>
+          <a:prstGeom prst="rect">
+            <a:avLst/>
+          </a:prstGeom>
+          <a:noFill/>
+        </p:spPr>
+        <p:txBody>
+          <a:bodyPr wrap="square">
+            <a:spAutoFit/>
+          </a:bodyPr>
+          <a:lstStyle/>
+          <a:p>
+            <a:r>
+              <a:rPr lang="en-US" altLang="ko-KR" i="1" dirty="0"/>
+              <a:t>In the first step, we freeze most of BART parameters and only update the randomly initialized source encoder, the BART positional embeddings, and the self-attention input projection matrix of BART’s encoder first layer. In the second step, we train all model parameters for a small number of iterations. </a:t>
+            </a:r>
+            <a:endParaRPr lang="ko-KR" altLang="en-US" i="1" dirty="0"/>
           </a:p>
         </p:txBody>
       </p:sp>
@@ -23804,6 +23838,143 @@
           </a:p>
         </p:txBody>
       </p:sp>
+      <p:sp>
+        <p:nvSpPr>
+          <p:cNvPr id="4" name="TextBox 3">
+            <a:extLst>
+              <a:ext uri="{FF2B5EF4-FFF2-40B4-BE49-F238E27FC236}">
+                <a16:creationId xmlns:a16="http://schemas.microsoft.com/office/drawing/2014/main" id="{34B81EAE-9262-6698-49A0-7F68CCB3EE63}"/>
+              </a:ext>
+            </a:extLst>
+          </p:cNvPr>
+          <p:cNvSpPr txBox="1"/>
+          <p:nvPr/>
+        </p:nvSpPr>
+        <p:spPr>
+          <a:xfrm>
+            <a:off x="12496800" y="5241849"/>
+            <a:ext cx="5561290" cy="1169551"/>
+          </a:xfrm>
+          <a:prstGeom prst="rect">
+            <a:avLst/>
+          </a:prstGeom>
+          <a:noFill/>
+        </p:spPr>
+        <p:txBody>
+          <a:bodyPr wrap="square">
+            <a:spAutoFit/>
+          </a:bodyPr>
+          <a:lstStyle/>
+          <a:p>
+            <a:pPr lvl="1">
+              <a:buClr>
+                <a:srgbClr val="0F569B"/>
+              </a:buClr>
+            </a:pPr>
+            <a:r>
+              <a:rPr lang="ko-KR" altLang="en-US" sz="1400" i="1" dirty="0">
+                <a:latin typeface="나눔스퀘어 Bold" panose="020B0600000101010101" pitchFamily="50" charset="-127"/>
+                <a:ea typeface="나눔스퀘어 Bold" panose="020B0600000101010101" pitchFamily="50" charset="-127"/>
+              </a:rPr>
+              <a:t>학습 단계 </a:t>
+            </a:r>
+            <a:r>
+              <a:rPr lang="en-US" altLang="ko-KR" sz="1400" i="1" dirty="0">
+                <a:latin typeface="나눔스퀘어 Bold" panose="020B0600000101010101" pitchFamily="50" charset="-127"/>
+                <a:ea typeface="나눔스퀘어 Bold" panose="020B0600000101010101" pitchFamily="50" charset="-127"/>
+              </a:rPr>
+              <a:t>1. </a:t>
+            </a:r>
+            <a:r>
+              <a:rPr lang="ko-KR" altLang="en-US" sz="1400" i="1" dirty="0">
+                <a:latin typeface="나눔스퀘어 Bold" panose="020B0600000101010101" pitchFamily="50" charset="-127"/>
+                <a:ea typeface="나눔스퀘어 Bold" panose="020B0600000101010101" pitchFamily="50" charset="-127"/>
+              </a:rPr>
+              <a:t>새로운 인코더</a:t>
+            </a:r>
+            <a:r>
+              <a:rPr lang="en-US" altLang="ko-KR" sz="1400" i="1" dirty="0">
+                <a:latin typeface="나눔스퀘어 Bold" panose="020B0600000101010101" pitchFamily="50" charset="-127"/>
+                <a:ea typeface="나눔스퀘어 Bold" panose="020B0600000101010101" pitchFamily="50" charset="-127"/>
+              </a:rPr>
+              <a:t>, Positional embeddings, BART</a:t>
+            </a:r>
+            <a:r>
+              <a:rPr lang="ko-KR" altLang="en-US" sz="1400" i="1" dirty="0">
+                <a:latin typeface="나눔스퀘어 Bold" panose="020B0600000101010101" pitchFamily="50" charset="-127"/>
+                <a:ea typeface="나눔스퀘어 Bold" panose="020B0600000101010101" pitchFamily="50" charset="-127"/>
+              </a:rPr>
+              <a:t>인코더의 첫 레이어의 </a:t>
+            </a:r>
+            <a:r>
+              <a:rPr lang="en-US" altLang="ko-KR" sz="1400" i="1" dirty="0">
+                <a:latin typeface="나눔스퀘어 Bold" panose="020B0600000101010101" pitchFamily="50" charset="-127"/>
+                <a:ea typeface="나눔스퀘어 Bold" panose="020B0600000101010101" pitchFamily="50" charset="-127"/>
+              </a:rPr>
+              <a:t>W_Q, W_V, W_K </a:t>
+            </a:r>
+            <a:r>
+              <a:rPr lang="ko-KR" altLang="en-US" sz="1400" i="1" dirty="0">
+                <a:latin typeface="나눔스퀘어 Bold" panose="020B0600000101010101" pitchFamily="50" charset="-127"/>
+                <a:ea typeface="나눔스퀘어 Bold" panose="020B0600000101010101" pitchFamily="50" charset="-127"/>
+              </a:rPr>
+              <a:t>만 학습시키고 나머지 파라미터는 모두 </a:t>
+            </a:r>
+            <a:r>
+              <a:rPr lang="en-US" altLang="ko-KR" sz="1400" i="1" dirty="0">
+                <a:latin typeface="나눔스퀘어 Bold" panose="020B0600000101010101" pitchFamily="50" charset="-127"/>
+                <a:ea typeface="나눔스퀘어 Bold" panose="020B0600000101010101" pitchFamily="50" charset="-127"/>
+              </a:rPr>
+              <a:t>freeze</a:t>
+            </a:r>
+          </a:p>
+          <a:p>
+            <a:pPr marL="914400" lvl="1" indent="-457200">
+              <a:buClr>
+                <a:srgbClr val="0F569B"/>
+              </a:buClr>
+              <a:buFont typeface="Arial" panose="020B0604020202020204" pitchFamily="34" charset="0"/>
+              <a:buChar char="•"/>
+            </a:pPr>
+            <a:endParaRPr lang="en-US" altLang="ko-KR" sz="1400" i="1" dirty="0">
+              <a:latin typeface="나눔스퀘어 Bold" panose="020B0600000101010101" pitchFamily="50" charset="-127"/>
+              <a:ea typeface="나눔스퀘어 Bold" panose="020B0600000101010101" pitchFamily="50" charset="-127"/>
+            </a:endParaRPr>
+          </a:p>
+          <a:p>
+            <a:pPr lvl="1">
+              <a:buClr>
+                <a:srgbClr val="0F569B"/>
+              </a:buClr>
+            </a:pPr>
+            <a:r>
+              <a:rPr lang="ko-KR" altLang="en-US" sz="1400" i="1" dirty="0">
+                <a:latin typeface="나눔스퀘어 Bold" panose="020B0600000101010101" pitchFamily="50" charset="-127"/>
+                <a:ea typeface="나눔스퀘어 Bold" panose="020B0600000101010101" pitchFamily="50" charset="-127"/>
+              </a:rPr>
+              <a:t>학습 단계 </a:t>
+            </a:r>
+            <a:r>
+              <a:rPr lang="en-US" altLang="ko-KR" sz="1400" i="1" dirty="0">
+                <a:latin typeface="나눔스퀘어 Bold" panose="020B0600000101010101" pitchFamily="50" charset="-127"/>
+                <a:ea typeface="나눔스퀘어 Bold" panose="020B0600000101010101" pitchFamily="50" charset="-127"/>
+              </a:rPr>
+              <a:t>2. </a:t>
+            </a:r>
+            <a:r>
+              <a:rPr lang="ko-KR" altLang="en-US" sz="1400" i="1" dirty="0">
+                <a:latin typeface="나눔스퀘어 Bold" panose="020B0600000101010101" pitchFamily="50" charset="-127"/>
+                <a:ea typeface="나눔스퀘어 Bold" panose="020B0600000101010101" pitchFamily="50" charset="-127"/>
+              </a:rPr>
+              <a:t>적은 스텝으로 전체 파라미터 학습</a:t>
+            </a:r>
+            <a:endParaRPr lang="en-US" altLang="ko-KR" sz="1400" i="1" dirty="0">
+              <a:latin typeface="나눔스퀘어 Bold" panose="020B0600000101010101" pitchFamily="50" charset="-127"/>
+              <a:ea typeface="나눔스퀘어 Bold" panose="020B0600000101010101" pitchFamily="50" charset="-127"/>
+            </a:endParaRPr>
+          </a:p>
+        </p:txBody>
+      </p:sp>
     </p:spTree>
     <p:extLst>
       <p:ext uri="{BB962C8B-B14F-4D97-AF65-F5344CB8AC3E}">
@@ -25466,7 +25637,7 @@
         <p:spPr>
           <a:xfrm>
             <a:off x="915359" y="2247900"/>
-            <a:ext cx="14991412" cy="5632311"/>
+            <a:ext cx="14991412" cy="5078313"/>
           </a:xfrm>
           <a:prstGeom prst="rect">
             <a:avLst/>
@@ -25487,7 +25658,7 @@
               <a:buChar char="•"/>
             </a:pPr>
             <a:r>
-              <a:rPr lang="en-US" altLang="ko-KR" sz="4000" dirty="0"/>
+              <a:rPr lang="en-US" altLang="ko-KR" sz="3600" dirty="0"/>
               <a:t>We introduced BART, a pre-training approach that learns to map corrupted documents to the original. </a:t>
             </a:r>
           </a:p>
@@ -25499,7 +25670,7 @@
               <a:buFont typeface="Arial" panose="020B0604020202020204" pitchFamily="34" charset="0"/>
               <a:buChar char="•"/>
             </a:pPr>
-            <a:endParaRPr lang="en-US" altLang="ko-KR" sz="4000" dirty="0"/>
+            <a:endParaRPr lang="en-US" altLang="ko-KR" sz="3600" dirty="0"/>
           </a:p>
           <a:p>
             <a:pPr marL="571500" indent="-571500">
@@ -25510,23 +25681,23 @@
               <a:buChar char="•"/>
             </a:pPr>
             <a:r>
-              <a:rPr lang="en-US" altLang="ko-KR" sz="4000" dirty="0"/>
+              <a:rPr lang="en-US" altLang="ko-KR" sz="3600" dirty="0"/>
               <a:t>BART achieves similar performance to </a:t>
             </a:r>
             <a:r>
-              <a:rPr lang="en-US" altLang="ko-KR" sz="4000" dirty="0" err="1"/>
+              <a:rPr lang="en-US" altLang="ko-KR" sz="3600" dirty="0" err="1"/>
               <a:t>RoBERTa</a:t>
             </a:r>
             <a:r>
-              <a:rPr lang="en-US" altLang="ko-KR" sz="4000" dirty="0"/>
+              <a:rPr lang="en-US" altLang="ko-KR" sz="3600" dirty="0"/>
               <a:t> on discriminative tasks, while achieving new state-of-</a:t>
             </a:r>
             <a:r>
-              <a:rPr lang="en-US" altLang="ko-KR" sz="4000" dirty="0" err="1"/>
+              <a:rPr lang="en-US" altLang="ko-KR" sz="3600" dirty="0" err="1"/>
               <a:t>theart</a:t>
             </a:r>
             <a:r>
-              <a:rPr lang="en-US" altLang="ko-KR" sz="4000" dirty="0"/>
+              <a:rPr lang="en-US" altLang="ko-KR" sz="3600" dirty="0"/>
               <a:t> results on a number of text generation tasks. </a:t>
             </a:r>
           </a:p>
@@ -25538,7 +25709,7 @@
               <a:buFont typeface="Arial" panose="020B0604020202020204" pitchFamily="34" charset="0"/>
               <a:buChar char="•"/>
             </a:pPr>
-            <a:endParaRPr lang="en-US" altLang="ko-KR" sz="4000" dirty="0"/>
+            <a:endParaRPr lang="en-US" altLang="ko-KR" sz="3600" dirty="0"/>
           </a:p>
           <a:p>
             <a:pPr marL="571500" indent="-571500">
@@ -25549,10 +25720,10 @@
               <a:buChar char="•"/>
             </a:pPr>
             <a:r>
-              <a:rPr lang="en-US" altLang="ko-KR" sz="4000" dirty="0"/>
+              <a:rPr lang="en-US" altLang="ko-KR" sz="3600" dirty="0"/>
               <a:t>Future work should explore new methods for corrupting documents for pre-training, perhaps tailoring them to specific end tasks.</a:t>
             </a:r>
-            <a:endParaRPr lang="ko-KR" altLang="en-US" sz="4000" dirty="0"/>
+            <a:endParaRPr lang="ko-KR" altLang="en-US" sz="3600" dirty="0"/>
           </a:p>
         </p:txBody>
       </p:sp>

--- a/세미나/BART_김정현.pptx
+++ b/세미나/BART_김정현.pptx
@@ -47,9 +47,9 @@
     <p:sldId id="398" r:id="rId35"/>
     <p:sldId id="382" r:id="rId36"/>
     <p:sldId id="383" r:id="rId37"/>
-    <p:sldId id="384" r:id="rId38"/>
-    <p:sldId id="385" r:id="rId39"/>
-    <p:sldId id="399" r:id="rId40"/>
+    <p:sldId id="399" r:id="rId38"/>
+    <p:sldId id="384" r:id="rId39"/>
+    <p:sldId id="385" r:id="rId40"/>
     <p:sldId id="400" r:id="rId41"/>
   </p:sldIdLst>
   <p:sldSz cx="18288000" cy="10287000"/>
@@ -292,7 +292,7 @@
           <a:p>
             <a:fld id="{0CE04193-3A20-41BD-ABE6-6B3D68754BCC}" type="datetimeFigureOut">
               <a:rPr lang="ko-KR" altLang="en-US" smtClean="0"/>
-              <a:t>2025-02-27</a:t>
+              <a:t>2025-02-28</a:t>
             </a:fld>
             <a:endParaRPr lang="ko-KR" altLang="en-US"/>
           </a:p>
@@ -470,7 +470,7 @@
           <a:p>
             <a:fld id="{6CDB6226-F7BF-4BA1-8AB4-AEEB733C2994}" type="datetimeFigureOut">
               <a:rPr lang="ko-KR" altLang="en-US" smtClean="0"/>
-              <a:t>2025-02-27</a:t>
+              <a:t>2025-02-28</a:t>
             </a:fld>
             <a:endParaRPr lang="ko-KR" altLang="en-US"/>
           </a:p>
@@ -3932,6 +3932,114 @@
         <p:cNvPr id="1" name="">
           <a:extLst>
             <a:ext uri="{FF2B5EF4-FFF2-40B4-BE49-F238E27FC236}">
+              <a16:creationId xmlns:a16="http://schemas.microsoft.com/office/drawing/2014/main" id="{A490A611-E899-1826-1E6B-0BF35F34F76A}"/>
+            </a:ext>
+          </a:extLst>
+        </p:cNvPr>
+        <p:cNvGrpSpPr/>
+        <p:nvPr/>
+      </p:nvGrpSpPr>
+      <p:grpSpPr>
+        <a:xfrm>
+          <a:off x="0" y="0"/>
+          <a:ext cx="0" cy="0"/>
+          <a:chOff x="0" y="0"/>
+          <a:chExt cx="0" cy="0"/>
+        </a:xfrm>
+      </p:grpSpPr>
+      <p:sp>
+        <p:nvSpPr>
+          <p:cNvPr id="2" name="슬라이드 이미지 개체 틀 1">
+            <a:extLst>
+              <a:ext uri="{FF2B5EF4-FFF2-40B4-BE49-F238E27FC236}">
+                <a16:creationId xmlns:a16="http://schemas.microsoft.com/office/drawing/2014/main" id="{7EA6F0F2-0C45-54E9-86CB-EAE241D985C9}"/>
+              </a:ext>
+            </a:extLst>
+          </p:cNvPr>
+          <p:cNvSpPr>
+            <a:spLocks noGrp="1" noRot="1" noChangeAspect="1"/>
+          </p:cNvSpPr>
+          <p:nvPr>
+            <p:ph type="sldImg"/>
+          </p:nvPr>
+        </p:nvSpPr>
+        <p:spPr/>
+      </p:sp>
+      <p:sp>
+        <p:nvSpPr>
+          <p:cNvPr id="3" name="슬라이드 노트 개체 틀 2">
+            <a:extLst>
+              <a:ext uri="{FF2B5EF4-FFF2-40B4-BE49-F238E27FC236}">
+                <a16:creationId xmlns:a16="http://schemas.microsoft.com/office/drawing/2014/main" id="{985ACA2B-2E17-B69A-B638-5DE39B679042}"/>
+              </a:ext>
+            </a:extLst>
+          </p:cNvPr>
+          <p:cNvSpPr>
+            <a:spLocks noGrp="1"/>
+          </p:cNvSpPr>
+          <p:nvPr>
+            <p:ph type="body" idx="1"/>
+          </p:nvPr>
+        </p:nvSpPr>
+        <p:spPr/>
+        <p:txBody>
+          <a:bodyPr/>
+          <a:lstStyle/>
+          <a:p>
+            <a:endParaRPr lang="en-US" altLang="ko-KR" dirty="0"/>
+          </a:p>
+        </p:txBody>
+      </p:sp>
+      <p:sp>
+        <p:nvSpPr>
+          <p:cNvPr id="6" name="슬라이드 번호 개체 틀 5">
+            <a:extLst>
+              <a:ext uri="{FF2B5EF4-FFF2-40B4-BE49-F238E27FC236}">
+                <a16:creationId xmlns:a16="http://schemas.microsoft.com/office/drawing/2014/main" id="{089C493B-1E5A-6F14-28D8-8E9E949DCE7E}"/>
+              </a:ext>
+            </a:extLst>
+          </p:cNvPr>
+          <p:cNvSpPr>
+            <a:spLocks noGrp="1"/>
+          </p:cNvSpPr>
+          <p:nvPr>
+            <p:ph type="sldNum" sz="quarter" idx="5"/>
+          </p:nvPr>
+        </p:nvSpPr>
+        <p:spPr/>
+        <p:txBody>
+          <a:bodyPr/>
+          <a:lstStyle/>
+          <a:p>
+            <a:fld id="{124CBDA0-B7ED-471A-BA54-9427DBBEFC42}" type="slidenum">
+              <a:rPr lang="ko-KR" altLang="en-US" smtClean="0"/>
+              <a:t>37</a:t>
+            </a:fld>
+            <a:endParaRPr lang="ko-KR" altLang="en-US"/>
+          </a:p>
+        </p:txBody>
+      </p:sp>
+    </p:spTree>
+    <p:extLst>
+      <p:ext uri="{BB962C8B-B14F-4D97-AF65-F5344CB8AC3E}">
+        <p14:creationId xmlns:p14="http://schemas.microsoft.com/office/powerpoint/2010/main" val="1001294306"/>
+      </p:ext>
+    </p:extLst>
+  </p:cSld>
+  <p:clrMapOvr>
+    <a:masterClrMapping/>
+  </p:clrMapOvr>
+</p:notes>
+</file>
+
+<file path=ppt/notesSlides/notesSlide38.xml><?xml version="1.0" encoding="utf-8"?>
+<p:notes xmlns:a="http://schemas.openxmlformats.org/drawingml/2006/main" xmlns:r="http://schemas.openxmlformats.org/officeDocument/2006/relationships" xmlns:p="http://schemas.openxmlformats.org/presentationml/2006/main">
+  <p:cSld>
+    <p:spTree>
+      <p:nvGrpSpPr>
+        <p:cNvPr id="1" name="">
+          <a:extLst>
+            <a:ext uri="{FF2B5EF4-FFF2-40B4-BE49-F238E27FC236}">
               <a16:creationId xmlns:a16="http://schemas.microsoft.com/office/drawing/2014/main" id="{6413FA64-35BB-6AE1-A0D6-A9EEF33893E3}"/>
             </a:ext>
           </a:extLst>
@@ -4013,7 +4121,7 @@
           <a:p>
             <a:fld id="{124CBDA0-B7ED-471A-BA54-9427DBBEFC42}" type="slidenum">
               <a:rPr lang="ko-KR" altLang="en-US" smtClean="0"/>
-              <a:t>37</a:t>
+              <a:t>38</a:t>
             </a:fld>
             <a:endParaRPr lang="ko-KR" altLang="en-US"/>
           </a:p>
@@ -4032,7 +4140,7 @@
 </p:notes>
 </file>
 
-<file path=ppt/notesSlides/notesSlide38.xml><?xml version="1.0" encoding="utf-8"?>
+<file path=ppt/notesSlides/notesSlide39.xml><?xml version="1.0" encoding="utf-8"?>
 <p:notes xmlns:a="http://schemas.openxmlformats.org/drawingml/2006/main" xmlns:r="http://schemas.openxmlformats.org/officeDocument/2006/relationships" xmlns:p="http://schemas.openxmlformats.org/presentationml/2006/main">
   <p:cSld>
     <p:spTree>
@@ -4121,7 +4229,7 @@
           <a:p>
             <a:fld id="{124CBDA0-B7ED-471A-BA54-9427DBBEFC42}" type="slidenum">
               <a:rPr lang="ko-KR" altLang="en-US" smtClean="0"/>
-              <a:t>38</a:t>
+              <a:t>39</a:t>
             </a:fld>
             <a:endParaRPr lang="ko-KR" altLang="en-US"/>
           </a:p>
@@ -4131,114 +4239,6 @@
     <p:extLst>
       <p:ext uri="{BB962C8B-B14F-4D97-AF65-F5344CB8AC3E}">
         <p14:creationId xmlns:p14="http://schemas.microsoft.com/office/powerpoint/2010/main" val="699477722"/>
-      </p:ext>
-    </p:extLst>
-  </p:cSld>
-  <p:clrMapOvr>
-    <a:masterClrMapping/>
-  </p:clrMapOvr>
-</p:notes>
-</file>
-
-<file path=ppt/notesSlides/notesSlide39.xml><?xml version="1.0" encoding="utf-8"?>
-<p:notes xmlns:a="http://schemas.openxmlformats.org/drawingml/2006/main" xmlns:r="http://schemas.openxmlformats.org/officeDocument/2006/relationships" xmlns:p="http://schemas.openxmlformats.org/presentationml/2006/main">
-  <p:cSld>
-    <p:spTree>
-      <p:nvGrpSpPr>
-        <p:cNvPr id="1" name="">
-          <a:extLst>
-            <a:ext uri="{FF2B5EF4-FFF2-40B4-BE49-F238E27FC236}">
-              <a16:creationId xmlns:a16="http://schemas.microsoft.com/office/drawing/2014/main" id="{A490A611-E899-1826-1E6B-0BF35F34F76A}"/>
-            </a:ext>
-          </a:extLst>
-        </p:cNvPr>
-        <p:cNvGrpSpPr/>
-        <p:nvPr/>
-      </p:nvGrpSpPr>
-      <p:grpSpPr>
-        <a:xfrm>
-          <a:off x="0" y="0"/>
-          <a:ext cx="0" cy="0"/>
-          <a:chOff x="0" y="0"/>
-          <a:chExt cx="0" cy="0"/>
-        </a:xfrm>
-      </p:grpSpPr>
-      <p:sp>
-        <p:nvSpPr>
-          <p:cNvPr id="2" name="슬라이드 이미지 개체 틀 1">
-            <a:extLst>
-              <a:ext uri="{FF2B5EF4-FFF2-40B4-BE49-F238E27FC236}">
-                <a16:creationId xmlns:a16="http://schemas.microsoft.com/office/drawing/2014/main" id="{7EA6F0F2-0C45-54E9-86CB-EAE241D985C9}"/>
-              </a:ext>
-            </a:extLst>
-          </p:cNvPr>
-          <p:cNvSpPr>
-            <a:spLocks noGrp="1" noRot="1" noChangeAspect="1"/>
-          </p:cNvSpPr>
-          <p:nvPr>
-            <p:ph type="sldImg"/>
-          </p:nvPr>
-        </p:nvSpPr>
-        <p:spPr/>
-      </p:sp>
-      <p:sp>
-        <p:nvSpPr>
-          <p:cNvPr id="3" name="슬라이드 노트 개체 틀 2">
-            <a:extLst>
-              <a:ext uri="{FF2B5EF4-FFF2-40B4-BE49-F238E27FC236}">
-                <a16:creationId xmlns:a16="http://schemas.microsoft.com/office/drawing/2014/main" id="{985ACA2B-2E17-B69A-B638-5DE39B679042}"/>
-              </a:ext>
-            </a:extLst>
-          </p:cNvPr>
-          <p:cNvSpPr>
-            <a:spLocks noGrp="1"/>
-          </p:cNvSpPr>
-          <p:nvPr>
-            <p:ph type="body" idx="1"/>
-          </p:nvPr>
-        </p:nvSpPr>
-        <p:spPr/>
-        <p:txBody>
-          <a:bodyPr/>
-          <a:lstStyle/>
-          <a:p>
-            <a:endParaRPr lang="en-US" altLang="ko-KR" dirty="0"/>
-          </a:p>
-        </p:txBody>
-      </p:sp>
-      <p:sp>
-        <p:nvSpPr>
-          <p:cNvPr id="6" name="슬라이드 번호 개체 틀 5">
-            <a:extLst>
-              <a:ext uri="{FF2B5EF4-FFF2-40B4-BE49-F238E27FC236}">
-                <a16:creationId xmlns:a16="http://schemas.microsoft.com/office/drawing/2014/main" id="{089C493B-1E5A-6F14-28D8-8E9E949DCE7E}"/>
-              </a:ext>
-            </a:extLst>
-          </p:cNvPr>
-          <p:cNvSpPr>
-            <a:spLocks noGrp="1"/>
-          </p:cNvSpPr>
-          <p:nvPr>
-            <p:ph type="sldNum" sz="quarter" idx="5"/>
-          </p:nvPr>
-        </p:nvSpPr>
-        <p:spPr/>
-        <p:txBody>
-          <a:bodyPr/>
-          <a:lstStyle/>
-          <a:p>
-            <a:fld id="{124CBDA0-B7ED-471A-BA54-9427DBBEFC42}" type="slidenum">
-              <a:rPr lang="ko-KR" altLang="en-US" smtClean="0"/>
-              <a:t>39</a:t>
-            </a:fld>
-            <a:endParaRPr lang="ko-KR" altLang="en-US"/>
-          </a:p>
-        </p:txBody>
-      </p:sp>
-    </p:spTree>
-    <p:extLst>
-      <p:ext uri="{BB962C8B-B14F-4D97-AF65-F5344CB8AC3E}">
-        <p14:creationId xmlns:p14="http://schemas.microsoft.com/office/powerpoint/2010/main" val="1001294306"/>
       </p:ext>
     </p:extLst>
   </p:cSld>
@@ -5231,7 +5231,7 @@
           <a:p>
             <a:fld id="{2414693C-C504-49E8-BF4F-961B7701578B}" type="datetime1">
               <a:rPr lang="en-US" altLang="ko-KR" smtClean="0"/>
-              <a:t>2/27/2025</a:t>
+              <a:t>2/28/2025</a:t>
             </a:fld>
             <a:endParaRPr lang="en-US"/>
           </a:p>
@@ -5871,7 +5871,7 @@
           <a:p>
             <a:fld id="{1E8DED9A-EF9B-4AD1-B46D-9F79B751506F}" type="datetime1">
               <a:rPr lang="en-US" altLang="ko-KR" smtClean="0"/>
-              <a:t>2/27/2025</a:t>
+              <a:t>2/28/2025</a:t>
             </a:fld>
             <a:endParaRPr lang="en-US"/>
           </a:p>
@@ -6068,7 +6068,7 @@
           <a:p>
             <a:fld id="{B2F00E6E-F3B3-4916-8AAF-C5D059A280F1}" type="datetime1">
               <a:rPr lang="en-US" altLang="ko-KR" smtClean="0"/>
-              <a:t>2/27/2025</a:t>
+              <a:t>2/28/2025</a:t>
             </a:fld>
             <a:endParaRPr lang="en-US"/>
           </a:p>
@@ -6257,7 +6257,7 @@
           <a:p>
             <a:fld id="{6E63054C-B876-4A78-A39D-9689B2AFAE92}" type="datetime1">
               <a:rPr lang="en-US" altLang="ko-KR" smtClean="0"/>
-              <a:t>2/27/2025</a:t>
+              <a:t>2/28/2025</a:t>
             </a:fld>
             <a:endParaRPr lang="en-US"/>
           </a:p>
@@ -6521,7 +6521,7 @@
           <a:p>
             <a:fld id="{0BBA6D5F-50EF-4C10-BD2A-983562B87F50}" type="datetime1">
               <a:rPr lang="en-US" altLang="ko-KR" smtClean="0"/>
-              <a:t>2/27/2025</a:t>
+              <a:t>2/28/2025</a:t>
             </a:fld>
             <a:endParaRPr lang="en-US"/>
           </a:p>
@@ -6825,7 +6825,7 @@
           <a:p>
             <a:fld id="{32FE8A48-6009-407A-A168-0B2EB972A0A7}" type="datetime1">
               <a:rPr lang="en-US" altLang="ko-KR" smtClean="0"/>
-              <a:t>2/27/2025</a:t>
+              <a:t>2/28/2025</a:t>
             </a:fld>
             <a:endParaRPr lang="en-US"/>
           </a:p>
@@ -7263,7 +7263,7 @@
           <a:p>
             <a:fld id="{ECD8B9C2-E3B4-4812-A8B6-0130D96D4DEC}" type="datetime1">
               <a:rPr lang="en-US" altLang="ko-KR" smtClean="0"/>
-              <a:t>2/27/2025</a:t>
+              <a:t>2/28/2025</a:t>
             </a:fld>
             <a:endParaRPr lang="en-US"/>
           </a:p>
@@ -7399,7 +7399,7 @@
           <a:p>
             <a:fld id="{333A554B-F5D7-414D-9827-37856CEEFA1A}" type="datetime1">
               <a:rPr lang="en-US" altLang="ko-KR" smtClean="0"/>
-              <a:t>2/27/2025</a:t>
+              <a:t>2/28/2025</a:t>
             </a:fld>
             <a:endParaRPr lang="en-US"/>
           </a:p>
@@ -7513,7 +7513,7 @@
           <a:p>
             <a:fld id="{F9EEB192-3058-4F1D-9D23-138995488931}" type="datetime1">
               <a:rPr lang="en-US" altLang="ko-KR" smtClean="0"/>
-              <a:t>2/27/2025</a:t>
+              <a:t>2/28/2025</a:t>
             </a:fld>
             <a:endParaRPr lang="en-US"/>
           </a:p>
@@ -7807,7 +7807,7 @@
           <a:p>
             <a:fld id="{FC1FCF00-D3FA-4DF5-B85E-A64E5145ACC0}" type="datetime1">
               <a:rPr lang="en-US" altLang="ko-KR" smtClean="0"/>
-              <a:t>2/27/2025</a:t>
+              <a:t>2/28/2025</a:t>
             </a:fld>
             <a:endParaRPr lang="en-US"/>
           </a:p>
@@ -8078,7 +8078,7 @@
           <a:p>
             <a:fld id="{B40140CF-A2C8-4920-9E3D-37DC2736E1CE}" type="datetime1">
               <a:rPr lang="en-US" altLang="ko-KR" smtClean="0"/>
-              <a:t>2/27/2025</a:t>
+              <a:t>2/28/2025</a:t>
             </a:fld>
             <a:endParaRPr lang="en-US"/>
           </a:p>
@@ -11048,7 +11048,7 @@
         <p:spPr>
           <a:xfrm>
             <a:off x="725306" y="3267200"/>
-            <a:ext cx="16569670" cy="5509200"/>
+            <a:ext cx="16569670" cy="6001643"/>
           </a:xfrm>
           <a:prstGeom prst="rect">
             <a:avLst/>
@@ -11271,6 +11271,19 @@
               </a:rPr>
               <a:t> 후 결과 비교</a:t>
             </a:r>
+            <a:endParaRPr lang="en-US" altLang="ko-KR" sz="3200" dirty="0">
+              <a:latin typeface="나눔스퀘어 Bold" panose="020B0600000101010101" pitchFamily="50" charset="-127"/>
+              <a:ea typeface="나눔스퀘어 Bold" panose="020B0600000101010101" pitchFamily="50" charset="-127"/>
+            </a:endParaRPr>
+          </a:p>
+          <a:p>
+            <a:pPr marL="457200" indent="-457200">
+              <a:buClr>
+                <a:srgbClr val="0F569B"/>
+              </a:buClr>
+              <a:buFont typeface="Arial" panose="020B0604020202020204" pitchFamily="34" charset="0"/>
+              <a:buChar char="•"/>
+            </a:pPr>
             <a:endParaRPr lang="en-US" altLang="ko-KR" sz="3200" dirty="0">
               <a:latin typeface="나눔스퀘어 Bold" panose="020B0600000101010101" pitchFamily="50" charset="-127"/>
               <a:ea typeface="나눔스퀘어 Bold" panose="020B0600000101010101" pitchFamily="50" charset="-127"/>
@@ -11846,6 +11859,55 @@
           </a:p>
         </p:txBody>
       </p:sp>
+      <p:sp>
+        <p:nvSpPr>
+          <p:cNvPr id="2" name="TextBox 1">
+            <a:extLst>
+              <a:ext uri="{FF2B5EF4-FFF2-40B4-BE49-F238E27FC236}">
+                <a16:creationId xmlns:a16="http://schemas.microsoft.com/office/drawing/2014/main" id="{FB8EBD4F-0318-814F-92AF-CB8A1B508791}"/>
+              </a:ext>
+            </a:extLst>
+          </p:cNvPr>
+          <p:cNvSpPr txBox="1"/>
+          <p:nvPr/>
+        </p:nvSpPr>
+        <p:spPr>
+          <a:xfrm>
+            <a:off x="14352086" y="9125373"/>
+            <a:ext cx="2819400" cy="400110"/>
+          </a:xfrm>
+          <a:prstGeom prst="rect">
+            <a:avLst/>
+          </a:prstGeom>
+          <a:noFill/>
+        </p:spPr>
+        <p:txBody>
+          <a:bodyPr wrap="square">
+            <a:spAutoFit/>
+          </a:bodyPr>
+          <a:lstStyle/>
+          <a:p>
+            <a:r>
+              <a:rPr lang="en-US" altLang="ko-KR" sz="2000" dirty="0">
+                <a:latin typeface="나눔스퀘어 Bold" panose="020B0600000101010101" pitchFamily="50" charset="-127"/>
+                <a:ea typeface="나눔스퀘어 Bold" panose="020B0600000101010101" pitchFamily="50" charset="-127"/>
+              </a:rPr>
+              <a:t>Appendix 30~32 </a:t>
+            </a:r>
+            <a:r>
+              <a:rPr lang="ko-KR" altLang="en-US" sz="2000" dirty="0">
+                <a:latin typeface="나눔스퀘어 Bold" panose="020B0600000101010101" pitchFamily="50" charset="-127"/>
+                <a:ea typeface="나눔스퀘어 Bold" panose="020B0600000101010101" pitchFamily="50" charset="-127"/>
+              </a:rPr>
+              <a:t>참고</a:t>
+            </a:r>
+            <a:endParaRPr lang="en-US" altLang="ko-KR" sz="2000" dirty="0">
+              <a:latin typeface="나눔스퀘어 Bold" panose="020B0600000101010101" pitchFamily="50" charset="-127"/>
+              <a:ea typeface="나눔스퀘어 Bold" panose="020B0600000101010101" pitchFamily="50" charset="-127"/>
+            </a:endParaRPr>
+          </a:p>
+        </p:txBody>
+      </p:sp>
     </p:spTree>
     <p:extLst>
       <p:ext uri="{BB962C8B-B14F-4D97-AF65-F5344CB8AC3E}">
@@ -12474,6 +12536,55 @@
           </a:p>
         </p:txBody>
       </p:sp>
+      <p:sp>
+        <p:nvSpPr>
+          <p:cNvPr id="2" name="TextBox 1">
+            <a:extLst>
+              <a:ext uri="{FF2B5EF4-FFF2-40B4-BE49-F238E27FC236}">
+                <a16:creationId xmlns:a16="http://schemas.microsoft.com/office/drawing/2014/main" id="{E604EB90-EB68-4B9E-6DA8-619B4CFC5842}"/>
+              </a:ext>
+            </a:extLst>
+          </p:cNvPr>
+          <p:cNvSpPr txBox="1"/>
+          <p:nvPr/>
+        </p:nvSpPr>
+        <p:spPr>
+          <a:xfrm>
+            <a:off x="14352086" y="9125373"/>
+            <a:ext cx="2819400" cy="400110"/>
+          </a:xfrm>
+          <a:prstGeom prst="rect">
+            <a:avLst/>
+          </a:prstGeom>
+          <a:noFill/>
+        </p:spPr>
+        <p:txBody>
+          <a:bodyPr wrap="square">
+            <a:spAutoFit/>
+          </a:bodyPr>
+          <a:lstStyle/>
+          <a:p>
+            <a:r>
+              <a:rPr lang="en-US" altLang="ko-KR" sz="2000" dirty="0">
+                <a:latin typeface="나눔스퀘어 Bold" panose="020B0600000101010101" pitchFamily="50" charset="-127"/>
+                <a:ea typeface="나눔스퀘어 Bold" panose="020B0600000101010101" pitchFamily="50" charset="-127"/>
+              </a:rPr>
+              <a:t>Appendix 33 </a:t>
+            </a:r>
+            <a:r>
+              <a:rPr lang="ko-KR" altLang="en-US" sz="2000" dirty="0">
+                <a:latin typeface="나눔스퀘어 Bold" panose="020B0600000101010101" pitchFamily="50" charset="-127"/>
+                <a:ea typeface="나눔스퀘어 Bold" panose="020B0600000101010101" pitchFamily="50" charset="-127"/>
+              </a:rPr>
+              <a:t>참고</a:t>
+            </a:r>
+            <a:endParaRPr lang="en-US" altLang="ko-KR" sz="2000" dirty="0">
+              <a:latin typeface="나눔스퀘어 Bold" panose="020B0600000101010101" pitchFamily="50" charset="-127"/>
+              <a:ea typeface="나눔스퀘어 Bold" panose="020B0600000101010101" pitchFamily="50" charset="-127"/>
+            </a:endParaRPr>
+          </a:p>
+        </p:txBody>
+      </p:sp>
     </p:spTree>
     <p:extLst>
       <p:ext uri="{BB962C8B-B14F-4D97-AF65-F5344CB8AC3E}">
@@ -13140,6 +13251,36 @@
           </a:p>
         </p:txBody>
       </p:sp>
+      <p:pic>
+        <p:nvPicPr>
+          <p:cNvPr id="3" name="그림 2">
+            <a:extLst>
+              <a:ext uri="{FF2B5EF4-FFF2-40B4-BE49-F238E27FC236}">
+                <a16:creationId xmlns:a16="http://schemas.microsoft.com/office/drawing/2014/main" id="{F24B3D4C-338A-C17B-D9C3-A7741BFADFAD}"/>
+              </a:ext>
+            </a:extLst>
+          </p:cNvPr>
+          <p:cNvPicPr>
+            <a:picLocks noChangeAspect="1"/>
+          </p:cNvPicPr>
+          <p:nvPr/>
+        </p:nvPicPr>
+        <p:blipFill>
+          <a:blip r:embed="rId5"/>
+          <a:stretch>
+            <a:fillRect/>
+          </a:stretch>
+        </p:blipFill>
+        <p:spPr>
+          <a:xfrm>
+            <a:off x="14440109" y="8305893"/>
+            <a:ext cx="3572374" cy="876422"/>
+          </a:xfrm>
+          <a:prstGeom prst="rect">
+            <a:avLst/>
+          </a:prstGeom>
+        </p:spPr>
+      </p:pic>
     </p:spTree>
     <p:extLst>
       <p:ext uri="{BB962C8B-B14F-4D97-AF65-F5344CB8AC3E}">
@@ -26108,9 +26249,6 @@
           <a:p>
             <a:r>
               <a:rPr lang="en-US" altLang="ko-KR" sz="4000" dirty="0" err="1">
-                <a:solidFill>
-                  <a:srgbClr val="3B7DDD"/>
-                </a:solidFill>
                 <a:latin typeface="나눔스퀘어 Bold" panose="020B0600000101010101" pitchFamily="50" charset="-127"/>
                 <a:ea typeface="나눔스퀘어 Bold" panose="020B0600000101010101" pitchFamily="50" charset="-127"/>
               </a:rPr>
@@ -27332,7 +27470,7 @@
         </p:nvSpPr>
         <p:spPr>
           <a:xfrm>
-            <a:off x="582766" y="2095500"/>
+            <a:off x="616103" y="1603121"/>
             <a:ext cx="9158288" cy="707886"/>
           </a:xfrm>
           <a:prstGeom prst="rect">
@@ -27358,7 +27496,7 @@
                 <a:latin typeface="나눔스퀘어 Bold" panose="020B0600000101010101" pitchFamily="50" charset="-127"/>
                 <a:ea typeface="나눔스퀘어 Bold" panose="020B0600000101010101" pitchFamily="50" charset="-127"/>
               </a:rPr>
-              <a:t> </a:t>
+              <a:t> (Multi-task Masked LM)</a:t>
             </a:r>
           </a:p>
         </p:txBody>
@@ -27394,6 +27532,468 @@
               <a:t> / 40</a:t>
             </a:r>
             <a:endParaRPr lang="en-US" dirty="0"/>
+          </a:p>
+        </p:txBody>
+      </p:sp>
+      <p:pic>
+        <p:nvPicPr>
+          <p:cNvPr id="3" name="그림 2">
+            <a:extLst>
+              <a:ext uri="{FF2B5EF4-FFF2-40B4-BE49-F238E27FC236}">
+                <a16:creationId xmlns:a16="http://schemas.microsoft.com/office/drawing/2014/main" id="{78DF5330-814F-31A0-E421-9ABF71750296}"/>
+              </a:ext>
+            </a:extLst>
+          </p:cNvPr>
+          <p:cNvPicPr>
+            <a:picLocks noChangeAspect="1"/>
+          </p:cNvPicPr>
+          <p:nvPr/>
+        </p:nvPicPr>
+        <p:blipFill>
+          <a:blip r:embed="rId4"/>
+          <a:stretch>
+            <a:fillRect/>
+          </a:stretch>
+        </p:blipFill>
+        <p:spPr>
+          <a:xfrm>
+            <a:off x="592291" y="2439915"/>
+            <a:ext cx="7163800" cy="6077798"/>
+          </a:xfrm>
+          <a:prstGeom prst="rect">
+            <a:avLst/>
+          </a:prstGeom>
+        </p:spPr>
+      </p:pic>
+      <p:sp>
+        <p:nvSpPr>
+          <p:cNvPr id="7" name="TextBox 6">
+            <a:extLst>
+              <a:ext uri="{FF2B5EF4-FFF2-40B4-BE49-F238E27FC236}">
+                <a16:creationId xmlns:a16="http://schemas.microsoft.com/office/drawing/2014/main" id="{7A6BB71F-7D8A-635D-3730-FEC18DDDAF21}"/>
+              </a:ext>
+            </a:extLst>
+          </p:cNvPr>
+          <p:cNvSpPr txBox="1"/>
+          <p:nvPr/>
+        </p:nvSpPr>
+        <p:spPr>
+          <a:xfrm>
+            <a:off x="8373291" y="2625657"/>
+            <a:ext cx="8599321" cy="7478970"/>
+          </a:xfrm>
+          <a:prstGeom prst="rect">
+            <a:avLst/>
+          </a:prstGeom>
+          <a:noFill/>
+        </p:spPr>
+        <p:txBody>
+          <a:bodyPr wrap="square">
+            <a:spAutoFit/>
+          </a:bodyPr>
+          <a:lstStyle/>
+          <a:p>
+            <a:pPr marL="342900" indent="-342900">
+              <a:buClr>
+                <a:srgbClr val="0F569B"/>
+              </a:buClr>
+              <a:buFont typeface="Arial" panose="020B0604020202020204" pitchFamily="34" charset="0"/>
+              <a:buChar char="•"/>
+            </a:pPr>
+            <a:r>
+              <a:rPr lang="en-US" altLang="ko-KR" sz="2400" dirty="0">
+                <a:latin typeface="나눔스퀘어 Bold" panose="020B0600000101010101" pitchFamily="50" charset="-127"/>
+                <a:ea typeface="나눔스퀘어 Bold" panose="020B0600000101010101" pitchFamily="50" charset="-127"/>
+              </a:rPr>
+              <a:t>Unified Language Model</a:t>
+            </a:r>
+          </a:p>
+          <a:p>
+            <a:pPr marL="342900" indent="-342900">
+              <a:buClr>
+                <a:srgbClr val="0F569B"/>
+              </a:buClr>
+              <a:buFont typeface="Arial" panose="020B0604020202020204" pitchFamily="34" charset="0"/>
+              <a:buChar char="•"/>
+            </a:pPr>
+            <a:endParaRPr lang="en-US" altLang="ko-KR" sz="2400" dirty="0">
+              <a:latin typeface="나눔스퀘어 Bold" panose="020B0600000101010101" pitchFamily="50" charset="-127"/>
+              <a:ea typeface="나눔스퀘어 Bold" panose="020B0600000101010101" pitchFamily="50" charset="-127"/>
+            </a:endParaRPr>
+          </a:p>
+          <a:p>
+            <a:pPr marL="342900" indent="-342900">
+              <a:buClr>
+                <a:srgbClr val="0F569B"/>
+              </a:buClr>
+              <a:buFont typeface="Arial" panose="020B0604020202020204" pitchFamily="34" charset="0"/>
+              <a:buChar char="•"/>
+            </a:pPr>
+            <a:r>
+              <a:rPr lang="en-US" altLang="ko-KR" sz="2400" dirty="0">
+                <a:latin typeface="나눔스퀘어 Bold" panose="020B0600000101010101" pitchFamily="50" charset="-127"/>
+                <a:ea typeface="나눔스퀘어 Bold" panose="020B0600000101010101" pitchFamily="50" charset="-127"/>
+              </a:rPr>
+              <a:t>Pretrained</a:t>
+            </a:r>
+            <a:r>
+              <a:rPr lang="ko-KR" altLang="en-US" sz="2400" dirty="0">
+                <a:latin typeface="나눔스퀘어 Bold" panose="020B0600000101010101" pitchFamily="50" charset="-127"/>
+                <a:ea typeface="나눔스퀘어 Bold" panose="020B0600000101010101" pitchFamily="50" charset="-127"/>
+              </a:rPr>
+              <a:t> </a:t>
+            </a:r>
+            <a:r>
+              <a:rPr lang="en-US" altLang="ko-KR" sz="2400" dirty="0">
+                <a:latin typeface="나눔스퀘어 Bold" panose="020B0600000101010101" pitchFamily="50" charset="-127"/>
+                <a:ea typeface="나눔스퀘어 Bold" panose="020B0600000101010101" pitchFamily="50" charset="-127"/>
+              </a:rPr>
+              <a:t>for</a:t>
+            </a:r>
+            <a:r>
+              <a:rPr lang="ko-KR" altLang="en-US" sz="2400" dirty="0">
+                <a:latin typeface="나눔스퀘어 Bold" panose="020B0600000101010101" pitchFamily="50" charset="-127"/>
+                <a:ea typeface="나눔스퀘어 Bold" panose="020B0600000101010101" pitchFamily="50" charset="-127"/>
+              </a:rPr>
+              <a:t> </a:t>
+            </a:r>
+            <a:r>
+              <a:rPr lang="en-US" altLang="ko-KR" sz="2400" dirty="0">
+                <a:solidFill>
+                  <a:srgbClr val="3B7DDD"/>
+                </a:solidFill>
+                <a:latin typeface="나눔스퀘어 Bold" panose="020B0600000101010101" pitchFamily="50" charset="-127"/>
+                <a:ea typeface="나눔스퀘어 Bold" panose="020B0600000101010101" pitchFamily="50" charset="-127"/>
+              </a:rPr>
+              <a:t>Unidirectional LM, Bidirectional LM, Sequence-to-Sequence LM,</a:t>
+            </a:r>
+            <a:r>
+              <a:rPr lang="ko-KR" altLang="en-US" sz="2400" dirty="0">
+                <a:solidFill>
+                  <a:srgbClr val="3B7DDD"/>
+                </a:solidFill>
+                <a:latin typeface="나눔스퀘어 Bold" panose="020B0600000101010101" pitchFamily="50" charset="-127"/>
+                <a:ea typeface="나눔스퀘어 Bold" panose="020B0600000101010101" pitchFamily="50" charset="-127"/>
+              </a:rPr>
+              <a:t> </a:t>
+            </a:r>
+            <a:r>
+              <a:rPr lang="en-US" altLang="ko-KR" sz="2400" dirty="0">
+                <a:solidFill>
+                  <a:srgbClr val="3B7DDD"/>
+                </a:solidFill>
+                <a:latin typeface="나눔스퀘어 Bold" panose="020B0600000101010101" pitchFamily="50" charset="-127"/>
+                <a:ea typeface="나눔스퀘어 Bold" panose="020B0600000101010101" pitchFamily="50" charset="-127"/>
+              </a:rPr>
+              <a:t>Next Sentence Prediction</a:t>
+            </a:r>
+          </a:p>
+          <a:p>
+            <a:pPr>
+              <a:buClr>
+                <a:srgbClr val="0F569B"/>
+              </a:buClr>
+            </a:pPr>
+            <a:r>
+              <a:rPr lang="en-US" altLang="ko-KR" sz="2400" dirty="0">
+                <a:latin typeface="나눔스퀘어 Bold" panose="020B0600000101010101" pitchFamily="50" charset="-127"/>
+                <a:ea typeface="나눔스퀘어 Bold" panose="020B0600000101010101" pitchFamily="50" charset="-127"/>
+              </a:rPr>
+              <a:t>(With only Transformer Encoder)</a:t>
+            </a:r>
+          </a:p>
+          <a:p>
+            <a:pPr marL="342900" indent="-342900">
+              <a:buClr>
+                <a:srgbClr val="0F569B"/>
+              </a:buClr>
+              <a:buFont typeface="Arial" panose="020B0604020202020204" pitchFamily="34" charset="0"/>
+              <a:buChar char="•"/>
+            </a:pPr>
+            <a:endParaRPr lang="en-US" altLang="ko-KR" sz="2400" dirty="0">
+              <a:latin typeface="나눔스퀘어 Bold" panose="020B0600000101010101" pitchFamily="50" charset="-127"/>
+              <a:ea typeface="나눔스퀘어 Bold" panose="020B0600000101010101" pitchFamily="50" charset="-127"/>
+            </a:endParaRPr>
+          </a:p>
+          <a:p>
+            <a:pPr marL="342900" indent="-342900">
+              <a:buClr>
+                <a:srgbClr val="0F569B"/>
+              </a:buClr>
+              <a:buFont typeface="Arial" panose="020B0604020202020204" pitchFamily="34" charset="0"/>
+              <a:buChar char="•"/>
+            </a:pPr>
+            <a:r>
+              <a:rPr lang="en-US" altLang="ko-KR" sz="2400" dirty="0">
+                <a:latin typeface="나눔스퀘어 Bold" panose="020B0600000101010101" pitchFamily="50" charset="-127"/>
+                <a:ea typeface="나눔스퀘어 Bold" panose="020B0600000101010101" pitchFamily="50" charset="-127"/>
+              </a:rPr>
+              <a:t>Why Multi-task?</a:t>
+            </a:r>
+          </a:p>
+          <a:p>
+            <a:pPr marL="342900" indent="-342900">
+              <a:buClr>
+                <a:srgbClr val="0F569B"/>
+              </a:buClr>
+              <a:buFont typeface="Arial" panose="020B0604020202020204" pitchFamily="34" charset="0"/>
+              <a:buChar char="•"/>
+            </a:pPr>
+            <a:endParaRPr lang="en-US" altLang="ko-KR" sz="2400" dirty="0">
+              <a:latin typeface="나눔스퀘어 Bold" panose="020B0600000101010101" pitchFamily="50" charset="-127"/>
+              <a:ea typeface="나눔스퀘어 Bold" panose="020B0600000101010101" pitchFamily="50" charset="-127"/>
+            </a:endParaRPr>
+          </a:p>
+          <a:p>
+            <a:pPr marL="342900" indent="-342900">
+              <a:buClr>
+                <a:srgbClr val="0F569B"/>
+              </a:buClr>
+              <a:buFont typeface="Arial" panose="020B0604020202020204" pitchFamily="34" charset="0"/>
+              <a:buChar char="•"/>
+            </a:pPr>
+            <a:r>
+              <a:rPr lang="en-US" altLang="ko-KR" sz="2400" dirty="0">
+                <a:latin typeface="나눔스퀘어 Bold" panose="020B0600000101010101" pitchFamily="50" charset="-127"/>
+                <a:ea typeface="나눔스퀘어 Bold" panose="020B0600000101010101" pitchFamily="50" charset="-127"/>
+              </a:rPr>
+              <a:t>Pretrained for doing NLU + NLG in Single Architecture (Use different Attention Mask)</a:t>
+            </a:r>
+          </a:p>
+          <a:p>
+            <a:pPr marL="342900" indent="-342900">
+              <a:buClr>
+                <a:srgbClr val="0F569B"/>
+              </a:buClr>
+              <a:buFont typeface="Arial" panose="020B0604020202020204" pitchFamily="34" charset="0"/>
+              <a:buChar char="•"/>
+            </a:pPr>
+            <a:endParaRPr lang="en-US" altLang="ko-KR" sz="2400" dirty="0">
+              <a:latin typeface="나눔스퀘어 Bold" panose="020B0600000101010101" pitchFamily="50" charset="-127"/>
+              <a:ea typeface="나눔스퀘어 Bold" panose="020B0600000101010101" pitchFamily="50" charset="-127"/>
+            </a:endParaRPr>
+          </a:p>
+          <a:p>
+            <a:pPr marL="342900" indent="-342900">
+              <a:buClr>
+                <a:srgbClr val="0F569B"/>
+              </a:buClr>
+              <a:buFont typeface="Arial" panose="020B0604020202020204" pitchFamily="34" charset="0"/>
+              <a:buChar char="•"/>
+            </a:pPr>
+            <a:r>
+              <a:rPr lang="en-US" altLang="ko-KR" sz="2400" dirty="0">
+                <a:latin typeface="나눔스퀘어 Bold" panose="020B0600000101010101" pitchFamily="50" charset="-127"/>
+                <a:ea typeface="나눔스퀘어 Bold" panose="020B0600000101010101" pitchFamily="50" charset="-127"/>
+              </a:rPr>
+              <a:t>vs </a:t>
+            </a:r>
+            <a:r>
+              <a:rPr lang="en-US" altLang="ko-KR" sz="2400" dirty="0">
+                <a:solidFill>
+                  <a:srgbClr val="3B7DDD"/>
+                </a:solidFill>
+                <a:latin typeface="나눔스퀘어 Bold" panose="020B0600000101010101" pitchFamily="50" charset="-127"/>
+                <a:ea typeface="나눔스퀘어 Bold" panose="020B0600000101010101" pitchFamily="50" charset="-127"/>
+              </a:rPr>
+              <a:t>GPT2</a:t>
+            </a:r>
+          </a:p>
+          <a:p>
+            <a:pPr marL="342900" indent="-342900">
+              <a:buClr>
+                <a:srgbClr val="0F569B"/>
+              </a:buClr>
+              <a:buFont typeface="Arial" panose="020B0604020202020204" pitchFamily="34" charset="0"/>
+              <a:buChar char="•"/>
+            </a:pPr>
+            <a:endParaRPr lang="en-US" altLang="ko-KR" sz="2400" dirty="0">
+              <a:solidFill>
+                <a:srgbClr val="3B7DDD"/>
+              </a:solidFill>
+              <a:latin typeface="나눔스퀘어 Bold" panose="020B0600000101010101" pitchFamily="50" charset="-127"/>
+              <a:ea typeface="나눔스퀘어 Bold" panose="020B0600000101010101" pitchFamily="50" charset="-127"/>
+            </a:endParaRPr>
+          </a:p>
+          <a:p>
+            <a:pPr marL="342900" indent="-342900">
+              <a:buClr>
+                <a:srgbClr val="0F569B"/>
+              </a:buClr>
+              <a:buFont typeface="Arial" panose="020B0604020202020204" pitchFamily="34" charset="0"/>
+              <a:buChar char="•"/>
+            </a:pPr>
+            <a:r>
+              <a:rPr lang="en-US" altLang="ko-KR" sz="2400" dirty="0">
+                <a:latin typeface="나눔스퀘어 Bold" panose="020B0600000101010101" pitchFamily="50" charset="-127"/>
+                <a:ea typeface="나눔스퀘어 Bold" panose="020B0600000101010101" pitchFamily="50" charset="-127"/>
+              </a:rPr>
+              <a:t>GPT2</a:t>
+            </a:r>
+            <a:r>
+              <a:rPr lang="ko-KR" altLang="en-US" sz="2400" dirty="0">
+                <a:latin typeface="나눔스퀘어 Bold" panose="020B0600000101010101" pitchFamily="50" charset="-127"/>
+                <a:ea typeface="나눔스퀘어 Bold" panose="020B0600000101010101" pitchFamily="50" charset="-127"/>
+              </a:rPr>
+              <a:t>는 </a:t>
+            </a:r>
+            <a:r>
+              <a:rPr lang="ko-KR" altLang="en-US" sz="2400" dirty="0" err="1">
+                <a:latin typeface="나눔스퀘어 Bold" panose="020B0600000101010101" pitchFamily="50" charset="-127"/>
+                <a:ea typeface="나눔스퀘어 Bold" panose="020B0600000101010101" pitchFamily="50" charset="-127"/>
+              </a:rPr>
+              <a:t>파인튜닝</a:t>
+            </a:r>
+            <a:r>
+              <a:rPr lang="ko-KR" altLang="en-US" sz="2400" dirty="0">
+                <a:latin typeface="나눔스퀘어 Bold" panose="020B0600000101010101" pitchFamily="50" charset="-127"/>
+                <a:ea typeface="나눔스퀘어 Bold" panose="020B0600000101010101" pitchFamily="50" charset="-127"/>
+              </a:rPr>
+              <a:t> 안 해도 다양한 </a:t>
+            </a:r>
+            <a:r>
+              <a:rPr lang="en-US" altLang="ko-KR" sz="2400" dirty="0">
+                <a:latin typeface="나눔스퀘어 Bold" panose="020B0600000101010101" pitchFamily="50" charset="-127"/>
+                <a:ea typeface="나눔스퀘어 Bold" panose="020B0600000101010101" pitchFamily="50" charset="-127"/>
+              </a:rPr>
+              <a:t>Task </a:t>
+            </a:r>
+            <a:r>
+              <a:rPr lang="ko-KR" altLang="en-US" sz="2400" dirty="0">
+                <a:latin typeface="나눔스퀘어 Bold" panose="020B0600000101010101" pitchFamily="50" charset="-127"/>
+                <a:ea typeface="나눔스퀘어 Bold" panose="020B0600000101010101" pitchFamily="50" charset="-127"/>
+              </a:rPr>
+              <a:t>수행할 수 있는 </a:t>
+            </a:r>
+            <a:r>
+              <a:rPr lang="en-US" altLang="ko-KR" sz="2400" dirty="0">
+                <a:latin typeface="나눔스퀘어 Bold" panose="020B0600000101010101" pitchFamily="50" charset="-127"/>
+                <a:ea typeface="나눔스퀘어 Bold" panose="020B0600000101010101" pitchFamily="50" charset="-127"/>
+              </a:rPr>
+              <a:t>Zero-shot Multi-task (Zero-shot Learner). </a:t>
+            </a:r>
+            <a:r>
+              <a:rPr lang="ko-KR" altLang="en-US" sz="2400" dirty="0">
+                <a:latin typeface="나눔스퀘어 Bold" panose="020B0600000101010101" pitchFamily="50" charset="-127"/>
+                <a:ea typeface="나눔스퀘어 Bold" panose="020B0600000101010101" pitchFamily="50" charset="-127"/>
+              </a:rPr>
+              <a:t>하지만 </a:t>
+            </a:r>
+            <a:r>
+              <a:rPr lang="en-US" altLang="ko-KR" sz="2400" dirty="0" err="1">
+                <a:latin typeface="나눔스퀘어 Bold" panose="020B0600000101010101" pitchFamily="50" charset="-127"/>
+                <a:ea typeface="나눔스퀘어 Bold" panose="020B0600000101010101" pitchFamily="50" charset="-127"/>
+              </a:rPr>
+              <a:t>UniLM</a:t>
+            </a:r>
+            <a:r>
+              <a:rPr lang="ko-KR" altLang="en-US" sz="2400" dirty="0">
+                <a:latin typeface="나눔스퀘어 Bold" panose="020B0600000101010101" pitchFamily="50" charset="-127"/>
+                <a:ea typeface="나눔스퀘어 Bold" panose="020B0600000101010101" pitchFamily="50" charset="-127"/>
+              </a:rPr>
+              <a:t>은 </a:t>
+            </a:r>
+            <a:r>
+              <a:rPr lang="en-US" altLang="ko-KR" sz="2400" dirty="0">
+                <a:latin typeface="나눔스퀘어 Bold" panose="020B0600000101010101" pitchFamily="50" charset="-127"/>
+                <a:ea typeface="나눔스퀘어 Bold" panose="020B0600000101010101" pitchFamily="50" charset="-127"/>
+              </a:rPr>
+              <a:t>Pre-train </a:t>
+            </a:r>
+            <a:r>
+              <a:rPr lang="ko-KR" altLang="en-US" sz="2400" dirty="0">
+                <a:latin typeface="나눔스퀘어 Bold" panose="020B0600000101010101" pitchFamily="50" charset="-127"/>
+                <a:ea typeface="나눔스퀘어 Bold" panose="020B0600000101010101" pitchFamily="50" charset="-127"/>
+              </a:rPr>
+              <a:t>후 </a:t>
+            </a:r>
+            <a:r>
+              <a:rPr lang="ko-KR" altLang="en-US" sz="2400" dirty="0" err="1">
+                <a:latin typeface="나눔스퀘어 Bold" panose="020B0600000101010101" pitchFamily="50" charset="-127"/>
+                <a:ea typeface="나눔스퀘어 Bold" panose="020B0600000101010101" pitchFamily="50" charset="-127"/>
+              </a:rPr>
+              <a:t>파인튜닝까지</a:t>
+            </a:r>
+            <a:r>
+              <a:rPr lang="ko-KR" altLang="en-US" sz="2400" dirty="0">
+                <a:latin typeface="나눔스퀘어 Bold" panose="020B0600000101010101" pitchFamily="50" charset="-127"/>
+                <a:ea typeface="나눔스퀘어 Bold" panose="020B0600000101010101" pitchFamily="50" charset="-127"/>
+              </a:rPr>
+              <a:t> 필요함</a:t>
+            </a:r>
+            <a:r>
+              <a:rPr lang="en-US" altLang="ko-KR" sz="2400" dirty="0">
+                <a:latin typeface="나눔스퀘어 Bold" panose="020B0600000101010101" pitchFamily="50" charset="-127"/>
+                <a:ea typeface="나눔스퀘어 Bold" panose="020B0600000101010101" pitchFamily="50" charset="-127"/>
+              </a:rPr>
+              <a:t>. (</a:t>
+            </a:r>
+            <a:r>
+              <a:rPr lang="ko-KR" altLang="en-US" sz="2400" dirty="0">
+                <a:latin typeface="나눔스퀘어 Bold" panose="020B0600000101010101" pitchFamily="50" charset="-127"/>
+                <a:ea typeface="나눔스퀘어 Bold" panose="020B0600000101010101" pitchFamily="50" charset="-127"/>
+              </a:rPr>
+              <a:t>추가적인 레이어는 필요 </a:t>
+            </a:r>
+            <a:r>
+              <a:rPr lang="en-US" altLang="ko-KR" sz="2400" dirty="0">
+                <a:latin typeface="나눔스퀘어 Bold" panose="020B0600000101010101" pitchFamily="50" charset="-127"/>
+                <a:ea typeface="나눔스퀘어 Bold" panose="020B0600000101010101" pitchFamily="50" charset="-127"/>
+              </a:rPr>
+              <a:t>X)</a:t>
+            </a:r>
+          </a:p>
+          <a:p>
+            <a:pPr marL="342900" indent="-342900">
+              <a:buClr>
+                <a:srgbClr val="0F569B"/>
+              </a:buClr>
+              <a:buFont typeface="Arial" panose="020B0604020202020204" pitchFamily="34" charset="0"/>
+              <a:buChar char="•"/>
+            </a:pPr>
+            <a:endParaRPr lang="en-US" altLang="ko-KR" sz="2400" dirty="0">
+              <a:latin typeface="나눔스퀘어 Bold" panose="020B0600000101010101" pitchFamily="50" charset="-127"/>
+              <a:ea typeface="나눔스퀘어 Bold" panose="020B0600000101010101" pitchFamily="50" charset="-127"/>
+            </a:endParaRPr>
+          </a:p>
+          <a:p>
+            <a:pPr marL="342900" indent="-342900">
+              <a:buClr>
+                <a:srgbClr val="0F569B"/>
+              </a:buClr>
+              <a:buFont typeface="Arial" panose="020B0604020202020204" pitchFamily="34" charset="0"/>
+              <a:buChar char="•"/>
+            </a:pPr>
+            <a:endParaRPr lang="en-US" altLang="ko-KR" sz="2400" dirty="0">
+              <a:latin typeface="나눔스퀘어 Bold" panose="020B0600000101010101" pitchFamily="50" charset="-127"/>
+              <a:ea typeface="나눔스퀘어 Bold" panose="020B0600000101010101" pitchFamily="50" charset="-127"/>
+            </a:endParaRPr>
+          </a:p>
+          <a:p>
+            <a:pPr marL="342900" indent="-342900">
+              <a:buClr>
+                <a:srgbClr val="0F569B"/>
+              </a:buClr>
+              <a:buFont typeface="Arial" panose="020B0604020202020204" pitchFamily="34" charset="0"/>
+              <a:buChar char="•"/>
+            </a:pPr>
+            <a:endParaRPr lang="en-US" altLang="ko-KR" sz="2400" dirty="0">
+              <a:latin typeface="나눔스퀘어 Bold" panose="020B0600000101010101" pitchFamily="50" charset="-127"/>
+              <a:ea typeface="나눔스퀘어 Bold" panose="020B0600000101010101" pitchFamily="50" charset="-127"/>
+            </a:endParaRPr>
+          </a:p>
+          <a:p>
+            <a:pPr marL="342900" indent="-342900">
+              <a:buClr>
+                <a:srgbClr val="0F569B"/>
+              </a:buClr>
+              <a:buFont typeface="Arial" panose="020B0604020202020204" pitchFamily="34" charset="0"/>
+              <a:buChar char="•"/>
+            </a:pPr>
+            <a:endParaRPr lang="ko-KR" altLang="en-US" sz="2400" dirty="0">
+              <a:latin typeface="나눔스퀘어 Bold" panose="020B0600000101010101" pitchFamily="50" charset="-127"/>
+              <a:ea typeface="나눔스퀘어 Bold" panose="020B0600000101010101" pitchFamily="50" charset="-127"/>
+            </a:endParaRPr>
           </a:p>
         </p:txBody>
       </p:sp>
@@ -27593,8 +28193,8 @@
         </p:nvSpPr>
         <p:spPr>
           <a:xfrm>
-            <a:off x="582766" y="2095500"/>
-            <a:ext cx="9158288" cy="1323439"/>
+            <a:off x="582766" y="1655508"/>
+            <a:ext cx="6354262" cy="707886"/>
           </a:xfrm>
           <a:prstGeom prst="rect">
             <a:avLst/>
@@ -27612,14 +28212,8 @@
                 <a:latin typeface="나눔스퀘어 Bold" panose="020B0600000101010101" pitchFamily="50" charset="-127"/>
                 <a:ea typeface="나눔스퀘어 Bold" panose="020B0600000101010101" pitchFamily="50" charset="-127"/>
               </a:rPr>
-              <a:t>MASS  </a:t>
-            </a:r>
-          </a:p>
-          <a:p>
-            <a:endParaRPr lang="en-US" altLang="ko-KR" sz="4000" dirty="0">
-              <a:latin typeface="나눔스퀘어 Bold" panose="020B0600000101010101" pitchFamily="50" charset="-127"/>
-              <a:ea typeface="나눔스퀘어 Bold" panose="020B0600000101010101" pitchFamily="50" charset="-127"/>
-            </a:endParaRPr>
+              <a:t>MASS (Masked Seq2Seq)  </a:t>
+            </a:r>
           </a:p>
         </p:txBody>
       </p:sp>
@@ -27654,6 +28248,559 @@
               <a:t> / 40</a:t>
             </a:r>
             <a:endParaRPr lang="en-US" dirty="0"/>
+          </a:p>
+        </p:txBody>
+      </p:sp>
+      <p:grpSp>
+        <p:nvGrpSpPr>
+          <p:cNvPr id="11" name="그룹 10">
+            <a:extLst>
+              <a:ext uri="{FF2B5EF4-FFF2-40B4-BE49-F238E27FC236}">
+                <a16:creationId xmlns:a16="http://schemas.microsoft.com/office/drawing/2014/main" id="{87925369-098D-070A-3591-AE8C8E804BBC}"/>
+              </a:ext>
+            </a:extLst>
+          </p:cNvPr>
+          <p:cNvGrpSpPr/>
+          <p:nvPr/>
+        </p:nvGrpSpPr>
+        <p:grpSpPr>
+          <a:xfrm>
+            <a:off x="457200" y="3413286"/>
+            <a:ext cx="6354263" cy="3787327"/>
+            <a:chOff x="427324" y="3009900"/>
+            <a:chExt cx="6354263" cy="3787327"/>
+          </a:xfrm>
+        </p:grpSpPr>
+        <p:pic>
+          <p:nvPicPr>
+            <p:cNvPr id="7" name="그림 6">
+              <a:extLst>
+                <a:ext uri="{FF2B5EF4-FFF2-40B4-BE49-F238E27FC236}">
+                  <a16:creationId xmlns:a16="http://schemas.microsoft.com/office/drawing/2014/main" id="{01E3B701-2FFC-0162-9473-1FACA19B40AC}"/>
+                </a:ext>
+              </a:extLst>
+            </p:cNvPr>
+            <p:cNvPicPr>
+              <a:picLocks noChangeAspect="1"/>
+            </p:cNvPicPr>
+            <p:nvPr/>
+          </p:nvPicPr>
+          <p:blipFill>
+            <a:blip r:embed="rId4"/>
+            <a:stretch>
+              <a:fillRect/>
+            </a:stretch>
+          </p:blipFill>
+          <p:spPr>
+            <a:xfrm>
+              <a:off x="427324" y="3009900"/>
+              <a:ext cx="6354262" cy="1905000"/>
+            </a:xfrm>
+            <a:prstGeom prst="rect">
+              <a:avLst/>
+            </a:prstGeom>
+          </p:spPr>
+        </p:pic>
+        <p:pic>
+          <p:nvPicPr>
+            <p:cNvPr id="9" name="그림 8">
+              <a:extLst>
+                <a:ext uri="{FF2B5EF4-FFF2-40B4-BE49-F238E27FC236}">
+                  <a16:creationId xmlns:a16="http://schemas.microsoft.com/office/drawing/2014/main" id="{D006A153-7D25-AC79-E6E1-7CE05B433960}"/>
+                </a:ext>
+              </a:extLst>
+            </p:cNvPr>
+            <p:cNvPicPr>
+              <a:picLocks noChangeAspect="1"/>
+            </p:cNvPicPr>
+            <p:nvPr/>
+          </p:nvPicPr>
+          <p:blipFill>
+            <a:blip r:embed="rId5"/>
+            <a:stretch>
+              <a:fillRect/>
+            </a:stretch>
+          </p:blipFill>
+          <p:spPr>
+            <a:xfrm>
+              <a:off x="582767" y="5060543"/>
+              <a:ext cx="6198820" cy="1736684"/>
+            </a:xfrm>
+            <a:prstGeom prst="rect">
+              <a:avLst/>
+            </a:prstGeom>
+          </p:spPr>
+        </p:pic>
+      </p:grpSp>
+      <p:sp>
+        <p:nvSpPr>
+          <p:cNvPr id="12" name="TextBox 11">
+            <a:extLst>
+              <a:ext uri="{FF2B5EF4-FFF2-40B4-BE49-F238E27FC236}">
+                <a16:creationId xmlns:a16="http://schemas.microsoft.com/office/drawing/2014/main" id="{E3550F6B-3934-5480-07E3-71630B872704}"/>
+              </a:ext>
+            </a:extLst>
+          </p:cNvPr>
+          <p:cNvSpPr txBox="1"/>
+          <p:nvPr/>
+        </p:nvSpPr>
+        <p:spPr>
+          <a:xfrm>
+            <a:off x="8373291" y="2625657"/>
+            <a:ext cx="8599321" cy="6001643"/>
+          </a:xfrm>
+          <a:prstGeom prst="rect">
+            <a:avLst/>
+          </a:prstGeom>
+          <a:noFill/>
+        </p:spPr>
+        <p:txBody>
+          <a:bodyPr wrap="square">
+            <a:spAutoFit/>
+          </a:bodyPr>
+          <a:lstStyle/>
+          <a:p>
+            <a:pPr marL="342900" indent="-342900">
+              <a:buClr>
+                <a:srgbClr val="0F569B"/>
+              </a:buClr>
+              <a:buFont typeface="Arial" panose="020B0604020202020204" pitchFamily="34" charset="0"/>
+              <a:buChar char="•"/>
+            </a:pPr>
+            <a:r>
+              <a:rPr lang="en-US" altLang="ko-KR" sz="2400" dirty="0" err="1">
+                <a:latin typeface="나눔스퀘어 Bold" panose="020B0600000101010101" pitchFamily="50" charset="-127"/>
+                <a:ea typeface="나눔스퀘어 Bold" panose="020B0600000101010101" pitchFamily="50" charset="-127"/>
+              </a:rPr>
+              <a:t>MAsked</a:t>
+            </a:r>
+            <a:r>
+              <a:rPr lang="en-US" altLang="ko-KR" sz="2400" dirty="0">
+                <a:latin typeface="나눔스퀘어 Bold" panose="020B0600000101010101" pitchFamily="50" charset="-127"/>
+                <a:ea typeface="나눔스퀘어 Bold" panose="020B0600000101010101" pitchFamily="50" charset="-127"/>
+              </a:rPr>
+              <a:t> Sequence to Sequence pre-training</a:t>
+            </a:r>
+          </a:p>
+          <a:p>
+            <a:pPr>
+              <a:buClr>
+                <a:srgbClr val="0F569B"/>
+              </a:buClr>
+            </a:pPr>
+            <a:endParaRPr lang="en-US" altLang="ko-KR" sz="2400" dirty="0">
+              <a:latin typeface="나눔스퀘어 Bold" panose="020B0600000101010101" pitchFamily="50" charset="-127"/>
+              <a:ea typeface="나눔스퀘어 Bold" panose="020B0600000101010101" pitchFamily="50" charset="-127"/>
+            </a:endParaRPr>
+          </a:p>
+          <a:p>
+            <a:pPr marL="342900" indent="-342900">
+              <a:buClr>
+                <a:srgbClr val="0F569B"/>
+              </a:buClr>
+              <a:buFont typeface="Arial" panose="020B0604020202020204" pitchFamily="34" charset="0"/>
+              <a:buChar char="•"/>
+            </a:pPr>
+            <a:r>
+              <a:rPr lang="en-US" altLang="ko-KR" sz="2400" dirty="0">
+                <a:latin typeface="나눔스퀘어 Bold" panose="020B0600000101010101" pitchFamily="50" charset="-127"/>
+                <a:ea typeface="나눔스퀘어 Bold" panose="020B0600000101010101" pitchFamily="50" charset="-127"/>
+              </a:rPr>
+              <a:t>Pretrained for Masked Spans, Good at Sequence Generation</a:t>
+            </a:r>
+          </a:p>
+          <a:p>
+            <a:pPr>
+              <a:buClr>
+                <a:srgbClr val="0F569B"/>
+              </a:buClr>
+            </a:pPr>
+            <a:endParaRPr lang="en-US" altLang="ko-KR" sz="2400" dirty="0">
+              <a:latin typeface="나눔스퀘어 Bold" panose="020B0600000101010101" pitchFamily="50" charset="-127"/>
+              <a:ea typeface="나눔스퀘어 Bold" panose="020B0600000101010101" pitchFamily="50" charset="-127"/>
+            </a:endParaRPr>
+          </a:p>
+          <a:p>
+            <a:pPr marL="342900" indent="-342900">
+              <a:buClr>
+                <a:srgbClr val="0F569B"/>
+              </a:buClr>
+              <a:buFont typeface="Arial" panose="020B0604020202020204" pitchFamily="34" charset="0"/>
+              <a:buChar char="•"/>
+            </a:pPr>
+            <a:r>
+              <a:rPr lang="en-US" altLang="ko-KR" sz="2400" dirty="0">
+                <a:latin typeface="나눔스퀘어 Bold" panose="020B0600000101010101" pitchFamily="50" charset="-127"/>
+                <a:ea typeface="나눔스퀘어 Bold" panose="020B0600000101010101" pitchFamily="50" charset="-127"/>
+              </a:rPr>
+              <a:t>vs </a:t>
+            </a:r>
+            <a:r>
+              <a:rPr lang="en-US" altLang="ko-KR" sz="2400" dirty="0">
+                <a:solidFill>
+                  <a:srgbClr val="3B7DDD"/>
+                </a:solidFill>
+                <a:latin typeface="나눔스퀘어 Bold" panose="020B0600000101010101" pitchFamily="50" charset="-127"/>
+                <a:ea typeface="나눔스퀘어 Bold" panose="020B0600000101010101" pitchFamily="50" charset="-127"/>
+              </a:rPr>
+              <a:t>BERT MASK</a:t>
+            </a:r>
+          </a:p>
+          <a:p>
+            <a:pPr marL="342900" indent="-342900">
+              <a:buClr>
+                <a:srgbClr val="0F569B"/>
+              </a:buClr>
+              <a:buFont typeface="Arial" panose="020B0604020202020204" pitchFamily="34" charset="0"/>
+              <a:buChar char="•"/>
+            </a:pPr>
+            <a:endParaRPr lang="en-US" altLang="ko-KR" sz="2400" dirty="0">
+              <a:solidFill>
+                <a:srgbClr val="3B7DDD"/>
+              </a:solidFill>
+              <a:latin typeface="나눔스퀘어 Bold" panose="020B0600000101010101" pitchFamily="50" charset="-127"/>
+              <a:ea typeface="나눔스퀘어 Bold" panose="020B0600000101010101" pitchFamily="50" charset="-127"/>
+            </a:endParaRPr>
+          </a:p>
+          <a:p>
+            <a:pPr marL="342900" indent="-342900">
+              <a:buClr>
+                <a:srgbClr val="0F569B"/>
+              </a:buClr>
+              <a:buFont typeface="Arial" panose="020B0604020202020204" pitchFamily="34" charset="0"/>
+              <a:buChar char="•"/>
+            </a:pPr>
+            <a:r>
+              <a:rPr lang="en-US" altLang="ko-KR" sz="2400" dirty="0">
+                <a:latin typeface="나눔스퀘어 Bold" panose="020B0600000101010101" pitchFamily="50" charset="-127"/>
+                <a:ea typeface="나눔스퀘어 Bold" panose="020B0600000101010101" pitchFamily="50" charset="-127"/>
+              </a:rPr>
+              <a:t>BERT</a:t>
+            </a:r>
+            <a:r>
+              <a:rPr lang="ko-KR" altLang="en-US" sz="2400" dirty="0">
+                <a:latin typeface="나눔스퀘어 Bold" panose="020B0600000101010101" pitchFamily="50" charset="-127"/>
+                <a:ea typeface="나눔스퀘어 Bold" panose="020B0600000101010101" pitchFamily="50" charset="-127"/>
+              </a:rPr>
+              <a:t>는 전체 토큰의 </a:t>
+            </a:r>
+            <a:r>
+              <a:rPr lang="en-US" altLang="ko-KR" sz="2400" dirty="0">
+                <a:latin typeface="나눔스퀘어 Bold" panose="020B0600000101010101" pitchFamily="50" charset="-127"/>
+                <a:ea typeface="나눔스퀘어 Bold" panose="020B0600000101010101" pitchFamily="50" charset="-127"/>
+              </a:rPr>
+              <a:t>15%</a:t>
+            </a:r>
+            <a:r>
+              <a:rPr lang="ko-KR" altLang="en-US" sz="2400" dirty="0">
+                <a:latin typeface="나눔스퀘어 Bold" panose="020B0600000101010101" pitchFamily="50" charset="-127"/>
+                <a:ea typeface="나눔스퀘어 Bold" panose="020B0600000101010101" pitchFamily="50" charset="-127"/>
+              </a:rPr>
+              <a:t>를 </a:t>
+            </a:r>
+            <a:r>
+              <a:rPr lang="en-US" altLang="ko-KR" sz="2400" dirty="0">
+                <a:latin typeface="나눔스퀘어 Bold" panose="020B0600000101010101" pitchFamily="50" charset="-127"/>
+                <a:ea typeface="나눔스퀘어 Bold" panose="020B0600000101010101" pitchFamily="50" charset="-127"/>
+              </a:rPr>
+              <a:t>Mask, MASS</a:t>
+            </a:r>
+            <a:r>
+              <a:rPr lang="ko-KR" altLang="en-US" sz="2400" dirty="0">
+                <a:latin typeface="나눔스퀘어 Bold" panose="020B0600000101010101" pitchFamily="50" charset="-127"/>
+                <a:ea typeface="나눔스퀘어 Bold" panose="020B0600000101010101" pitchFamily="50" charset="-127"/>
+              </a:rPr>
+              <a:t>는 전체 토큰의 </a:t>
+            </a:r>
+            <a:r>
+              <a:rPr lang="en-US" altLang="ko-KR" sz="2400" dirty="0">
+                <a:latin typeface="나눔스퀘어 Bold" panose="020B0600000101010101" pitchFamily="50" charset="-127"/>
+                <a:ea typeface="나눔스퀘어 Bold" panose="020B0600000101010101" pitchFamily="50" charset="-127"/>
+              </a:rPr>
+              <a:t>50% </a:t>
+            </a:r>
+            <a:r>
+              <a:rPr lang="ko-KR" altLang="en-US" sz="2400" dirty="0">
+                <a:latin typeface="나눔스퀘어 Bold" panose="020B0600000101010101" pitchFamily="50" charset="-127"/>
+                <a:ea typeface="나눔스퀘어 Bold" panose="020B0600000101010101" pitchFamily="50" charset="-127"/>
+              </a:rPr>
+              <a:t>정도를 </a:t>
+            </a:r>
+            <a:r>
+              <a:rPr lang="en-US" altLang="ko-KR" sz="2400" dirty="0">
+                <a:latin typeface="나눔스퀘어 Bold" panose="020B0600000101010101" pitchFamily="50" charset="-127"/>
+                <a:ea typeface="나눔스퀘어 Bold" panose="020B0600000101010101" pitchFamily="50" charset="-127"/>
+              </a:rPr>
+              <a:t>Mask.</a:t>
+            </a:r>
+            <a:r>
+              <a:rPr lang="ko-KR" altLang="en-US" sz="2400" dirty="0">
+                <a:latin typeface="나눔스퀘어 Bold" panose="020B0600000101010101" pitchFamily="50" charset="-127"/>
+                <a:ea typeface="나눔스퀘어 Bold" panose="020B0600000101010101" pitchFamily="50" charset="-127"/>
+              </a:rPr>
+              <a:t> 대신 한 시퀀스 안에서 </a:t>
+            </a:r>
+            <a:r>
+              <a:rPr lang="en-US" altLang="ko-KR" sz="2400" dirty="0">
+                <a:latin typeface="나눔스퀘어 Bold" panose="020B0600000101010101" pitchFamily="50" charset="-127"/>
+                <a:ea typeface="나눔스퀘어 Bold" panose="020B0600000101010101" pitchFamily="50" charset="-127"/>
+              </a:rPr>
+              <a:t>Mask</a:t>
+            </a:r>
+            <a:r>
+              <a:rPr lang="ko-KR" altLang="en-US" sz="2400" dirty="0">
+                <a:latin typeface="나눔스퀘어 Bold" panose="020B0600000101010101" pitchFamily="50" charset="-127"/>
+                <a:ea typeface="나눔스퀘어 Bold" panose="020B0600000101010101" pitchFamily="50" charset="-127"/>
+              </a:rPr>
+              <a:t>가 연속적임</a:t>
+            </a:r>
+            <a:r>
+              <a:rPr lang="en-US" altLang="ko-KR" sz="2400" dirty="0">
+                <a:latin typeface="나눔스퀘어 Bold" panose="020B0600000101010101" pitchFamily="50" charset="-127"/>
+                <a:ea typeface="나눔스퀘어 Bold" panose="020B0600000101010101" pitchFamily="50" charset="-127"/>
+              </a:rPr>
+              <a:t>.</a:t>
+            </a:r>
+          </a:p>
+          <a:p>
+            <a:pPr>
+              <a:buClr>
+                <a:srgbClr val="0F569B"/>
+              </a:buClr>
+            </a:pPr>
+            <a:endParaRPr lang="en-US" altLang="ko-KR" sz="2400" dirty="0">
+              <a:latin typeface="나눔스퀘어 Bold" panose="020B0600000101010101" pitchFamily="50" charset="-127"/>
+              <a:ea typeface="나눔스퀘어 Bold" panose="020B0600000101010101" pitchFamily="50" charset="-127"/>
+            </a:endParaRPr>
+          </a:p>
+          <a:p>
+            <a:pPr marL="342900" indent="-342900">
+              <a:buClr>
+                <a:srgbClr val="0F569B"/>
+              </a:buClr>
+              <a:buFont typeface="Arial" panose="020B0604020202020204" pitchFamily="34" charset="0"/>
+              <a:buChar char="•"/>
+            </a:pPr>
+            <a:r>
+              <a:rPr lang="en-US" altLang="ko-KR" sz="2400" dirty="0">
+                <a:latin typeface="나눔스퀘어 Bold" panose="020B0600000101010101" pitchFamily="50" charset="-127"/>
+                <a:ea typeface="나눔스퀘어 Bold" panose="020B0600000101010101" pitchFamily="50" charset="-127"/>
+              </a:rPr>
+              <a:t>SPANBERT</a:t>
+            </a:r>
+            <a:r>
+              <a:rPr lang="ko-KR" altLang="en-US" sz="2400" dirty="0">
+                <a:latin typeface="나눔스퀘어 Bold" panose="020B0600000101010101" pitchFamily="50" charset="-127"/>
+                <a:ea typeface="나눔스퀘어 Bold" panose="020B0600000101010101" pitchFamily="50" charset="-127"/>
+              </a:rPr>
+              <a:t>나 </a:t>
+            </a:r>
+            <a:r>
+              <a:rPr lang="en-US" altLang="ko-KR" sz="2400" dirty="0">
+                <a:latin typeface="나눔스퀘어 Bold" panose="020B0600000101010101" pitchFamily="50" charset="-127"/>
+                <a:ea typeface="나눔스퀘어 Bold" panose="020B0600000101010101" pitchFamily="50" charset="-127"/>
+              </a:rPr>
+              <a:t>BART</a:t>
+            </a:r>
+            <a:r>
+              <a:rPr lang="ko-KR" altLang="en-US" sz="2400" dirty="0">
+                <a:latin typeface="나눔스퀘어 Bold" panose="020B0600000101010101" pitchFamily="50" charset="-127"/>
+                <a:ea typeface="나눔스퀘어 Bold" panose="020B0600000101010101" pitchFamily="50" charset="-127"/>
+              </a:rPr>
+              <a:t>의 </a:t>
+            </a:r>
+            <a:r>
+              <a:rPr lang="en-US" altLang="ko-KR" sz="2400" dirty="0">
+                <a:latin typeface="나눔스퀘어 Bold" panose="020B0600000101010101" pitchFamily="50" charset="-127"/>
+                <a:ea typeface="나눔스퀘어 Bold" panose="020B0600000101010101" pitchFamily="50" charset="-127"/>
+              </a:rPr>
+              <a:t>Text Infilling</a:t>
+            </a:r>
+            <a:r>
+              <a:rPr lang="ko-KR" altLang="en-US" sz="2400" dirty="0">
+                <a:latin typeface="나눔스퀘어 Bold" panose="020B0600000101010101" pitchFamily="50" charset="-127"/>
+                <a:ea typeface="나눔스퀘어 Bold" panose="020B0600000101010101" pitchFamily="50" charset="-127"/>
+              </a:rPr>
+              <a:t>이 이와 유사함</a:t>
+            </a:r>
+            <a:endParaRPr lang="en-US" altLang="ko-KR" sz="2400" dirty="0">
+              <a:latin typeface="나눔스퀘어 Bold" panose="020B0600000101010101" pitchFamily="50" charset="-127"/>
+              <a:ea typeface="나눔스퀘어 Bold" panose="020B0600000101010101" pitchFamily="50" charset="-127"/>
+            </a:endParaRPr>
+          </a:p>
+          <a:p>
+            <a:pPr marL="342900" indent="-342900">
+              <a:buClr>
+                <a:srgbClr val="0F569B"/>
+              </a:buClr>
+              <a:buFont typeface="Arial" panose="020B0604020202020204" pitchFamily="34" charset="0"/>
+              <a:buChar char="•"/>
+            </a:pPr>
+            <a:endParaRPr lang="en-US" altLang="ko-KR" sz="2400" dirty="0">
+              <a:latin typeface="나눔스퀘어 Bold" panose="020B0600000101010101" pitchFamily="50" charset="-127"/>
+              <a:ea typeface="나눔스퀘어 Bold" panose="020B0600000101010101" pitchFamily="50" charset="-127"/>
+            </a:endParaRPr>
+          </a:p>
+          <a:p>
+            <a:pPr marL="342900" indent="-342900">
+              <a:buClr>
+                <a:srgbClr val="0F569B"/>
+              </a:buClr>
+              <a:buFont typeface="Arial" panose="020B0604020202020204" pitchFamily="34" charset="0"/>
+              <a:buChar char="•"/>
+            </a:pPr>
+            <a:r>
+              <a:rPr lang="en-US" altLang="ko-KR" sz="2400" dirty="0">
+                <a:latin typeface="나눔스퀘어 Bold" panose="020B0600000101010101" pitchFamily="50" charset="-127"/>
+                <a:ea typeface="나눔스퀘어 Bold" panose="020B0600000101010101" pitchFamily="50" charset="-127"/>
+              </a:rPr>
+              <a:t>MASK</a:t>
+            </a:r>
+            <a:r>
+              <a:rPr lang="ko-KR" altLang="en-US" sz="2400" dirty="0">
+                <a:latin typeface="나눔스퀘어 Bold" panose="020B0600000101010101" pitchFamily="50" charset="-127"/>
+                <a:ea typeface="나눔스퀘어 Bold" panose="020B0600000101010101" pitchFamily="50" charset="-127"/>
+              </a:rPr>
+              <a:t>의 개수가 </a:t>
+            </a:r>
+            <a:r>
+              <a:rPr lang="en-US" altLang="ko-KR" sz="2400" dirty="0">
+                <a:latin typeface="나눔스퀘어 Bold" panose="020B0600000101010101" pitchFamily="50" charset="-127"/>
+                <a:ea typeface="나눔스퀘어 Bold" panose="020B0600000101010101" pitchFamily="50" charset="-127"/>
+              </a:rPr>
+              <a:t>1</a:t>
+            </a:r>
+            <a:r>
+              <a:rPr lang="ko-KR" altLang="en-US" sz="2400" dirty="0">
+                <a:latin typeface="나눔스퀘어 Bold" panose="020B0600000101010101" pitchFamily="50" charset="-127"/>
+                <a:ea typeface="나눔스퀘어 Bold" panose="020B0600000101010101" pitchFamily="50" charset="-127"/>
+              </a:rPr>
+              <a:t>개면 </a:t>
+            </a:r>
+            <a:r>
+              <a:rPr lang="en-US" altLang="ko-KR" sz="2400" dirty="0">
+                <a:latin typeface="나눔스퀘어 Bold" panose="020B0600000101010101" pitchFamily="50" charset="-127"/>
+                <a:ea typeface="나눔스퀘어 Bold" panose="020B0600000101010101" pitchFamily="50" charset="-127"/>
+              </a:rPr>
+              <a:t>BERT, m</a:t>
+            </a:r>
+            <a:r>
+              <a:rPr lang="ko-KR" altLang="en-US" sz="2400" dirty="0">
+                <a:latin typeface="나눔스퀘어 Bold" panose="020B0600000101010101" pitchFamily="50" charset="-127"/>
+                <a:ea typeface="나눔스퀘어 Bold" panose="020B0600000101010101" pitchFamily="50" charset="-127"/>
+              </a:rPr>
+              <a:t>개면 </a:t>
+            </a:r>
+            <a:r>
+              <a:rPr lang="en-US" altLang="ko-KR" sz="2400" dirty="0">
+                <a:latin typeface="나눔스퀘어 Bold" panose="020B0600000101010101" pitchFamily="50" charset="-127"/>
+                <a:ea typeface="나눔스퀘어 Bold" panose="020B0600000101010101" pitchFamily="50" charset="-127"/>
+              </a:rPr>
+              <a:t>GPT</a:t>
+            </a:r>
+            <a:r>
+              <a:rPr lang="ko-KR" altLang="en-US" sz="2400" dirty="0">
+                <a:latin typeface="나눔스퀘어 Bold" panose="020B0600000101010101" pitchFamily="50" charset="-127"/>
+                <a:ea typeface="나눔스퀘어 Bold" panose="020B0600000101010101" pitchFamily="50" charset="-127"/>
+              </a:rPr>
+              <a:t>의 언어 모델링과 </a:t>
+            </a:r>
+            <a:r>
+              <a:rPr lang="ko-KR" altLang="en-US" sz="2400" dirty="0" err="1">
+                <a:latin typeface="나눔스퀘어 Bold" panose="020B0600000101010101" pitchFamily="50" charset="-127"/>
+                <a:ea typeface="나눔스퀘어 Bold" panose="020B0600000101010101" pitchFamily="50" charset="-127"/>
+              </a:rPr>
+              <a:t>비슷해짐</a:t>
+            </a:r>
+            <a:r>
+              <a:rPr lang="en-US" altLang="ko-KR" sz="2400" dirty="0">
+                <a:latin typeface="나눔스퀘어 Bold" panose="020B0600000101010101" pitchFamily="50" charset="-127"/>
+                <a:ea typeface="나눔스퀘어 Bold" panose="020B0600000101010101" pitchFamily="50" charset="-127"/>
+              </a:rPr>
+              <a:t>. </a:t>
+            </a:r>
+            <a:r>
+              <a:rPr lang="ko-KR" altLang="en-US" sz="2400" dirty="0">
+                <a:latin typeface="나눔스퀘어 Bold" panose="020B0600000101010101" pitchFamily="50" charset="-127"/>
+                <a:ea typeface="나눔스퀘어 Bold" panose="020B0600000101010101" pitchFamily="50" charset="-127"/>
+              </a:rPr>
+              <a:t>따라서 </a:t>
+            </a:r>
+            <a:r>
+              <a:rPr lang="en-US" altLang="ko-KR" sz="2400" dirty="0">
+                <a:latin typeface="나눔스퀘어 Bold" panose="020B0600000101010101" pitchFamily="50" charset="-127"/>
+                <a:ea typeface="나눔스퀘어 Bold" panose="020B0600000101010101" pitchFamily="50" charset="-127"/>
+              </a:rPr>
+              <a:t>MASS </a:t>
+            </a:r>
+            <a:r>
+              <a:rPr lang="ko-KR" altLang="en-US" sz="2400" dirty="0">
+                <a:latin typeface="나눔스퀘어 Bold" panose="020B0600000101010101" pitchFamily="50" charset="-127"/>
+                <a:ea typeface="나눔스퀘어 Bold" panose="020B0600000101010101" pitchFamily="50" charset="-127"/>
+              </a:rPr>
+              <a:t>방법론은 </a:t>
+            </a:r>
+            <a:r>
+              <a:rPr lang="en-US" altLang="ko-KR" sz="2400" dirty="0">
+                <a:latin typeface="나눔스퀘어 Bold" panose="020B0600000101010101" pitchFamily="50" charset="-127"/>
+                <a:ea typeface="나눔스퀘어 Bold" panose="020B0600000101010101" pitchFamily="50" charset="-127"/>
+              </a:rPr>
+              <a:t>BERT</a:t>
+            </a:r>
+            <a:r>
+              <a:rPr lang="ko-KR" altLang="en-US" sz="2400" dirty="0">
+                <a:latin typeface="나눔스퀘어 Bold" panose="020B0600000101010101" pitchFamily="50" charset="-127"/>
+                <a:ea typeface="나눔스퀘어 Bold" panose="020B0600000101010101" pitchFamily="50" charset="-127"/>
+              </a:rPr>
+              <a:t>와 </a:t>
+            </a:r>
+            <a:r>
+              <a:rPr lang="en-US" altLang="ko-KR" sz="2400" dirty="0">
+                <a:latin typeface="나눔스퀘어 Bold" panose="020B0600000101010101" pitchFamily="50" charset="-127"/>
+                <a:ea typeface="나눔스퀘어 Bold" panose="020B0600000101010101" pitchFamily="50" charset="-127"/>
+              </a:rPr>
+              <a:t>GPT</a:t>
+            </a:r>
+            <a:r>
+              <a:rPr lang="ko-KR" altLang="en-US" sz="2400" dirty="0">
+                <a:latin typeface="나눔스퀘어 Bold" panose="020B0600000101010101" pitchFamily="50" charset="-127"/>
+                <a:ea typeface="나눔스퀘어 Bold" panose="020B0600000101010101" pitchFamily="50" charset="-127"/>
+              </a:rPr>
+              <a:t>의 중간 개념</a:t>
+            </a:r>
+            <a:r>
+              <a:rPr lang="en-US" altLang="ko-KR" sz="2400" dirty="0">
+                <a:latin typeface="나눔스퀘어 Bold" panose="020B0600000101010101" pitchFamily="50" charset="-127"/>
+                <a:ea typeface="나눔스퀘어 Bold" panose="020B0600000101010101" pitchFamily="50" charset="-127"/>
+              </a:rPr>
+              <a:t>.</a:t>
+            </a:r>
+          </a:p>
+          <a:p>
+            <a:pPr marL="342900" indent="-342900">
+              <a:buClr>
+                <a:srgbClr val="0F569B"/>
+              </a:buClr>
+              <a:buFont typeface="Arial" panose="020B0604020202020204" pitchFamily="34" charset="0"/>
+              <a:buChar char="•"/>
+            </a:pPr>
+            <a:endParaRPr lang="en-US" altLang="ko-KR" sz="2400" dirty="0">
+              <a:latin typeface="나눔스퀘어 Bold" panose="020B0600000101010101" pitchFamily="50" charset="-127"/>
+              <a:ea typeface="나눔스퀘어 Bold" panose="020B0600000101010101" pitchFamily="50" charset="-127"/>
+            </a:endParaRPr>
+          </a:p>
+          <a:p>
+            <a:pPr marL="342900" indent="-342900">
+              <a:buClr>
+                <a:srgbClr val="0F569B"/>
+              </a:buClr>
+              <a:buFont typeface="Arial" panose="020B0604020202020204" pitchFamily="34" charset="0"/>
+              <a:buChar char="•"/>
+            </a:pPr>
+            <a:endParaRPr lang="ko-KR" altLang="en-US" sz="2400" dirty="0">
+              <a:latin typeface="나눔스퀘어 Bold" panose="020B0600000101010101" pitchFamily="50" charset="-127"/>
+              <a:ea typeface="나눔스퀘어 Bold" panose="020B0600000101010101" pitchFamily="50" charset="-127"/>
+            </a:endParaRPr>
           </a:p>
         </p:txBody>
       </p:sp>
@@ -27853,7 +29000,7 @@
         </p:nvSpPr>
         <p:spPr>
           <a:xfrm>
-            <a:off x="582766" y="2095500"/>
+            <a:off x="592291" y="1840698"/>
             <a:ext cx="9158288" cy="707886"/>
           </a:xfrm>
           <a:prstGeom prst="rect">
@@ -27879,7 +29026,7 @@
                 <a:latin typeface="나눔스퀘어 Bold" panose="020B0600000101010101" pitchFamily="50" charset="-127"/>
                 <a:ea typeface="나눔스퀘어 Bold" panose="020B0600000101010101" pitchFamily="50" charset="-127"/>
               </a:rPr>
-              <a:t>  </a:t>
+              <a:t> (Permuted LM)  </a:t>
             </a:r>
           </a:p>
         </p:txBody>
@@ -27915,6 +29062,368 @@
               <a:t> / 40</a:t>
             </a:r>
             <a:endParaRPr lang="en-US" dirty="0"/>
+          </a:p>
+        </p:txBody>
+      </p:sp>
+      <p:pic>
+        <p:nvPicPr>
+          <p:cNvPr id="3" name="그림 2">
+            <a:extLst>
+              <a:ext uri="{FF2B5EF4-FFF2-40B4-BE49-F238E27FC236}">
+                <a16:creationId xmlns:a16="http://schemas.microsoft.com/office/drawing/2014/main" id="{5B50BF54-471B-A06A-76E3-2BE6DF6651F2}"/>
+              </a:ext>
+            </a:extLst>
+          </p:cNvPr>
+          <p:cNvPicPr>
+            <a:picLocks noChangeAspect="1"/>
+          </p:cNvPicPr>
+          <p:nvPr/>
+        </p:nvPicPr>
+        <p:blipFill>
+          <a:blip r:embed="rId4"/>
+          <a:stretch>
+            <a:fillRect/>
+          </a:stretch>
+        </p:blipFill>
+        <p:spPr>
+          <a:xfrm>
+            <a:off x="301791" y="3552131"/>
+            <a:ext cx="8613610" cy="4674123"/>
+          </a:xfrm>
+          <a:prstGeom prst="rect">
+            <a:avLst/>
+          </a:prstGeom>
+        </p:spPr>
+      </p:pic>
+      <p:sp>
+        <p:nvSpPr>
+          <p:cNvPr id="5" name="TextBox 4">
+            <a:extLst>
+              <a:ext uri="{FF2B5EF4-FFF2-40B4-BE49-F238E27FC236}">
+                <a16:creationId xmlns:a16="http://schemas.microsoft.com/office/drawing/2014/main" id="{7E35DB92-04FE-D594-3525-47D69549A2A9}"/>
+              </a:ext>
+            </a:extLst>
+          </p:cNvPr>
+          <p:cNvSpPr txBox="1"/>
+          <p:nvPr/>
+        </p:nvSpPr>
+        <p:spPr>
+          <a:xfrm>
+            <a:off x="9372600" y="2936184"/>
+            <a:ext cx="8599321" cy="4893647"/>
+          </a:xfrm>
+          <a:prstGeom prst="rect">
+            <a:avLst/>
+          </a:prstGeom>
+          <a:noFill/>
+        </p:spPr>
+        <p:txBody>
+          <a:bodyPr wrap="square">
+            <a:spAutoFit/>
+          </a:bodyPr>
+          <a:lstStyle/>
+          <a:p>
+            <a:pPr marL="342900" indent="-342900">
+              <a:buClr>
+                <a:srgbClr val="0F569B"/>
+              </a:buClr>
+              <a:buFont typeface="Arial" panose="020B0604020202020204" pitchFamily="34" charset="0"/>
+              <a:buChar char="•"/>
+            </a:pPr>
+            <a:r>
+              <a:rPr lang="en-US" altLang="ko-KR" sz="2400" dirty="0">
+                <a:latin typeface="나눔스퀘어 Bold" panose="020B0600000101010101" pitchFamily="50" charset="-127"/>
+                <a:ea typeface="나눔스퀘어 Bold" panose="020B0600000101010101" pitchFamily="50" charset="-127"/>
+              </a:rPr>
+              <a:t>Permutation Language Modeling</a:t>
+            </a:r>
+          </a:p>
+          <a:p>
+            <a:pPr marL="342900" indent="-342900">
+              <a:buClr>
+                <a:srgbClr val="0F569B"/>
+              </a:buClr>
+              <a:buFont typeface="Arial" panose="020B0604020202020204" pitchFamily="34" charset="0"/>
+              <a:buChar char="•"/>
+            </a:pPr>
+            <a:endParaRPr lang="en-US" altLang="ko-KR" sz="2400" dirty="0">
+              <a:latin typeface="나눔스퀘어 Bold" panose="020B0600000101010101" pitchFamily="50" charset="-127"/>
+              <a:ea typeface="나눔스퀘어 Bold" panose="020B0600000101010101" pitchFamily="50" charset="-127"/>
+            </a:endParaRPr>
+          </a:p>
+          <a:p>
+            <a:pPr marL="342900" indent="-342900">
+              <a:buClr>
+                <a:srgbClr val="0F569B"/>
+              </a:buClr>
+              <a:buFont typeface="Arial" panose="020B0604020202020204" pitchFamily="34" charset="0"/>
+              <a:buChar char="•"/>
+            </a:pPr>
+            <a:r>
+              <a:rPr lang="en-US" altLang="ko-KR" sz="2400" dirty="0">
+                <a:latin typeface="나눔스퀘어 Bold" panose="020B0600000101010101" pitchFamily="50" charset="-127"/>
+                <a:ea typeface="나눔스퀘어 Bold" panose="020B0600000101010101" pitchFamily="50" charset="-127"/>
+              </a:rPr>
+              <a:t>Generalized </a:t>
+            </a:r>
+            <a:r>
+              <a:rPr lang="en-US" altLang="ko-KR" sz="2400" dirty="0">
+                <a:solidFill>
+                  <a:srgbClr val="3B7DDD"/>
+                </a:solidFill>
+                <a:latin typeface="나눔스퀘어 Bold" panose="020B0600000101010101" pitchFamily="50" charset="-127"/>
+                <a:ea typeface="나눔스퀘어 Bold" panose="020B0600000101010101" pitchFamily="50" charset="-127"/>
+              </a:rPr>
+              <a:t>autoregressive</a:t>
+            </a:r>
+            <a:r>
+              <a:rPr lang="en-US" altLang="ko-KR" sz="2400" dirty="0">
+                <a:latin typeface="나눔스퀘어 Bold" panose="020B0600000101010101" pitchFamily="50" charset="-127"/>
+                <a:ea typeface="나눔스퀘어 Bold" panose="020B0600000101010101" pitchFamily="50" charset="-127"/>
+              </a:rPr>
+              <a:t> pretraining method</a:t>
+            </a:r>
+          </a:p>
+          <a:p>
+            <a:pPr>
+              <a:buClr>
+                <a:srgbClr val="0F569B"/>
+              </a:buClr>
+            </a:pPr>
+            <a:endParaRPr lang="en-US" altLang="ko-KR" sz="2400" dirty="0">
+              <a:latin typeface="나눔스퀘어 Bold" panose="020B0600000101010101" pitchFamily="50" charset="-127"/>
+              <a:ea typeface="나눔스퀘어 Bold" panose="020B0600000101010101" pitchFamily="50" charset="-127"/>
+            </a:endParaRPr>
+          </a:p>
+          <a:p>
+            <a:pPr marL="342900" indent="-342900">
+              <a:buClr>
+                <a:srgbClr val="0F569B"/>
+              </a:buClr>
+              <a:buFont typeface="Arial" panose="020B0604020202020204" pitchFamily="34" charset="0"/>
+              <a:buChar char="•"/>
+            </a:pPr>
+            <a:r>
+              <a:rPr lang="en-US" altLang="ko-KR" sz="2400" dirty="0">
+                <a:solidFill>
+                  <a:srgbClr val="3B7DDD"/>
+                </a:solidFill>
+                <a:latin typeface="나눔스퀘어 Bold" panose="020B0600000101010101" pitchFamily="50" charset="-127"/>
+                <a:ea typeface="나눔스퀘어 Bold" panose="020B0600000101010101" pitchFamily="50" charset="-127"/>
+              </a:rPr>
+              <a:t>Use Two Way Self-Attention Stream (content, query)</a:t>
+            </a:r>
+          </a:p>
+          <a:p>
+            <a:pPr>
+              <a:buClr>
+                <a:srgbClr val="0F569B"/>
+              </a:buClr>
+            </a:pPr>
+            <a:endParaRPr lang="en-US" altLang="ko-KR" sz="2400" dirty="0">
+              <a:solidFill>
+                <a:srgbClr val="3B7DDD"/>
+              </a:solidFill>
+              <a:latin typeface="나눔스퀘어 Bold" panose="020B0600000101010101" pitchFamily="50" charset="-127"/>
+              <a:ea typeface="나눔스퀘어 Bold" panose="020B0600000101010101" pitchFamily="50" charset="-127"/>
+            </a:endParaRPr>
+          </a:p>
+          <a:p>
+            <a:pPr marL="342900" indent="-342900">
+              <a:buClr>
+                <a:srgbClr val="0F569B"/>
+              </a:buClr>
+              <a:buFont typeface="Arial" panose="020B0604020202020204" pitchFamily="34" charset="0"/>
+              <a:buChar char="•"/>
+            </a:pPr>
+            <a:r>
+              <a:rPr lang="en-US" altLang="ko-KR" sz="2400" dirty="0">
+                <a:solidFill>
+                  <a:srgbClr val="3B7DDD"/>
+                </a:solidFill>
+                <a:latin typeface="나눔스퀘어 Bold" panose="020B0600000101010101" pitchFamily="50" charset="-127"/>
+                <a:ea typeface="나눔스퀘어 Bold" panose="020B0600000101010101" pitchFamily="50" charset="-127"/>
+              </a:rPr>
+              <a:t>Transformer </a:t>
+            </a:r>
+            <a:r>
+              <a:rPr lang="ko-KR" altLang="en-US" sz="2400" dirty="0" err="1">
+                <a:solidFill>
+                  <a:srgbClr val="3B7DDD"/>
+                </a:solidFill>
+                <a:latin typeface="나눔스퀘어 Bold" panose="020B0600000101010101" pitchFamily="50" charset="-127"/>
+                <a:ea typeface="나눔스퀘어 Bold" panose="020B0600000101010101" pitchFamily="50" charset="-127"/>
+              </a:rPr>
+              <a:t>디코더</a:t>
+            </a:r>
+            <a:r>
+              <a:rPr lang="ko-KR" altLang="en-US" sz="2400" dirty="0">
+                <a:solidFill>
+                  <a:srgbClr val="3B7DDD"/>
+                </a:solidFill>
+                <a:latin typeface="나눔스퀘어 Bold" panose="020B0600000101010101" pitchFamily="50" charset="-127"/>
+                <a:ea typeface="나눔스퀘어 Bold" panose="020B0600000101010101" pitchFamily="50" charset="-127"/>
+              </a:rPr>
+              <a:t> 아키텍처만 사용했으나 </a:t>
+            </a:r>
+            <a:r>
+              <a:rPr lang="en-US" altLang="ko-KR" sz="2400" dirty="0">
+                <a:solidFill>
+                  <a:srgbClr val="3B7DDD"/>
+                </a:solidFill>
+                <a:latin typeface="나눔스퀘어 Bold" panose="020B0600000101010101" pitchFamily="50" charset="-127"/>
+                <a:ea typeface="나눔스퀘어 Bold" panose="020B0600000101010101" pitchFamily="50" charset="-127"/>
+              </a:rPr>
+              <a:t>Sentence Permutation</a:t>
+            </a:r>
+            <a:r>
+              <a:rPr lang="ko-KR" altLang="en-US" sz="2400" dirty="0">
+                <a:solidFill>
+                  <a:srgbClr val="3B7DDD"/>
+                </a:solidFill>
+                <a:latin typeface="나눔스퀘어 Bold" panose="020B0600000101010101" pitchFamily="50" charset="-127"/>
+                <a:ea typeface="나눔스퀘어 Bold" panose="020B0600000101010101" pitchFamily="50" charset="-127"/>
+              </a:rPr>
+              <a:t>을 통해 </a:t>
+            </a:r>
+            <a:r>
+              <a:rPr lang="en-US" altLang="ko-KR" sz="2400" dirty="0">
+                <a:solidFill>
+                  <a:srgbClr val="3B7DDD"/>
+                </a:solidFill>
+                <a:latin typeface="나눔스퀘어 Bold" panose="020B0600000101010101" pitchFamily="50" charset="-127"/>
+                <a:ea typeface="나눔스퀘어 Bold" panose="020B0600000101010101" pitchFamily="50" charset="-127"/>
+              </a:rPr>
+              <a:t>Bidirectional</a:t>
+            </a:r>
+            <a:r>
+              <a:rPr lang="ko-KR" altLang="en-US" sz="2400" dirty="0">
+                <a:solidFill>
+                  <a:srgbClr val="3B7DDD"/>
+                </a:solidFill>
+                <a:latin typeface="나눔스퀘어 Bold" panose="020B0600000101010101" pitchFamily="50" charset="-127"/>
+                <a:ea typeface="나눔스퀘어 Bold" panose="020B0600000101010101" pitchFamily="50" charset="-127"/>
+              </a:rPr>
+              <a:t>한 문맥 학습</a:t>
+            </a:r>
+            <a:endParaRPr lang="en-US" altLang="ko-KR" sz="2400" dirty="0">
+              <a:solidFill>
+                <a:srgbClr val="3B7DDD"/>
+              </a:solidFill>
+              <a:latin typeface="나눔스퀘어 Bold" panose="020B0600000101010101" pitchFamily="50" charset="-127"/>
+              <a:ea typeface="나눔스퀘어 Bold" panose="020B0600000101010101" pitchFamily="50" charset="-127"/>
+            </a:endParaRPr>
+          </a:p>
+          <a:p>
+            <a:pPr marL="342900" indent="-342900">
+              <a:buClr>
+                <a:srgbClr val="0F569B"/>
+              </a:buClr>
+              <a:buFont typeface="Arial" panose="020B0604020202020204" pitchFamily="34" charset="0"/>
+              <a:buChar char="•"/>
+            </a:pPr>
+            <a:endParaRPr lang="en-US" altLang="ko-KR" sz="2400" dirty="0">
+              <a:latin typeface="나눔스퀘어 Bold" panose="020B0600000101010101" pitchFamily="50" charset="-127"/>
+              <a:ea typeface="나눔스퀘어 Bold" panose="020B0600000101010101" pitchFamily="50" charset="-127"/>
+            </a:endParaRPr>
+          </a:p>
+          <a:p>
+            <a:pPr marL="342900" indent="-342900">
+              <a:buClr>
+                <a:srgbClr val="0F569B"/>
+              </a:buClr>
+              <a:buFont typeface="Arial" panose="020B0604020202020204" pitchFamily="34" charset="0"/>
+              <a:buChar char="•"/>
+            </a:pPr>
+            <a:r>
+              <a:rPr lang="en-US" altLang="ko-KR" sz="2400" dirty="0">
+                <a:latin typeface="나눔스퀘어 Bold" panose="020B0600000101010101" pitchFamily="50" charset="-127"/>
+                <a:ea typeface="나눔스퀘어 Bold" panose="020B0600000101010101" pitchFamily="50" charset="-127"/>
+              </a:rPr>
+              <a:t>BART</a:t>
+            </a:r>
+            <a:r>
+              <a:rPr lang="ko-KR" altLang="en-US" sz="2400" dirty="0">
+                <a:latin typeface="나눔스퀘어 Bold" panose="020B0600000101010101" pitchFamily="50" charset="-127"/>
+                <a:ea typeface="나눔스퀘어 Bold" panose="020B0600000101010101" pitchFamily="50" charset="-127"/>
+              </a:rPr>
+              <a:t>의 </a:t>
+            </a:r>
+            <a:r>
+              <a:rPr lang="en-US" altLang="ko-KR" sz="2400" dirty="0">
+                <a:latin typeface="나눔스퀘어 Bold" panose="020B0600000101010101" pitchFamily="50" charset="-127"/>
+                <a:ea typeface="나눔스퀘어 Bold" panose="020B0600000101010101" pitchFamily="50" charset="-127"/>
+              </a:rPr>
+              <a:t>Sentence Permutation</a:t>
+            </a:r>
+            <a:r>
+              <a:rPr lang="ko-KR" altLang="en-US" sz="2400" dirty="0">
+                <a:latin typeface="나눔스퀘어 Bold" panose="020B0600000101010101" pitchFamily="50" charset="-127"/>
+                <a:ea typeface="나눔스퀘어 Bold" panose="020B0600000101010101" pitchFamily="50" charset="-127"/>
+              </a:rPr>
+              <a:t>과 유사함</a:t>
+            </a:r>
+            <a:r>
+              <a:rPr lang="en-US" altLang="ko-KR" sz="2400" dirty="0">
+                <a:latin typeface="나눔스퀘어 Bold" panose="020B0600000101010101" pitchFamily="50" charset="-127"/>
+                <a:ea typeface="나눔스퀘어 Bold" panose="020B0600000101010101" pitchFamily="50" charset="-127"/>
+              </a:rPr>
+              <a:t>.</a:t>
+            </a:r>
+          </a:p>
+          <a:p>
+            <a:pPr>
+              <a:buClr>
+                <a:srgbClr val="0F569B"/>
+              </a:buClr>
+            </a:pPr>
+            <a:endParaRPr lang="en-US" altLang="ko-KR" sz="2400" dirty="0">
+              <a:latin typeface="나눔스퀘어 Bold" panose="020B0600000101010101" pitchFamily="50" charset="-127"/>
+              <a:ea typeface="나눔스퀘어 Bold" panose="020B0600000101010101" pitchFamily="50" charset="-127"/>
+            </a:endParaRPr>
+          </a:p>
+          <a:p>
+            <a:pPr marL="342900" indent="-342900">
+              <a:buClr>
+                <a:srgbClr val="0F569B"/>
+              </a:buClr>
+              <a:buFont typeface="Arial" panose="020B0604020202020204" pitchFamily="34" charset="0"/>
+              <a:buChar char="•"/>
+            </a:pPr>
+            <a:r>
+              <a:rPr lang="en-US" altLang="ko-KR" sz="2400" dirty="0">
+                <a:latin typeface="나눔스퀘어 Bold" panose="020B0600000101010101" pitchFamily="50" charset="-127"/>
+                <a:ea typeface="나눔스퀘어 Bold" panose="020B0600000101010101" pitchFamily="50" charset="-127"/>
+              </a:rPr>
+              <a:t>Transformer-XL</a:t>
+            </a:r>
+            <a:r>
+              <a:rPr lang="ko-KR" altLang="en-US" sz="2400" dirty="0">
+                <a:latin typeface="나눔스퀘어 Bold" panose="020B0600000101010101" pitchFamily="50" charset="-127"/>
+                <a:ea typeface="나눔스퀘어 Bold" panose="020B0600000101010101" pitchFamily="50" charset="-127"/>
+              </a:rPr>
+              <a:t>을 베이스로 발전</a:t>
+            </a:r>
+            <a:r>
+              <a:rPr lang="en-US" altLang="ko-KR" sz="2400" dirty="0">
+                <a:latin typeface="나눔스퀘어 Bold" panose="020B0600000101010101" pitchFamily="50" charset="-127"/>
+                <a:ea typeface="나눔스퀘어 Bold" panose="020B0600000101010101" pitchFamily="50" charset="-127"/>
+              </a:rPr>
+              <a:t>.</a:t>
+            </a:r>
+          </a:p>
+          <a:p>
+            <a:pPr marL="342900" indent="-342900">
+              <a:buClr>
+                <a:srgbClr val="0F569B"/>
+              </a:buClr>
+              <a:buFont typeface="Arial" panose="020B0604020202020204" pitchFamily="34" charset="0"/>
+              <a:buChar char="•"/>
+            </a:pPr>
+            <a:endParaRPr lang="ko-KR" altLang="en-US" sz="2400" dirty="0">
+              <a:latin typeface="나눔스퀘어 Bold" panose="020B0600000101010101" pitchFamily="50" charset="-127"/>
+              <a:ea typeface="나눔스퀘어 Bold" panose="020B0600000101010101" pitchFamily="50" charset="-127"/>
+            </a:endParaRPr>
           </a:p>
         </p:txBody>
       </p:sp>
@@ -28114,7 +29623,7 @@
         </p:nvSpPr>
         <p:spPr>
           <a:xfrm>
-            <a:off x="582766" y="2095500"/>
+            <a:off x="563716" y="1562100"/>
             <a:ext cx="9158288" cy="707886"/>
           </a:xfrm>
           <a:prstGeom prst="rect">
@@ -28133,7 +29642,21 @@
                 <a:latin typeface="나눔스퀘어 Bold" panose="020B0600000101010101" pitchFamily="50" charset="-127"/>
                 <a:ea typeface="나눔스퀘어 Bold" panose="020B0600000101010101" pitchFamily="50" charset="-127"/>
               </a:rPr>
-              <a:t>ConvAI2 ELI5 Example</a:t>
+              <a:t>Dataset</a:t>
+            </a:r>
+            <a:r>
+              <a:rPr lang="ko-KR" altLang="en-US" sz="4000" dirty="0">
+                <a:latin typeface="나눔스퀘어 Bold" panose="020B0600000101010101" pitchFamily="50" charset="-127"/>
+                <a:ea typeface="나눔스퀘어 Bold" panose="020B0600000101010101" pitchFamily="50" charset="-127"/>
+              </a:rPr>
+              <a:t> </a:t>
+            </a:r>
+            <a:r>
+              <a:rPr lang="en-US" altLang="ko-KR" sz="4000" dirty="0">
+                <a:latin typeface="나눔스퀘어 Bold" panose="020B0600000101010101" pitchFamily="50" charset="-127"/>
+                <a:ea typeface="나눔스퀘어 Bold" panose="020B0600000101010101" pitchFamily="50" charset="-127"/>
+              </a:rPr>
+              <a:t>Example</a:t>
             </a:r>
           </a:p>
         </p:txBody>
@@ -28169,6 +29692,548 @@
               <a:t> / 40</a:t>
             </a:r>
             <a:endParaRPr lang="en-US" dirty="0"/>
+          </a:p>
+        </p:txBody>
+      </p:sp>
+      <p:sp>
+        <p:nvSpPr>
+          <p:cNvPr id="2" name="TextBox 1">
+            <a:extLst>
+              <a:ext uri="{FF2B5EF4-FFF2-40B4-BE49-F238E27FC236}">
+                <a16:creationId xmlns:a16="http://schemas.microsoft.com/office/drawing/2014/main" id="{A80BC132-2DD0-06B3-3EC3-78BC9E3DFCDE}"/>
+              </a:ext>
+            </a:extLst>
+          </p:cNvPr>
+          <p:cNvSpPr txBox="1"/>
+          <p:nvPr/>
+        </p:nvSpPr>
+        <p:spPr>
+          <a:xfrm>
+            <a:off x="582766" y="2614116"/>
+            <a:ext cx="8561234" cy="3785652"/>
+          </a:xfrm>
+          <a:prstGeom prst="rect">
+            <a:avLst/>
+          </a:prstGeom>
+          <a:noFill/>
+        </p:spPr>
+        <p:txBody>
+          <a:bodyPr wrap="square">
+            <a:spAutoFit/>
+          </a:bodyPr>
+          <a:lstStyle/>
+          <a:p>
+            <a:r>
+              <a:rPr lang="en-US" altLang="ko-KR" sz="2400" dirty="0">
+                <a:latin typeface="나눔스퀘어 Bold" panose="020B0600000101010101" pitchFamily="50" charset="-127"/>
+                <a:ea typeface="나눔스퀘어 Bold" panose="020B0600000101010101" pitchFamily="50" charset="-127"/>
+              </a:rPr>
+              <a:t>ELI5 (Explain Like I’m 5)</a:t>
+            </a:r>
+          </a:p>
+          <a:p>
+            <a:endParaRPr lang="en-US" altLang="ko-KR" sz="2400" dirty="0">
+              <a:latin typeface="나눔스퀘어 Bold" panose="020B0600000101010101" pitchFamily="50" charset="-127"/>
+              <a:ea typeface="나눔스퀘어 Bold" panose="020B0600000101010101" pitchFamily="50" charset="-127"/>
+            </a:endParaRPr>
+          </a:p>
+          <a:p>
+            <a:r>
+              <a:rPr lang="en-US" altLang="ko-KR" sz="2400" dirty="0">
+                <a:latin typeface="나눔스퀘어 Bold" panose="020B0600000101010101" pitchFamily="50" charset="-127"/>
+                <a:ea typeface="나눔스퀘어 Bold" panose="020B0600000101010101" pitchFamily="50" charset="-127"/>
+              </a:rPr>
+              <a:t>Input : </a:t>
+            </a:r>
+            <a:r>
+              <a:rPr lang="en-US" altLang="ko-KR" sz="2400" i="1" dirty="0"/>
+              <a:t>How do muscles grow?</a:t>
+            </a:r>
+            <a:endParaRPr lang="en-US" altLang="ko-KR" sz="2400" i="1" dirty="0">
+              <a:latin typeface="나눔스퀘어 Bold" panose="020B0600000101010101" pitchFamily="50" charset="-127"/>
+              <a:ea typeface="나눔스퀘어 Bold" panose="020B0600000101010101" pitchFamily="50" charset="-127"/>
+            </a:endParaRPr>
+          </a:p>
+          <a:p>
+            <a:r>
+              <a:rPr lang="en-US" altLang="ko-KR" sz="2400" dirty="0">
+                <a:latin typeface="나눔스퀘어 Bold" panose="020B0600000101010101" pitchFamily="50" charset="-127"/>
+                <a:ea typeface="나눔스퀘어 Bold" panose="020B0600000101010101" pitchFamily="50" charset="-127"/>
+              </a:rPr>
+              <a:t>Output : </a:t>
+            </a:r>
+            <a:r>
+              <a:rPr lang="en-US" altLang="ko-KR" sz="2400" i="1" dirty="0"/>
+              <a:t>When you exercise, your muscles experience tiny tears. During recovery, the body repairs these tears by adding new muscle fibers, making your muscles larger and stronger over time</a:t>
+            </a:r>
+            <a:r>
+              <a:rPr lang="en-US" altLang="ko-KR" sz="2400" dirty="0">
+                <a:latin typeface="나눔스퀘어 Bold" panose="020B0600000101010101" pitchFamily="50" charset="-127"/>
+                <a:ea typeface="나눔스퀘어 Bold" panose="020B0600000101010101" pitchFamily="50" charset="-127"/>
+              </a:rPr>
+              <a:t>.</a:t>
+            </a:r>
+          </a:p>
+          <a:p>
+            <a:endParaRPr lang="en-US" altLang="ko-KR" sz="2400" dirty="0">
+              <a:latin typeface="나눔스퀘어 Bold" panose="020B0600000101010101" pitchFamily="50" charset="-127"/>
+              <a:ea typeface="나눔스퀘어 Bold" panose="020B0600000101010101" pitchFamily="50" charset="-127"/>
+            </a:endParaRPr>
+          </a:p>
+          <a:p>
+            <a:endParaRPr lang="en-US" altLang="ko-KR" sz="2400" dirty="0">
+              <a:latin typeface="나눔스퀘어 Bold" panose="020B0600000101010101" pitchFamily="50" charset="-127"/>
+              <a:ea typeface="나눔스퀘어 Bold" panose="020B0600000101010101" pitchFamily="50" charset="-127"/>
+            </a:endParaRPr>
+          </a:p>
+          <a:p>
+            <a:endParaRPr lang="en-US" altLang="ko-KR" sz="2400" dirty="0">
+              <a:latin typeface="나눔스퀘어 Bold" panose="020B0600000101010101" pitchFamily="50" charset="-127"/>
+              <a:ea typeface="나눔스퀘어 Bold" panose="020B0600000101010101" pitchFamily="50" charset="-127"/>
+            </a:endParaRPr>
+          </a:p>
+          <a:p>
+            <a:endParaRPr lang="en-US" altLang="ko-KR" sz="2400" dirty="0">
+              <a:latin typeface="나눔스퀘어 Bold" panose="020B0600000101010101" pitchFamily="50" charset="-127"/>
+              <a:ea typeface="나눔스퀘어 Bold" panose="020B0600000101010101" pitchFamily="50" charset="-127"/>
+            </a:endParaRPr>
+          </a:p>
+        </p:txBody>
+      </p:sp>
+      <p:sp>
+        <p:nvSpPr>
+          <p:cNvPr id="3" name="TextBox 2">
+            <a:extLst>
+              <a:ext uri="{FF2B5EF4-FFF2-40B4-BE49-F238E27FC236}">
+                <a16:creationId xmlns:a16="http://schemas.microsoft.com/office/drawing/2014/main" id="{A5808BEF-85DE-40E4-9DD5-D47FCAF8C5EE}"/>
+              </a:ext>
+            </a:extLst>
+          </p:cNvPr>
+          <p:cNvSpPr txBox="1"/>
+          <p:nvPr/>
+        </p:nvSpPr>
+        <p:spPr>
+          <a:xfrm>
+            <a:off x="606578" y="5439080"/>
+            <a:ext cx="8561234" cy="4524315"/>
+          </a:xfrm>
+          <a:prstGeom prst="rect">
+            <a:avLst/>
+          </a:prstGeom>
+          <a:noFill/>
+        </p:spPr>
+        <p:txBody>
+          <a:bodyPr wrap="square">
+            <a:spAutoFit/>
+          </a:bodyPr>
+          <a:lstStyle/>
+          <a:p>
+            <a:r>
+              <a:rPr lang="en-US" altLang="ko-KR" sz="2400" dirty="0" err="1">
+                <a:latin typeface="나눔스퀘어 Bold" panose="020B0600000101010101" pitchFamily="50" charset="-127"/>
+                <a:ea typeface="나눔스퀘어 Bold" panose="020B0600000101010101" pitchFamily="50" charset="-127"/>
+              </a:rPr>
+              <a:t>Xsum</a:t>
+            </a:r>
+            <a:r>
+              <a:rPr lang="en-US" altLang="ko-KR" sz="2400" dirty="0">
+                <a:latin typeface="나눔스퀘어 Bold" panose="020B0600000101010101" pitchFamily="50" charset="-127"/>
+                <a:ea typeface="나눔스퀘어 Bold" panose="020B0600000101010101" pitchFamily="50" charset="-127"/>
+              </a:rPr>
+              <a:t> (Extreme Summarization)]</a:t>
+            </a:r>
+          </a:p>
+          <a:p>
+            <a:endParaRPr lang="en-US" altLang="ko-KR" sz="2400" dirty="0">
+              <a:latin typeface="나눔스퀘어 Bold" panose="020B0600000101010101" pitchFamily="50" charset="-127"/>
+              <a:ea typeface="나눔스퀘어 Bold" panose="020B0600000101010101" pitchFamily="50" charset="-127"/>
+            </a:endParaRPr>
+          </a:p>
+          <a:p>
+            <a:r>
+              <a:rPr lang="en-US" altLang="ko-KR" sz="2400" dirty="0">
+                <a:latin typeface="나눔스퀘어 Bold" panose="020B0600000101010101" pitchFamily="50" charset="-127"/>
+                <a:ea typeface="나눔스퀘어 Bold" panose="020B0600000101010101" pitchFamily="50" charset="-127"/>
+              </a:rPr>
+              <a:t>Input :</a:t>
+            </a:r>
+            <a:r>
+              <a:rPr lang="en-US" altLang="ko-KR" sz="2400" i="1" dirty="0"/>
+              <a:t>The city council has unveiled an ambitious plan to revitalize the downtown area by renovating old buildings, improving public transportation, and creating new public spaces. The initiative is expected to boost tourism and local economic growth amid rising unemployment.</a:t>
+            </a:r>
+          </a:p>
+          <a:p>
+            <a:r>
+              <a:rPr lang="en-US" altLang="ko-KR" sz="2400" dirty="0">
+                <a:latin typeface="나눔스퀘어 Bold" panose="020B0600000101010101" pitchFamily="50" charset="-127"/>
+                <a:ea typeface="나눔스퀘어 Bold" panose="020B0600000101010101" pitchFamily="50" charset="-127"/>
+              </a:rPr>
+              <a:t>Output : </a:t>
+            </a:r>
+            <a:r>
+              <a:rPr lang="en-US" altLang="ko-KR" sz="2400" i="1" dirty="0"/>
+              <a:t>City council announces downtown revitalization plan to boost tourism and economy.</a:t>
+            </a:r>
+            <a:endParaRPr lang="en-US" altLang="ko-KR" sz="2400" i="1" dirty="0">
+              <a:latin typeface="나눔스퀘어 Bold" panose="020B0600000101010101" pitchFamily="50" charset="-127"/>
+              <a:ea typeface="나눔스퀘어 Bold" panose="020B0600000101010101" pitchFamily="50" charset="-127"/>
+            </a:endParaRPr>
+          </a:p>
+          <a:p>
+            <a:endParaRPr lang="en-US" altLang="ko-KR" sz="2400" i="1" dirty="0">
+              <a:latin typeface="나눔스퀘어 Bold" panose="020B0600000101010101" pitchFamily="50" charset="-127"/>
+              <a:ea typeface="나눔스퀘어 Bold" panose="020B0600000101010101" pitchFamily="50" charset="-127"/>
+            </a:endParaRPr>
+          </a:p>
+          <a:p>
+            <a:endParaRPr lang="en-US" altLang="ko-KR" sz="2400" dirty="0">
+              <a:latin typeface="나눔스퀘어 Bold" panose="020B0600000101010101" pitchFamily="50" charset="-127"/>
+              <a:ea typeface="나눔스퀘어 Bold" panose="020B0600000101010101" pitchFamily="50" charset="-127"/>
+            </a:endParaRPr>
+          </a:p>
+          <a:p>
+            <a:endParaRPr lang="en-US" altLang="ko-KR" sz="2400" dirty="0">
+              <a:latin typeface="나눔스퀘어 Bold" panose="020B0600000101010101" pitchFamily="50" charset="-127"/>
+              <a:ea typeface="나눔스퀘어 Bold" panose="020B0600000101010101" pitchFamily="50" charset="-127"/>
+            </a:endParaRPr>
+          </a:p>
+        </p:txBody>
+      </p:sp>
+      <p:sp>
+        <p:nvSpPr>
+          <p:cNvPr id="5" name="TextBox 4">
+            <a:extLst>
+              <a:ext uri="{FF2B5EF4-FFF2-40B4-BE49-F238E27FC236}">
+                <a16:creationId xmlns:a16="http://schemas.microsoft.com/office/drawing/2014/main" id="{E1E0213D-7598-238E-542B-4B5D5E4BB7EE}"/>
+              </a:ext>
+            </a:extLst>
+          </p:cNvPr>
+          <p:cNvSpPr txBox="1"/>
+          <p:nvPr/>
+        </p:nvSpPr>
+        <p:spPr>
+          <a:xfrm>
+            <a:off x="9721154" y="2542927"/>
+            <a:ext cx="8561234" cy="3785652"/>
+          </a:xfrm>
+          <a:prstGeom prst="rect">
+            <a:avLst/>
+          </a:prstGeom>
+          <a:noFill/>
+        </p:spPr>
+        <p:txBody>
+          <a:bodyPr wrap="square">
+            <a:spAutoFit/>
+          </a:bodyPr>
+          <a:lstStyle/>
+          <a:p>
+            <a:r>
+              <a:rPr lang="en-US" altLang="ko-KR" sz="2400" dirty="0">
+                <a:latin typeface="나눔스퀘어 Bold" panose="020B0600000101010101" pitchFamily="50" charset="-127"/>
+                <a:ea typeface="나눔스퀘어 Bold" panose="020B0600000101010101" pitchFamily="50" charset="-127"/>
+              </a:rPr>
+              <a:t>ConvAI2 (Conversation with AI)</a:t>
+            </a:r>
+          </a:p>
+          <a:p>
+            <a:endParaRPr lang="en-US" altLang="ko-KR" sz="2400" dirty="0">
+              <a:latin typeface="나눔스퀘어 Bold" panose="020B0600000101010101" pitchFamily="50" charset="-127"/>
+              <a:ea typeface="나눔스퀘어 Bold" panose="020B0600000101010101" pitchFamily="50" charset="-127"/>
+            </a:endParaRPr>
+          </a:p>
+          <a:p>
+            <a:r>
+              <a:rPr lang="en-US" altLang="ko-KR" sz="2400" dirty="0">
+                <a:latin typeface="나눔스퀘어 Bold" panose="020B0600000101010101" pitchFamily="50" charset="-127"/>
+                <a:ea typeface="나눔스퀘어 Bold" panose="020B0600000101010101" pitchFamily="50" charset="-127"/>
+              </a:rPr>
+              <a:t>Input : </a:t>
+            </a:r>
+            <a:r>
+              <a:rPr lang="en-US" altLang="ko-KR" sz="2400" i="1" dirty="0"/>
+              <a:t>User: Hi, how are you doing today? </a:t>
+            </a:r>
+          </a:p>
+          <a:p>
+            <a:r>
+              <a:rPr lang="en-US" altLang="ko-KR" sz="2400" i="1" dirty="0"/>
+              <a:t>Bot: I'm doing well, thanks! What about you? </a:t>
+            </a:r>
+          </a:p>
+          <a:p>
+            <a:r>
+              <a:rPr lang="en-US" altLang="ko-KR" sz="2400" i="1" dirty="0"/>
+              <a:t>User: I'm a bit bored and looking for something fun to talk about.</a:t>
+            </a:r>
+            <a:endParaRPr lang="en-US" altLang="ko-KR" sz="2400" i="1" dirty="0">
+              <a:latin typeface="나눔스퀘어 Bold" panose="020B0600000101010101" pitchFamily="50" charset="-127"/>
+              <a:ea typeface="나눔스퀘어 Bold" panose="020B0600000101010101" pitchFamily="50" charset="-127"/>
+            </a:endParaRPr>
+          </a:p>
+          <a:p>
+            <a:r>
+              <a:rPr lang="en-US" altLang="ko-KR" sz="2400" dirty="0">
+                <a:latin typeface="나눔스퀘어 Bold" panose="020B0600000101010101" pitchFamily="50" charset="-127"/>
+                <a:ea typeface="나눔스퀘어 Bold" panose="020B0600000101010101" pitchFamily="50" charset="-127"/>
+              </a:rPr>
+              <a:t>Output : </a:t>
+            </a:r>
+            <a:r>
+              <a:rPr lang="en-US" altLang="ko-KR" sz="2400" i="1" dirty="0"/>
+              <a:t>Maybe we can chat about your hobbies. What do you usually enjoy doing in your free time?</a:t>
+            </a:r>
+            <a:endParaRPr lang="en-US" altLang="ko-KR" sz="2400" i="1" dirty="0">
+              <a:latin typeface="나눔스퀘어 Bold" panose="020B0600000101010101" pitchFamily="50" charset="-127"/>
+              <a:ea typeface="나눔스퀘어 Bold" panose="020B0600000101010101" pitchFamily="50" charset="-127"/>
+            </a:endParaRPr>
+          </a:p>
+          <a:p>
+            <a:endParaRPr lang="en-US" altLang="ko-KR" sz="2400" dirty="0">
+              <a:latin typeface="나눔스퀘어 Bold" panose="020B0600000101010101" pitchFamily="50" charset="-127"/>
+              <a:ea typeface="나눔스퀘어 Bold" panose="020B0600000101010101" pitchFamily="50" charset="-127"/>
+            </a:endParaRPr>
+          </a:p>
+          <a:p>
+            <a:endParaRPr lang="en-US" altLang="ko-KR" sz="2400" dirty="0">
+              <a:latin typeface="나눔스퀘어 Bold" panose="020B0600000101010101" pitchFamily="50" charset="-127"/>
+              <a:ea typeface="나눔스퀘어 Bold" panose="020B0600000101010101" pitchFamily="50" charset="-127"/>
+            </a:endParaRPr>
+          </a:p>
+          <a:p>
+            <a:endParaRPr lang="en-US" altLang="ko-KR" sz="2400" dirty="0">
+              <a:latin typeface="나눔스퀘어 Bold" panose="020B0600000101010101" pitchFamily="50" charset="-127"/>
+              <a:ea typeface="나눔스퀘어 Bold" panose="020B0600000101010101" pitchFamily="50" charset="-127"/>
+            </a:endParaRPr>
+          </a:p>
+        </p:txBody>
+      </p:sp>
+      <p:sp>
+        <p:nvSpPr>
+          <p:cNvPr id="8" name="TextBox 7">
+            <a:extLst>
+              <a:ext uri="{FF2B5EF4-FFF2-40B4-BE49-F238E27FC236}">
+                <a16:creationId xmlns:a16="http://schemas.microsoft.com/office/drawing/2014/main" id="{EAFEC5D0-CFF9-763E-17D5-2F117EB1DE3C}"/>
+              </a:ext>
+            </a:extLst>
+          </p:cNvPr>
+          <p:cNvSpPr txBox="1"/>
+          <p:nvPr/>
+        </p:nvSpPr>
+        <p:spPr>
+          <a:xfrm>
+            <a:off x="2057400" y="9313007"/>
+            <a:ext cx="9222580" cy="1200329"/>
+          </a:xfrm>
+          <a:prstGeom prst="rect">
+            <a:avLst/>
+          </a:prstGeom>
+          <a:noFill/>
+        </p:spPr>
+        <p:txBody>
+          <a:bodyPr wrap="square">
+            <a:spAutoFit/>
+          </a:bodyPr>
+          <a:lstStyle/>
+          <a:p>
+            <a:r>
+              <a:rPr lang="ko-KR" altLang="en-US" dirty="0">
+                <a:hlinkClick r:id="rId4"/>
+              </a:rPr>
+              <a:t>https://huggingface.co/datasets/defunct-datasets/eli5</a:t>
+            </a:r>
+            <a:endParaRPr lang="en-US" altLang="ko-KR" dirty="0"/>
+          </a:p>
+          <a:p>
+            <a:endParaRPr lang="en-US" altLang="ko-KR" dirty="0"/>
+          </a:p>
+          <a:p>
+            <a:endParaRPr lang="en-US" altLang="ko-KR" dirty="0"/>
+          </a:p>
+          <a:p>
+            <a:endParaRPr lang="ko-KR" altLang="en-US" dirty="0"/>
+          </a:p>
+        </p:txBody>
+      </p:sp>
+      <p:sp>
+        <p:nvSpPr>
+          <p:cNvPr id="10" name="TextBox 9">
+            <a:extLst>
+              <a:ext uri="{FF2B5EF4-FFF2-40B4-BE49-F238E27FC236}">
+                <a16:creationId xmlns:a16="http://schemas.microsoft.com/office/drawing/2014/main" id="{3D1BEB64-110E-A1F8-2CD4-AA5EC38A8AA7}"/>
+              </a:ext>
+            </a:extLst>
+          </p:cNvPr>
+          <p:cNvSpPr txBox="1"/>
+          <p:nvPr/>
+        </p:nvSpPr>
+        <p:spPr>
+          <a:xfrm>
+            <a:off x="2057400" y="9603407"/>
+            <a:ext cx="9222580" cy="646331"/>
+          </a:xfrm>
+          <a:prstGeom prst="rect">
+            <a:avLst/>
+          </a:prstGeom>
+          <a:noFill/>
+        </p:spPr>
+        <p:txBody>
+          <a:bodyPr wrap="square">
+            <a:spAutoFit/>
+          </a:bodyPr>
+          <a:lstStyle/>
+          <a:p>
+            <a:r>
+              <a:rPr lang="ko-KR" altLang="en-US" dirty="0">
+                <a:hlinkClick r:id="rId5"/>
+              </a:rPr>
+              <a:t>https://huggingface.co/datasets/EdinburghNLP/xsum?row=9</a:t>
+            </a:r>
+            <a:endParaRPr lang="en-US" altLang="ko-KR" dirty="0"/>
+          </a:p>
+          <a:p>
+            <a:endParaRPr lang="ko-KR" altLang="en-US" dirty="0"/>
+          </a:p>
+        </p:txBody>
+      </p:sp>
+      <p:sp>
+        <p:nvSpPr>
+          <p:cNvPr id="12" name="TextBox 11">
+            <a:extLst>
+              <a:ext uri="{FF2B5EF4-FFF2-40B4-BE49-F238E27FC236}">
+                <a16:creationId xmlns:a16="http://schemas.microsoft.com/office/drawing/2014/main" id="{F48535DF-C839-6414-38EA-002BDBC408FF}"/>
+              </a:ext>
+            </a:extLst>
+          </p:cNvPr>
+          <p:cNvSpPr txBox="1"/>
+          <p:nvPr/>
+        </p:nvSpPr>
+        <p:spPr>
+          <a:xfrm>
+            <a:off x="8029586" y="9256820"/>
+            <a:ext cx="9222580" cy="923330"/>
+          </a:xfrm>
+          <a:prstGeom prst="rect">
+            <a:avLst/>
+          </a:prstGeom>
+          <a:noFill/>
+        </p:spPr>
+        <p:txBody>
+          <a:bodyPr wrap="square">
+            <a:spAutoFit/>
+          </a:bodyPr>
+          <a:lstStyle/>
+          <a:p>
+            <a:r>
+              <a:rPr lang="ko-KR" altLang="en-US" dirty="0">
+                <a:hlinkClick r:id="rId6"/>
+              </a:rPr>
+              <a:t>https://huggingface.co/datasets/convai-challenge/conv_ai_2</a:t>
+            </a:r>
+            <a:endParaRPr lang="en-US" altLang="ko-KR" dirty="0"/>
+          </a:p>
+          <a:p>
+            <a:r>
+              <a:rPr lang="en-US" altLang="ko-KR" dirty="0">
+                <a:hlinkClick r:id="rId7"/>
+              </a:rPr>
+              <a:t>https://huggingface.co/datasets/abisee/cnn_dailymail?row=6</a:t>
+            </a:r>
+            <a:endParaRPr lang="en-US" altLang="ko-KR" dirty="0"/>
+          </a:p>
+          <a:p>
+            <a:endParaRPr lang="ko-KR" altLang="en-US" dirty="0"/>
+          </a:p>
+        </p:txBody>
+      </p:sp>
+      <p:sp>
+        <p:nvSpPr>
+          <p:cNvPr id="13" name="TextBox 12">
+            <a:extLst>
+              <a:ext uri="{FF2B5EF4-FFF2-40B4-BE49-F238E27FC236}">
+                <a16:creationId xmlns:a16="http://schemas.microsoft.com/office/drawing/2014/main" id="{DC005699-7FF2-E98D-EF23-51006244F76F}"/>
+              </a:ext>
+            </a:extLst>
+          </p:cNvPr>
+          <p:cNvSpPr txBox="1"/>
+          <p:nvPr/>
+        </p:nvSpPr>
+        <p:spPr>
+          <a:xfrm>
+            <a:off x="9697342" y="5439080"/>
+            <a:ext cx="8561234" cy="4524315"/>
+          </a:xfrm>
+          <a:prstGeom prst="rect">
+            <a:avLst/>
+          </a:prstGeom>
+          <a:noFill/>
+        </p:spPr>
+        <p:txBody>
+          <a:bodyPr wrap="square">
+            <a:spAutoFit/>
+          </a:bodyPr>
+          <a:lstStyle/>
+          <a:p>
+            <a:r>
+              <a:rPr lang="en-US" altLang="ko-KR" sz="2400" dirty="0">
+                <a:latin typeface="나눔스퀘어 Bold" panose="020B0600000101010101" pitchFamily="50" charset="-127"/>
+                <a:ea typeface="나눔스퀘어 Bold" panose="020B0600000101010101" pitchFamily="50" charset="-127"/>
+              </a:rPr>
+              <a:t>CNN/DM (CNN/Daily Mail)</a:t>
+            </a:r>
+          </a:p>
+          <a:p>
+            <a:endParaRPr lang="en-US" altLang="ko-KR" sz="2400" dirty="0">
+              <a:latin typeface="나눔스퀘어 Bold" panose="020B0600000101010101" pitchFamily="50" charset="-127"/>
+              <a:ea typeface="나눔스퀘어 Bold" panose="020B0600000101010101" pitchFamily="50" charset="-127"/>
+            </a:endParaRPr>
+          </a:p>
+          <a:p>
+            <a:r>
+              <a:rPr lang="en-US" altLang="ko-KR" sz="2400" dirty="0">
+                <a:latin typeface="나눔스퀘어 Bold" panose="020B0600000101010101" pitchFamily="50" charset="-127"/>
+                <a:ea typeface="나눔스퀘어 Bold" panose="020B0600000101010101" pitchFamily="50" charset="-127"/>
+              </a:rPr>
+              <a:t>Input : </a:t>
+            </a:r>
+            <a:r>
+              <a:rPr lang="en-US" altLang="ko-KR" sz="2400" i="1" dirty="0"/>
+              <a:t>News Article: powerful earthquake struck the coastal region early this morning, causing widespread damage to infrastructure and leaving hundreds injured. Emergency services have been mobilized, and residents are advised to stay alert as aftershocks are expected.</a:t>
+            </a:r>
+          </a:p>
+          <a:p>
+            <a:r>
+              <a:rPr lang="en-US" altLang="ko-KR" sz="2400" dirty="0">
+                <a:latin typeface="나눔스퀘어 Bold" panose="020B0600000101010101" pitchFamily="50" charset="-127"/>
+                <a:ea typeface="나눔스퀘어 Bold" panose="020B0600000101010101" pitchFamily="50" charset="-127"/>
+              </a:rPr>
+              <a:t>Output : </a:t>
+            </a:r>
+            <a:r>
+              <a:rPr lang="en-US" altLang="ko-KR" sz="2400" i="1" dirty="0"/>
+              <a:t>Earthquake hits coastal region; emergency crews rescue hundreds amid aftershock warnings.</a:t>
+            </a:r>
+            <a:endParaRPr lang="en-US" altLang="ko-KR" sz="2400" i="1" dirty="0">
+              <a:latin typeface="나눔스퀘어 Bold" panose="020B0600000101010101" pitchFamily="50" charset="-127"/>
+              <a:ea typeface="나눔스퀘어 Bold" panose="020B0600000101010101" pitchFamily="50" charset="-127"/>
+            </a:endParaRPr>
+          </a:p>
+          <a:p>
+            <a:endParaRPr lang="en-US" altLang="ko-KR" sz="2400" dirty="0">
+              <a:latin typeface="나눔스퀘어 Bold" panose="020B0600000101010101" pitchFamily="50" charset="-127"/>
+              <a:ea typeface="나눔스퀘어 Bold" panose="020B0600000101010101" pitchFamily="50" charset="-127"/>
+            </a:endParaRPr>
+          </a:p>
+          <a:p>
+            <a:endParaRPr lang="en-US" altLang="ko-KR" sz="2400" dirty="0">
+              <a:latin typeface="나눔스퀘어 Bold" panose="020B0600000101010101" pitchFamily="50" charset="-127"/>
+              <a:ea typeface="나눔스퀘어 Bold" panose="020B0600000101010101" pitchFamily="50" charset="-127"/>
+            </a:endParaRPr>
+          </a:p>
+          <a:p>
+            <a:endParaRPr lang="en-US" altLang="ko-KR" sz="2400" dirty="0">
+              <a:latin typeface="나눔스퀘어 Bold" panose="020B0600000101010101" pitchFamily="50" charset="-127"/>
+              <a:ea typeface="나눔스퀘어 Bold" panose="020B0600000101010101" pitchFamily="50" charset="-127"/>
+            </a:endParaRPr>
           </a:p>
         </p:txBody>
       </p:sp>
@@ -28208,6 +30273,197 @@
           <a:chExt cx="0" cy="0"/>
         </a:xfrm>
       </p:grpSpPr>
+      <p:sp>
+        <p:nvSpPr>
+          <p:cNvPr id="12" name="TextBox 11">
+            <a:extLst>
+              <a:ext uri="{FF2B5EF4-FFF2-40B4-BE49-F238E27FC236}">
+                <a16:creationId xmlns:a16="http://schemas.microsoft.com/office/drawing/2014/main" id="{085B5AAE-3704-87B3-6A26-53B3C0FF367C}"/>
+              </a:ext>
+            </a:extLst>
+          </p:cNvPr>
+          <p:cNvSpPr txBox="1"/>
+          <p:nvPr/>
+        </p:nvSpPr>
+        <p:spPr>
+          <a:xfrm>
+            <a:off x="10287000" y="2498587"/>
+            <a:ext cx="6836861" cy="6124754"/>
+          </a:xfrm>
+          <a:prstGeom prst="rect">
+            <a:avLst/>
+          </a:prstGeom>
+          <a:noFill/>
+        </p:spPr>
+        <p:txBody>
+          <a:bodyPr wrap="square">
+            <a:spAutoFit/>
+          </a:bodyPr>
+          <a:lstStyle/>
+          <a:p>
+            <a:r>
+              <a:rPr lang="en-US" altLang="ko-KR" sz="2800" dirty="0">
+                <a:latin typeface="나눔스퀘어 Bold" panose="020B0600000101010101" pitchFamily="50" charset="-127"/>
+                <a:ea typeface="나눔스퀘어 Bold" panose="020B0600000101010101" pitchFamily="50" charset="-127"/>
+              </a:rPr>
+              <a:t>BLEU</a:t>
+            </a:r>
+          </a:p>
+          <a:p>
+            <a:endParaRPr lang="en-US" altLang="ko-KR" sz="2800" dirty="0">
+              <a:latin typeface="나눔스퀘어 Bold" panose="020B0600000101010101" pitchFamily="50" charset="-127"/>
+              <a:ea typeface="나눔스퀘어 Bold" panose="020B0600000101010101" pitchFamily="50" charset="-127"/>
+            </a:endParaRPr>
+          </a:p>
+          <a:p>
+            <a:endParaRPr lang="en-US" altLang="ko-KR" sz="2800" dirty="0">
+              <a:latin typeface="나눔스퀘어 Bold" panose="020B0600000101010101" pitchFamily="50" charset="-127"/>
+              <a:ea typeface="나눔스퀘어 Bold" panose="020B0600000101010101" pitchFamily="50" charset="-127"/>
+            </a:endParaRPr>
+          </a:p>
+          <a:p>
+            <a:endParaRPr lang="en-US" altLang="ko-KR" sz="2800" dirty="0">
+              <a:latin typeface="나눔스퀘어 Bold" panose="020B0600000101010101" pitchFamily="50" charset="-127"/>
+              <a:ea typeface="나눔스퀘어 Bold" panose="020B0600000101010101" pitchFamily="50" charset="-127"/>
+            </a:endParaRPr>
+          </a:p>
+          <a:p>
+            <a:endParaRPr lang="en-US" altLang="ko-KR" sz="2800" dirty="0">
+              <a:latin typeface="나눔스퀘어 Bold" panose="020B0600000101010101" pitchFamily="50" charset="-127"/>
+              <a:ea typeface="나눔스퀘어 Bold" panose="020B0600000101010101" pitchFamily="50" charset="-127"/>
+            </a:endParaRPr>
+          </a:p>
+          <a:p>
+            <a:endParaRPr lang="en-US" altLang="ko-KR" sz="2800" dirty="0">
+              <a:latin typeface="나눔스퀘어 Bold" panose="020B0600000101010101" pitchFamily="50" charset="-127"/>
+              <a:ea typeface="나눔스퀘어 Bold" panose="020B0600000101010101" pitchFamily="50" charset="-127"/>
+            </a:endParaRPr>
+          </a:p>
+          <a:p>
+            <a:endParaRPr lang="en-US" altLang="ko-KR" sz="2800" dirty="0">
+              <a:latin typeface="나눔스퀘어 Bold" panose="020B0600000101010101" pitchFamily="50" charset="-127"/>
+              <a:ea typeface="나눔스퀘어 Bold" panose="020B0600000101010101" pitchFamily="50" charset="-127"/>
+            </a:endParaRPr>
+          </a:p>
+          <a:p>
+            <a:endParaRPr lang="en-US" altLang="ko-KR" sz="2800" dirty="0">
+              <a:latin typeface="나눔스퀘어 Bold" panose="020B0600000101010101" pitchFamily="50" charset="-127"/>
+              <a:ea typeface="나눔스퀘어 Bold" panose="020B0600000101010101" pitchFamily="50" charset="-127"/>
+            </a:endParaRPr>
+          </a:p>
+          <a:p>
+            <a:endParaRPr lang="en-US" altLang="ko-KR" sz="2800" dirty="0">
+              <a:latin typeface="나눔스퀘어 Bold" panose="020B0600000101010101" pitchFamily="50" charset="-127"/>
+              <a:ea typeface="나눔스퀘어 Bold" panose="020B0600000101010101" pitchFamily="50" charset="-127"/>
+            </a:endParaRPr>
+          </a:p>
+          <a:p>
+            <a:r>
+              <a:rPr lang="en-US" altLang="ko-KR" sz="2800" dirty="0">
+                <a:latin typeface="나눔스퀘어 Bold" panose="020B0600000101010101" pitchFamily="50" charset="-127"/>
+                <a:ea typeface="나눔스퀘어 Bold" panose="020B0600000101010101" pitchFamily="50" charset="-127"/>
+              </a:rPr>
+              <a:t>N = maximum n-gram size (</a:t>
+            </a:r>
+            <a:r>
+              <a:rPr lang="ko-KR" altLang="en-US" sz="2800" dirty="0">
+                <a:latin typeface="나눔스퀘어 Bold" panose="020B0600000101010101" pitchFamily="50" charset="-127"/>
+                <a:ea typeface="나눔스퀘어 Bold" panose="020B0600000101010101" pitchFamily="50" charset="-127"/>
+              </a:rPr>
+              <a:t>보통 </a:t>
+            </a:r>
+            <a:r>
+              <a:rPr lang="en-US" altLang="ko-KR" sz="2800" dirty="0">
+                <a:latin typeface="나눔스퀘어 Bold" panose="020B0600000101010101" pitchFamily="50" charset="-127"/>
+                <a:ea typeface="나눔스퀘어 Bold" panose="020B0600000101010101" pitchFamily="50" charset="-127"/>
+              </a:rPr>
+              <a:t>4) </a:t>
+            </a:r>
+          </a:p>
+          <a:p>
+            <a:r>
+              <a:rPr lang="en-US" altLang="ko-KR" sz="2800" dirty="0" err="1">
+                <a:latin typeface="나눔스퀘어 Bold" panose="020B0600000101010101" pitchFamily="50" charset="-127"/>
+                <a:ea typeface="나눔스퀘어 Bold" panose="020B0600000101010101" pitchFamily="50" charset="-127"/>
+              </a:rPr>
+              <a:t>P_n</a:t>
+            </a:r>
+            <a:r>
+              <a:rPr lang="en-US" altLang="ko-KR" sz="2800" dirty="0">
+                <a:latin typeface="나눔스퀘어 Bold" panose="020B0600000101010101" pitchFamily="50" charset="-127"/>
+                <a:ea typeface="나눔스퀘어 Bold" panose="020B0600000101010101" pitchFamily="50" charset="-127"/>
+              </a:rPr>
+              <a:t> = precision in n-gram</a:t>
+            </a:r>
+          </a:p>
+          <a:p>
+            <a:r>
+              <a:rPr lang="en-US" altLang="ko-KR" sz="2800" dirty="0" err="1">
+                <a:latin typeface="나눔스퀘어 Bold" panose="020B0600000101010101" pitchFamily="50" charset="-127"/>
+                <a:ea typeface="나눔스퀘어 Bold" panose="020B0600000101010101" pitchFamily="50" charset="-127"/>
+              </a:rPr>
+              <a:t>w_n</a:t>
+            </a:r>
+            <a:r>
+              <a:rPr lang="en-US" altLang="ko-KR" sz="2800" dirty="0">
+                <a:latin typeface="나눔스퀘어 Bold" panose="020B0600000101010101" pitchFamily="50" charset="-127"/>
+                <a:ea typeface="나눔스퀘어 Bold" panose="020B0600000101010101" pitchFamily="50" charset="-127"/>
+              </a:rPr>
+              <a:t> = weight for n-gram (</a:t>
+            </a:r>
+            <a:r>
+              <a:rPr lang="ko-KR" altLang="en-US" sz="2800" dirty="0">
+                <a:latin typeface="나눔스퀘어 Bold" panose="020B0600000101010101" pitchFamily="50" charset="-127"/>
+                <a:ea typeface="나눔스퀘어 Bold" panose="020B0600000101010101" pitchFamily="50" charset="-127"/>
+              </a:rPr>
+              <a:t>보통 </a:t>
+            </a:r>
+            <a:r>
+              <a:rPr lang="en-US" altLang="ko-KR" sz="2800" dirty="0">
+                <a:latin typeface="나눔스퀘어 Bold" panose="020B0600000101010101" pitchFamily="50" charset="-127"/>
+                <a:ea typeface="나눔스퀘어 Bold" panose="020B0600000101010101" pitchFamily="50" charset="-127"/>
+              </a:rPr>
+              <a:t>¼)</a:t>
+            </a:r>
+          </a:p>
+          <a:p>
+            <a:r>
+              <a:rPr lang="en-US" altLang="ko-KR" sz="2800" dirty="0">
+                <a:latin typeface="나눔스퀘어 Bold" panose="020B0600000101010101" pitchFamily="50" charset="-127"/>
+                <a:ea typeface="나눔스퀘어 Bold" panose="020B0600000101010101" pitchFamily="50" charset="-127"/>
+              </a:rPr>
+              <a:t>C = </a:t>
+            </a:r>
+            <a:r>
+              <a:rPr lang="ko-KR" altLang="en-US" sz="2800" dirty="0">
+                <a:latin typeface="나눔스퀘어 Bold" panose="020B0600000101010101" pitchFamily="50" charset="-127"/>
+                <a:ea typeface="나눔스퀘어 Bold" panose="020B0600000101010101" pitchFamily="50" charset="-127"/>
+              </a:rPr>
+              <a:t>출력 문장 길이</a:t>
+            </a:r>
+            <a:endParaRPr lang="en-US" altLang="ko-KR" sz="2800" dirty="0">
+              <a:latin typeface="나눔스퀘어 Bold" panose="020B0600000101010101" pitchFamily="50" charset="-127"/>
+              <a:ea typeface="나눔스퀘어 Bold" panose="020B0600000101010101" pitchFamily="50" charset="-127"/>
+            </a:endParaRPr>
+          </a:p>
+          <a:p>
+            <a:r>
+              <a:rPr lang="en-US" altLang="ko-KR" sz="2800" dirty="0">
+                <a:latin typeface="나눔스퀘어 Bold" panose="020B0600000101010101" pitchFamily="50" charset="-127"/>
+                <a:ea typeface="나눔스퀘어 Bold" panose="020B0600000101010101" pitchFamily="50" charset="-127"/>
+              </a:rPr>
+              <a:t>R = </a:t>
+            </a:r>
+            <a:r>
+              <a:rPr lang="ko-KR" altLang="en-US" sz="2800" dirty="0">
+                <a:latin typeface="나눔스퀘어 Bold" panose="020B0600000101010101" pitchFamily="50" charset="-127"/>
+                <a:ea typeface="나눔스퀘어 Bold" panose="020B0600000101010101" pitchFamily="50" charset="-127"/>
+              </a:rPr>
+              <a:t>정답 문장 길이</a:t>
+            </a:r>
+          </a:p>
+        </p:txBody>
+      </p:sp>
       <p:grpSp>
         <p:nvGrpSpPr>
           <p:cNvPr id="1006" name="그룹 1006">
@@ -28368,7 +30624,7 @@
         </p:nvSpPr>
         <p:spPr>
           <a:xfrm>
-            <a:off x="582766" y="2095500"/>
+            <a:off x="549428" y="1790700"/>
             <a:ext cx="9158288" cy="707886"/>
           </a:xfrm>
           <a:prstGeom prst="rect">
@@ -28387,19 +30643,22 @@
                 <a:latin typeface="나눔스퀘어 Bold" panose="020B0600000101010101" pitchFamily="50" charset="-127"/>
                 <a:ea typeface="나눔스퀘어 Bold" panose="020B0600000101010101" pitchFamily="50" charset="-127"/>
               </a:rPr>
-              <a:t>R1,R2,RL,BLUE,EM/F1 </a:t>
+              <a:t>Evaluation</a:t>
             </a:r>
             <a:r>
               <a:rPr lang="ko-KR" altLang="en-US" sz="4000" dirty="0">
                 <a:latin typeface="나눔스퀘어 Bold" panose="020B0600000101010101" pitchFamily="50" charset="-127"/>
                 <a:ea typeface="나눔스퀘어 Bold" panose="020B0600000101010101" pitchFamily="50" charset="-127"/>
               </a:rPr>
-              <a:t>등 평가지표</a:t>
-            </a:r>
-            <a:endParaRPr lang="en-US" altLang="ko-KR" sz="4000" dirty="0">
-              <a:latin typeface="나눔스퀘어 Bold" panose="020B0600000101010101" pitchFamily="50" charset="-127"/>
-              <a:ea typeface="나눔스퀘어 Bold" panose="020B0600000101010101" pitchFamily="50" charset="-127"/>
-            </a:endParaRPr>
+              <a:t> </a:t>
+            </a:r>
+            <a:r>
+              <a:rPr lang="en-US" altLang="ko-KR" sz="4000" dirty="0">
+                <a:latin typeface="나눔스퀘어 Bold" panose="020B0600000101010101" pitchFamily="50" charset="-127"/>
+                <a:ea typeface="나눔스퀘어 Bold" panose="020B0600000101010101" pitchFamily="50" charset="-127"/>
+              </a:rPr>
+              <a:t>Matrix</a:t>
+            </a:r>
           </a:p>
         </p:txBody>
       </p:sp>
@@ -28437,6 +30696,515 @@
           </a:p>
         </p:txBody>
       </p:sp>
+      <p:sp>
+        <p:nvSpPr>
+          <p:cNvPr id="2" name="TextBox 1">
+            <a:extLst>
+              <a:ext uri="{FF2B5EF4-FFF2-40B4-BE49-F238E27FC236}">
+                <a16:creationId xmlns:a16="http://schemas.microsoft.com/office/drawing/2014/main" id="{EC8F86E3-96F1-FEA9-78AB-36CBD49E1C88}"/>
+              </a:ext>
+            </a:extLst>
+          </p:cNvPr>
+          <p:cNvSpPr txBox="1"/>
+          <p:nvPr/>
+        </p:nvSpPr>
+        <p:spPr>
+          <a:xfrm>
+            <a:off x="549428" y="2809067"/>
+            <a:ext cx="8561234" cy="7848302"/>
+          </a:xfrm>
+          <a:prstGeom prst="rect">
+            <a:avLst/>
+          </a:prstGeom>
+          <a:noFill/>
+        </p:spPr>
+        <p:txBody>
+          <a:bodyPr wrap="square">
+            <a:spAutoFit/>
+          </a:bodyPr>
+          <a:lstStyle/>
+          <a:p>
+            <a:r>
+              <a:rPr lang="en-US" altLang="ko-KR" sz="2800" dirty="0">
+                <a:latin typeface="나눔스퀘어 Bold" panose="020B0600000101010101" pitchFamily="50" charset="-127"/>
+                <a:ea typeface="나눔스퀘어 Bold" panose="020B0600000101010101" pitchFamily="50" charset="-127"/>
+              </a:rPr>
+              <a:t>Rouge(Recall-Oriented Understudy for </a:t>
+            </a:r>
+            <a:r>
+              <a:rPr lang="en-US" altLang="ko-KR" sz="2800" dirty="0" err="1">
+                <a:latin typeface="나눔스퀘어 Bold" panose="020B0600000101010101" pitchFamily="50" charset="-127"/>
+                <a:ea typeface="나눔스퀘어 Bold" panose="020B0600000101010101" pitchFamily="50" charset="-127"/>
+              </a:rPr>
+              <a:t>Gisting</a:t>
+            </a:r>
+            <a:r>
+              <a:rPr lang="en-US" altLang="ko-KR" sz="2800" dirty="0">
+                <a:latin typeface="나눔스퀘어 Bold" panose="020B0600000101010101" pitchFamily="50" charset="-127"/>
+                <a:ea typeface="나눔스퀘어 Bold" panose="020B0600000101010101" pitchFamily="50" charset="-127"/>
+              </a:rPr>
+              <a:t> Evaluation)</a:t>
+            </a:r>
+          </a:p>
+          <a:p>
+            <a:endParaRPr lang="en-US" altLang="ko-KR" sz="2800" dirty="0">
+              <a:latin typeface="나눔스퀘어 Bold" panose="020B0600000101010101" pitchFamily="50" charset="-127"/>
+              <a:ea typeface="나눔스퀘어 Bold" panose="020B0600000101010101" pitchFamily="50" charset="-127"/>
+            </a:endParaRPr>
+          </a:p>
+          <a:p>
+            <a:endParaRPr lang="en-US" altLang="ko-KR" sz="2800" dirty="0">
+              <a:latin typeface="나눔스퀘어 Bold" panose="020B0600000101010101" pitchFamily="50" charset="-127"/>
+              <a:ea typeface="나눔스퀘어 Bold" panose="020B0600000101010101" pitchFamily="50" charset="-127"/>
+            </a:endParaRPr>
+          </a:p>
+          <a:p>
+            <a:endParaRPr lang="en-US" altLang="ko-KR" sz="2800" dirty="0">
+              <a:latin typeface="나눔스퀘어 Bold" panose="020B0600000101010101" pitchFamily="50" charset="-127"/>
+              <a:ea typeface="나눔스퀘어 Bold" panose="020B0600000101010101" pitchFamily="50" charset="-127"/>
+            </a:endParaRPr>
+          </a:p>
+          <a:p>
+            <a:endParaRPr lang="en-US" altLang="ko-KR" sz="2800" dirty="0">
+              <a:latin typeface="나눔스퀘어 Bold" panose="020B0600000101010101" pitchFamily="50" charset="-127"/>
+              <a:ea typeface="나눔스퀘어 Bold" panose="020B0600000101010101" pitchFamily="50" charset="-127"/>
+            </a:endParaRPr>
+          </a:p>
+          <a:p>
+            <a:endParaRPr lang="en-US" altLang="ko-KR" sz="2800" dirty="0">
+              <a:latin typeface="나눔스퀘어 Bold" panose="020B0600000101010101" pitchFamily="50" charset="-127"/>
+              <a:ea typeface="나눔스퀘어 Bold" panose="020B0600000101010101" pitchFamily="50" charset="-127"/>
+            </a:endParaRPr>
+          </a:p>
+          <a:p>
+            <a:endParaRPr lang="en-US" altLang="ko-KR" sz="2800" dirty="0">
+              <a:latin typeface="나눔스퀘어 Bold" panose="020B0600000101010101" pitchFamily="50" charset="-127"/>
+              <a:ea typeface="나눔스퀘어 Bold" panose="020B0600000101010101" pitchFamily="50" charset="-127"/>
+            </a:endParaRPr>
+          </a:p>
+          <a:p>
+            <a:r>
+              <a:rPr lang="en-US" altLang="ko-KR" sz="2800" dirty="0">
+                <a:latin typeface="나눔스퀘어 Bold" panose="020B0600000101010101" pitchFamily="50" charset="-127"/>
+                <a:ea typeface="나눔스퀘어 Bold" panose="020B0600000101010101" pitchFamily="50" charset="-127"/>
+              </a:rPr>
+              <a:t>Precision</a:t>
+            </a:r>
+            <a:r>
+              <a:rPr lang="ko-KR" altLang="en-US" sz="2800" dirty="0">
+                <a:latin typeface="나눔스퀘어 Bold" panose="020B0600000101010101" pitchFamily="50" charset="-127"/>
+                <a:ea typeface="나눔스퀘어 Bold" panose="020B0600000101010101" pitchFamily="50" charset="-127"/>
+              </a:rPr>
+              <a:t> </a:t>
+            </a:r>
+            <a:r>
+              <a:rPr lang="en-US" altLang="ko-KR" sz="2800" dirty="0">
+                <a:latin typeface="나눔스퀘어 Bold" panose="020B0600000101010101" pitchFamily="50" charset="-127"/>
+                <a:ea typeface="나눔스퀘어 Bold" panose="020B0600000101010101" pitchFamily="50" charset="-127"/>
+              </a:rPr>
+              <a:t>=</a:t>
+            </a:r>
+            <a:r>
+              <a:rPr lang="ko-KR" altLang="en-US" sz="2800" dirty="0">
+                <a:latin typeface="나눔스퀘어 Bold" panose="020B0600000101010101" pitchFamily="50" charset="-127"/>
+                <a:ea typeface="나눔스퀘어 Bold" panose="020B0600000101010101" pitchFamily="50" charset="-127"/>
+              </a:rPr>
+              <a:t> 정답 </a:t>
+            </a:r>
+            <a:r>
+              <a:rPr lang="en-US" altLang="ko-KR" sz="2800" dirty="0">
+                <a:latin typeface="나눔스퀘어 Bold" panose="020B0600000101010101" pitchFamily="50" charset="-127"/>
+                <a:ea typeface="나눔스퀘어 Bold" panose="020B0600000101010101" pitchFamily="50" charset="-127"/>
+              </a:rPr>
+              <a:t>n-gram </a:t>
+            </a:r>
+            <a:r>
+              <a:rPr lang="ko-KR" altLang="en-US" sz="2800" dirty="0">
+                <a:latin typeface="나눔스퀘어 Bold" panose="020B0600000101010101" pitchFamily="50" charset="-127"/>
+                <a:ea typeface="나눔스퀘어 Bold" panose="020B0600000101010101" pitchFamily="50" charset="-127"/>
+              </a:rPr>
+              <a:t>수 </a:t>
+            </a:r>
+            <a:r>
+              <a:rPr lang="en-US" altLang="ko-KR" sz="2800" dirty="0">
+                <a:latin typeface="나눔스퀘어 Bold" panose="020B0600000101010101" pitchFamily="50" charset="-127"/>
+                <a:ea typeface="나눔스퀘어 Bold" panose="020B0600000101010101" pitchFamily="50" charset="-127"/>
+              </a:rPr>
+              <a:t>/ </a:t>
+            </a:r>
+            <a:r>
+              <a:rPr lang="ko-KR" altLang="en-US" sz="2800" dirty="0">
+                <a:latin typeface="나눔스퀘어 Bold" panose="020B0600000101010101" pitchFamily="50" charset="-127"/>
+                <a:ea typeface="나눔스퀘어 Bold" panose="020B0600000101010101" pitchFamily="50" charset="-127"/>
+              </a:rPr>
+              <a:t>생성 문장 길이</a:t>
+            </a:r>
+            <a:endParaRPr lang="en-US" altLang="ko-KR" sz="2800" dirty="0">
+              <a:latin typeface="나눔스퀘어 Bold" panose="020B0600000101010101" pitchFamily="50" charset="-127"/>
+              <a:ea typeface="나눔스퀘어 Bold" panose="020B0600000101010101" pitchFamily="50" charset="-127"/>
+            </a:endParaRPr>
+          </a:p>
+          <a:p>
+            <a:r>
+              <a:rPr lang="en-US" altLang="ko-KR" sz="2800" dirty="0">
+                <a:latin typeface="나눔스퀘어 Bold" panose="020B0600000101010101" pitchFamily="50" charset="-127"/>
+                <a:ea typeface="나눔스퀘어 Bold" panose="020B0600000101010101" pitchFamily="50" charset="-127"/>
+              </a:rPr>
+              <a:t>Recall = </a:t>
+            </a:r>
+            <a:r>
+              <a:rPr lang="ko-KR" altLang="en-US" sz="2800" dirty="0">
+                <a:latin typeface="나눔스퀘어 Bold" panose="020B0600000101010101" pitchFamily="50" charset="-127"/>
+                <a:ea typeface="나눔스퀘어 Bold" panose="020B0600000101010101" pitchFamily="50" charset="-127"/>
+              </a:rPr>
+              <a:t>정답 </a:t>
+            </a:r>
+            <a:r>
+              <a:rPr lang="en-US" altLang="ko-KR" sz="2800" dirty="0">
+                <a:latin typeface="나눔스퀘어 Bold" panose="020B0600000101010101" pitchFamily="50" charset="-127"/>
+                <a:ea typeface="나눔스퀘어 Bold" panose="020B0600000101010101" pitchFamily="50" charset="-127"/>
+              </a:rPr>
+              <a:t>n-gram </a:t>
+            </a:r>
+            <a:r>
+              <a:rPr lang="ko-KR" altLang="en-US" sz="2800" dirty="0">
+                <a:latin typeface="나눔스퀘어 Bold" panose="020B0600000101010101" pitchFamily="50" charset="-127"/>
+                <a:ea typeface="나눔스퀘어 Bold" panose="020B0600000101010101" pitchFamily="50" charset="-127"/>
+              </a:rPr>
+              <a:t>수 </a:t>
+            </a:r>
+            <a:r>
+              <a:rPr lang="en-US" altLang="ko-KR" sz="2800" dirty="0">
+                <a:latin typeface="나눔스퀘어 Bold" panose="020B0600000101010101" pitchFamily="50" charset="-127"/>
+                <a:ea typeface="나눔스퀘어 Bold" panose="020B0600000101010101" pitchFamily="50" charset="-127"/>
+              </a:rPr>
+              <a:t>/ </a:t>
+            </a:r>
+            <a:r>
+              <a:rPr lang="ko-KR" altLang="en-US" sz="2800" dirty="0">
+                <a:latin typeface="나눔스퀘어 Bold" panose="020B0600000101010101" pitchFamily="50" charset="-127"/>
+                <a:ea typeface="나눔스퀘어 Bold" panose="020B0600000101010101" pitchFamily="50" charset="-127"/>
+              </a:rPr>
+              <a:t>정답 문장 길이</a:t>
+            </a:r>
+            <a:endParaRPr lang="en-US" altLang="ko-KR" sz="2800" dirty="0">
+              <a:latin typeface="나눔스퀘어 Bold" panose="020B0600000101010101" pitchFamily="50" charset="-127"/>
+              <a:ea typeface="나눔스퀘어 Bold" panose="020B0600000101010101" pitchFamily="50" charset="-127"/>
+            </a:endParaRPr>
+          </a:p>
+          <a:p>
+            <a:endParaRPr lang="en-US" altLang="ko-KR" sz="2800" dirty="0">
+              <a:latin typeface="나눔스퀘어 Bold" panose="020B0600000101010101" pitchFamily="50" charset="-127"/>
+              <a:ea typeface="나눔스퀘어 Bold" panose="020B0600000101010101" pitchFamily="50" charset="-127"/>
+            </a:endParaRPr>
+          </a:p>
+          <a:p>
+            <a:r>
+              <a:rPr lang="en-US" altLang="ko-KR" sz="2800" dirty="0">
+                <a:latin typeface="나눔스퀘어 Bold" panose="020B0600000101010101" pitchFamily="50" charset="-127"/>
+                <a:ea typeface="나눔스퀘어 Bold" panose="020B0600000101010101" pitchFamily="50" charset="-127"/>
+              </a:rPr>
+              <a:t>Rouge-n = n-gram</a:t>
+            </a:r>
+            <a:r>
+              <a:rPr lang="ko-KR" altLang="en-US" sz="2800" dirty="0">
+                <a:latin typeface="나눔스퀘어 Bold" panose="020B0600000101010101" pitchFamily="50" charset="-127"/>
+                <a:ea typeface="나눔스퀘어 Bold" panose="020B0600000101010101" pitchFamily="50" charset="-127"/>
+              </a:rPr>
+              <a:t> 기준 </a:t>
+            </a:r>
+            <a:r>
+              <a:rPr lang="en-US" altLang="ko-KR" sz="2800" dirty="0">
+                <a:latin typeface="나눔스퀘어 Bold" panose="020B0600000101010101" pitchFamily="50" charset="-127"/>
+                <a:ea typeface="나눔스퀘어 Bold" panose="020B0600000101010101" pitchFamily="50" charset="-127"/>
+              </a:rPr>
+              <a:t>F1 score</a:t>
+            </a:r>
+          </a:p>
+          <a:p>
+            <a:r>
+              <a:rPr lang="en-US" altLang="ko-KR" sz="2800" dirty="0">
+                <a:latin typeface="나눔스퀘어 Bold" panose="020B0600000101010101" pitchFamily="50" charset="-127"/>
+                <a:ea typeface="나눔스퀘어 Bold" panose="020B0600000101010101" pitchFamily="50" charset="-127"/>
+              </a:rPr>
+              <a:t>Rouge-L = n-gram </a:t>
+            </a:r>
+            <a:r>
+              <a:rPr lang="ko-KR" altLang="en-US" sz="2800" dirty="0">
+                <a:latin typeface="나눔스퀘어 Bold" panose="020B0600000101010101" pitchFamily="50" charset="-127"/>
+                <a:ea typeface="나눔스퀘어 Bold" panose="020B0600000101010101" pitchFamily="50" charset="-127"/>
+              </a:rPr>
+              <a:t>대신 </a:t>
+            </a:r>
+            <a:r>
+              <a:rPr lang="en-US" altLang="ko-KR" sz="2800" dirty="0">
+                <a:latin typeface="나눔스퀘어 Bold" panose="020B0600000101010101" pitchFamily="50" charset="-127"/>
+                <a:ea typeface="나눔스퀘어 Bold" panose="020B0600000101010101" pitchFamily="50" charset="-127"/>
+              </a:rPr>
+              <a:t>LCS</a:t>
+            </a:r>
+            <a:r>
+              <a:rPr lang="en-US" altLang="ko-KR" sz="2800" i="1" dirty="0">
+                <a:latin typeface="나눔스퀘어 Bold" panose="020B0600000101010101" pitchFamily="50" charset="-127"/>
+                <a:ea typeface="나눔스퀘어 Bold" panose="020B0600000101010101" pitchFamily="50" charset="-127"/>
+              </a:rPr>
+              <a:t>, Longest Common Subsequence</a:t>
+            </a:r>
+            <a:r>
+              <a:rPr lang="en-US" altLang="ko-KR" sz="2800" dirty="0">
+                <a:latin typeface="나눔스퀘어 Bold" panose="020B0600000101010101" pitchFamily="50" charset="-127"/>
+                <a:ea typeface="나눔스퀘어 Bold" panose="020B0600000101010101" pitchFamily="50" charset="-127"/>
+              </a:rPr>
+              <a:t> </a:t>
+            </a:r>
+            <a:r>
+              <a:rPr lang="ko-KR" altLang="en-US" sz="2800" dirty="0">
+                <a:latin typeface="나눔스퀘어 Bold" panose="020B0600000101010101" pitchFamily="50" charset="-127"/>
+                <a:ea typeface="나눔스퀘어 Bold" panose="020B0600000101010101" pitchFamily="50" charset="-127"/>
+              </a:rPr>
+              <a:t>사용</a:t>
+            </a:r>
+            <a:endParaRPr lang="en-US" altLang="ko-KR" sz="2800" dirty="0">
+              <a:latin typeface="나눔스퀘어 Bold" panose="020B0600000101010101" pitchFamily="50" charset="-127"/>
+              <a:ea typeface="나눔스퀘어 Bold" panose="020B0600000101010101" pitchFamily="50" charset="-127"/>
+            </a:endParaRPr>
+          </a:p>
+          <a:p>
+            <a:endParaRPr lang="en-US" altLang="ko-KR" sz="2800" dirty="0">
+              <a:latin typeface="나눔스퀘어 Bold" panose="020B0600000101010101" pitchFamily="50" charset="-127"/>
+              <a:ea typeface="나눔스퀘어 Bold" panose="020B0600000101010101" pitchFamily="50" charset="-127"/>
+            </a:endParaRPr>
+          </a:p>
+          <a:p>
+            <a:endParaRPr lang="en-US" altLang="ko-KR" sz="2800" dirty="0">
+              <a:latin typeface="나눔스퀘어 Bold" panose="020B0600000101010101" pitchFamily="50" charset="-127"/>
+              <a:ea typeface="나눔스퀘어 Bold" panose="020B0600000101010101" pitchFamily="50" charset="-127"/>
+            </a:endParaRPr>
+          </a:p>
+          <a:p>
+            <a:endParaRPr lang="en-US" altLang="ko-KR" sz="2800" dirty="0">
+              <a:latin typeface="나눔스퀘어 Bold" panose="020B0600000101010101" pitchFamily="50" charset="-127"/>
+              <a:ea typeface="나눔스퀘어 Bold" panose="020B0600000101010101" pitchFamily="50" charset="-127"/>
+            </a:endParaRPr>
+          </a:p>
+          <a:p>
+            <a:endParaRPr lang="en-US" altLang="ko-KR" sz="2800" dirty="0">
+              <a:latin typeface="나눔스퀘어 Bold" panose="020B0600000101010101" pitchFamily="50" charset="-127"/>
+              <a:ea typeface="나눔스퀘어 Bold" panose="020B0600000101010101" pitchFamily="50" charset="-127"/>
+            </a:endParaRPr>
+          </a:p>
+        </p:txBody>
+      </p:sp>
+      <p:sp>
+        <p:nvSpPr>
+          <p:cNvPr id="5" name="TextBox 4">
+            <a:extLst>
+              <a:ext uri="{FF2B5EF4-FFF2-40B4-BE49-F238E27FC236}">
+                <a16:creationId xmlns:a16="http://schemas.microsoft.com/office/drawing/2014/main" id="{4F20188E-E564-344A-89F8-AAEEE77C36E7}"/>
+              </a:ext>
+            </a:extLst>
+          </p:cNvPr>
+          <p:cNvSpPr txBox="1"/>
+          <p:nvPr/>
+        </p:nvSpPr>
+        <p:spPr>
+          <a:xfrm>
+            <a:off x="9124949" y="8881321"/>
+            <a:ext cx="9158288" cy="923330"/>
+          </a:xfrm>
+          <a:prstGeom prst="rect">
+            <a:avLst/>
+          </a:prstGeom>
+          <a:noFill/>
+        </p:spPr>
+        <p:txBody>
+          <a:bodyPr wrap="square">
+            <a:spAutoFit/>
+          </a:bodyPr>
+          <a:lstStyle/>
+          <a:p>
+            <a:r>
+              <a:rPr lang="ko-KR" altLang="en-US" dirty="0">
+                <a:hlinkClick r:id="rId4"/>
+              </a:rPr>
+              <a:t>https://towardsdatascience.com/foundations-of-nlp-explained-bleu-score-and-wer-metrics-1a5ba06d812b/</a:t>
+            </a:r>
+            <a:endParaRPr lang="en-US" altLang="ko-KR" dirty="0"/>
+          </a:p>
+          <a:p>
+            <a:endParaRPr lang="ko-KR" altLang="en-US" dirty="0"/>
+          </a:p>
+        </p:txBody>
+      </p:sp>
+      <p:grpSp>
+        <p:nvGrpSpPr>
+          <p:cNvPr id="15" name="그룹 14">
+            <a:extLst>
+              <a:ext uri="{FF2B5EF4-FFF2-40B4-BE49-F238E27FC236}">
+                <a16:creationId xmlns:a16="http://schemas.microsoft.com/office/drawing/2014/main" id="{1A015A53-7C44-C690-180B-53812D8606C2}"/>
+              </a:ext>
+            </a:extLst>
+          </p:cNvPr>
+          <p:cNvGrpSpPr/>
+          <p:nvPr/>
+        </p:nvGrpSpPr>
+        <p:grpSpPr>
+          <a:xfrm>
+            <a:off x="10971755" y="3178357"/>
+            <a:ext cx="5467350" cy="2369961"/>
+            <a:chOff x="11268096" y="4063338"/>
+            <a:chExt cx="5467350" cy="2369961"/>
+          </a:xfrm>
+        </p:grpSpPr>
+        <p:pic>
+          <p:nvPicPr>
+            <p:cNvPr id="8" name="그림 7">
+              <a:extLst>
+                <a:ext uri="{FF2B5EF4-FFF2-40B4-BE49-F238E27FC236}">
+                  <a16:creationId xmlns:a16="http://schemas.microsoft.com/office/drawing/2014/main" id="{C9C4D46E-FD61-FAFE-A690-D38FBE0ED9BC}"/>
+                </a:ext>
+              </a:extLst>
+            </p:cNvPr>
+            <p:cNvPicPr>
+              <a:picLocks noChangeAspect="1"/>
+            </p:cNvPicPr>
+            <p:nvPr/>
+          </p:nvPicPr>
+          <p:blipFill>
+            <a:blip r:embed="rId5"/>
+            <a:stretch>
+              <a:fillRect/>
+            </a:stretch>
+          </p:blipFill>
+          <p:spPr>
+            <a:xfrm>
+              <a:off x="11430000" y="4063338"/>
+              <a:ext cx="4598834" cy="1386725"/>
+            </a:xfrm>
+            <a:prstGeom prst="rect">
+              <a:avLst/>
+            </a:prstGeom>
+          </p:spPr>
+        </p:pic>
+        <p:pic>
+          <p:nvPicPr>
+            <p:cNvPr id="10" name="그림 9">
+              <a:extLst>
+                <a:ext uri="{FF2B5EF4-FFF2-40B4-BE49-F238E27FC236}">
+                  <a16:creationId xmlns:a16="http://schemas.microsoft.com/office/drawing/2014/main" id="{A7AF0F1C-E584-9BAF-C1D2-0721927CC507}"/>
+                </a:ext>
+              </a:extLst>
+            </p:cNvPr>
+            <p:cNvPicPr>
+              <a:picLocks noChangeAspect="1"/>
+            </p:cNvPicPr>
+            <p:nvPr/>
+          </p:nvPicPr>
+          <p:blipFill>
+            <a:blip r:embed="rId6"/>
+            <a:stretch>
+              <a:fillRect/>
+            </a:stretch>
+          </p:blipFill>
+          <p:spPr>
+            <a:xfrm>
+              <a:off x="11268096" y="5324885"/>
+              <a:ext cx="5467350" cy="1108414"/>
+            </a:xfrm>
+            <a:prstGeom prst="rect">
+              <a:avLst/>
+            </a:prstGeom>
+          </p:spPr>
+        </p:pic>
+      </p:grpSp>
+      <p:sp>
+        <p:nvSpPr>
+          <p:cNvPr id="14" name="TextBox 13">
+            <a:extLst>
+              <a:ext uri="{FF2B5EF4-FFF2-40B4-BE49-F238E27FC236}">
+                <a16:creationId xmlns:a16="http://schemas.microsoft.com/office/drawing/2014/main" id="{21F87E85-1DDD-2884-2C1D-B16A62CEDD2B}"/>
+              </a:ext>
+            </a:extLst>
+          </p:cNvPr>
+          <p:cNvSpPr txBox="1"/>
+          <p:nvPr/>
+        </p:nvSpPr>
+        <p:spPr>
+          <a:xfrm>
+            <a:off x="417254" y="8973654"/>
+            <a:ext cx="9158288" cy="646331"/>
+          </a:xfrm>
+          <a:prstGeom prst="rect">
+            <a:avLst/>
+          </a:prstGeom>
+          <a:noFill/>
+        </p:spPr>
+        <p:txBody>
+          <a:bodyPr wrap="square">
+            <a:spAutoFit/>
+          </a:bodyPr>
+          <a:lstStyle/>
+          <a:p>
+            <a:r>
+              <a:rPr lang="ko-KR" altLang="en-US" dirty="0">
+                <a:hlinkClick r:id="rId7"/>
+              </a:rPr>
+              <a:t>https://medium.com/@eren9677/text-summarization-387836c9e178</a:t>
+            </a:r>
+            <a:endParaRPr lang="en-US" altLang="ko-KR" dirty="0"/>
+          </a:p>
+          <a:p>
+            <a:endParaRPr lang="ko-KR" altLang="en-US" dirty="0"/>
+          </a:p>
+        </p:txBody>
+      </p:sp>
+      <p:pic>
+        <p:nvPicPr>
+          <p:cNvPr id="1026" name="Picture 2">
+            <a:extLst>
+              <a:ext uri="{FF2B5EF4-FFF2-40B4-BE49-F238E27FC236}">
+                <a16:creationId xmlns:a16="http://schemas.microsoft.com/office/drawing/2014/main" id="{B6AFA917-F536-4A21-2B5F-22509AD20C43}"/>
+              </a:ext>
+            </a:extLst>
+          </p:cNvPr>
+          <p:cNvPicPr>
+            <a:picLocks noChangeAspect="1" noChangeArrowheads="1"/>
+          </p:cNvPicPr>
+          <p:nvPr/>
+        </p:nvPicPr>
+        <p:blipFill>
+          <a:blip r:embed="rId8">
+            <a:extLst>
+              <a:ext uri="{28A0092B-C50C-407E-A947-70E740481C1C}">
+                <a14:useLocalDpi xmlns:a14="http://schemas.microsoft.com/office/drawing/2010/main" val="0"/>
+              </a:ext>
+            </a:extLst>
+          </a:blip>
+          <a:srcRect/>
+          <a:stretch>
+            <a:fillRect/>
+          </a:stretch>
+        </p:blipFill>
+        <p:spPr bwMode="auto">
+          <a:xfrm>
+            <a:off x="1496295" y="4060235"/>
+            <a:ext cx="6667500" cy="1857375"/>
+          </a:xfrm>
+          <a:prstGeom prst="rect">
+            <a:avLst/>
+          </a:prstGeom>
+          <a:noFill/>
+          <a:extLst>
+            <a:ext uri="{909E8E84-426E-40DD-AFC4-6F175D3DCCD1}">
+              <a14:hiddenFill xmlns:a14="http://schemas.microsoft.com/office/drawing/2010/main">
+                <a:solidFill>
+                  <a:srgbClr val="FFFFFF"/>
+                </a:solidFill>
+              </a14:hiddenFill>
+            </a:ext>
+          </a:extLst>
+        </p:spPr>
+      </p:pic>
     </p:spTree>
     <p:extLst>
       <p:ext uri="{BB962C8B-B14F-4D97-AF65-F5344CB8AC3E}">
@@ -30721,6 +33489,352 @@
         <p:cNvPr id="1" name="">
           <a:extLst>
             <a:ext uri="{FF2B5EF4-FFF2-40B4-BE49-F238E27FC236}">
+              <a16:creationId xmlns:a16="http://schemas.microsoft.com/office/drawing/2014/main" id="{54556AE7-AC3B-1F7A-FB20-AB7B6773297A}"/>
+            </a:ext>
+          </a:extLst>
+        </p:cNvPr>
+        <p:cNvGrpSpPr/>
+        <p:nvPr/>
+      </p:nvGrpSpPr>
+      <p:grpSpPr>
+        <a:xfrm>
+          <a:off x="0" y="0"/>
+          <a:ext cx="0" cy="0"/>
+          <a:chOff x="0" y="0"/>
+          <a:chExt cx="0" cy="0"/>
+        </a:xfrm>
+      </p:grpSpPr>
+      <p:grpSp>
+        <p:nvGrpSpPr>
+          <p:cNvPr id="1006" name="그룹 1006">
+            <a:extLst>
+              <a:ext uri="{FF2B5EF4-FFF2-40B4-BE49-F238E27FC236}">
+                <a16:creationId xmlns:a16="http://schemas.microsoft.com/office/drawing/2014/main" id="{B62A91E0-5090-A0ED-0E8F-58B8A186B3AA}"/>
+              </a:ext>
+            </a:extLst>
+          </p:cNvPr>
+          <p:cNvGrpSpPr/>
+          <p:nvPr/>
+        </p:nvGrpSpPr>
+        <p:grpSpPr>
+          <a:xfrm>
+            <a:off x="867846" y="9325428"/>
+            <a:ext cx="16284590" cy="1025987"/>
+            <a:chOff x="867846" y="9325428"/>
+            <a:chExt cx="16284590" cy="1025987"/>
+          </a:xfrm>
+        </p:grpSpPr>
+        <p:pic>
+          <p:nvPicPr>
+            <p:cNvPr id="18" name="Object 17">
+              <a:extLst>
+                <a:ext uri="{FF2B5EF4-FFF2-40B4-BE49-F238E27FC236}">
+                  <a16:creationId xmlns:a16="http://schemas.microsoft.com/office/drawing/2014/main" id="{5162A0E9-D09D-D7AC-276F-7194CE5688A5}"/>
+                </a:ext>
+              </a:extLst>
+            </p:cNvPr>
+            <p:cNvPicPr>
+              <a:picLocks noChangeAspect="1"/>
+            </p:cNvPicPr>
+            <p:nvPr/>
+          </p:nvPicPr>
+          <p:blipFill>
+            <a:blip r:embed="rId3" cstate="print"/>
+            <a:stretch>
+              <a:fillRect/>
+            </a:stretch>
+          </p:blipFill>
+          <p:spPr>
+            <a:xfrm>
+              <a:off x="867846" y="9325428"/>
+              <a:ext cx="16284590" cy="1025987"/>
+            </a:xfrm>
+            <a:prstGeom prst="rect">
+              <a:avLst/>
+            </a:prstGeom>
+          </p:spPr>
+        </p:pic>
+      </p:grpSp>
+      <p:sp>
+        <p:nvSpPr>
+          <p:cNvPr id="41" name="직사각형 40">
+            <a:extLst>
+              <a:ext uri="{FF2B5EF4-FFF2-40B4-BE49-F238E27FC236}">
+                <a16:creationId xmlns:a16="http://schemas.microsoft.com/office/drawing/2014/main" id="{3DE9A2B8-8185-35FF-242D-B6BAC6B5B20E}"/>
+              </a:ext>
+            </a:extLst>
+          </p:cNvPr>
+          <p:cNvSpPr/>
+          <p:nvPr/>
+        </p:nvSpPr>
+        <p:spPr>
+          <a:xfrm>
+            <a:off x="0" y="428072"/>
+            <a:ext cx="18288000" cy="860400"/>
+          </a:xfrm>
+          <a:prstGeom prst="rect">
+            <a:avLst/>
+          </a:prstGeom>
+          <a:solidFill>
+            <a:srgbClr val="0F569B"/>
+          </a:solidFill>
+          <a:ln>
+            <a:solidFill>
+              <a:srgbClr val="0F569B"/>
+            </a:solidFill>
+          </a:ln>
+        </p:spPr>
+        <p:style>
+          <a:lnRef idx="2">
+            <a:schemeClr val="accent1">
+              <a:shade val="15000"/>
+            </a:schemeClr>
+          </a:lnRef>
+          <a:fillRef idx="1">
+            <a:schemeClr val="accent1"/>
+          </a:fillRef>
+          <a:effectRef idx="0">
+            <a:schemeClr val="accent1"/>
+          </a:effectRef>
+          <a:fontRef idx="minor">
+            <a:schemeClr val="lt1"/>
+          </a:fontRef>
+        </p:style>
+        <p:txBody>
+          <a:bodyPr rtlCol="0" anchor="ctr"/>
+          <a:lstStyle/>
+          <a:p>
+            <a:pPr algn="ctr"/>
+            <a:endParaRPr lang="ko-KR" altLang="en-US"/>
+          </a:p>
+        </p:txBody>
+      </p:sp>
+      <p:sp>
+        <p:nvSpPr>
+          <p:cNvPr id="22" name="Object 22">
+            <a:extLst>
+              <a:ext uri="{FF2B5EF4-FFF2-40B4-BE49-F238E27FC236}">
+                <a16:creationId xmlns:a16="http://schemas.microsoft.com/office/drawing/2014/main" id="{500FFC76-8C6F-578E-9EA3-EF75933677D4}"/>
+              </a:ext>
+            </a:extLst>
+          </p:cNvPr>
+          <p:cNvSpPr txBox="1"/>
+          <p:nvPr/>
+        </p:nvSpPr>
+        <p:spPr>
+          <a:xfrm>
+            <a:off x="582766" y="427385"/>
+            <a:ext cx="16389846" cy="861774"/>
+          </a:xfrm>
+          <a:prstGeom prst="rect">
+            <a:avLst/>
+          </a:prstGeom>
+          <a:noFill/>
+        </p:spPr>
+        <p:txBody>
+          <a:bodyPr wrap="square" rtlCol="0" anchor="t">
+            <a:spAutoFit/>
+          </a:bodyPr>
+          <a:lstStyle/>
+          <a:p>
+            <a:r>
+              <a:rPr lang="en-US" sz="5000" dirty="0">
+                <a:solidFill>
+                  <a:schemeClr val="bg1"/>
+                </a:solidFill>
+                <a:latin typeface="나눔스퀘어 ExtraBold" panose="020B0600000101010101" pitchFamily="50" charset="-127"/>
+                <a:ea typeface="나눔스퀘어 ExtraBold" panose="020B0600000101010101" pitchFamily="50" charset="-127"/>
+              </a:rPr>
+              <a:t>Appendix</a:t>
+            </a:r>
+          </a:p>
+        </p:txBody>
+      </p:sp>
+      <p:sp>
+        <p:nvSpPr>
+          <p:cNvPr id="5" name="슬라이드 번호 개체 틀 4">
+            <a:extLst>
+              <a:ext uri="{FF2B5EF4-FFF2-40B4-BE49-F238E27FC236}">
+                <a16:creationId xmlns:a16="http://schemas.microsoft.com/office/drawing/2014/main" id="{BDB40B0A-3013-A559-ADF8-5980D1605B8B}"/>
+              </a:ext>
+            </a:extLst>
+          </p:cNvPr>
+          <p:cNvSpPr>
+            <a:spLocks noGrp="1"/>
+          </p:cNvSpPr>
+          <p:nvPr>
+            <p:ph type="sldNum" sz="quarter" idx="12"/>
+          </p:nvPr>
+        </p:nvSpPr>
+        <p:spPr/>
+        <p:txBody>
+          <a:bodyPr/>
+          <a:lstStyle/>
+          <a:p>
+            <a:fld id="{B1393E5F-521B-4CAD-9D3A-AE923D912DCE}" type="slidenum">
+              <a:rPr lang="en-US" smtClean="0"/>
+              <a:pPr/>
+              <a:t>37</a:t>
+            </a:fld>
+            <a:r>
+              <a:rPr lang="en-US"/>
+              <a:t> / 40</a:t>
+            </a:r>
+            <a:endParaRPr lang="en-US" dirty="0"/>
+          </a:p>
+        </p:txBody>
+      </p:sp>
+      <p:sp>
+        <p:nvSpPr>
+          <p:cNvPr id="2" name="TextBox 1">
+            <a:extLst>
+              <a:ext uri="{FF2B5EF4-FFF2-40B4-BE49-F238E27FC236}">
+                <a16:creationId xmlns:a16="http://schemas.microsoft.com/office/drawing/2014/main" id="{5E3DC2EB-49D3-F79A-0254-2B96982A7AA3}"/>
+              </a:ext>
+            </a:extLst>
+          </p:cNvPr>
+          <p:cNvSpPr txBox="1"/>
+          <p:nvPr/>
+        </p:nvSpPr>
+        <p:spPr>
+          <a:xfrm>
+            <a:off x="582766" y="2095500"/>
+            <a:ext cx="9158288" cy="707886"/>
+          </a:xfrm>
+          <a:prstGeom prst="rect">
+            <a:avLst/>
+          </a:prstGeom>
+          <a:noFill/>
+        </p:spPr>
+        <p:txBody>
+          <a:bodyPr wrap="square">
+            <a:spAutoFit/>
+          </a:bodyPr>
+          <a:lstStyle/>
+          <a:p>
+            <a:r>
+              <a:rPr lang="en-US" altLang="ko-KR" sz="4000" dirty="0">
+                <a:latin typeface="나눔스퀘어 Bold" panose="020B0600000101010101" pitchFamily="50" charset="-127"/>
+                <a:ea typeface="나눔스퀘어 Bold" panose="020B0600000101010101" pitchFamily="50" charset="-127"/>
+              </a:rPr>
+              <a:t>4</a:t>
+            </a:r>
+            <a:r>
+              <a:rPr lang="ko-KR" altLang="en-US" sz="4000" dirty="0">
+                <a:latin typeface="나눔스퀘어 Bold" panose="020B0600000101010101" pitchFamily="50" charset="-127"/>
+                <a:ea typeface="나눔스퀘어 Bold" panose="020B0600000101010101" pitchFamily="50" charset="-127"/>
+              </a:rPr>
+              <a:t>절 실험 내용 보충</a:t>
+            </a:r>
+            <a:endParaRPr lang="en-US" altLang="ko-KR" sz="4000" dirty="0">
+              <a:latin typeface="나눔스퀘어 Bold" panose="020B0600000101010101" pitchFamily="50" charset="-127"/>
+              <a:ea typeface="나눔스퀘어 Bold" panose="020B0600000101010101" pitchFamily="50" charset="-127"/>
+            </a:endParaRPr>
+          </a:p>
+        </p:txBody>
+      </p:sp>
+      <p:sp>
+        <p:nvSpPr>
+          <p:cNvPr id="4" name="TextBox 3">
+            <a:extLst>
+              <a:ext uri="{FF2B5EF4-FFF2-40B4-BE49-F238E27FC236}">
+                <a16:creationId xmlns:a16="http://schemas.microsoft.com/office/drawing/2014/main" id="{0292D030-2856-C39F-3687-F88E22EE546C}"/>
+              </a:ext>
+            </a:extLst>
+          </p:cNvPr>
+          <p:cNvSpPr txBox="1"/>
+          <p:nvPr/>
+        </p:nvSpPr>
+        <p:spPr>
+          <a:xfrm>
+            <a:off x="578002" y="3848100"/>
+            <a:ext cx="16109797" cy="5016758"/>
+          </a:xfrm>
+          <a:prstGeom prst="rect">
+            <a:avLst/>
+          </a:prstGeom>
+          <a:noFill/>
+        </p:spPr>
+        <p:txBody>
+          <a:bodyPr wrap="square">
+            <a:spAutoFit/>
+          </a:bodyPr>
+          <a:lstStyle/>
+          <a:p>
+            <a:r>
+              <a:rPr lang="en-US" altLang="ko-KR" sz="3200" i="1" dirty="0"/>
+              <a:t>For the Permuted LM, Masked LM and Multitask Masked LM, we </a:t>
+            </a:r>
+            <a:r>
+              <a:rPr lang="en-US" altLang="ko-KR" sz="3200" i="1" dirty="0">
+                <a:solidFill>
+                  <a:srgbClr val="3B7DDD"/>
+                </a:solidFill>
+              </a:rPr>
+              <a:t>use two-stream attention </a:t>
+            </a:r>
+            <a:r>
+              <a:rPr lang="en-US" altLang="ko-KR" sz="3200" i="1" dirty="0"/>
+              <a:t>(Yang et al., 2019) to efficiently compute likelihoods of the output part of the sequence (using a diagonal self-attention mask on the output to predict words left-to-right).</a:t>
+            </a:r>
+          </a:p>
+          <a:p>
+            <a:endParaRPr lang="ko-KR" altLang="en-US" sz="3200" i="1" dirty="0"/>
+          </a:p>
+          <a:p>
+            <a:r>
+              <a:rPr lang="en-US" altLang="ko-KR" sz="3200" i="1" dirty="0"/>
+              <a:t>We experiment with (1</a:t>
+            </a:r>
+            <a:r>
+              <a:rPr lang="en-US" altLang="ko-KR" sz="3200" i="1" dirty="0">
+                <a:solidFill>
+                  <a:srgbClr val="3B7DDD"/>
+                </a:solidFill>
+              </a:rPr>
+              <a:t>) treating the task as a standard sequence-to-sequence problem</a:t>
+            </a:r>
+            <a:r>
+              <a:rPr lang="en-US" altLang="ko-KR" sz="3200" i="1" dirty="0"/>
+              <a:t>, where the source input to the encoder and the target is the decoder output, or (2) adding the source as prefix to the target in the decoder, with a loss only on the target part of the sequence. We find the former works better for BART models, and the latter for other models. </a:t>
+            </a:r>
+            <a:r>
+              <a:rPr lang="en-US" altLang="ko-KR" sz="3200" i="1" dirty="0">
+                <a:solidFill>
+                  <a:srgbClr val="3B7DDD"/>
+                </a:solidFill>
+              </a:rPr>
+              <a:t>To most directly compare our models on their ability to model their fine-tuning objective (the log likelihood of the human text)</a:t>
+            </a:r>
+            <a:r>
+              <a:rPr lang="en-US" altLang="ko-KR" sz="3200" i="1" dirty="0"/>
+              <a:t>, we report perplexity in Table 1.</a:t>
+            </a:r>
+            <a:endParaRPr lang="ko-KR" altLang="en-US" sz="3200" i="1" dirty="0"/>
+          </a:p>
+        </p:txBody>
+      </p:sp>
+    </p:spTree>
+    <p:extLst>
+      <p:ext uri="{BB962C8B-B14F-4D97-AF65-F5344CB8AC3E}">
+        <p14:creationId xmlns:p14="http://schemas.microsoft.com/office/powerpoint/2010/main" val="66085717"/>
+      </p:ext>
+    </p:extLst>
+  </p:cSld>
+  <p:clrMapOvr>
+    <a:masterClrMapping/>
+  </p:clrMapOvr>
+</p:sld>
+</file>
+
+<file path=ppt/slides/slide38.xml><?xml version="1.0" encoding="utf-8"?>
+<p:sld xmlns:a="http://schemas.openxmlformats.org/drawingml/2006/main" xmlns:r="http://schemas.openxmlformats.org/officeDocument/2006/relationships" xmlns:p="http://schemas.openxmlformats.org/presentationml/2006/main">
+  <p:cSld>
+    <p:spTree>
+      <p:nvGrpSpPr>
+        <p:cNvPr id="1" name="">
+          <a:extLst>
+            <a:ext uri="{FF2B5EF4-FFF2-40B4-BE49-F238E27FC236}">
               <a16:creationId xmlns:a16="http://schemas.microsoft.com/office/drawing/2014/main" id="{F90823BF-708F-EF93-03A7-BA7303BB608E}"/>
             </a:ext>
           </a:extLst>
@@ -30896,8 +34010,8 @@
         </p:nvSpPr>
         <p:spPr>
           <a:xfrm>
-            <a:off x="1524000" y="3200733"/>
-            <a:ext cx="9158288" cy="1477328"/>
+            <a:off x="867846" y="3234071"/>
+            <a:ext cx="15286554" cy="3046988"/>
           </a:xfrm>
           <a:prstGeom prst="rect">
             <a:avLst/>
@@ -30911,26 +34025,50 @@
           <a:lstStyle/>
           <a:p>
             <a:r>
-              <a:rPr lang="en-US" altLang="ko-KR" dirty="0"/>
-              <a:t>We also experiment with several text generation tasks. BART is fine-tuned as a standard sequence-to-sequence model from the input to the output text. During finetuning we use a label smoothed cross entropy loss (Pereyra et al., 2017), with the smoothing parameter set to 0.1. During generation, we set beam size as 5, remove duplicated trigrams in beam search, and tuned the model with min-</a:t>
-            </a:r>
-            <a:r>
-              <a:rPr lang="en-US" altLang="ko-KR" dirty="0" err="1"/>
+              <a:rPr lang="en-US" altLang="ko-KR" sz="3200" i="1" dirty="0"/>
+              <a:t>We also experiment with several text generation tasks. </a:t>
+            </a:r>
+            <a:r>
+              <a:rPr lang="en-US" altLang="ko-KR" sz="3200" i="1" dirty="0">
+                <a:solidFill>
+                  <a:srgbClr val="3B7DDD"/>
+                </a:solidFill>
+              </a:rPr>
+              <a:t>BART is fine-tuned as a standard sequence-to-sequence </a:t>
+            </a:r>
+            <a:r>
+              <a:rPr lang="en-US" altLang="ko-KR" sz="3200" i="1" dirty="0"/>
+              <a:t>model from the input to the output text. During finetuning we use a label smoothed cross entropy loss (Pereyra et al., 2017), with the smoothing parameter set to 0.1. During generation, </a:t>
+            </a:r>
+            <a:r>
+              <a:rPr lang="en-US" altLang="ko-KR" sz="3200" i="1" dirty="0">
+                <a:solidFill>
+                  <a:srgbClr val="3B7DDD"/>
+                </a:solidFill>
+              </a:rPr>
+              <a:t>we set beam size as 5</a:t>
+            </a:r>
+            <a:r>
+              <a:rPr lang="en-US" altLang="ko-KR" sz="3200" i="1" dirty="0"/>
+              <a:t>, remove duplicated trigrams in beam search, and tuned the model with min-</a:t>
+            </a:r>
+            <a:r>
+              <a:rPr lang="en-US" altLang="ko-KR" sz="3200" i="1" dirty="0" err="1"/>
               <a:t>len</a:t>
             </a:r>
             <a:r>
-              <a:rPr lang="en-US" altLang="ko-KR" dirty="0"/>
+              <a:rPr lang="en-US" altLang="ko-KR" sz="3200" i="1" dirty="0"/>
               <a:t>, max-</a:t>
             </a:r>
             <a:r>
-              <a:rPr lang="en-US" altLang="ko-KR" dirty="0" err="1"/>
+              <a:rPr lang="en-US" altLang="ko-KR" sz="3200" i="1" dirty="0" err="1"/>
               <a:t>len</a:t>
             </a:r>
             <a:r>
-              <a:rPr lang="en-US" altLang="ko-KR" dirty="0"/>
+              <a:rPr lang="en-US" altLang="ko-KR" sz="3200" i="1" dirty="0"/>
               <a:t>, length penalty on the validation set (Fan et al., 2017).</a:t>
             </a:r>
-            <a:endParaRPr lang="ko-KR" altLang="en-US" dirty="0"/>
+            <a:endParaRPr lang="ko-KR" altLang="en-US" sz="3200" i="1" dirty="0"/>
           </a:p>
         </p:txBody>
       </p:sp>
@@ -30958,7 +34096,7 @@
             <a:fld id="{B1393E5F-521B-4CAD-9D3A-AE923D912DCE}" type="slidenum">
               <a:rPr lang="en-US" smtClean="0"/>
               <a:pPr/>
-              <a:t>37</a:t>
+              <a:t>38</a:t>
             </a:fld>
             <a:r>
               <a:rPr lang="en-US"/>
@@ -31030,7 +34168,7 @@
 </p:sld>
 </file>
 
-<file path=ppt/slides/slide38.xml><?xml version="1.0" encoding="utf-8"?>
+<file path=ppt/slides/slide39.xml><?xml version="1.0" encoding="utf-8"?>
 <p:sld xmlns:a="http://schemas.openxmlformats.org/drawingml/2006/main" xmlns:r="http://schemas.openxmlformats.org/officeDocument/2006/relationships" xmlns:p="http://schemas.openxmlformats.org/presentationml/2006/main">
   <p:cSld>
     <p:spTree>
@@ -31223,7 +34361,7 @@
             <a:fld id="{B1393E5F-521B-4CAD-9D3A-AE923D912DCE}" type="slidenum">
               <a:rPr lang="en-US" smtClean="0"/>
               <a:pPr/>
-              <a:t>38</a:t>
+              <a:t>39</a:t>
             </a:fld>
             <a:r>
               <a:rPr lang="en-US"/>
@@ -31327,153 +34465,59 @@
           </a:p>
         </p:txBody>
       </p:sp>
-    </p:spTree>
-    <p:extLst>
-      <p:ext uri="{BB962C8B-B14F-4D97-AF65-F5344CB8AC3E}">
-        <p14:creationId xmlns:p14="http://schemas.microsoft.com/office/powerpoint/2010/main" val="1879570347"/>
-      </p:ext>
-    </p:extLst>
-  </p:cSld>
-  <p:clrMapOvr>
-    <a:masterClrMapping/>
-  </p:clrMapOvr>
-</p:sld>
-</file>
-
-<file path=ppt/slides/slide39.xml><?xml version="1.0" encoding="utf-8"?>
-<p:sld xmlns:a="http://schemas.openxmlformats.org/drawingml/2006/main" xmlns:r="http://schemas.openxmlformats.org/officeDocument/2006/relationships" xmlns:p="http://schemas.openxmlformats.org/presentationml/2006/main">
-  <p:cSld>
-    <p:spTree>
-      <p:nvGrpSpPr>
-        <p:cNvPr id="1" name="">
-          <a:extLst>
-            <a:ext uri="{FF2B5EF4-FFF2-40B4-BE49-F238E27FC236}">
-              <a16:creationId xmlns:a16="http://schemas.microsoft.com/office/drawing/2014/main" id="{54556AE7-AC3B-1F7A-FB20-AB7B6773297A}"/>
-            </a:ext>
-          </a:extLst>
-        </p:cNvPr>
-        <p:cNvGrpSpPr/>
-        <p:nvPr/>
-      </p:nvGrpSpPr>
-      <p:grpSpPr>
-        <a:xfrm>
-          <a:off x="0" y="0"/>
-          <a:ext cx="0" cy="0"/>
-          <a:chOff x="0" y="0"/>
-          <a:chExt cx="0" cy="0"/>
-        </a:xfrm>
-      </p:grpSpPr>
-      <p:grpSp>
-        <p:nvGrpSpPr>
-          <p:cNvPr id="1006" name="그룹 1006">
-            <a:extLst>
-              <a:ext uri="{FF2B5EF4-FFF2-40B4-BE49-F238E27FC236}">
-                <a16:creationId xmlns:a16="http://schemas.microsoft.com/office/drawing/2014/main" id="{B62A91E0-5090-A0ED-0E8F-58B8A186B3AA}"/>
-              </a:ext>
-            </a:extLst>
-          </p:cNvPr>
-          <p:cNvGrpSpPr/>
+      <p:pic>
+        <p:nvPicPr>
+          <p:cNvPr id="3074" name="Picture 2" descr="Decoding Methods for Generative AI | Niklas Heidloff">
+            <a:extLst>
+              <a:ext uri="{FF2B5EF4-FFF2-40B4-BE49-F238E27FC236}">
+                <a16:creationId xmlns:a16="http://schemas.microsoft.com/office/drawing/2014/main" id="{0F05FE8C-1EEF-11EF-C36C-BE1BD0DCDEA7}"/>
+              </a:ext>
+            </a:extLst>
+          </p:cNvPr>
+          <p:cNvPicPr>
+            <a:picLocks noChangeAspect="1" noChangeArrowheads="1"/>
+          </p:cNvPicPr>
           <p:nvPr/>
-        </p:nvGrpSpPr>
-        <p:grpSpPr>
+        </p:nvPicPr>
+        <p:blipFill>
+          <a:blip r:embed="rId4">
+            <a:extLst>
+              <a:ext uri="{28A0092B-C50C-407E-A947-70E740481C1C}">
+                <a14:useLocalDpi xmlns:a14="http://schemas.microsoft.com/office/drawing/2010/main" val="0"/>
+              </a:ext>
+            </a:extLst>
+          </a:blip>
+          <a:srcRect/>
+          <a:stretch>
+            <a:fillRect/>
+          </a:stretch>
+        </p:blipFill>
+        <p:spPr bwMode="auto">
           <a:xfrm>
-            <a:off x="867846" y="9325428"/>
-            <a:ext cx="16284590" cy="1025987"/>
-            <a:chOff x="867846" y="9325428"/>
-            <a:chExt cx="16284590" cy="1025987"/>
-          </a:xfrm>
-        </p:grpSpPr>
-        <p:pic>
-          <p:nvPicPr>
-            <p:cNvPr id="18" name="Object 17">
-              <a:extLst>
-                <a:ext uri="{FF2B5EF4-FFF2-40B4-BE49-F238E27FC236}">
-                  <a16:creationId xmlns:a16="http://schemas.microsoft.com/office/drawing/2014/main" id="{5162A0E9-D09D-D7AC-276F-7194CE5688A5}"/>
-                </a:ext>
-              </a:extLst>
-            </p:cNvPr>
-            <p:cNvPicPr>
-              <a:picLocks noChangeAspect="1"/>
-            </p:cNvPicPr>
-            <p:nvPr/>
-          </p:nvPicPr>
-          <p:blipFill>
-            <a:blip r:embed="rId3" cstate="print"/>
-            <a:stretch>
-              <a:fillRect/>
-            </a:stretch>
-          </p:blipFill>
-          <p:spPr>
-            <a:xfrm>
-              <a:off x="867846" y="9325428"/>
-              <a:ext cx="16284590" cy="1025987"/>
-            </a:xfrm>
-            <a:prstGeom prst="rect">
-              <a:avLst/>
-            </a:prstGeom>
-          </p:spPr>
-        </p:pic>
-      </p:grpSp>
-      <p:sp>
-        <p:nvSpPr>
-          <p:cNvPr id="41" name="직사각형 40">
-            <a:extLst>
-              <a:ext uri="{FF2B5EF4-FFF2-40B4-BE49-F238E27FC236}">
-                <a16:creationId xmlns:a16="http://schemas.microsoft.com/office/drawing/2014/main" id="{3DE9A2B8-8185-35FF-242D-B6BAC6B5B20E}"/>
-              </a:ext>
-            </a:extLst>
-          </p:cNvPr>
-          <p:cNvSpPr/>
-          <p:nvPr/>
-        </p:nvSpPr>
-        <p:spPr>
-          <a:xfrm>
-            <a:off x="0" y="428072"/>
-            <a:ext cx="18288000" cy="860400"/>
+            <a:off x="3257571" y="3095387"/>
+            <a:ext cx="10744200" cy="5654842"/>
           </a:xfrm>
           <a:prstGeom prst="rect">
             <a:avLst/>
           </a:prstGeom>
-          <a:solidFill>
-            <a:srgbClr val="0F569B"/>
-          </a:solidFill>
-          <a:ln>
-            <a:solidFill>
-              <a:srgbClr val="0F569B"/>
-            </a:solidFill>
-          </a:ln>
+          <a:noFill/>
+          <a:extLst>
+            <a:ext uri="{909E8E84-426E-40DD-AFC4-6F175D3DCCD1}">
+              <a14:hiddenFill xmlns:a14="http://schemas.microsoft.com/office/drawing/2010/main">
+                <a:solidFill>
+                  <a:srgbClr val="FFFFFF"/>
+                </a:solidFill>
+              </a14:hiddenFill>
+            </a:ext>
+          </a:extLst>
         </p:spPr>
-        <p:style>
-          <a:lnRef idx="2">
-            <a:schemeClr val="accent1">
-              <a:shade val="15000"/>
-            </a:schemeClr>
-          </a:lnRef>
-          <a:fillRef idx="1">
-            <a:schemeClr val="accent1"/>
-          </a:fillRef>
-          <a:effectRef idx="0">
-            <a:schemeClr val="accent1"/>
-          </a:effectRef>
-          <a:fontRef idx="minor">
-            <a:schemeClr val="lt1"/>
-          </a:fontRef>
-        </p:style>
-        <p:txBody>
-          <a:bodyPr rtlCol="0" anchor="ctr"/>
-          <a:lstStyle/>
-          <a:p>
-            <a:pPr algn="ctr"/>
-            <a:endParaRPr lang="ko-KR" altLang="en-US"/>
-          </a:p>
-        </p:txBody>
-      </p:sp>
-      <p:sp>
-        <p:nvSpPr>
-          <p:cNvPr id="22" name="Object 22">
-            <a:extLst>
-              <a:ext uri="{FF2B5EF4-FFF2-40B4-BE49-F238E27FC236}">
-                <a16:creationId xmlns:a16="http://schemas.microsoft.com/office/drawing/2014/main" id="{500FFC76-8C6F-578E-9EA3-EF75933677D4}"/>
+      </p:pic>
+      <p:sp>
+        <p:nvSpPr>
+          <p:cNvPr id="4" name="TextBox 3">
+            <a:extLst>
+              <a:ext uri="{FF2B5EF4-FFF2-40B4-BE49-F238E27FC236}">
+                <a16:creationId xmlns:a16="http://schemas.microsoft.com/office/drawing/2014/main" id="{705EBB81-5D1F-ECD0-5E85-D67C8DF40612}"/>
               </a:ext>
             </a:extLst>
           </p:cNvPr>
@@ -31482,8 +34526,8 @@
         </p:nvSpPr>
         <p:spPr>
           <a:xfrm>
-            <a:off x="582766" y="427385"/>
-            <a:ext cx="16389846" cy="861774"/>
+            <a:off x="582766" y="8893342"/>
+            <a:ext cx="9158288" cy="646331"/>
           </a:xfrm>
           <a:prstGeom prst="rect">
             <a:avLst/>
@@ -31491,111 +34535,28 @@
           <a:noFill/>
         </p:spPr>
         <p:txBody>
-          <a:bodyPr wrap="square" rtlCol="0" anchor="t">
-            <a:spAutoFit/>
-          </a:bodyPr>
-          <a:lstStyle/>
-          <a:p>
-            <a:r>
-              <a:rPr lang="en-US" sz="5000" dirty="0">
-                <a:solidFill>
-                  <a:schemeClr val="bg1"/>
-                </a:solidFill>
-                <a:latin typeface="나눔스퀘어 ExtraBold" panose="020B0600000101010101" pitchFamily="50" charset="-127"/>
-                <a:ea typeface="나눔스퀘어 ExtraBold" panose="020B0600000101010101" pitchFamily="50" charset="-127"/>
-              </a:rPr>
-              <a:t>Appendix</a:t>
-            </a:r>
-          </a:p>
-        </p:txBody>
-      </p:sp>
-      <p:sp>
-        <p:nvSpPr>
-          <p:cNvPr id="5" name="슬라이드 번호 개체 틀 4">
-            <a:extLst>
-              <a:ext uri="{FF2B5EF4-FFF2-40B4-BE49-F238E27FC236}">
-                <a16:creationId xmlns:a16="http://schemas.microsoft.com/office/drawing/2014/main" id="{BDB40B0A-3013-A559-ADF8-5980D1605B8B}"/>
-              </a:ext>
-            </a:extLst>
-          </p:cNvPr>
-          <p:cNvSpPr>
-            <a:spLocks noGrp="1"/>
-          </p:cNvSpPr>
-          <p:nvPr>
-            <p:ph type="sldNum" sz="quarter" idx="12"/>
-          </p:nvPr>
-        </p:nvSpPr>
-        <p:spPr/>
-        <p:txBody>
-          <a:bodyPr/>
-          <a:lstStyle/>
-          <a:p>
-            <a:fld id="{B1393E5F-521B-4CAD-9D3A-AE923D912DCE}" type="slidenum">
-              <a:rPr lang="en-US" smtClean="0"/>
-              <a:pPr/>
-              <a:t>39</a:t>
-            </a:fld>
-            <a:r>
-              <a:rPr lang="en-US"/>
-              <a:t> / 40</a:t>
-            </a:r>
-            <a:endParaRPr lang="en-US" dirty="0"/>
-          </a:p>
-        </p:txBody>
-      </p:sp>
-      <p:sp>
-        <p:nvSpPr>
-          <p:cNvPr id="2" name="TextBox 1">
-            <a:extLst>
-              <a:ext uri="{FF2B5EF4-FFF2-40B4-BE49-F238E27FC236}">
-                <a16:creationId xmlns:a16="http://schemas.microsoft.com/office/drawing/2014/main" id="{5E3DC2EB-49D3-F79A-0254-2B96982A7AA3}"/>
-              </a:ext>
-            </a:extLst>
-          </p:cNvPr>
-          <p:cNvSpPr txBox="1"/>
-          <p:nvPr/>
-        </p:nvSpPr>
-        <p:spPr>
-          <a:xfrm>
-            <a:off x="582766" y="2095500"/>
-            <a:ext cx="9158288" cy="707886"/>
-          </a:xfrm>
-          <a:prstGeom prst="rect">
-            <a:avLst/>
-          </a:prstGeom>
-          <a:noFill/>
-        </p:spPr>
-        <p:txBody>
           <a:bodyPr wrap="square">
             <a:spAutoFit/>
           </a:bodyPr>
           <a:lstStyle/>
           <a:p>
             <a:r>
-              <a:rPr lang="en-US" altLang="ko-KR" sz="4000" dirty="0">
-                <a:latin typeface="나눔스퀘어 Bold" panose="020B0600000101010101" pitchFamily="50" charset="-127"/>
-                <a:ea typeface="나눔스퀘어 Bold" panose="020B0600000101010101" pitchFamily="50" charset="-127"/>
-              </a:rPr>
-              <a:t>4</a:t>
-            </a:r>
-            <a:r>
-              <a:rPr lang="ko-KR" altLang="en-US" sz="4000" dirty="0">
-                <a:latin typeface="나눔스퀘어 Bold" panose="020B0600000101010101" pitchFamily="50" charset="-127"/>
-                <a:ea typeface="나눔스퀘어 Bold" panose="020B0600000101010101" pitchFamily="50" charset="-127"/>
-              </a:rPr>
-              <a:t>절 실험 내용 보충</a:t>
-            </a:r>
-            <a:endParaRPr lang="en-US" altLang="ko-KR" sz="4000" dirty="0">
-              <a:latin typeface="나눔스퀘어 Bold" panose="020B0600000101010101" pitchFamily="50" charset="-127"/>
-              <a:ea typeface="나눔스퀘어 Bold" panose="020B0600000101010101" pitchFamily="50" charset="-127"/>
-            </a:endParaRPr>
+              <a:rPr lang="ko-KR" altLang="en-US" dirty="0">
+                <a:hlinkClick r:id="rId5"/>
+              </a:rPr>
+              <a:t>https://heidloff.net/article/greedy-beam-sampling/</a:t>
+            </a:r>
+            <a:endParaRPr lang="en-US" altLang="ko-KR" dirty="0"/>
+          </a:p>
+          <a:p>
+            <a:endParaRPr lang="ko-KR" altLang="en-US" dirty="0"/>
           </a:p>
         </p:txBody>
       </p:sp>
     </p:spTree>
     <p:extLst>
       <p:ext uri="{BB962C8B-B14F-4D97-AF65-F5344CB8AC3E}">
-        <p14:creationId xmlns:p14="http://schemas.microsoft.com/office/powerpoint/2010/main" val="66085717"/>
+        <p14:creationId xmlns:p14="http://schemas.microsoft.com/office/powerpoint/2010/main" val="1879570347"/>
       </p:ext>
     </p:extLst>
   </p:cSld>
@@ -33201,7 +36162,7 @@
             </a:r>
             <a:r>
               <a:rPr lang="en-US" altLang="ko-KR" sz="1200" dirty="0"/>
-              <a:t>Positional Embedding</a:t>
+              <a:t>Absolute Positional Embedding</a:t>
             </a:r>
             <a:r>
               <a:rPr lang="ko-KR" altLang="en-US" sz="1200" dirty="0"/>
@@ -35390,7 +38351,7 @@
                 <a:latin typeface="나눔스퀘어 Bold" panose="020B0600000101010101" pitchFamily="50" charset="-127"/>
                 <a:ea typeface="나눔스퀘어 Bold" panose="020B0600000101010101" pitchFamily="50" charset="-127"/>
               </a:rPr>
-              <a:t>A token is chosen uniformly at random</a:t>
+              <a:t>A token is chosen uniformly at random.</a:t>
             </a:r>
           </a:p>
           <a:p>

--- a/세미나/BART_김정현.pptx
+++ b/세미나/BART_김정현.pptx
@@ -44,13 +44,13 @@
     <p:sldId id="366" r:id="rId32"/>
     <p:sldId id="367" r:id="rId33"/>
     <p:sldId id="397" r:id="rId34"/>
-    <p:sldId id="398" r:id="rId35"/>
-    <p:sldId id="382" r:id="rId36"/>
-    <p:sldId id="383" r:id="rId37"/>
-    <p:sldId id="399" r:id="rId38"/>
-    <p:sldId id="384" r:id="rId39"/>
-    <p:sldId id="385" r:id="rId40"/>
-    <p:sldId id="400" r:id="rId41"/>
+    <p:sldId id="400" r:id="rId35"/>
+    <p:sldId id="398" r:id="rId36"/>
+    <p:sldId id="382" r:id="rId37"/>
+    <p:sldId id="383" r:id="rId38"/>
+    <p:sldId id="399" r:id="rId39"/>
+    <p:sldId id="384" r:id="rId40"/>
+    <p:sldId id="385" r:id="rId41"/>
   </p:sldIdLst>
   <p:sldSz cx="18288000" cy="10287000"/>
   <p:notesSz cx="10287000" cy="18288000"/>
@@ -292,7 +292,7 @@
           <a:p>
             <a:fld id="{0CE04193-3A20-41BD-ABE6-6B3D68754BCC}" type="datetimeFigureOut">
               <a:rPr lang="ko-KR" altLang="en-US" smtClean="0"/>
-              <a:t>2025-02-28</a:t>
+              <a:t>2025-03-04</a:t>
             </a:fld>
             <a:endParaRPr lang="ko-KR" altLang="en-US"/>
           </a:p>
@@ -470,7 +470,7 @@
           <a:p>
             <a:fld id="{6CDB6226-F7BF-4BA1-8AB4-AEEB733C2994}" type="datetimeFigureOut">
               <a:rPr lang="ko-KR" altLang="en-US" smtClean="0"/>
-              <a:t>2025-02-28</a:t>
+              <a:t>2025-03-04</a:t>
             </a:fld>
             <a:endParaRPr lang="ko-KR" altLang="en-US"/>
           </a:p>
@@ -3608,6 +3608,114 @@
         <p:cNvPr id="1" name="">
           <a:extLst>
             <a:ext uri="{FF2B5EF4-FFF2-40B4-BE49-F238E27FC236}">
+              <a16:creationId xmlns:a16="http://schemas.microsoft.com/office/drawing/2014/main" id="{1D102AFE-A85C-D89E-2BED-5AC21CD55FC5}"/>
+            </a:ext>
+          </a:extLst>
+        </p:cNvPr>
+        <p:cNvGrpSpPr/>
+        <p:nvPr/>
+      </p:nvGrpSpPr>
+      <p:grpSpPr>
+        <a:xfrm>
+          <a:off x="0" y="0"/>
+          <a:ext cx="0" cy="0"/>
+          <a:chOff x="0" y="0"/>
+          <a:chExt cx="0" cy="0"/>
+        </a:xfrm>
+      </p:grpSpPr>
+      <p:sp>
+        <p:nvSpPr>
+          <p:cNvPr id="2" name="슬라이드 이미지 개체 틀 1">
+            <a:extLst>
+              <a:ext uri="{FF2B5EF4-FFF2-40B4-BE49-F238E27FC236}">
+                <a16:creationId xmlns:a16="http://schemas.microsoft.com/office/drawing/2014/main" id="{89BB8574-A971-A0B0-BF30-EACBC65C6692}"/>
+              </a:ext>
+            </a:extLst>
+          </p:cNvPr>
+          <p:cNvSpPr>
+            <a:spLocks noGrp="1" noRot="1" noChangeAspect="1"/>
+          </p:cNvSpPr>
+          <p:nvPr>
+            <p:ph type="sldImg"/>
+          </p:nvPr>
+        </p:nvSpPr>
+        <p:spPr/>
+      </p:sp>
+      <p:sp>
+        <p:nvSpPr>
+          <p:cNvPr id="3" name="슬라이드 노트 개체 틀 2">
+            <a:extLst>
+              <a:ext uri="{FF2B5EF4-FFF2-40B4-BE49-F238E27FC236}">
+                <a16:creationId xmlns:a16="http://schemas.microsoft.com/office/drawing/2014/main" id="{2E3A1E9A-B166-8307-9999-6D9B1CB4E473}"/>
+              </a:ext>
+            </a:extLst>
+          </p:cNvPr>
+          <p:cNvSpPr>
+            <a:spLocks noGrp="1"/>
+          </p:cNvSpPr>
+          <p:nvPr>
+            <p:ph type="body" idx="1"/>
+          </p:nvPr>
+        </p:nvSpPr>
+        <p:spPr/>
+        <p:txBody>
+          <a:bodyPr/>
+          <a:lstStyle/>
+          <a:p>
+            <a:endParaRPr lang="en-US" altLang="ko-KR" dirty="0"/>
+          </a:p>
+        </p:txBody>
+      </p:sp>
+      <p:sp>
+        <p:nvSpPr>
+          <p:cNvPr id="6" name="슬라이드 번호 개체 틀 5">
+            <a:extLst>
+              <a:ext uri="{FF2B5EF4-FFF2-40B4-BE49-F238E27FC236}">
+                <a16:creationId xmlns:a16="http://schemas.microsoft.com/office/drawing/2014/main" id="{1F43478C-B10D-4169-0063-393EAC266818}"/>
+              </a:ext>
+            </a:extLst>
+          </p:cNvPr>
+          <p:cNvSpPr>
+            <a:spLocks noGrp="1"/>
+          </p:cNvSpPr>
+          <p:nvPr>
+            <p:ph type="sldNum" sz="quarter" idx="5"/>
+          </p:nvPr>
+        </p:nvSpPr>
+        <p:spPr/>
+        <p:txBody>
+          <a:bodyPr/>
+          <a:lstStyle/>
+          <a:p>
+            <a:fld id="{124CBDA0-B7ED-471A-BA54-9427DBBEFC42}" type="slidenum">
+              <a:rPr lang="ko-KR" altLang="en-US" smtClean="0"/>
+              <a:t>34</a:t>
+            </a:fld>
+            <a:endParaRPr lang="ko-KR" altLang="en-US"/>
+          </a:p>
+        </p:txBody>
+      </p:sp>
+    </p:spTree>
+    <p:extLst>
+      <p:ext uri="{BB962C8B-B14F-4D97-AF65-F5344CB8AC3E}">
+        <p14:creationId xmlns:p14="http://schemas.microsoft.com/office/powerpoint/2010/main" val="2089780094"/>
+      </p:ext>
+    </p:extLst>
+  </p:cSld>
+  <p:clrMapOvr>
+    <a:masterClrMapping/>
+  </p:clrMapOvr>
+</p:notes>
+</file>
+
+<file path=ppt/notesSlides/notesSlide35.xml><?xml version="1.0" encoding="utf-8"?>
+<p:notes xmlns:a="http://schemas.openxmlformats.org/drawingml/2006/main" xmlns:r="http://schemas.openxmlformats.org/officeDocument/2006/relationships" xmlns:p="http://schemas.openxmlformats.org/presentationml/2006/main">
+  <p:cSld>
+    <p:spTree>
+      <p:nvGrpSpPr>
+        <p:cNvPr id="1" name="">
+          <a:extLst>
+            <a:ext uri="{FF2B5EF4-FFF2-40B4-BE49-F238E27FC236}">
               <a16:creationId xmlns:a16="http://schemas.microsoft.com/office/drawing/2014/main" id="{19B767A6-C6B9-1EDB-EE52-15D2C50C5083}"/>
             </a:ext>
           </a:extLst>
@@ -3689,7 +3797,7 @@
           <a:p>
             <a:fld id="{124CBDA0-B7ED-471A-BA54-9427DBBEFC42}" type="slidenum">
               <a:rPr lang="ko-KR" altLang="en-US" smtClean="0"/>
-              <a:t>34</a:t>
+              <a:t>35</a:t>
             </a:fld>
             <a:endParaRPr lang="ko-KR" altLang="en-US"/>
           </a:p>
@@ -3708,7 +3816,7 @@
 </p:notes>
 </file>
 
-<file path=ppt/notesSlides/notesSlide35.xml><?xml version="1.0" encoding="utf-8"?>
+<file path=ppt/notesSlides/notesSlide36.xml><?xml version="1.0" encoding="utf-8"?>
 <p:notes xmlns:a="http://schemas.openxmlformats.org/drawingml/2006/main" xmlns:r="http://schemas.openxmlformats.org/officeDocument/2006/relationships" xmlns:p="http://schemas.openxmlformats.org/presentationml/2006/main">
   <p:cSld>
     <p:spTree>
@@ -3797,7 +3905,7 @@
           <a:p>
             <a:fld id="{124CBDA0-B7ED-471A-BA54-9427DBBEFC42}" type="slidenum">
               <a:rPr lang="ko-KR" altLang="en-US" smtClean="0"/>
-              <a:t>35</a:t>
+              <a:t>36</a:t>
             </a:fld>
             <a:endParaRPr lang="ko-KR" altLang="en-US"/>
           </a:p>
@@ -3816,7 +3924,7 @@
 </p:notes>
 </file>
 
-<file path=ppt/notesSlides/notesSlide36.xml><?xml version="1.0" encoding="utf-8"?>
+<file path=ppt/notesSlides/notesSlide37.xml><?xml version="1.0" encoding="utf-8"?>
 <p:notes xmlns:a="http://schemas.openxmlformats.org/drawingml/2006/main" xmlns:r="http://schemas.openxmlformats.org/officeDocument/2006/relationships" xmlns:p="http://schemas.openxmlformats.org/presentationml/2006/main">
   <p:cSld>
     <p:spTree>
@@ -3905,7 +4013,7 @@
           <a:p>
             <a:fld id="{124CBDA0-B7ED-471A-BA54-9427DBBEFC42}" type="slidenum">
               <a:rPr lang="ko-KR" altLang="en-US" smtClean="0"/>
-              <a:t>36</a:t>
+              <a:t>37</a:t>
             </a:fld>
             <a:endParaRPr lang="ko-KR" altLang="en-US"/>
           </a:p>
@@ -3924,7 +4032,7 @@
 </p:notes>
 </file>
 
-<file path=ppt/notesSlides/notesSlide37.xml><?xml version="1.0" encoding="utf-8"?>
+<file path=ppt/notesSlides/notesSlide38.xml><?xml version="1.0" encoding="utf-8"?>
 <p:notes xmlns:a="http://schemas.openxmlformats.org/drawingml/2006/main" xmlns:r="http://schemas.openxmlformats.org/officeDocument/2006/relationships" xmlns:p="http://schemas.openxmlformats.org/presentationml/2006/main">
   <p:cSld>
     <p:spTree>
@@ -4013,7 +4121,7 @@
           <a:p>
             <a:fld id="{124CBDA0-B7ED-471A-BA54-9427DBBEFC42}" type="slidenum">
               <a:rPr lang="ko-KR" altLang="en-US" smtClean="0"/>
-              <a:t>37</a:t>
+              <a:t>38</a:t>
             </a:fld>
             <a:endParaRPr lang="ko-KR" altLang="en-US"/>
           </a:p>
@@ -4032,7 +4140,7 @@
 </p:notes>
 </file>
 
-<file path=ppt/notesSlides/notesSlide38.xml><?xml version="1.0" encoding="utf-8"?>
+<file path=ppt/notesSlides/notesSlide39.xml><?xml version="1.0" encoding="utf-8"?>
 <p:notes xmlns:a="http://schemas.openxmlformats.org/drawingml/2006/main" xmlns:r="http://schemas.openxmlformats.org/officeDocument/2006/relationships" xmlns:p="http://schemas.openxmlformats.org/presentationml/2006/main">
   <p:cSld>
     <p:spTree>
@@ -4121,7 +4229,7 @@
           <a:p>
             <a:fld id="{124CBDA0-B7ED-471A-BA54-9427DBBEFC42}" type="slidenum">
               <a:rPr lang="ko-KR" altLang="en-US" smtClean="0"/>
-              <a:t>38</a:t>
+              <a:t>39</a:t>
             </a:fld>
             <a:endParaRPr lang="ko-KR" altLang="en-US"/>
           </a:p>
@@ -4131,114 +4239,6 @@
     <p:extLst>
       <p:ext uri="{BB962C8B-B14F-4D97-AF65-F5344CB8AC3E}">
         <p14:creationId xmlns:p14="http://schemas.microsoft.com/office/powerpoint/2010/main" val="788127275"/>
-      </p:ext>
-    </p:extLst>
-  </p:cSld>
-  <p:clrMapOvr>
-    <a:masterClrMapping/>
-  </p:clrMapOvr>
-</p:notes>
-</file>
-
-<file path=ppt/notesSlides/notesSlide39.xml><?xml version="1.0" encoding="utf-8"?>
-<p:notes xmlns:a="http://schemas.openxmlformats.org/drawingml/2006/main" xmlns:r="http://schemas.openxmlformats.org/officeDocument/2006/relationships" xmlns:p="http://schemas.openxmlformats.org/presentationml/2006/main">
-  <p:cSld>
-    <p:spTree>
-      <p:nvGrpSpPr>
-        <p:cNvPr id="1" name="">
-          <a:extLst>
-            <a:ext uri="{FF2B5EF4-FFF2-40B4-BE49-F238E27FC236}">
-              <a16:creationId xmlns:a16="http://schemas.microsoft.com/office/drawing/2014/main" id="{B0BF0641-F8D7-8BB9-599A-975B3D6F7802}"/>
-            </a:ext>
-          </a:extLst>
-        </p:cNvPr>
-        <p:cNvGrpSpPr/>
-        <p:nvPr/>
-      </p:nvGrpSpPr>
-      <p:grpSpPr>
-        <a:xfrm>
-          <a:off x="0" y="0"/>
-          <a:ext cx="0" cy="0"/>
-          <a:chOff x="0" y="0"/>
-          <a:chExt cx="0" cy="0"/>
-        </a:xfrm>
-      </p:grpSpPr>
-      <p:sp>
-        <p:nvSpPr>
-          <p:cNvPr id="2" name="슬라이드 이미지 개체 틀 1">
-            <a:extLst>
-              <a:ext uri="{FF2B5EF4-FFF2-40B4-BE49-F238E27FC236}">
-                <a16:creationId xmlns:a16="http://schemas.microsoft.com/office/drawing/2014/main" id="{10EF155C-FA06-4B69-227A-DDDE7A28C32F}"/>
-              </a:ext>
-            </a:extLst>
-          </p:cNvPr>
-          <p:cNvSpPr>
-            <a:spLocks noGrp="1" noRot="1" noChangeAspect="1"/>
-          </p:cNvSpPr>
-          <p:nvPr>
-            <p:ph type="sldImg"/>
-          </p:nvPr>
-        </p:nvSpPr>
-        <p:spPr/>
-      </p:sp>
-      <p:sp>
-        <p:nvSpPr>
-          <p:cNvPr id="3" name="슬라이드 노트 개체 틀 2">
-            <a:extLst>
-              <a:ext uri="{FF2B5EF4-FFF2-40B4-BE49-F238E27FC236}">
-                <a16:creationId xmlns:a16="http://schemas.microsoft.com/office/drawing/2014/main" id="{C5A312AD-3578-BBBF-3835-4989C0F0B02E}"/>
-              </a:ext>
-            </a:extLst>
-          </p:cNvPr>
-          <p:cNvSpPr>
-            <a:spLocks noGrp="1"/>
-          </p:cNvSpPr>
-          <p:nvPr>
-            <p:ph type="body" idx="1"/>
-          </p:nvPr>
-        </p:nvSpPr>
-        <p:spPr/>
-        <p:txBody>
-          <a:bodyPr/>
-          <a:lstStyle/>
-          <a:p>
-            <a:endParaRPr lang="en-US" altLang="ko-KR" dirty="0"/>
-          </a:p>
-        </p:txBody>
-      </p:sp>
-      <p:sp>
-        <p:nvSpPr>
-          <p:cNvPr id="6" name="슬라이드 번호 개체 틀 5">
-            <a:extLst>
-              <a:ext uri="{FF2B5EF4-FFF2-40B4-BE49-F238E27FC236}">
-                <a16:creationId xmlns:a16="http://schemas.microsoft.com/office/drawing/2014/main" id="{11D8A7DC-5EBA-3004-09C8-C571FD714A7B}"/>
-              </a:ext>
-            </a:extLst>
-          </p:cNvPr>
-          <p:cNvSpPr>
-            <a:spLocks noGrp="1"/>
-          </p:cNvSpPr>
-          <p:nvPr>
-            <p:ph type="sldNum" sz="quarter" idx="5"/>
-          </p:nvPr>
-        </p:nvSpPr>
-        <p:spPr/>
-        <p:txBody>
-          <a:bodyPr/>
-          <a:lstStyle/>
-          <a:p>
-            <a:fld id="{124CBDA0-B7ED-471A-BA54-9427DBBEFC42}" type="slidenum">
-              <a:rPr lang="ko-KR" altLang="en-US" smtClean="0"/>
-              <a:t>39</a:t>
-            </a:fld>
-            <a:endParaRPr lang="ko-KR" altLang="en-US"/>
-          </a:p>
-        </p:txBody>
-      </p:sp>
-    </p:spTree>
-    <p:extLst>
-      <p:ext uri="{BB962C8B-B14F-4D97-AF65-F5344CB8AC3E}">
-        <p14:creationId xmlns:p14="http://schemas.microsoft.com/office/powerpoint/2010/main" val="699477722"/>
       </p:ext>
     </p:extLst>
   </p:cSld>
@@ -4364,7 +4364,7 @@
         <p:cNvPr id="1" name="">
           <a:extLst>
             <a:ext uri="{FF2B5EF4-FFF2-40B4-BE49-F238E27FC236}">
-              <a16:creationId xmlns:a16="http://schemas.microsoft.com/office/drawing/2014/main" id="{1D102AFE-A85C-D89E-2BED-5AC21CD55FC5}"/>
+              <a16:creationId xmlns:a16="http://schemas.microsoft.com/office/drawing/2014/main" id="{B0BF0641-F8D7-8BB9-599A-975B3D6F7802}"/>
             </a:ext>
           </a:extLst>
         </p:cNvPr>
@@ -4384,7 +4384,7 @@
           <p:cNvPr id="2" name="슬라이드 이미지 개체 틀 1">
             <a:extLst>
               <a:ext uri="{FF2B5EF4-FFF2-40B4-BE49-F238E27FC236}">
-                <a16:creationId xmlns:a16="http://schemas.microsoft.com/office/drawing/2014/main" id="{89BB8574-A971-A0B0-BF30-EACBC65C6692}"/>
+                <a16:creationId xmlns:a16="http://schemas.microsoft.com/office/drawing/2014/main" id="{10EF155C-FA06-4B69-227A-DDDE7A28C32F}"/>
               </a:ext>
             </a:extLst>
           </p:cNvPr>
@@ -4402,7 +4402,7 @@
           <p:cNvPr id="3" name="슬라이드 노트 개체 틀 2">
             <a:extLst>
               <a:ext uri="{FF2B5EF4-FFF2-40B4-BE49-F238E27FC236}">
-                <a16:creationId xmlns:a16="http://schemas.microsoft.com/office/drawing/2014/main" id="{2E3A1E9A-B166-8307-9999-6D9B1CB4E473}"/>
+                <a16:creationId xmlns:a16="http://schemas.microsoft.com/office/drawing/2014/main" id="{C5A312AD-3578-BBBF-3835-4989C0F0B02E}"/>
               </a:ext>
             </a:extLst>
           </p:cNvPr>
@@ -4427,7 +4427,7 @@
           <p:cNvPr id="6" name="슬라이드 번호 개체 틀 5">
             <a:extLst>
               <a:ext uri="{FF2B5EF4-FFF2-40B4-BE49-F238E27FC236}">
-                <a16:creationId xmlns:a16="http://schemas.microsoft.com/office/drawing/2014/main" id="{1F43478C-B10D-4169-0063-393EAC266818}"/>
+                <a16:creationId xmlns:a16="http://schemas.microsoft.com/office/drawing/2014/main" id="{11D8A7DC-5EBA-3004-09C8-C571FD714A7B}"/>
               </a:ext>
             </a:extLst>
           </p:cNvPr>
@@ -4454,7 +4454,7 @@
     </p:spTree>
     <p:extLst>
       <p:ext uri="{BB962C8B-B14F-4D97-AF65-F5344CB8AC3E}">
-        <p14:creationId xmlns:p14="http://schemas.microsoft.com/office/powerpoint/2010/main" val="2089780094"/>
+        <p14:creationId xmlns:p14="http://schemas.microsoft.com/office/powerpoint/2010/main" val="699477722"/>
       </p:ext>
     </p:extLst>
   </p:cSld>
@@ -5231,7 +5231,7 @@
           <a:p>
             <a:fld id="{2414693C-C504-49E8-BF4F-961B7701578B}" type="datetime1">
               <a:rPr lang="en-US" altLang="ko-KR" smtClean="0"/>
-              <a:t>2/28/2025</a:t>
+              <a:t>3/4/2025</a:t>
             </a:fld>
             <a:endParaRPr lang="en-US"/>
           </a:p>
@@ -5871,7 +5871,7 @@
           <a:p>
             <a:fld id="{1E8DED9A-EF9B-4AD1-B46D-9F79B751506F}" type="datetime1">
               <a:rPr lang="en-US" altLang="ko-KR" smtClean="0"/>
-              <a:t>2/28/2025</a:t>
+              <a:t>3/4/2025</a:t>
             </a:fld>
             <a:endParaRPr lang="en-US"/>
           </a:p>
@@ -6068,7 +6068,7 @@
           <a:p>
             <a:fld id="{B2F00E6E-F3B3-4916-8AAF-C5D059A280F1}" type="datetime1">
               <a:rPr lang="en-US" altLang="ko-KR" smtClean="0"/>
-              <a:t>2/28/2025</a:t>
+              <a:t>3/4/2025</a:t>
             </a:fld>
             <a:endParaRPr lang="en-US"/>
           </a:p>
@@ -6257,7 +6257,7 @@
           <a:p>
             <a:fld id="{6E63054C-B876-4A78-A39D-9689B2AFAE92}" type="datetime1">
               <a:rPr lang="en-US" altLang="ko-KR" smtClean="0"/>
-              <a:t>2/28/2025</a:t>
+              <a:t>3/4/2025</a:t>
             </a:fld>
             <a:endParaRPr lang="en-US"/>
           </a:p>
@@ -6521,7 +6521,7 @@
           <a:p>
             <a:fld id="{0BBA6D5F-50EF-4C10-BD2A-983562B87F50}" type="datetime1">
               <a:rPr lang="en-US" altLang="ko-KR" smtClean="0"/>
-              <a:t>2/28/2025</a:t>
+              <a:t>3/4/2025</a:t>
             </a:fld>
             <a:endParaRPr lang="en-US"/>
           </a:p>
@@ -6825,7 +6825,7 @@
           <a:p>
             <a:fld id="{32FE8A48-6009-407A-A168-0B2EB972A0A7}" type="datetime1">
               <a:rPr lang="en-US" altLang="ko-KR" smtClean="0"/>
-              <a:t>2/28/2025</a:t>
+              <a:t>3/4/2025</a:t>
             </a:fld>
             <a:endParaRPr lang="en-US"/>
           </a:p>
@@ -7263,7 +7263,7 @@
           <a:p>
             <a:fld id="{ECD8B9C2-E3B4-4812-A8B6-0130D96D4DEC}" type="datetime1">
               <a:rPr lang="en-US" altLang="ko-KR" smtClean="0"/>
-              <a:t>2/28/2025</a:t>
+              <a:t>3/4/2025</a:t>
             </a:fld>
             <a:endParaRPr lang="en-US"/>
           </a:p>
@@ -7399,7 +7399,7 @@
           <a:p>
             <a:fld id="{333A554B-F5D7-414D-9827-37856CEEFA1A}" type="datetime1">
               <a:rPr lang="en-US" altLang="ko-KR" smtClean="0"/>
-              <a:t>2/28/2025</a:t>
+              <a:t>3/4/2025</a:t>
             </a:fld>
             <a:endParaRPr lang="en-US"/>
           </a:p>
@@ -7513,7 +7513,7 @@
           <a:p>
             <a:fld id="{F9EEB192-3058-4F1D-9D23-138995488931}" type="datetime1">
               <a:rPr lang="en-US" altLang="ko-KR" smtClean="0"/>
-              <a:t>2/28/2025</a:t>
+              <a:t>3/4/2025</a:t>
             </a:fld>
             <a:endParaRPr lang="en-US"/>
           </a:p>
@@ -7807,7 +7807,7 @@
           <a:p>
             <a:fld id="{FC1FCF00-D3FA-4DF5-B85E-A64E5145ACC0}" type="datetime1">
               <a:rPr lang="en-US" altLang="ko-KR" smtClean="0"/>
-              <a:t>2/28/2025</a:t>
+              <a:t>3/4/2025</a:t>
             </a:fld>
             <a:endParaRPr lang="en-US"/>
           </a:p>
@@ -8078,7 +8078,7 @@
           <a:p>
             <a:fld id="{B40140CF-A2C8-4920-9E3D-37DC2736E1CE}" type="datetime1">
               <a:rPr lang="en-US" altLang="ko-KR" smtClean="0"/>
-              <a:t>2/28/2025</a:t>
+              <a:t>3/4/2025</a:t>
             </a:fld>
             <a:endParaRPr lang="en-US"/>
           </a:p>
@@ -9131,8 +9131,8 @@
         </p:nvSpPr>
         <p:spPr>
           <a:xfrm>
-            <a:off x="582766" y="1937269"/>
-            <a:ext cx="7384898" cy="646331"/>
+            <a:off x="381000" y="1894919"/>
+            <a:ext cx="7384898" cy="584775"/>
           </a:xfrm>
           <a:prstGeom prst="rect">
             <a:avLst/>
@@ -9146,7 +9146,7 @@
           <a:lstStyle/>
           <a:p>
             <a:r>
-              <a:rPr lang="en-US" altLang="ko-KR" sz="3600" dirty="0">
+              <a:rPr lang="en-US" altLang="ko-KR" sz="3200" dirty="0">
                 <a:solidFill>
                   <a:srgbClr val="3B7DDD"/>
                 </a:solidFill>
@@ -9202,8 +9202,8 @@
         </p:nvSpPr>
         <p:spPr>
           <a:xfrm>
-            <a:off x="152400" y="2952460"/>
-            <a:ext cx="9982200" cy="2062103"/>
+            <a:off x="190500" y="3085454"/>
+            <a:ext cx="9982200" cy="1384995"/>
           </a:xfrm>
           <a:prstGeom prst="rect">
             <a:avLst/>
@@ -9224,48 +9224,48 @@
               <a:buChar char="•"/>
             </a:pPr>
             <a:r>
-              <a:rPr lang="en-US" altLang="ko-KR" sz="3200" dirty="0">
+              <a:rPr lang="en-US" altLang="ko-KR" sz="2800" dirty="0">
                 <a:latin typeface="나눔스퀘어 Bold" panose="020B0600000101010101" pitchFamily="50" charset="-127"/>
                 <a:ea typeface="나눔스퀘어 Bold" panose="020B0600000101010101" pitchFamily="50" charset="-127"/>
               </a:rPr>
               <a:t>BERT : </a:t>
             </a:r>
             <a:r>
-              <a:rPr lang="ko-KR" altLang="en-US" sz="3200" dirty="0">
+              <a:rPr lang="ko-KR" altLang="en-US" sz="2800" dirty="0">
                 <a:latin typeface="나눔스퀘어 Bold" panose="020B0600000101010101" pitchFamily="50" charset="-127"/>
                 <a:ea typeface="나눔스퀘어 Bold" panose="020B0600000101010101" pitchFamily="50" charset="-127"/>
               </a:rPr>
               <a:t>문장 처음의 </a:t>
             </a:r>
             <a:r>
-              <a:rPr lang="en-US" altLang="ko-KR" sz="3200" dirty="0">
+              <a:rPr lang="en-US" altLang="ko-KR" sz="2800" dirty="0">
                 <a:latin typeface="나눔스퀘어 Bold" panose="020B0600000101010101" pitchFamily="50" charset="-127"/>
                 <a:ea typeface="나눔스퀘어 Bold" panose="020B0600000101010101" pitchFamily="50" charset="-127"/>
               </a:rPr>
               <a:t>CLS </a:t>
             </a:r>
             <a:r>
-              <a:rPr lang="ko-KR" altLang="en-US" sz="3200" dirty="0">
+              <a:rPr lang="ko-KR" altLang="en-US" sz="2800" dirty="0">
                 <a:latin typeface="나눔스퀘어 Bold" panose="020B0600000101010101" pitchFamily="50" charset="-127"/>
                 <a:ea typeface="나눔스퀘어 Bold" panose="020B0600000101010101" pitchFamily="50" charset="-127"/>
               </a:rPr>
               <a:t>토큰으로 </a:t>
             </a:r>
             <a:r>
-              <a:rPr lang="en-US" altLang="ko-KR" sz="3200" dirty="0">
+              <a:rPr lang="en-US" altLang="ko-KR" sz="2800" dirty="0">
                 <a:latin typeface="나눔스퀘어 Bold" panose="020B0600000101010101" pitchFamily="50" charset="-127"/>
                 <a:ea typeface="나눔스퀘어 Bold" panose="020B0600000101010101" pitchFamily="50" charset="-127"/>
               </a:rPr>
               <a:t>Classification </a:t>
             </a:r>
             <a:r>
-              <a:rPr lang="ko-KR" altLang="en-US" sz="3200" dirty="0">
+              <a:rPr lang="ko-KR" altLang="en-US" sz="2800" dirty="0">
                 <a:latin typeface="나눔스퀘어 Bold" panose="020B0600000101010101" pitchFamily="50" charset="-127"/>
                 <a:ea typeface="나눔스퀘어 Bold" panose="020B0600000101010101" pitchFamily="50" charset="-127"/>
               </a:rPr>
               <a:t>진행</a:t>
             </a:r>
-            <a:endParaRPr lang="en-US" altLang="ko-KR" sz="3200" dirty="0">
+            <a:endParaRPr lang="en-US" altLang="ko-KR" sz="2800" dirty="0">
               <a:latin typeface="나눔스퀘어 Bold" panose="020B0600000101010101" pitchFamily="50" charset="-127"/>
               <a:ea typeface="나눔스퀘어 Bold" panose="020B0600000101010101" pitchFamily="50" charset="-127"/>
             </a:endParaRPr>
@@ -9279,48 +9279,48 @@
               <a:buChar char="•"/>
             </a:pPr>
             <a:r>
-              <a:rPr lang="en-US" altLang="ko-KR" sz="3200" dirty="0">
+              <a:rPr lang="en-US" altLang="ko-KR" sz="2800" dirty="0">
                 <a:latin typeface="나눔스퀘어 Bold" panose="020B0600000101010101" pitchFamily="50" charset="-127"/>
                 <a:ea typeface="나눔스퀘어 Bold" panose="020B0600000101010101" pitchFamily="50" charset="-127"/>
               </a:rPr>
               <a:t>BART : </a:t>
             </a:r>
             <a:r>
-              <a:rPr lang="ko-KR" altLang="en-US" sz="3200" dirty="0">
+              <a:rPr lang="ko-KR" altLang="en-US" sz="2800" dirty="0">
                 <a:latin typeface="나눔스퀘어 Bold" panose="020B0600000101010101" pitchFamily="50" charset="-127"/>
                 <a:ea typeface="나눔스퀘어 Bold" panose="020B0600000101010101" pitchFamily="50" charset="-127"/>
               </a:rPr>
               <a:t>문장 끝의 </a:t>
             </a:r>
             <a:r>
-              <a:rPr lang="en-US" altLang="ko-KR" sz="3200" dirty="0">
+              <a:rPr lang="en-US" altLang="ko-KR" sz="2800" dirty="0">
                 <a:latin typeface="나눔스퀘어 Bold" panose="020B0600000101010101" pitchFamily="50" charset="-127"/>
                 <a:ea typeface="나눔스퀘어 Bold" panose="020B0600000101010101" pitchFamily="50" charset="-127"/>
               </a:rPr>
               <a:t>end </a:t>
             </a:r>
             <a:r>
-              <a:rPr lang="ko-KR" altLang="en-US" sz="3200" dirty="0">
+              <a:rPr lang="ko-KR" altLang="en-US" sz="2800" dirty="0">
                 <a:latin typeface="나눔스퀘어 Bold" panose="020B0600000101010101" pitchFamily="50" charset="-127"/>
                 <a:ea typeface="나눔스퀘어 Bold" panose="020B0600000101010101" pitchFamily="50" charset="-127"/>
               </a:rPr>
               <a:t>토큰으로 </a:t>
             </a:r>
             <a:r>
-              <a:rPr lang="en-US" altLang="ko-KR" sz="3200" dirty="0">
+              <a:rPr lang="en-US" altLang="ko-KR" sz="2800" dirty="0">
                 <a:latin typeface="나눔스퀘어 Bold" panose="020B0600000101010101" pitchFamily="50" charset="-127"/>
                 <a:ea typeface="나눔스퀘어 Bold" panose="020B0600000101010101" pitchFamily="50" charset="-127"/>
               </a:rPr>
               <a:t>Classification </a:t>
             </a:r>
             <a:r>
-              <a:rPr lang="ko-KR" altLang="en-US" sz="3200" dirty="0">
+              <a:rPr lang="ko-KR" altLang="en-US" sz="2800" dirty="0">
                 <a:latin typeface="나눔스퀘어 Bold" panose="020B0600000101010101" pitchFamily="50" charset="-127"/>
                 <a:ea typeface="나눔스퀘어 Bold" panose="020B0600000101010101" pitchFamily="50" charset="-127"/>
               </a:rPr>
               <a:t>진행</a:t>
             </a:r>
-            <a:endParaRPr lang="en-US" altLang="ko-KR" sz="3200" dirty="0">
+            <a:endParaRPr lang="en-US" altLang="ko-KR" sz="2800" dirty="0">
               <a:latin typeface="나눔스퀘어 Bold" panose="020B0600000101010101" pitchFamily="50" charset="-127"/>
               <a:ea typeface="나눔스퀘어 Bold" panose="020B0600000101010101" pitchFamily="50" charset="-127"/>
             </a:endParaRPr>
@@ -9334,20 +9334,20 @@
               <a:buChar char="•"/>
             </a:pPr>
             <a:r>
-              <a:rPr lang="en-US" altLang="ko-KR" sz="3200" dirty="0">
+              <a:rPr lang="en-US" altLang="ko-KR" sz="2800" dirty="0">
                 <a:latin typeface="나눔스퀘어 Bold" panose="020B0600000101010101" pitchFamily="50" charset="-127"/>
                 <a:ea typeface="나눔스퀘어 Bold" panose="020B0600000101010101" pitchFamily="50" charset="-127"/>
               </a:rPr>
               <a:t>new multi-class linear classifier </a:t>
             </a:r>
             <a:r>
-              <a:rPr lang="ko-KR" altLang="en-US" sz="3200" dirty="0">
+              <a:rPr lang="ko-KR" altLang="en-US" sz="2800" dirty="0">
                 <a:latin typeface="나눔스퀘어 Bold" panose="020B0600000101010101" pitchFamily="50" charset="-127"/>
                 <a:ea typeface="나눔스퀘어 Bold" panose="020B0600000101010101" pitchFamily="50" charset="-127"/>
               </a:rPr>
               <a:t>사용</a:t>
             </a:r>
-            <a:endParaRPr lang="en-US" altLang="ko-KR" sz="3200" dirty="0">
+            <a:endParaRPr lang="en-US" altLang="ko-KR" sz="2800" dirty="0">
               <a:latin typeface="나눔스퀘어 Bold" panose="020B0600000101010101" pitchFamily="50" charset="-127"/>
               <a:ea typeface="나눔스퀘어 Bold" panose="020B0600000101010101" pitchFamily="50" charset="-127"/>
             </a:endParaRPr>
@@ -9368,8 +9368,8 @@
         </p:nvSpPr>
         <p:spPr>
           <a:xfrm>
-            <a:off x="582766" y="5441715"/>
-            <a:ext cx="7384898" cy="646331"/>
+            <a:off x="414950" y="5837126"/>
+            <a:ext cx="7384898" cy="584775"/>
           </a:xfrm>
           <a:prstGeom prst="rect">
             <a:avLst/>
@@ -9383,7 +9383,7 @@
           <a:lstStyle/>
           <a:p>
             <a:r>
-              <a:rPr lang="en-US" altLang="ko-KR" sz="3600" dirty="0">
+              <a:rPr lang="en-US" altLang="ko-KR" sz="3200" dirty="0">
                 <a:solidFill>
                   <a:srgbClr val="3B7DDD"/>
                 </a:solidFill>
@@ -9410,7 +9410,7 @@
         <p:spPr>
           <a:xfrm>
             <a:off x="190500" y="6740687"/>
-            <a:ext cx="11087100" cy="1569660"/>
+            <a:ext cx="11087100" cy="1384995"/>
           </a:xfrm>
           <a:prstGeom prst="rect">
             <a:avLst/>
@@ -9431,28 +9431,28 @@
               <a:buChar char="•"/>
             </a:pPr>
             <a:r>
-              <a:rPr lang="ko-KR" altLang="en-US" sz="3200" dirty="0">
+              <a:rPr lang="ko-KR" altLang="en-US" sz="2800" dirty="0">
                 <a:latin typeface="나눔스퀘어 Bold" panose="020B0600000101010101" pitchFamily="50" charset="-127"/>
                 <a:ea typeface="나눔스퀘어 Bold" panose="020B0600000101010101" pitchFamily="50" charset="-127"/>
               </a:rPr>
               <a:t>토큰 별로 분류가 필요할 땐 </a:t>
             </a:r>
             <a:r>
-              <a:rPr lang="en-US" altLang="ko-KR" sz="3200" dirty="0">
+              <a:rPr lang="en-US" altLang="ko-KR" sz="2800" dirty="0">
                 <a:latin typeface="나눔스퀘어 Bold" panose="020B0600000101010101" pitchFamily="50" charset="-127"/>
                 <a:ea typeface="나눔스퀘어 Bold" panose="020B0600000101010101" pitchFamily="50" charset="-127"/>
               </a:rPr>
               <a:t>(e.g. </a:t>
             </a:r>
             <a:r>
-              <a:rPr lang="en-US" altLang="ko-KR" sz="3200" dirty="0" err="1">
+              <a:rPr lang="en-US" altLang="ko-KR" sz="2800" dirty="0" err="1">
                 <a:latin typeface="나눔스퀘어 Bold" panose="020B0600000101010101" pitchFamily="50" charset="-127"/>
                 <a:ea typeface="나눔스퀘어 Bold" panose="020B0600000101010101" pitchFamily="50" charset="-127"/>
               </a:rPr>
               <a:t>SQuAD</a:t>
             </a:r>
             <a:r>
-              <a:rPr lang="en-US" altLang="ko-KR" sz="3200" dirty="0">
+              <a:rPr lang="en-US" altLang="ko-KR" sz="2800" dirty="0">
                 <a:latin typeface="나눔스퀘어 Bold" panose="020B0600000101010101" pitchFamily="50" charset="-127"/>
                 <a:ea typeface="나눔스퀘어 Bold" panose="020B0600000101010101" pitchFamily="50" charset="-127"/>
               </a:rPr>
@@ -9466,34 +9466,34 @@
               </a:buClr>
             </a:pPr>
             <a:r>
-              <a:rPr lang="en-US" altLang="ko-KR" sz="3200" dirty="0">
+              <a:rPr lang="en-US" altLang="ko-KR" sz="2800" dirty="0">
                 <a:latin typeface="나눔스퀘어 Bold" panose="020B0600000101010101" pitchFamily="50" charset="-127"/>
                 <a:ea typeface="나눔스퀘어 Bold" panose="020B0600000101010101" pitchFamily="50" charset="-127"/>
               </a:rPr>
               <a:t>	BERT</a:t>
             </a:r>
             <a:r>
-              <a:rPr lang="ko-KR" altLang="en-US" sz="3200" dirty="0">
+              <a:rPr lang="ko-KR" altLang="en-US" sz="2800" dirty="0">
                 <a:latin typeface="나눔스퀘어 Bold" panose="020B0600000101010101" pitchFamily="50" charset="-127"/>
                 <a:ea typeface="나눔스퀘어 Bold" panose="020B0600000101010101" pitchFamily="50" charset="-127"/>
               </a:rPr>
               <a:t>처럼 각 토큰의 </a:t>
             </a:r>
             <a:r>
-              <a:rPr lang="en-US" altLang="ko-KR" sz="3200" dirty="0">
+              <a:rPr lang="en-US" altLang="ko-KR" sz="2800" dirty="0">
                 <a:latin typeface="나눔스퀘어 Bold" panose="020B0600000101010101" pitchFamily="50" charset="-127"/>
                 <a:ea typeface="나눔스퀘어 Bold" panose="020B0600000101010101" pitchFamily="50" charset="-127"/>
               </a:rPr>
               <a:t>last hidden state</a:t>
             </a:r>
             <a:r>
-              <a:rPr lang="ko-KR" altLang="en-US" sz="3200" dirty="0">
+              <a:rPr lang="ko-KR" altLang="en-US" sz="2800" dirty="0">
                 <a:latin typeface="나눔스퀘어 Bold" panose="020B0600000101010101" pitchFamily="50" charset="-127"/>
                 <a:ea typeface="나눔스퀘어 Bold" panose="020B0600000101010101" pitchFamily="50" charset="-127"/>
               </a:rPr>
               <a:t>를 사용해 </a:t>
             </a:r>
-            <a:endParaRPr lang="en-US" altLang="ko-KR" sz="3200" dirty="0">
+            <a:endParaRPr lang="en-US" altLang="ko-KR" sz="2800" dirty="0">
               <a:latin typeface="나눔스퀘어 Bold" panose="020B0600000101010101" pitchFamily="50" charset="-127"/>
               <a:ea typeface="나눔스퀘어 Bold" panose="020B0600000101010101" pitchFamily="50" charset="-127"/>
             </a:endParaRPr>
@@ -9505,20 +9505,20 @@
               </a:buClr>
             </a:pPr>
             <a:r>
-              <a:rPr lang="en-US" altLang="ko-KR" sz="3200" dirty="0">
+              <a:rPr lang="en-US" altLang="ko-KR" sz="2800" dirty="0">
                 <a:latin typeface="나눔스퀘어 Bold" panose="020B0600000101010101" pitchFamily="50" charset="-127"/>
                 <a:ea typeface="나눔스퀘어 Bold" panose="020B0600000101010101" pitchFamily="50" charset="-127"/>
               </a:rPr>
               <a:t>	</a:t>
             </a:r>
             <a:r>
-              <a:rPr lang="ko-KR" altLang="en-US" sz="3200" dirty="0">
+              <a:rPr lang="ko-KR" altLang="en-US" sz="2800" dirty="0">
                 <a:latin typeface="나눔스퀘어 Bold" panose="020B0600000101010101" pitchFamily="50" charset="-127"/>
                 <a:ea typeface="나눔스퀘어 Bold" panose="020B0600000101010101" pitchFamily="50" charset="-127"/>
               </a:rPr>
               <a:t>분류 진행</a:t>
             </a:r>
-            <a:endParaRPr lang="en-US" altLang="ko-KR" sz="3200" dirty="0">
+            <a:endParaRPr lang="en-US" altLang="ko-KR" sz="2800" dirty="0">
               <a:latin typeface="나눔스퀘어 Bold" panose="020B0600000101010101" pitchFamily="50" charset="-127"/>
               <a:ea typeface="나눔스퀘어 Bold" panose="020B0600000101010101" pitchFamily="50" charset="-127"/>
             </a:endParaRPr>
@@ -9815,8 +9815,8 @@
         </p:nvSpPr>
         <p:spPr>
           <a:xfrm>
-            <a:off x="582766" y="1937269"/>
-            <a:ext cx="7384898" cy="646331"/>
+            <a:off x="582766" y="2269869"/>
+            <a:ext cx="7384898" cy="523220"/>
           </a:xfrm>
           <a:prstGeom prst="rect">
             <a:avLst/>
@@ -9830,7 +9830,7 @@
           <a:lstStyle/>
           <a:p>
             <a:r>
-              <a:rPr lang="en-US" altLang="ko-KR" sz="3600" dirty="0">
+              <a:rPr lang="en-US" altLang="ko-KR" sz="2800" dirty="0">
                 <a:solidFill>
                   <a:srgbClr val="3B7DDD"/>
                 </a:solidFill>
@@ -9856,8 +9856,8 @@
         </p:nvSpPr>
         <p:spPr>
           <a:xfrm>
-            <a:off x="152400" y="2952460"/>
-            <a:ext cx="9982200" cy="2554545"/>
+            <a:off x="157162" y="3189271"/>
+            <a:ext cx="9982200" cy="1815882"/>
           </a:xfrm>
           <a:prstGeom prst="rect">
             <a:avLst/>
@@ -9878,35 +9878,35 @@
               <a:buChar char="•"/>
             </a:pPr>
             <a:r>
-              <a:rPr lang="en-US" altLang="ko-KR" sz="3200" dirty="0">
+              <a:rPr lang="en-US" altLang="ko-KR" sz="2800" dirty="0">
                 <a:latin typeface="나눔스퀘어 Bold" panose="020B0600000101010101" pitchFamily="50" charset="-127"/>
                 <a:ea typeface="나눔스퀘어 Bold" panose="020B0600000101010101" pitchFamily="50" charset="-127"/>
               </a:rPr>
               <a:t>Encoder Input</a:t>
             </a:r>
             <a:r>
-              <a:rPr lang="ko-KR" altLang="en-US" sz="3200" dirty="0">
+              <a:rPr lang="ko-KR" altLang="en-US" sz="2800" dirty="0">
                 <a:latin typeface="나눔스퀘어 Bold" panose="020B0600000101010101" pitchFamily="50" charset="-127"/>
                 <a:ea typeface="나눔스퀘어 Bold" panose="020B0600000101010101" pitchFamily="50" charset="-127"/>
               </a:rPr>
               <a:t>으로 </a:t>
             </a:r>
             <a:r>
-              <a:rPr lang="en-US" altLang="ko-KR" sz="3200" dirty="0">
+              <a:rPr lang="en-US" altLang="ko-KR" sz="2800" dirty="0">
                 <a:latin typeface="나눔스퀘어 Bold" panose="020B0600000101010101" pitchFamily="50" charset="-127"/>
                 <a:ea typeface="나눔스퀘어 Bold" panose="020B0600000101010101" pitchFamily="50" charset="-127"/>
               </a:rPr>
               <a:t>original Text, Decoder</a:t>
             </a:r>
             <a:r>
-              <a:rPr lang="ko-KR" altLang="en-US" sz="3200" dirty="0">
+              <a:rPr lang="ko-KR" altLang="en-US" sz="2800" dirty="0">
                 <a:latin typeface="나눔스퀘어 Bold" panose="020B0600000101010101" pitchFamily="50" charset="-127"/>
                 <a:ea typeface="나눔스퀘어 Bold" panose="020B0600000101010101" pitchFamily="50" charset="-127"/>
               </a:rPr>
               <a:t>에서 </a:t>
             </a:r>
             <a:r>
-              <a:rPr lang="en-US" altLang="ko-KR" sz="3200" dirty="0">
+              <a:rPr lang="en-US" altLang="ko-KR" sz="2800" dirty="0">
                 <a:latin typeface="나눔스퀘어 Bold" panose="020B0600000101010101" pitchFamily="50" charset="-127"/>
                 <a:ea typeface="나눔스퀘어 Bold" panose="020B0600000101010101" pitchFamily="50" charset="-127"/>
               </a:rPr>
@@ -9921,7 +9921,7 @@
               <a:buFont typeface="Arial" panose="020B0604020202020204" pitchFamily="34" charset="0"/>
               <a:buChar char="•"/>
             </a:pPr>
-            <a:endParaRPr lang="en-US" altLang="ko-KR" sz="3200" dirty="0">
+            <a:endParaRPr lang="en-US" altLang="ko-KR" sz="2800" dirty="0">
               <a:latin typeface="나눔스퀘어 Bold" panose="020B0600000101010101" pitchFamily="50" charset="-127"/>
               <a:ea typeface="나눔스퀘어 Bold" panose="020B0600000101010101" pitchFamily="50" charset="-127"/>
             </a:endParaRPr>
@@ -9934,48 +9934,7 @@
               <a:buFont typeface="Arial" panose="020B0604020202020204" pitchFamily="34" charset="0"/>
               <a:buChar char="•"/>
             </a:pPr>
-            <a:r>
-              <a:rPr lang="en-US" altLang="ko-KR" sz="3200" dirty="0">
-                <a:latin typeface="나눔스퀘어 Bold" panose="020B0600000101010101" pitchFamily="50" charset="-127"/>
-                <a:ea typeface="나눔스퀘어 Bold" panose="020B0600000101010101" pitchFamily="50" charset="-127"/>
-              </a:rPr>
-              <a:t>Abstractive</a:t>
-            </a:r>
-            <a:r>
-              <a:rPr lang="ko-KR" altLang="en-US" sz="3200" dirty="0">
-                <a:latin typeface="나눔스퀘어 Bold" panose="020B0600000101010101" pitchFamily="50" charset="-127"/>
-                <a:ea typeface="나눔스퀘어 Bold" panose="020B0600000101010101" pitchFamily="50" charset="-127"/>
-              </a:rPr>
-              <a:t>한 </a:t>
-            </a:r>
-            <a:r>
-              <a:rPr lang="en-US" altLang="ko-KR" sz="3200" dirty="0">
-                <a:latin typeface="나눔스퀘어 Bold" panose="020B0600000101010101" pitchFamily="50" charset="-127"/>
-                <a:ea typeface="나눔스퀘어 Bold" panose="020B0600000101010101" pitchFamily="50" charset="-127"/>
-              </a:rPr>
-              <a:t>task</a:t>
-            </a:r>
-            <a:r>
-              <a:rPr lang="ko-KR" altLang="en-US" sz="3200" dirty="0">
-                <a:latin typeface="나눔스퀘어 Bold" panose="020B0600000101010101" pitchFamily="50" charset="-127"/>
-                <a:ea typeface="나눔스퀘어 Bold" panose="020B0600000101010101" pitchFamily="50" charset="-127"/>
-              </a:rPr>
-              <a:t>에서 유리</a:t>
-            </a:r>
-            <a:endParaRPr lang="en-US" altLang="ko-KR" sz="3200" dirty="0">
-              <a:latin typeface="나눔스퀘어 Bold" panose="020B0600000101010101" pitchFamily="50" charset="-127"/>
-              <a:ea typeface="나눔스퀘어 Bold" panose="020B0600000101010101" pitchFamily="50" charset="-127"/>
-            </a:endParaRPr>
-          </a:p>
-          <a:p>
-            <a:pPr marL="914400" lvl="1" indent="-457200">
-              <a:buClr>
-                <a:srgbClr val="0F569B"/>
-              </a:buClr>
-              <a:buFont typeface="Arial" panose="020B0604020202020204" pitchFamily="34" charset="0"/>
-              <a:buChar char="•"/>
-            </a:pPr>
-            <a:endParaRPr lang="en-US" altLang="ko-KR" sz="3200" dirty="0">
+            <a:endParaRPr lang="en-US" altLang="ko-KR" sz="2800" dirty="0">
               <a:latin typeface="나눔스퀘어 Bold" panose="020B0600000101010101" pitchFamily="50" charset="-127"/>
               <a:ea typeface="나눔스퀘어 Bold" panose="020B0600000101010101" pitchFamily="50" charset="-127"/>
             </a:endParaRPr>
@@ -10027,7 +9986,7 @@
         <p:spPr>
           <a:xfrm>
             <a:off x="735166" y="6022303"/>
-            <a:ext cx="7384898" cy="646331"/>
+            <a:ext cx="7384898" cy="523220"/>
           </a:xfrm>
           <a:prstGeom prst="rect">
             <a:avLst/>
@@ -10041,7 +10000,7 @@
           <a:lstStyle/>
           <a:p>
             <a:r>
-              <a:rPr lang="en-US" altLang="ko-KR" sz="3600" dirty="0">
+              <a:rPr lang="en-US" altLang="ko-KR" sz="2800" dirty="0">
                 <a:solidFill>
                   <a:srgbClr val="3B7DDD"/>
                 </a:solidFill>
@@ -10068,7 +10027,7 @@
         <p:spPr>
           <a:xfrm>
             <a:off x="157162" y="7063024"/>
-            <a:ext cx="9748838" cy="1569660"/>
+            <a:ext cx="9748838" cy="954107"/>
           </a:xfrm>
           <a:prstGeom prst="rect">
             <a:avLst/>
@@ -10089,41 +10048,41 @@
               <a:buChar char="•"/>
             </a:pPr>
             <a:r>
-              <a:rPr lang="ko-KR" altLang="en-US" sz="3200" dirty="0">
+              <a:rPr lang="ko-KR" altLang="en-US" sz="2800" dirty="0">
                 <a:latin typeface="나눔스퀘어 Bold" panose="020B0600000101010101" pitchFamily="50" charset="-127"/>
                 <a:ea typeface="나눔스퀘어 Bold" panose="020B0600000101010101" pitchFamily="50" charset="-127"/>
               </a:rPr>
               <a:t>새로운 인코더를 추가하고 </a:t>
             </a:r>
             <a:r>
-              <a:rPr lang="en-US" altLang="ko-KR" sz="3200" dirty="0">
+              <a:rPr lang="en-US" altLang="ko-KR" sz="2800" dirty="0">
                 <a:latin typeface="나눔스퀘어 Bold" panose="020B0600000101010101" pitchFamily="50" charset="-127"/>
                 <a:ea typeface="나눔스퀘어 Bold" panose="020B0600000101010101" pitchFamily="50" charset="-127"/>
               </a:rPr>
               <a:t>BART</a:t>
             </a:r>
             <a:r>
-              <a:rPr lang="ko-KR" altLang="en-US" sz="3200" dirty="0">
+              <a:rPr lang="ko-KR" altLang="en-US" sz="2800" dirty="0">
                 <a:latin typeface="나눔스퀘어 Bold" panose="020B0600000101010101" pitchFamily="50" charset="-127"/>
                 <a:ea typeface="나눔스퀘어 Bold" panose="020B0600000101010101" pitchFamily="50" charset="-127"/>
               </a:rPr>
               <a:t>를 하나의 </a:t>
             </a:r>
             <a:r>
-              <a:rPr lang="ko-KR" altLang="en-US" sz="3200" dirty="0" err="1">
+              <a:rPr lang="ko-KR" altLang="en-US" sz="2800" dirty="0" err="1">
                 <a:latin typeface="나눔스퀘어 Bold" panose="020B0600000101010101" pitchFamily="50" charset="-127"/>
                 <a:ea typeface="나눔스퀘어 Bold" panose="020B0600000101010101" pitchFamily="50" charset="-127"/>
               </a:rPr>
               <a:t>디코더로</a:t>
             </a:r>
             <a:r>
-              <a:rPr lang="ko-KR" altLang="en-US" sz="3200" dirty="0">
+              <a:rPr lang="ko-KR" altLang="en-US" sz="2800" dirty="0">
                 <a:latin typeface="나눔스퀘어 Bold" panose="020B0600000101010101" pitchFamily="50" charset="-127"/>
                 <a:ea typeface="나눔스퀘어 Bold" panose="020B0600000101010101" pitchFamily="50" charset="-127"/>
               </a:rPr>
               <a:t> 사용</a:t>
             </a:r>
-            <a:endParaRPr lang="en-US" altLang="ko-KR" sz="3200" dirty="0">
+            <a:endParaRPr lang="en-US" altLang="ko-KR" sz="2800" dirty="0">
               <a:latin typeface="나눔스퀘어 Bold" panose="020B0600000101010101" pitchFamily="50" charset="-127"/>
               <a:ea typeface="나눔스퀘어 Bold" panose="020B0600000101010101" pitchFamily="50" charset="-127"/>
             </a:endParaRPr>
@@ -10136,7 +10095,7 @@
               <a:buFont typeface="Arial" panose="020B0604020202020204" pitchFamily="34" charset="0"/>
               <a:buChar char="•"/>
             </a:pPr>
-            <a:endParaRPr lang="en-US" altLang="ko-KR" sz="3200" dirty="0">
+            <a:endParaRPr lang="en-US" altLang="ko-KR" sz="2800" dirty="0">
               <a:latin typeface="나눔스퀘어 Bold" panose="020B0600000101010101" pitchFamily="50" charset="-127"/>
               <a:ea typeface="나눔스퀘어 Bold" panose="020B0600000101010101" pitchFamily="50" charset="-127"/>
             </a:endParaRPr>
@@ -10404,7 +10363,7 @@
         <p:spPr>
           <a:xfrm>
             <a:off x="711354" y="2148702"/>
-            <a:ext cx="7384898" cy="646331"/>
+            <a:ext cx="7384898" cy="584775"/>
           </a:xfrm>
           <a:prstGeom prst="rect">
             <a:avLst/>
@@ -10418,7 +10377,7 @@
           <a:lstStyle/>
           <a:p>
             <a:r>
-              <a:rPr lang="en-US" altLang="ko-KR" sz="3600" dirty="0">
+              <a:rPr lang="en-US" altLang="ko-KR" sz="3200" dirty="0">
                 <a:solidFill>
                   <a:srgbClr val="3B7DDD"/>
                 </a:solidFill>
@@ -10445,7 +10404,7 @@
         <p:spPr>
           <a:xfrm>
             <a:off x="280987" y="3163893"/>
-            <a:ext cx="10579455" cy="6494085"/>
+            <a:ext cx="10579455" cy="5262979"/>
           </a:xfrm>
           <a:prstGeom prst="rect">
             <a:avLst/>
@@ -10466,62 +10425,62 @@
               <a:buChar char="•"/>
             </a:pPr>
             <a:r>
-              <a:rPr lang="en-US" altLang="ko-KR" sz="3200" dirty="0">
+              <a:rPr lang="en-US" altLang="ko-KR" sz="2800" dirty="0">
                 <a:latin typeface="나눔스퀘어 Bold" panose="020B0600000101010101" pitchFamily="50" charset="-127"/>
                 <a:ea typeface="나눔스퀘어 Bold" panose="020B0600000101010101" pitchFamily="50" charset="-127"/>
               </a:rPr>
               <a:t>Pre-train</a:t>
             </a:r>
             <a:r>
-              <a:rPr lang="ko-KR" altLang="en-US" sz="3200" dirty="0">
+              <a:rPr lang="ko-KR" altLang="en-US" sz="2800" dirty="0">
                 <a:latin typeface="나눔스퀘어 Bold" panose="020B0600000101010101" pitchFamily="50" charset="-127"/>
                 <a:ea typeface="나눔스퀘어 Bold" panose="020B0600000101010101" pitchFamily="50" charset="-127"/>
               </a:rPr>
               <a:t>된 </a:t>
             </a:r>
             <a:r>
-              <a:rPr lang="en-US" altLang="ko-KR" sz="3200" dirty="0">
+              <a:rPr lang="en-US" altLang="ko-KR" sz="2800" dirty="0">
                 <a:latin typeface="나눔스퀘어 Bold" panose="020B0600000101010101" pitchFamily="50" charset="-127"/>
                 <a:ea typeface="나눔스퀘어 Bold" panose="020B0600000101010101" pitchFamily="50" charset="-127"/>
               </a:rPr>
               <a:t>BART </a:t>
             </a:r>
             <a:r>
-              <a:rPr lang="ko-KR" altLang="en-US" sz="3200" dirty="0">
+              <a:rPr lang="ko-KR" altLang="en-US" sz="2800" dirty="0">
                 <a:latin typeface="나눔스퀘어 Bold" panose="020B0600000101010101" pitchFamily="50" charset="-127"/>
                 <a:ea typeface="나눔스퀘어 Bold" panose="020B0600000101010101" pitchFamily="50" charset="-127"/>
               </a:rPr>
               <a:t>인코더의 </a:t>
             </a:r>
             <a:r>
-              <a:rPr lang="ko-KR" altLang="en-US" sz="3200" dirty="0" err="1">
+              <a:rPr lang="ko-KR" altLang="en-US" sz="2800" dirty="0" err="1">
                 <a:latin typeface="나눔스퀘어 Bold" panose="020B0600000101010101" pitchFamily="50" charset="-127"/>
                 <a:ea typeface="나눔스퀘어 Bold" panose="020B0600000101010101" pitchFamily="50" charset="-127"/>
               </a:rPr>
               <a:t>임베딩</a:t>
             </a:r>
             <a:r>
-              <a:rPr lang="ko-KR" altLang="en-US" sz="3200" dirty="0">
+              <a:rPr lang="ko-KR" altLang="en-US" sz="2800" dirty="0">
                 <a:latin typeface="나눔스퀘어 Bold" panose="020B0600000101010101" pitchFamily="50" charset="-127"/>
                 <a:ea typeface="나눔스퀘어 Bold" panose="020B0600000101010101" pitchFamily="50" charset="-127"/>
               </a:rPr>
               <a:t> 레이어를 삭제하고</a:t>
             </a:r>
             <a:r>
-              <a:rPr lang="en-US" altLang="ko-KR" sz="3200" dirty="0">
+              <a:rPr lang="en-US" altLang="ko-KR" sz="2800" dirty="0">
                 <a:latin typeface="나눔스퀘어 Bold" panose="020B0600000101010101" pitchFamily="50" charset="-127"/>
                 <a:ea typeface="나눔스퀘어 Bold" panose="020B0600000101010101" pitchFamily="50" charset="-127"/>
               </a:rPr>
               <a:t> Randomly Initialized Encoder</a:t>
             </a:r>
             <a:r>
-              <a:rPr lang="ko-KR" altLang="en-US" sz="3200" dirty="0">
+              <a:rPr lang="ko-KR" altLang="en-US" sz="2800" dirty="0">
                 <a:latin typeface="나눔스퀘어 Bold" panose="020B0600000101010101" pitchFamily="50" charset="-127"/>
                 <a:ea typeface="나눔스퀘어 Bold" panose="020B0600000101010101" pitchFamily="50" charset="-127"/>
               </a:rPr>
               <a:t>를 추가</a:t>
             </a:r>
-            <a:endParaRPr lang="en-US" altLang="ko-KR" sz="3200" dirty="0">
+            <a:endParaRPr lang="en-US" altLang="ko-KR" sz="2800" dirty="0">
               <a:latin typeface="나눔스퀘어 Bold" panose="020B0600000101010101" pitchFamily="50" charset="-127"/>
               <a:ea typeface="나눔스퀘어 Bold" panose="020B0600000101010101" pitchFamily="50" charset="-127"/>
             </a:endParaRPr>
@@ -10534,7 +10493,7 @@
               <a:buFont typeface="Arial" panose="020B0604020202020204" pitchFamily="34" charset="0"/>
               <a:buChar char="•"/>
             </a:pPr>
-            <a:endParaRPr lang="en-US" altLang="ko-KR" sz="3200" dirty="0">
+            <a:endParaRPr lang="en-US" altLang="ko-KR" sz="2800" dirty="0">
               <a:latin typeface="나눔스퀘어 Bold" panose="020B0600000101010101" pitchFamily="50" charset="-127"/>
               <a:ea typeface="나눔스퀘어 Bold" panose="020B0600000101010101" pitchFamily="50" charset="-127"/>
             </a:endParaRPr>
@@ -10548,41 +10507,41 @@
               <a:buChar char="•"/>
             </a:pPr>
             <a:r>
-              <a:rPr lang="ko-KR" altLang="en-US" sz="3200" dirty="0">
+              <a:rPr lang="ko-KR" altLang="en-US" sz="2800" dirty="0">
                 <a:latin typeface="나눔스퀘어 Bold" panose="020B0600000101010101" pitchFamily="50" charset="-127"/>
                 <a:ea typeface="나눔스퀘어 Bold" panose="020B0600000101010101" pitchFamily="50" charset="-127"/>
               </a:rPr>
               <a:t>추가된 </a:t>
             </a:r>
             <a:r>
-              <a:rPr lang="en-US" altLang="ko-KR" sz="3200" dirty="0">
+              <a:rPr lang="en-US" altLang="ko-KR" sz="2800" dirty="0">
                 <a:latin typeface="나눔스퀘어 Bold" panose="020B0600000101010101" pitchFamily="50" charset="-127"/>
                 <a:ea typeface="나눔스퀘어 Bold" panose="020B0600000101010101" pitchFamily="50" charset="-127"/>
               </a:rPr>
               <a:t>Encoder</a:t>
             </a:r>
             <a:r>
-              <a:rPr lang="ko-KR" altLang="en-US" sz="3200" dirty="0">
+              <a:rPr lang="ko-KR" altLang="en-US" sz="2800" dirty="0">
                 <a:latin typeface="나눔스퀘어 Bold" panose="020B0600000101010101" pitchFamily="50" charset="-127"/>
                 <a:ea typeface="나눔스퀘어 Bold" panose="020B0600000101010101" pitchFamily="50" charset="-127"/>
               </a:rPr>
               <a:t>는 </a:t>
             </a:r>
             <a:r>
-              <a:rPr lang="en-US" altLang="ko-KR" sz="3200" dirty="0">
+              <a:rPr lang="en-US" altLang="ko-KR" sz="2800" dirty="0">
                 <a:latin typeface="나눔스퀘어 Bold" panose="020B0600000101010101" pitchFamily="50" charset="-127"/>
                 <a:ea typeface="나눔스퀘어 Bold" panose="020B0600000101010101" pitchFamily="50" charset="-127"/>
               </a:rPr>
               <a:t>Non-English </a:t>
             </a:r>
             <a:r>
-              <a:rPr lang="ko-KR" altLang="en-US" sz="3200" dirty="0">
+              <a:rPr lang="ko-KR" altLang="en-US" sz="2800" dirty="0">
                 <a:latin typeface="나눔스퀘어 Bold" panose="020B0600000101010101" pitchFamily="50" charset="-127"/>
                 <a:ea typeface="나눔스퀘어 Bold" panose="020B0600000101010101" pitchFamily="50" charset="-127"/>
               </a:rPr>
               <a:t>언어의 단어 집합을 가짐</a:t>
             </a:r>
-            <a:endParaRPr lang="en-US" altLang="ko-KR" sz="3200" dirty="0">
+            <a:endParaRPr lang="en-US" altLang="ko-KR" sz="2800" dirty="0">
               <a:latin typeface="나눔스퀘어 Bold" panose="020B0600000101010101" pitchFamily="50" charset="-127"/>
               <a:ea typeface="나눔스퀘어 Bold" panose="020B0600000101010101" pitchFamily="50" charset="-127"/>
             </a:endParaRPr>
@@ -10595,7 +10554,7 @@
               <a:buFont typeface="Arial" panose="020B0604020202020204" pitchFamily="34" charset="0"/>
               <a:buChar char="•"/>
             </a:pPr>
-            <a:endParaRPr lang="en-US" altLang="ko-KR" sz="3200" dirty="0">
+            <a:endParaRPr lang="en-US" altLang="ko-KR" sz="2800" dirty="0">
               <a:latin typeface="나눔스퀘어 Bold" panose="020B0600000101010101" pitchFamily="50" charset="-127"/>
               <a:ea typeface="나눔스퀘어 Bold" panose="020B0600000101010101" pitchFamily="50" charset="-127"/>
             </a:endParaRPr>
@@ -10609,56 +10568,56 @@
               <a:buChar char="•"/>
             </a:pPr>
             <a:r>
-              <a:rPr lang="ko-KR" altLang="en-US" sz="3200" dirty="0">
+              <a:rPr lang="ko-KR" altLang="en-US" sz="2800" dirty="0">
                 <a:latin typeface="나눔스퀘어 Bold" panose="020B0600000101010101" pitchFamily="50" charset="-127"/>
                 <a:ea typeface="나눔스퀘어 Bold" panose="020B0600000101010101" pitchFamily="50" charset="-127"/>
               </a:rPr>
               <a:t>학습 단계 </a:t>
             </a:r>
             <a:r>
-              <a:rPr lang="en-US" altLang="ko-KR" sz="3200" dirty="0">
+              <a:rPr lang="en-US" altLang="ko-KR" sz="2800" dirty="0">
                 <a:latin typeface="나눔스퀘어 Bold" panose="020B0600000101010101" pitchFamily="50" charset="-127"/>
                 <a:ea typeface="나눔스퀘어 Bold" panose="020B0600000101010101" pitchFamily="50" charset="-127"/>
               </a:rPr>
               <a:t>1. </a:t>
             </a:r>
             <a:r>
-              <a:rPr lang="ko-KR" altLang="en-US" sz="3200" dirty="0">
+              <a:rPr lang="ko-KR" altLang="en-US" sz="2800" dirty="0">
                 <a:latin typeface="나눔스퀘어 Bold" panose="020B0600000101010101" pitchFamily="50" charset="-127"/>
                 <a:ea typeface="나눔스퀘어 Bold" panose="020B0600000101010101" pitchFamily="50" charset="-127"/>
               </a:rPr>
               <a:t>새로운 인코더</a:t>
             </a:r>
             <a:r>
-              <a:rPr lang="en-US" altLang="ko-KR" sz="3200" dirty="0">
+              <a:rPr lang="en-US" altLang="ko-KR" sz="2800" dirty="0">
                 <a:latin typeface="나눔스퀘어 Bold" panose="020B0600000101010101" pitchFamily="50" charset="-127"/>
                 <a:ea typeface="나눔스퀘어 Bold" panose="020B0600000101010101" pitchFamily="50" charset="-127"/>
               </a:rPr>
               <a:t>, Positional embeddings, BART</a:t>
             </a:r>
             <a:r>
-              <a:rPr lang="ko-KR" altLang="en-US" sz="3200" dirty="0">
+              <a:rPr lang="ko-KR" altLang="en-US" sz="2800" dirty="0">
                 <a:latin typeface="나눔스퀘어 Bold" panose="020B0600000101010101" pitchFamily="50" charset="-127"/>
                 <a:ea typeface="나눔스퀘어 Bold" panose="020B0600000101010101" pitchFamily="50" charset="-127"/>
               </a:rPr>
               <a:t>인코더의 첫 레이어의 </a:t>
             </a:r>
             <a:r>
-              <a:rPr lang="en-US" altLang="ko-KR" sz="3200" dirty="0">
+              <a:rPr lang="en-US" altLang="ko-KR" sz="2800" dirty="0">
                 <a:latin typeface="나눔스퀘어 Bold" panose="020B0600000101010101" pitchFamily="50" charset="-127"/>
                 <a:ea typeface="나눔스퀘어 Bold" panose="020B0600000101010101" pitchFamily="50" charset="-127"/>
               </a:rPr>
               <a:t>W_Q, W_V, W_K </a:t>
             </a:r>
             <a:r>
-              <a:rPr lang="ko-KR" altLang="en-US" sz="3200" dirty="0">
+              <a:rPr lang="ko-KR" altLang="en-US" sz="2800" dirty="0">
                 <a:latin typeface="나눔스퀘어 Bold" panose="020B0600000101010101" pitchFamily="50" charset="-127"/>
                 <a:ea typeface="나눔스퀘어 Bold" panose="020B0600000101010101" pitchFamily="50" charset="-127"/>
               </a:rPr>
               <a:t>만 학습시키고 나머지 파라미터는 모두 </a:t>
             </a:r>
             <a:r>
-              <a:rPr lang="en-US" altLang="ko-KR" sz="3200" dirty="0">
+              <a:rPr lang="en-US" altLang="ko-KR" sz="2800" dirty="0">
                 <a:latin typeface="나눔스퀘어 Bold" panose="020B0600000101010101" pitchFamily="50" charset="-127"/>
                 <a:ea typeface="나눔스퀘어 Bold" panose="020B0600000101010101" pitchFamily="50" charset="-127"/>
               </a:rPr>
@@ -10673,7 +10632,7 @@
               <a:buFont typeface="Arial" panose="020B0604020202020204" pitchFamily="34" charset="0"/>
               <a:buChar char="•"/>
             </a:pPr>
-            <a:endParaRPr lang="en-US" altLang="ko-KR" sz="3200" dirty="0">
+            <a:endParaRPr lang="en-US" altLang="ko-KR" sz="2800" dirty="0">
               <a:latin typeface="나눔스퀘어 Bold" panose="020B0600000101010101" pitchFamily="50" charset="-127"/>
               <a:ea typeface="나눔스퀘어 Bold" panose="020B0600000101010101" pitchFamily="50" charset="-127"/>
             </a:endParaRPr>
@@ -10687,27 +10646,27 @@
               <a:buChar char="•"/>
             </a:pPr>
             <a:r>
-              <a:rPr lang="ko-KR" altLang="en-US" sz="3200" dirty="0">
+              <a:rPr lang="ko-KR" altLang="en-US" sz="2800" dirty="0">
                 <a:latin typeface="나눔스퀘어 Bold" panose="020B0600000101010101" pitchFamily="50" charset="-127"/>
                 <a:ea typeface="나눔스퀘어 Bold" panose="020B0600000101010101" pitchFamily="50" charset="-127"/>
               </a:rPr>
               <a:t>학습 단계 </a:t>
             </a:r>
             <a:r>
-              <a:rPr lang="en-US" altLang="ko-KR" sz="3200" dirty="0">
+              <a:rPr lang="en-US" altLang="ko-KR" sz="2800" dirty="0">
                 <a:latin typeface="나눔스퀘어 Bold" panose="020B0600000101010101" pitchFamily="50" charset="-127"/>
                 <a:ea typeface="나눔스퀘어 Bold" panose="020B0600000101010101" pitchFamily="50" charset="-127"/>
               </a:rPr>
               <a:t>2. </a:t>
             </a:r>
             <a:r>
-              <a:rPr lang="ko-KR" altLang="en-US" sz="3200" dirty="0">
+              <a:rPr lang="ko-KR" altLang="en-US" sz="2800" dirty="0">
                 <a:latin typeface="나눔스퀘어 Bold" panose="020B0600000101010101" pitchFamily="50" charset="-127"/>
                 <a:ea typeface="나눔스퀘어 Bold" panose="020B0600000101010101" pitchFamily="50" charset="-127"/>
               </a:rPr>
               <a:t>적은 스텝으로 전체 파라미터 학습</a:t>
             </a:r>
-            <a:endParaRPr lang="en-US" altLang="ko-KR" sz="3200" dirty="0">
+            <a:endParaRPr lang="en-US" altLang="ko-KR" sz="2800" dirty="0">
               <a:latin typeface="나눔스퀘어 Bold" panose="020B0600000101010101" pitchFamily="50" charset="-127"/>
               <a:ea typeface="나눔스퀘어 Bold" panose="020B0600000101010101" pitchFamily="50" charset="-127"/>
             </a:endParaRPr>
@@ -10720,7 +10679,7 @@
               <a:buFont typeface="Arial" panose="020B0604020202020204" pitchFamily="34" charset="0"/>
               <a:buChar char="•"/>
             </a:pPr>
-            <a:endParaRPr lang="en-US" altLang="ko-KR" sz="3200" dirty="0">
+            <a:endParaRPr lang="en-US" altLang="ko-KR" sz="2800" dirty="0">
               <a:latin typeface="나눔스퀘어 Bold" panose="020B0600000101010101" pitchFamily="50" charset="-127"/>
               <a:ea typeface="나눔스퀘어 Bold" panose="020B0600000101010101" pitchFamily="50" charset="-127"/>
             </a:endParaRPr>
@@ -10733,7 +10692,7 @@
               <a:buFont typeface="Arial" panose="020B0604020202020204" pitchFamily="34" charset="0"/>
               <a:buChar char="•"/>
             </a:pPr>
-            <a:endParaRPr lang="en-US" altLang="ko-KR" sz="3200" dirty="0">
+            <a:endParaRPr lang="en-US" altLang="ko-KR" sz="2800" dirty="0">
               <a:latin typeface="나눔스퀘어 Bold" panose="020B0600000101010101" pitchFamily="50" charset="-127"/>
               <a:ea typeface="나눔스퀘어 Bold" panose="020B0600000101010101" pitchFamily="50" charset="-127"/>
             </a:endParaRPr>
@@ -11303,12 +11262,10 @@
             </a:endParaRPr>
           </a:p>
           <a:p>
-            <a:pPr marL="457200" indent="-457200">
+            <a:pPr>
               <a:buClr>
                 <a:srgbClr val="0F569B"/>
               </a:buClr>
-              <a:buFont typeface="Arial" panose="020B0604020202020204" pitchFamily="34" charset="0"/>
-              <a:buChar char="•"/>
             </a:pPr>
             <a:r>
               <a:rPr lang="en-US" altLang="ko-KR" sz="3200" dirty="0">
@@ -13281,6 +13238,47 @@
           </a:prstGeom>
         </p:spPr>
       </p:pic>
+      <p:sp>
+        <p:nvSpPr>
+          <p:cNvPr id="2" name="TextBox 1">
+            <a:extLst>
+              <a:ext uri="{FF2B5EF4-FFF2-40B4-BE49-F238E27FC236}">
+                <a16:creationId xmlns:a16="http://schemas.microsoft.com/office/drawing/2014/main" id="{2FAB0762-9754-EEEB-B31E-E19E87A5F3C2}"/>
+              </a:ext>
+            </a:extLst>
+          </p:cNvPr>
+          <p:cNvSpPr txBox="1"/>
+          <p:nvPr/>
+        </p:nvSpPr>
+        <p:spPr>
+          <a:xfrm>
+            <a:off x="1347242" y="7760506"/>
+            <a:ext cx="1065729" cy="369332"/>
+          </a:xfrm>
+          <a:prstGeom prst="rect">
+            <a:avLst/>
+          </a:prstGeom>
+          <a:noFill/>
+        </p:spPr>
+        <p:txBody>
+          <a:bodyPr wrap="square">
+            <a:spAutoFit/>
+          </a:bodyPr>
+          <a:lstStyle/>
+          <a:p>
+            <a:r>
+              <a:rPr lang="en-US" altLang="ko-KR" dirty="0">
+                <a:solidFill>
+                  <a:srgbClr val="C00000"/>
+                </a:solidFill>
+                <a:latin typeface="나눔스퀘어 Bold" panose="020B0600000101010101" pitchFamily="50" charset="-127"/>
+                <a:ea typeface="나눔스퀘어 Bold" panose="020B0600000101010101" pitchFamily="50" charset="-127"/>
+              </a:rPr>
+              <a:t>BEST</a:t>
+            </a:r>
+          </a:p>
+        </p:txBody>
+      </p:sp>
     </p:spTree>
     <p:extLst>
       <p:ext uri="{BB962C8B-B14F-4D97-AF65-F5344CB8AC3E}">
@@ -13541,6 +13539,9 @@
             </a:pPr>
             <a:r>
               <a:rPr lang="en-US" altLang="ko-KR" sz="2800" dirty="0">
+                <a:solidFill>
+                  <a:srgbClr val="3B7DDD"/>
+                </a:solidFill>
                 <a:latin typeface="나눔스퀘어 Bold" panose="020B0600000101010101" pitchFamily="50" charset="-127"/>
                 <a:ea typeface="나눔스퀘어 Bold" panose="020B0600000101010101" pitchFamily="50" charset="-127"/>
               </a:rPr>
@@ -13570,10 +13571,25 @@
             </a:pPr>
             <a:r>
               <a:rPr lang="en-US" altLang="ko-KR" sz="2800" dirty="0">
-                <a:latin typeface="나눔스퀘어 Bold" panose="020B0600000101010101" pitchFamily="50" charset="-127"/>
-                <a:ea typeface="나눔스퀘어 Bold" panose="020B0600000101010101" pitchFamily="50" charset="-127"/>
-              </a:rPr>
-              <a:t>Token masking is crucial</a:t>
+                <a:solidFill>
+                  <a:srgbClr val="3B7DDD"/>
+                </a:solidFill>
+                <a:latin typeface="나눔스퀘어 Bold" panose="020B0600000101010101" pitchFamily="50" charset="-127"/>
+                <a:ea typeface="나눔스퀘어 Bold" panose="020B0600000101010101" pitchFamily="50" charset="-127"/>
+              </a:rPr>
+              <a:t>Token masking is crucial </a:t>
+            </a:r>
+            <a:r>
+              <a:rPr lang="en-US" altLang="ko-KR" sz="2800" dirty="0">
+                <a:solidFill>
+                  <a:schemeClr val="bg1">
+                    <a:lumMod val="85000"/>
+                  </a:schemeClr>
+                </a:solidFill>
+                <a:latin typeface="나눔스퀘어 Bold" panose="020B0600000101010101" pitchFamily="50" charset="-127"/>
+                <a:ea typeface="나눔스퀘어 Bold" panose="020B0600000101010101" pitchFamily="50" charset="-127"/>
+              </a:rPr>
+              <a:t>(GPT Limitation)</a:t>
             </a:r>
           </a:p>
           <a:p>
@@ -13599,10 +13615,25 @@
             </a:pPr>
             <a:r>
               <a:rPr lang="en-US" altLang="ko-KR" sz="2800" dirty="0">
-                <a:latin typeface="나눔스퀘어 Bold" panose="020B0600000101010101" pitchFamily="50" charset="-127"/>
-                <a:ea typeface="나눔스퀘어 Bold" panose="020B0600000101010101" pitchFamily="50" charset="-127"/>
-              </a:rPr>
-              <a:t>Left-to-right pre-training improves generation</a:t>
+                <a:solidFill>
+                  <a:srgbClr val="3B7DDD"/>
+                </a:solidFill>
+                <a:latin typeface="나눔스퀘어 Bold" panose="020B0600000101010101" pitchFamily="50" charset="-127"/>
+                <a:ea typeface="나눔스퀘어 Bold" panose="020B0600000101010101" pitchFamily="50" charset="-127"/>
+              </a:rPr>
+              <a:t>Left-to-right pre-training improves generation </a:t>
+            </a:r>
+            <a:r>
+              <a:rPr lang="en-US" altLang="ko-KR" sz="2800" dirty="0">
+                <a:solidFill>
+                  <a:schemeClr val="bg1">
+                    <a:lumMod val="85000"/>
+                  </a:schemeClr>
+                </a:solidFill>
+                <a:latin typeface="나눔스퀘어 Bold" panose="020B0600000101010101" pitchFamily="50" charset="-127"/>
+                <a:ea typeface="나눔스퀘어 Bold" panose="020B0600000101010101" pitchFamily="50" charset="-127"/>
+              </a:rPr>
+              <a:t>(BERT Limitation)</a:t>
             </a:r>
           </a:p>
           <a:p>
@@ -13671,7 +13702,57 @@
                 <a:latin typeface="나눔스퀘어 Bold" panose="020B0600000101010101" pitchFamily="50" charset="-127"/>
                 <a:ea typeface="나눔스퀘어 Bold" panose="020B0600000101010101" pitchFamily="50" charset="-127"/>
               </a:rPr>
-              <a:t>The pre-training objective is not the only important factor</a:t>
+              <a:t>The pre-training objective is not the only important factor </a:t>
+            </a:r>
+            <a:r>
+              <a:rPr lang="en-US" altLang="ko-KR" dirty="0">
+                <a:solidFill>
+                  <a:srgbClr val="0F569B"/>
+                </a:solidFill>
+                <a:latin typeface="나눔스퀘어 Bold" panose="020B0600000101010101" pitchFamily="50" charset="-127"/>
+                <a:ea typeface="나눔스퀘어 Bold" panose="020B0600000101010101" pitchFamily="50" charset="-127"/>
+              </a:rPr>
+              <a:t>(</a:t>
+            </a:r>
+            <a:r>
+              <a:rPr lang="ko-KR" altLang="en-US" dirty="0">
+                <a:solidFill>
+                  <a:srgbClr val="0F569B"/>
+                </a:solidFill>
+                <a:latin typeface="나눔스퀘어 Bold" panose="020B0600000101010101" pitchFamily="50" charset="-127"/>
+                <a:ea typeface="나눔스퀘어 Bold" panose="020B0600000101010101" pitchFamily="50" charset="-127"/>
+              </a:rPr>
+              <a:t>모델 구조</a:t>
+            </a:r>
+            <a:r>
+              <a:rPr lang="en-US" altLang="ko-KR" dirty="0">
+                <a:solidFill>
+                  <a:srgbClr val="0F569B"/>
+                </a:solidFill>
+                <a:latin typeface="나눔스퀘어 Bold" panose="020B0600000101010101" pitchFamily="50" charset="-127"/>
+                <a:ea typeface="나눔스퀘어 Bold" panose="020B0600000101010101" pitchFamily="50" charset="-127"/>
+              </a:rPr>
+              <a:t>, </a:t>
+            </a:r>
+            <a:r>
+              <a:rPr lang="ko-KR" altLang="en-US" dirty="0">
+                <a:solidFill>
+                  <a:srgbClr val="0F569B"/>
+                </a:solidFill>
+                <a:latin typeface="나눔스퀘어 Bold" panose="020B0600000101010101" pitchFamily="50" charset="-127"/>
+                <a:ea typeface="나눔스퀘어 Bold" panose="020B0600000101010101" pitchFamily="50" charset="-127"/>
+              </a:rPr>
+              <a:t>훈련 방식 등도 중요</a:t>
+            </a:r>
+            <a:r>
+              <a:rPr lang="en-US" altLang="ko-KR" dirty="0">
+                <a:solidFill>
+                  <a:srgbClr val="0F569B"/>
+                </a:solidFill>
+                <a:latin typeface="나눔스퀘어 Bold" panose="020B0600000101010101" pitchFamily="50" charset="-127"/>
+                <a:ea typeface="나눔스퀘어 Bold" panose="020B0600000101010101" pitchFamily="50" charset="-127"/>
+              </a:rPr>
+              <a:t>)</a:t>
             </a:r>
           </a:p>
           <a:p>
@@ -14178,7 +14259,7 @@
                 <a:latin typeface="나눔스퀘어 Bold" panose="020B0600000101010101" pitchFamily="50" charset="-127"/>
                 <a:ea typeface="나눔스퀘어 Bold" panose="020B0600000101010101" pitchFamily="50" charset="-127"/>
               </a:rPr>
-              <a:t>와 같은 규모의 </a:t>
+              <a:t>와 같은 대규모의 </a:t>
             </a:r>
             <a:r>
               <a:rPr lang="en-US" altLang="ko-KR" sz="3200" dirty="0">
@@ -22459,7 +22540,7 @@
                 <a:latin typeface="나눔스퀘어 Bold" panose="020B0600000101010101" pitchFamily="50" charset="-127"/>
                 <a:ea typeface="나눔스퀘어 Bold" panose="020B0600000101010101" pitchFamily="50" charset="-127"/>
               </a:rPr>
-              <a:t>이어서 직접 비교 가능</a:t>
+              <a:t>이라 직접 비교 가능</a:t>
             </a:r>
             <a:r>
               <a:rPr lang="en-US" altLang="ko-KR" sz="2400" dirty="0">
@@ -22502,6 +22583,76 @@
               <a:t> / 40</a:t>
             </a:r>
             <a:endParaRPr lang="en-US" dirty="0"/>
+          </a:p>
+        </p:txBody>
+      </p:sp>
+      <p:sp>
+        <p:nvSpPr>
+          <p:cNvPr id="3" name="TextBox 2">
+            <a:extLst>
+              <a:ext uri="{FF2B5EF4-FFF2-40B4-BE49-F238E27FC236}">
+                <a16:creationId xmlns:a16="http://schemas.microsoft.com/office/drawing/2014/main" id="{870A99B3-4AF9-E07C-0A09-556B43620C5D}"/>
+              </a:ext>
+            </a:extLst>
+          </p:cNvPr>
+          <p:cNvSpPr txBox="1"/>
+          <p:nvPr/>
+        </p:nvSpPr>
+        <p:spPr>
+          <a:xfrm>
+            <a:off x="13460268" y="9088435"/>
+            <a:ext cx="3512344" cy="523220"/>
+          </a:xfrm>
+          <a:prstGeom prst="rect">
+            <a:avLst/>
+          </a:prstGeom>
+          <a:noFill/>
+        </p:spPr>
+        <p:txBody>
+          <a:bodyPr wrap="square">
+            <a:spAutoFit/>
+          </a:bodyPr>
+          <a:lstStyle/>
+          <a:p>
+            <a:r>
+              <a:rPr lang="en-US" altLang="ko-KR" sz="1400" dirty="0">
+                <a:solidFill>
+                  <a:srgbClr val="0F569B"/>
+                </a:solidFill>
+                <a:latin typeface="나눔스퀘어 Bold" panose="020B0600000101010101" pitchFamily="50" charset="-127"/>
+                <a:ea typeface="나눔스퀘어 Bold" panose="020B0600000101010101" pitchFamily="50" charset="-127"/>
+              </a:rPr>
+              <a:t>m/mm : matched/mismatched</a:t>
+            </a:r>
+            <a:endParaRPr lang="ko-KR" altLang="en-US" sz="1400" dirty="0">
+              <a:solidFill>
+                <a:srgbClr val="0F569B"/>
+              </a:solidFill>
+              <a:latin typeface="나눔스퀘어 Bold" panose="020B0600000101010101" pitchFamily="50" charset="-127"/>
+              <a:ea typeface="나눔스퀘어 Bold" panose="020B0600000101010101" pitchFamily="50" charset="-127"/>
+            </a:endParaRPr>
+          </a:p>
+          <a:p>
+            <a:r>
+              <a:rPr lang="en-US" altLang="ko-KR" sz="1400" dirty="0" err="1">
+                <a:solidFill>
+                  <a:srgbClr val="0F569B"/>
+                </a:solidFill>
+                <a:latin typeface="나눔스퀘어 Bold" panose="020B0600000101010101" pitchFamily="50" charset="-127"/>
+                <a:ea typeface="나눔스퀘어 Bold" panose="020B0600000101010101" pitchFamily="50" charset="-127"/>
+              </a:rPr>
+              <a:t>Mcc</a:t>
+            </a:r>
+            <a:r>
+              <a:rPr lang="en-US" altLang="ko-KR" sz="1400" dirty="0">
+                <a:solidFill>
+                  <a:srgbClr val="0F569B"/>
+                </a:solidFill>
+                <a:latin typeface="나눔스퀘어 Bold" panose="020B0600000101010101" pitchFamily="50" charset="-127"/>
+                <a:ea typeface="나눔스퀘어 Bold" panose="020B0600000101010101" pitchFamily="50" charset="-127"/>
+              </a:rPr>
+              <a:t> : Matthews Correlation Coefficient</a:t>
+            </a:r>
           </a:p>
         </p:txBody>
       </p:sp>
@@ -22773,7 +22924,7 @@
         <p:spPr>
           <a:xfrm>
             <a:off x="859165" y="6552471"/>
-            <a:ext cx="16569670" cy="1200329"/>
+            <a:ext cx="16569670" cy="2308324"/>
           </a:xfrm>
           <a:prstGeom prst="rect">
             <a:avLst/>
@@ -22914,6 +23065,146 @@
               <a:t>.</a:t>
             </a:r>
           </a:p>
+          <a:p>
+            <a:pPr marL="457200" indent="-457200">
+              <a:buClr>
+                <a:srgbClr val="0F569B"/>
+              </a:buClr>
+              <a:buFont typeface="Arial" panose="020B0604020202020204" pitchFamily="34" charset="0"/>
+              <a:buChar char="•"/>
+            </a:pPr>
+            <a:endParaRPr lang="en-US" altLang="ko-KR" sz="2400" dirty="0">
+              <a:latin typeface="나눔스퀘어 Bold" panose="020B0600000101010101" pitchFamily="50" charset="-127"/>
+              <a:ea typeface="나눔스퀘어 Bold" panose="020B0600000101010101" pitchFamily="50" charset="-127"/>
+            </a:endParaRPr>
+          </a:p>
+          <a:p>
+            <a:pPr marL="457200" indent="-457200">
+              <a:buClr>
+                <a:srgbClr val="0F569B"/>
+              </a:buClr>
+              <a:buFont typeface="Arial" panose="020B0604020202020204" pitchFamily="34" charset="0"/>
+              <a:buChar char="•"/>
+            </a:pPr>
+            <a:endParaRPr lang="en-US" altLang="ko-KR" sz="2400" dirty="0">
+              <a:latin typeface="나눔스퀘어 Bold" panose="020B0600000101010101" pitchFamily="50" charset="-127"/>
+              <a:ea typeface="나눔스퀘어 Bold" panose="020B0600000101010101" pitchFamily="50" charset="-127"/>
+            </a:endParaRPr>
+          </a:p>
+          <a:p>
+            <a:pPr>
+              <a:buClr>
+                <a:srgbClr val="0F569B"/>
+              </a:buClr>
+            </a:pPr>
+            <a:r>
+              <a:rPr lang="en-US" altLang="ko-KR" sz="2400" dirty="0">
+                <a:solidFill>
+                  <a:srgbClr val="89AAD3"/>
+                </a:solidFill>
+                <a:latin typeface="나눔스퀘어 Bold" panose="020B0600000101010101" pitchFamily="50" charset="-127"/>
+                <a:ea typeface="나눔스퀘어 Bold" panose="020B0600000101010101" pitchFamily="50" charset="-127"/>
+              </a:rPr>
+              <a:t>CNN/DM</a:t>
+            </a:r>
+            <a:r>
+              <a:rPr lang="ko-KR" altLang="en-US" sz="2400" dirty="0">
+                <a:solidFill>
+                  <a:srgbClr val="89AAD3"/>
+                </a:solidFill>
+                <a:latin typeface="나눔스퀘어 Bold" panose="020B0600000101010101" pitchFamily="50" charset="-127"/>
+                <a:ea typeface="나눔스퀘어 Bold" panose="020B0600000101010101" pitchFamily="50" charset="-127"/>
+              </a:rPr>
+              <a:t>은 논문에선 </a:t>
+            </a:r>
+            <a:r>
+              <a:rPr lang="en-US" altLang="ko-KR" sz="2400" dirty="0">
+                <a:solidFill>
+                  <a:srgbClr val="89AAD3"/>
+                </a:solidFill>
+                <a:latin typeface="나눔스퀘어 Bold" panose="020B0600000101010101" pitchFamily="50" charset="-127"/>
+                <a:ea typeface="나눔스퀘어 Bold" panose="020B0600000101010101" pitchFamily="50" charset="-127"/>
+              </a:rPr>
+              <a:t>Extractive</a:t>
+            </a:r>
+            <a:r>
+              <a:rPr lang="ko-KR" altLang="en-US" sz="2400" dirty="0">
+                <a:solidFill>
+                  <a:srgbClr val="89AAD3"/>
+                </a:solidFill>
+                <a:latin typeface="나눔스퀘어 Bold" panose="020B0600000101010101" pitchFamily="50" charset="-127"/>
+                <a:ea typeface="나눔스퀘어 Bold" panose="020B0600000101010101" pitchFamily="50" charset="-127"/>
+              </a:rPr>
+              <a:t>라고 하지만 현재는 </a:t>
+            </a:r>
+            <a:r>
+              <a:rPr lang="en-US" altLang="ko-KR" sz="2400" dirty="0">
+                <a:solidFill>
+                  <a:srgbClr val="89AAD3"/>
+                </a:solidFill>
+                <a:latin typeface="나눔스퀘어 Bold" panose="020B0600000101010101" pitchFamily="50" charset="-127"/>
+                <a:ea typeface="나눔스퀘어 Bold" panose="020B0600000101010101" pitchFamily="50" charset="-127"/>
+              </a:rPr>
+              <a:t>Extractive</a:t>
+            </a:r>
+            <a:r>
+              <a:rPr lang="ko-KR" altLang="en-US" sz="2400" dirty="0">
+                <a:solidFill>
+                  <a:srgbClr val="89AAD3"/>
+                </a:solidFill>
+                <a:latin typeface="나눔스퀘어 Bold" panose="020B0600000101010101" pitchFamily="50" charset="-127"/>
+                <a:ea typeface="나눔스퀘어 Bold" panose="020B0600000101010101" pitchFamily="50" charset="-127"/>
+              </a:rPr>
+              <a:t> </a:t>
+            </a:r>
+            <a:r>
+              <a:rPr lang="en-US" altLang="ko-KR" sz="2400" dirty="0">
+                <a:solidFill>
+                  <a:srgbClr val="89AAD3"/>
+                </a:solidFill>
+                <a:latin typeface="나눔스퀘어 Bold" panose="020B0600000101010101" pitchFamily="50" charset="-127"/>
+                <a:ea typeface="나눔스퀘어 Bold" panose="020B0600000101010101" pitchFamily="50" charset="-127"/>
+              </a:rPr>
+              <a:t>+</a:t>
+            </a:r>
+            <a:r>
+              <a:rPr lang="ko-KR" altLang="en-US" sz="2400" dirty="0">
+                <a:solidFill>
+                  <a:srgbClr val="89AAD3"/>
+                </a:solidFill>
+                <a:latin typeface="나눔스퀘어 Bold" panose="020B0600000101010101" pitchFamily="50" charset="-127"/>
+                <a:ea typeface="나눔스퀘어 Bold" panose="020B0600000101010101" pitchFamily="50" charset="-127"/>
+              </a:rPr>
+              <a:t> </a:t>
+            </a:r>
+            <a:r>
+              <a:rPr lang="en-US" altLang="ko-KR" sz="2400" dirty="0">
+                <a:solidFill>
+                  <a:srgbClr val="89AAD3"/>
+                </a:solidFill>
+                <a:latin typeface="나눔스퀘어 Bold" panose="020B0600000101010101" pitchFamily="50" charset="-127"/>
+                <a:ea typeface="나눔스퀘어 Bold" panose="020B0600000101010101" pitchFamily="50" charset="-127"/>
+              </a:rPr>
+              <a:t>Abstractive</a:t>
+            </a:r>
+            <a:r>
+              <a:rPr lang="ko-KR" altLang="en-US" sz="2400" dirty="0">
+                <a:solidFill>
+                  <a:srgbClr val="89AAD3"/>
+                </a:solidFill>
+                <a:latin typeface="나눔스퀘어 Bold" panose="020B0600000101010101" pitchFamily="50" charset="-127"/>
+                <a:ea typeface="나눔스퀘어 Bold" panose="020B0600000101010101" pitchFamily="50" charset="-127"/>
+              </a:rPr>
+              <a:t>로 분류되고 있음</a:t>
+            </a:r>
+            <a:endParaRPr lang="en-US" altLang="ko-KR" sz="2400" dirty="0">
+              <a:solidFill>
+                <a:srgbClr val="89AAD3"/>
+              </a:solidFill>
+              <a:latin typeface="나눔스퀘어 Bold" panose="020B0600000101010101" pitchFamily="50" charset="-127"/>
+              <a:ea typeface="나눔스퀘어 Bold" panose="020B0600000101010101" pitchFamily="50" charset="-127"/>
+            </a:endParaRPr>
+          </a:p>
         </p:txBody>
       </p:sp>
       <p:sp>
@@ -22947,6 +23238,157 @@
               <a:t> / 40</a:t>
             </a:r>
             <a:endParaRPr lang="en-US" dirty="0"/>
+          </a:p>
+        </p:txBody>
+      </p:sp>
+      <p:sp>
+        <p:nvSpPr>
+          <p:cNvPr id="2" name="TextBox 1">
+            <a:extLst>
+              <a:ext uri="{FF2B5EF4-FFF2-40B4-BE49-F238E27FC236}">
+                <a16:creationId xmlns:a16="http://schemas.microsoft.com/office/drawing/2014/main" id="{12129F20-35A3-AD06-9CF5-8D04843C87C3}"/>
+              </a:ext>
+            </a:extLst>
+          </p:cNvPr>
+          <p:cNvSpPr txBox="1"/>
+          <p:nvPr/>
+        </p:nvSpPr>
+        <p:spPr>
+          <a:xfrm>
+            <a:off x="13460268" y="8875536"/>
+            <a:ext cx="3512344" cy="738664"/>
+          </a:xfrm>
+          <a:prstGeom prst="rect">
+            <a:avLst/>
+          </a:prstGeom>
+          <a:noFill/>
+        </p:spPr>
+        <p:txBody>
+          <a:bodyPr wrap="square">
+            <a:spAutoFit/>
+          </a:bodyPr>
+          <a:lstStyle/>
+          <a:p>
+            <a:r>
+              <a:rPr lang="en-US" altLang="ko-KR" sz="1400" dirty="0">
+                <a:solidFill>
+                  <a:srgbClr val="0F569B"/>
+                </a:solidFill>
+                <a:latin typeface="나눔스퀘어 Bold" panose="020B0600000101010101" pitchFamily="50" charset="-127"/>
+                <a:ea typeface="나눔스퀘어 Bold" panose="020B0600000101010101" pitchFamily="50" charset="-127"/>
+              </a:rPr>
+              <a:t>Lead-3 : </a:t>
+            </a:r>
+            <a:r>
+              <a:rPr lang="ko-KR" altLang="en-US" sz="1400" dirty="0">
+                <a:solidFill>
+                  <a:srgbClr val="0F569B"/>
+                </a:solidFill>
+                <a:latin typeface="나눔스퀘어 Bold" panose="020B0600000101010101" pitchFamily="50" charset="-127"/>
+                <a:ea typeface="나눔스퀘어 Bold" panose="020B0600000101010101" pitchFamily="50" charset="-127"/>
+              </a:rPr>
+              <a:t>문서의 앞의 </a:t>
+            </a:r>
+            <a:r>
+              <a:rPr lang="en-US" altLang="ko-KR" sz="1400" dirty="0">
+                <a:solidFill>
+                  <a:srgbClr val="0F569B"/>
+                </a:solidFill>
+                <a:latin typeface="나눔스퀘어 Bold" panose="020B0600000101010101" pitchFamily="50" charset="-127"/>
+                <a:ea typeface="나눔스퀘어 Bold" panose="020B0600000101010101" pitchFamily="50" charset="-127"/>
+              </a:rPr>
+              <a:t>3</a:t>
+            </a:r>
+            <a:r>
+              <a:rPr lang="ko-KR" altLang="en-US" sz="1400" dirty="0">
+                <a:solidFill>
+                  <a:srgbClr val="0F569B"/>
+                </a:solidFill>
+                <a:latin typeface="나눔스퀘어 Bold" panose="020B0600000101010101" pitchFamily="50" charset="-127"/>
+                <a:ea typeface="나눔스퀘어 Bold" panose="020B0600000101010101" pitchFamily="50" charset="-127"/>
+              </a:rPr>
+              <a:t>문장</a:t>
+            </a:r>
+            <a:r>
+              <a:rPr lang="en-US" altLang="ko-KR" sz="1400" dirty="0">
+                <a:solidFill>
+                  <a:srgbClr val="0F569B"/>
+                </a:solidFill>
+                <a:latin typeface="나눔스퀘어 Bold" panose="020B0600000101010101" pitchFamily="50" charset="-127"/>
+                <a:ea typeface="나눔스퀘어 Bold" panose="020B0600000101010101" pitchFamily="50" charset="-127"/>
+              </a:rPr>
+              <a:t>. CNN/DM</a:t>
+            </a:r>
+            <a:r>
+              <a:rPr lang="ko-KR" altLang="en-US" sz="1400" dirty="0">
+                <a:solidFill>
+                  <a:srgbClr val="0F569B"/>
+                </a:solidFill>
+                <a:latin typeface="나눔스퀘어 Bold" panose="020B0600000101010101" pitchFamily="50" charset="-127"/>
+                <a:ea typeface="나눔스퀘어 Bold" panose="020B0600000101010101" pitchFamily="50" charset="-127"/>
+              </a:rPr>
+              <a:t>이나 </a:t>
+            </a:r>
+            <a:r>
+              <a:rPr lang="en-US" altLang="ko-KR" sz="1400" dirty="0" err="1">
+                <a:solidFill>
+                  <a:srgbClr val="0F569B"/>
+                </a:solidFill>
+                <a:latin typeface="나눔스퀘어 Bold" panose="020B0600000101010101" pitchFamily="50" charset="-127"/>
+                <a:ea typeface="나눔스퀘어 Bold" panose="020B0600000101010101" pitchFamily="50" charset="-127"/>
+              </a:rPr>
+              <a:t>Xsum</a:t>
+            </a:r>
+            <a:r>
+              <a:rPr lang="en-US" altLang="ko-KR" sz="1400" dirty="0">
+                <a:solidFill>
+                  <a:srgbClr val="0F569B"/>
+                </a:solidFill>
+                <a:latin typeface="나눔스퀘어 Bold" panose="020B0600000101010101" pitchFamily="50" charset="-127"/>
+                <a:ea typeface="나눔스퀘어 Bold" panose="020B0600000101010101" pitchFamily="50" charset="-127"/>
+              </a:rPr>
+              <a:t> </a:t>
+            </a:r>
+            <a:r>
+              <a:rPr lang="ko-KR" altLang="en-US" sz="1400" dirty="0">
+                <a:solidFill>
+                  <a:srgbClr val="0F569B"/>
+                </a:solidFill>
+                <a:latin typeface="나눔스퀘어 Bold" panose="020B0600000101010101" pitchFamily="50" charset="-127"/>
+                <a:ea typeface="나눔스퀘어 Bold" panose="020B0600000101010101" pitchFamily="50" charset="-127"/>
+              </a:rPr>
+              <a:t>데이터셋 같은 경우 맨 앞의 </a:t>
+            </a:r>
+            <a:r>
+              <a:rPr lang="en-US" altLang="ko-KR" sz="1400" dirty="0">
+                <a:solidFill>
+                  <a:srgbClr val="0F569B"/>
+                </a:solidFill>
+                <a:latin typeface="나눔스퀘어 Bold" panose="020B0600000101010101" pitchFamily="50" charset="-127"/>
+                <a:ea typeface="나눔스퀘어 Bold" panose="020B0600000101010101" pitchFamily="50" charset="-127"/>
+              </a:rPr>
+              <a:t>3</a:t>
+            </a:r>
+            <a:r>
+              <a:rPr lang="ko-KR" altLang="en-US" sz="1400" dirty="0">
+                <a:solidFill>
+                  <a:srgbClr val="0F569B"/>
+                </a:solidFill>
+                <a:latin typeface="나눔스퀘어 Bold" panose="020B0600000101010101" pitchFamily="50" charset="-127"/>
+                <a:ea typeface="나눔스퀘어 Bold" panose="020B0600000101010101" pitchFamily="50" charset="-127"/>
+              </a:rPr>
+              <a:t>문장이 요약본인 성향이 강함</a:t>
+            </a:r>
+            <a:r>
+              <a:rPr lang="en-US" altLang="ko-KR" sz="1400" dirty="0">
+                <a:solidFill>
+                  <a:srgbClr val="0F569B"/>
+                </a:solidFill>
+                <a:latin typeface="나눔스퀘어 Bold" panose="020B0600000101010101" pitchFamily="50" charset="-127"/>
+                <a:ea typeface="나눔스퀘어 Bold" panose="020B0600000101010101" pitchFamily="50" charset="-127"/>
+              </a:rPr>
+              <a:t>.</a:t>
+            </a:r>
           </a:p>
         </p:txBody>
       </p:sp>
@@ -24525,6 +24967,9 @@
             </a:pPr>
             <a:r>
               <a:rPr lang="en-US" altLang="ko-KR" sz="3200" dirty="0">
+                <a:solidFill>
+                  <a:srgbClr val="3B7DDD"/>
+                </a:solidFill>
                 <a:latin typeface="나눔스퀘어 Bold" panose="020B0600000101010101" pitchFamily="50" charset="-127"/>
                 <a:ea typeface="나눔스퀘어 Bold" panose="020B0600000101010101" pitchFamily="50" charset="-127"/>
               </a:rPr>
@@ -24532,6 +24977,9 @@
             </a:r>
             <a:r>
               <a:rPr lang="ko-KR" altLang="en-US" sz="3200" dirty="0">
+                <a:solidFill>
+                  <a:srgbClr val="3B7DDD"/>
+                </a:solidFill>
                 <a:latin typeface="나눔스퀘어 Bold" panose="020B0600000101010101" pitchFamily="50" charset="-127"/>
                 <a:ea typeface="나눔스퀘어 Bold" panose="020B0600000101010101" pitchFamily="50" charset="-127"/>
               </a:rPr>
@@ -24539,6 +24987,9 @@
             </a:r>
             <a:r>
               <a:rPr lang="en-US" altLang="ko-KR" sz="3200" dirty="0">
+                <a:solidFill>
+                  <a:srgbClr val="3B7DDD"/>
+                </a:solidFill>
                 <a:latin typeface="나눔스퀘어 Bold" panose="020B0600000101010101" pitchFamily="50" charset="-127"/>
                 <a:ea typeface="나눔스퀘어 Bold" panose="020B0600000101010101" pitchFamily="50" charset="-127"/>
               </a:rPr>
@@ -24546,10 +24997,20 @@
             </a:r>
             <a:r>
               <a:rPr lang="ko-KR" altLang="en-US" sz="3200" dirty="0">
-                <a:latin typeface="나눔스퀘어 Bold" panose="020B0600000101010101" pitchFamily="50" charset="-127"/>
-                <a:ea typeface="나눔스퀘어 Bold" panose="020B0600000101010101" pitchFamily="50" charset="-127"/>
-              </a:rPr>
-              <a:t>가 가능 </a:t>
+                <a:solidFill>
+                  <a:srgbClr val="3B7DDD"/>
+                </a:solidFill>
+                <a:latin typeface="나눔스퀘어 Bold" panose="020B0600000101010101" pitchFamily="50" charset="-127"/>
+                <a:ea typeface="나눔스퀘어 Bold" panose="020B0600000101010101" pitchFamily="50" charset="-127"/>
+              </a:rPr>
+              <a:t>가 가능</a:t>
+            </a:r>
+            <a:r>
+              <a:rPr lang="ko-KR" altLang="en-US" sz="3200" dirty="0">
+                <a:latin typeface="나눔스퀘어 Bold" panose="020B0600000101010101" pitchFamily="50" charset="-127"/>
+                <a:ea typeface="나눔스퀘어 Bold" panose="020B0600000101010101" pitchFamily="50" charset="-127"/>
+              </a:rPr>
+              <a:t> </a:t>
             </a:r>
             <a:r>
               <a:rPr lang="en-US" altLang="ko-KR" sz="3200" dirty="0">
@@ -25831,15 +26292,35 @@
             </a:r>
             <a:r>
               <a:rPr lang="en-US" altLang="ko-KR" sz="3600" dirty="0"/>
-              <a:t> on discriminative tasks, while achieving new state-of-</a:t>
-            </a:r>
-            <a:r>
-              <a:rPr lang="en-US" altLang="ko-KR" sz="3600" dirty="0" err="1"/>
+              <a:t> on discriminative tasks, </a:t>
+            </a:r>
+            <a:r>
+              <a:rPr lang="en-US" altLang="ko-KR" sz="3600" dirty="0">
+                <a:solidFill>
+                  <a:srgbClr val="0F569B"/>
+                </a:solidFill>
+              </a:rPr>
+              <a:t>while achieving new state-of-</a:t>
+            </a:r>
+            <a:r>
+              <a:rPr lang="en-US" altLang="ko-KR" sz="3600" dirty="0" err="1">
+                <a:solidFill>
+                  <a:srgbClr val="0F569B"/>
+                </a:solidFill>
+              </a:rPr>
               <a:t>theart</a:t>
             </a:r>
             <a:r>
+              <a:rPr lang="en-US" altLang="ko-KR" sz="3600" dirty="0">
+                <a:solidFill>
+                  <a:srgbClr val="0F569B"/>
+                </a:solidFill>
+              </a:rPr>
+              <a:t> results on a number of text generation tasks (Abstractive QA, Summarization)</a:t>
+            </a:r>
+            <a:r>
               <a:rPr lang="en-US" altLang="ko-KR" sz="3600" dirty="0"/>
-              <a:t> results on a number of text generation tasks. </a:t>
+              <a:t>. </a:t>
             </a:r>
           </a:p>
           <a:p>
@@ -27580,7 +28061,7 @@
         <p:spPr>
           <a:xfrm>
             <a:off x="8373291" y="2625657"/>
-            <a:ext cx="8599321" cy="7478970"/>
+            <a:ext cx="8599321" cy="7109639"/>
           </a:xfrm>
           <a:prstGeom prst="rect">
             <a:avLst/>
@@ -27800,28 +28281,10 @@
             </a:r>
           </a:p>
           <a:p>
-            <a:pPr marL="342900" indent="-342900">
+            <a:pPr>
               <a:buClr>
                 <a:srgbClr val="0F569B"/>
               </a:buClr>
-              <a:buFont typeface="Arial" panose="020B0604020202020204" pitchFamily="34" charset="0"/>
-              <a:buChar char="•"/>
-            </a:pPr>
-            <a:endParaRPr lang="en-US" altLang="ko-KR" sz="2400" dirty="0">
-              <a:solidFill>
-                <a:srgbClr val="3B7DDD"/>
-              </a:solidFill>
-              <a:latin typeface="나눔스퀘어 Bold" panose="020B0600000101010101" pitchFamily="50" charset="-127"/>
-              <a:ea typeface="나눔스퀘어 Bold" panose="020B0600000101010101" pitchFamily="50" charset="-127"/>
-            </a:endParaRPr>
-          </a:p>
-          <a:p>
-            <a:pPr marL="342900" indent="-342900">
-              <a:buClr>
-                <a:srgbClr val="0F569B"/>
-              </a:buClr>
-              <a:buFont typeface="Arial" panose="020B0604020202020204" pitchFamily="34" charset="0"/>
-              <a:buChar char="•"/>
             </a:pPr>
             <a:r>
               <a:rPr lang="en-US" altLang="ko-KR" sz="2400" dirty="0">
@@ -28347,7 +28810,7 @@
         <p:spPr>
           <a:xfrm>
             <a:off x="8373291" y="2625657"/>
-            <a:ext cx="8599321" cy="6001643"/>
+            <a:ext cx="8599321" cy="5632311"/>
           </a:xfrm>
           <a:prstGeom prst="rect">
             <a:avLst/>
@@ -28447,29 +28910,11 @@
             </a:r>
           </a:p>
           <a:p>
-            <a:pPr marL="342900" indent="-342900">
+            <a:pPr>
               <a:buClr>
                 <a:srgbClr val="0F569B"/>
               </a:buClr>
-              <a:buFont typeface="Arial" panose="020B0604020202020204" pitchFamily="34" charset="0"/>
-              <a:buChar char="•"/>
             </a:pPr>
-            <a:endParaRPr lang="en-US" altLang="ko-KR" sz="2400" dirty="0">
-              <a:solidFill>
-                <a:srgbClr val="3B7DDD"/>
-              </a:solidFill>
-              <a:latin typeface="나눔스퀘어 Bold" panose="020B0600000101010101" pitchFamily="50" charset="-127"/>
-              <a:ea typeface="나눔스퀘어 Bold" panose="020B0600000101010101" pitchFamily="50" charset="-127"/>
-            </a:endParaRPr>
-          </a:p>
-          <a:p>
-            <a:pPr marL="342900" indent="-342900">
-              <a:buClr>
-                <a:srgbClr val="0F569B"/>
-              </a:buClr>
-              <a:buFont typeface="Arial" panose="020B0604020202020204" pitchFamily="34" charset="0"/>
-              <a:buChar char="•"/>
-            </a:pPr>
             <a:r>
               <a:rPr lang="en-US" altLang="ko-KR" sz="2400" dirty="0">
                 <a:latin typeface="나눔스퀘어 Bold" panose="020B0600000101010101" pitchFamily="50" charset="-127"/>
@@ -28538,7 +28983,7 @@
                 <a:latin typeface="나눔스퀘어 Bold" panose="020B0600000101010101" pitchFamily="50" charset="-127"/>
                 <a:ea typeface="나눔스퀘어 Bold" panose="020B0600000101010101" pitchFamily="50" charset="-127"/>
               </a:rPr>
-              <a:t> 대신 한 시퀀스 안에서 </a:t>
+              <a:t> 그리고 한 시퀀스 안에서 </a:t>
             </a:r>
             <a:r>
               <a:rPr lang="en-US" altLang="ko-KR" sz="2400" dirty="0">
@@ -29110,7 +29555,7 @@
         <p:spPr>
           <a:xfrm>
             <a:off x="9372600" y="2936184"/>
-            <a:ext cx="8599321" cy="4893647"/>
+            <a:ext cx="8599321" cy="6001643"/>
           </a:xfrm>
           <a:prstGeom prst="rect">
             <a:avLst/>
@@ -29403,6 +29848,49 @@
                 <a:ea typeface="나눔스퀘어 Bold" panose="020B0600000101010101" pitchFamily="50" charset="-127"/>
               </a:rPr>
               <a:t>을 베이스로 발전</a:t>
+            </a:r>
+            <a:r>
+              <a:rPr lang="en-US" altLang="ko-KR" sz="2400" dirty="0">
+                <a:latin typeface="나눔스퀘어 Bold" panose="020B0600000101010101" pitchFamily="50" charset="-127"/>
+                <a:ea typeface="나눔스퀘어 Bold" panose="020B0600000101010101" pitchFamily="50" charset="-127"/>
+              </a:rPr>
+              <a:t>.</a:t>
+            </a:r>
+          </a:p>
+          <a:p>
+            <a:pPr marL="342900" indent="-342900">
+              <a:buClr>
+                <a:srgbClr val="0F569B"/>
+              </a:buClr>
+              <a:buFont typeface="Arial" panose="020B0604020202020204" pitchFamily="34" charset="0"/>
+              <a:buChar char="•"/>
+            </a:pPr>
+            <a:endParaRPr lang="en-US" altLang="ko-KR" sz="2400" dirty="0">
+              <a:latin typeface="나눔스퀘어 Bold" panose="020B0600000101010101" pitchFamily="50" charset="-127"/>
+              <a:ea typeface="나눔스퀘어 Bold" panose="020B0600000101010101" pitchFamily="50" charset="-127"/>
+            </a:endParaRPr>
+          </a:p>
+          <a:p>
+            <a:pPr marL="342900" indent="-342900">
+              <a:buClr>
+                <a:srgbClr val="0F569B"/>
+              </a:buClr>
+              <a:buFont typeface="Arial" panose="020B0604020202020204" pitchFamily="34" charset="0"/>
+              <a:buChar char="•"/>
+            </a:pPr>
+            <a:r>
+              <a:rPr lang="en-US" altLang="ko-KR" sz="2400" dirty="0">
+                <a:latin typeface="나눔스퀘어 Bold" panose="020B0600000101010101" pitchFamily="50" charset="-127"/>
+                <a:ea typeface="나눔스퀘어 Bold" panose="020B0600000101010101" pitchFamily="50" charset="-127"/>
+              </a:rPr>
+              <a:t>Relative Positional Embedding, segment-level recurrence </a:t>
+            </a:r>
+            <a:r>
+              <a:rPr lang="ko-KR" altLang="en-US" sz="2400" dirty="0">
+                <a:latin typeface="나눔스퀘어 Bold" panose="020B0600000101010101" pitchFamily="50" charset="-127"/>
+                <a:ea typeface="나눔스퀘어 Bold" panose="020B0600000101010101" pitchFamily="50" charset="-127"/>
+              </a:rPr>
+              <a:t>사용</a:t>
             </a:r>
             <a:r>
               <a:rPr lang="en-US" altLang="ko-KR" sz="2400" dirty="0">
@@ -29709,7 +30197,7 @@
         </p:nvSpPr>
         <p:spPr>
           <a:xfrm>
-            <a:off x="582766" y="2614116"/>
+            <a:off x="444144" y="3904881"/>
             <a:ext cx="8561234" cy="3785652"/>
           </a:xfrm>
           <a:prstGeom prst="rect">
@@ -29814,7 +30302,7 @@
         </p:nvSpPr>
         <p:spPr>
           <a:xfrm>
-            <a:off x="606578" y="5439080"/>
+            <a:off x="9525000" y="3514104"/>
             <a:ext cx="8561234" cy="4524315"/>
           </a:xfrm>
           <a:prstGeom prst="rect">
@@ -29901,10 +30389,10 @@
       </p:sp>
       <p:sp>
         <p:nvSpPr>
-          <p:cNvPr id="5" name="TextBox 4">
-            <a:extLst>
-              <a:ext uri="{FF2B5EF4-FFF2-40B4-BE49-F238E27FC236}">
-                <a16:creationId xmlns:a16="http://schemas.microsoft.com/office/drawing/2014/main" id="{E1E0213D-7598-238E-542B-4B5D5E4BB7EE}"/>
+          <p:cNvPr id="8" name="TextBox 7">
+            <a:extLst>
+              <a:ext uri="{FF2B5EF4-FFF2-40B4-BE49-F238E27FC236}">
+                <a16:creationId xmlns:a16="http://schemas.microsoft.com/office/drawing/2014/main" id="{EAFEC5D0-CFF9-763E-17D5-2F117EB1DE3C}"/>
               </a:ext>
             </a:extLst>
           </p:cNvPr>
@@ -29913,115 +30401,7 @@
         </p:nvSpPr>
         <p:spPr>
           <a:xfrm>
-            <a:off x="9721154" y="2542927"/>
-            <a:ext cx="8561234" cy="3785652"/>
-          </a:xfrm>
-          <a:prstGeom prst="rect">
-            <a:avLst/>
-          </a:prstGeom>
-          <a:noFill/>
-        </p:spPr>
-        <p:txBody>
-          <a:bodyPr wrap="square">
-            <a:spAutoFit/>
-          </a:bodyPr>
-          <a:lstStyle/>
-          <a:p>
-            <a:r>
-              <a:rPr lang="en-US" altLang="ko-KR" sz="2400" dirty="0">
-                <a:latin typeface="나눔스퀘어 Bold" panose="020B0600000101010101" pitchFamily="50" charset="-127"/>
-                <a:ea typeface="나눔스퀘어 Bold" panose="020B0600000101010101" pitchFamily="50" charset="-127"/>
-              </a:rPr>
-              <a:t>ConvAI2 (Conversation with AI)</a:t>
-            </a:r>
-          </a:p>
-          <a:p>
-            <a:endParaRPr lang="en-US" altLang="ko-KR" sz="2400" dirty="0">
-              <a:latin typeface="나눔스퀘어 Bold" panose="020B0600000101010101" pitchFamily="50" charset="-127"/>
-              <a:ea typeface="나눔스퀘어 Bold" panose="020B0600000101010101" pitchFamily="50" charset="-127"/>
-            </a:endParaRPr>
-          </a:p>
-          <a:p>
-            <a:r>
-              <a:rPr lang="en-US" altLang="ko-KR" sz="2400" dirty="0">
-                <a:latin typeface="나눔스퀘어 Bold" panose="020B0600000101010101" pitchFamily="50" charset="-127"/>
-                <a:ea typeface="나눔스퀘어 Bold" panose="020B0600000101010101" pitchFamily="50" charset="-127"/>
-              </a:rPr>
-              <a:t>Input : </a:t>
-            </a:r>
-            <a:r>
-              <a:rPr lang="en-US" altLang="ko-KR" sz="2400" i="1" dirty="0"/>
-              <a:t>User: Hi, how are you doing today? </a:t>
-            </a:r>
-          </a:p>
-          <a:p>
-            <a:r>
-              <a:rPr lang="en-US" altLang="ko-KR" sz="2400" i="1" dirty="0"/>
-              <a:t>Bot: I'm doing well, thanks! What about you? </a:t>
-            </a:r>
-          </a:p>
-          <a:p>
-            <a:r>
-              <a:rPr lang="en-US" altLang="ko-KR" sz="2400" i="1" dirty="0"/>
-              <a:t>User: I'm a bit bored and looking for something fun to talk about.</a:t>
-            </a:r>
-            <a:endParaRPr lang="en-US" altLang="ko-KR" sz="2400" i="1" dirty="0">
-              <a:latin typeface="나눔스퀘어 Bold" panose="020B0600000101010101" pitchFamily="50" charset="-127"/>
-              <a:ea typeface="나눔스퀘어 Bold" panose="020B0600000101010101" pitchFamily="50" charset="-127"/>
-            </a:endParaRPr>
-          </a:p>
-          <a:p>
-            <a:r>
-              <a:rPr lang="en-US" altLang="ko-KR" sz="2400" dirty="0">
-                <a:latin typeface="나눔스퀘어 Bold" panose="020B0600000101010101" pitchFamily="50" charset="-127"/>
-                <a:ea typeface="나눔스퀘어 Bold" panose="020B0600000101010101" pitchFamily="50" charset="-127"/>
-              </a:rPr>
-              <a:t>Output : </a:t>
-            </a:r>
-            <a:r>
-              <a:rPr lang="en-US" altLang="ko-KR" sz="2400" i="1" dirty="0"/>
-              <a:t>Maybe we can chat about your hobbies. What do you usually enjoy doing in your free time?</a:t>
-            </a:r>
-            <a:endParaRPr lang="en-US" altLang="ko-KR" sz="2400" i="1" dirty="0">
-              <a:latin typeface="나눔스퀘어 Bold" panose="020B0600000101010101" pitchFamily="50" charset="-127"/>
-              <a:ea typeface="나눔스퀘어 Bold" panose="020B0600000101010101" pitchFamily="50" charset="-127"/>
-            </a:endParaRPr>
-          </a:p>
-          <a:p>
-            <a:endParaRPr lang="en-US" altLang="ko-KR" sz="2400" dirty="0">
-              <a:latin typeface="나눔스퀘어 Bold" panose="020B0600000101010101" pitchFamily="50" charset="-127"/>
-              <a:ea typeface="나눔스퀘어 Bold" panose="020B0600000101010101" pitchFamily="50" charset="-127"/>
-            </a:endParaRPr>
-          </a:p>
-          <a:p>
-            <a:endParaRPr lang="en-US" altLang="ko-KR" sz="2400" dirty="0">
-              <a:latin typeface="나눔스퀘어 Bold" panose="020B0600000101010101" pitchFamily="50" charset="-127"/>
-              <a:ea typeface="나눔스퀘어 Bold" panose="020B0600000101010101" pitchFamily="50" charset="-127"/>
-            </a:endParaRPr>
-          </a:p>
-          <a:p>
-            <a:endParaRPr lang="en-US" altLang="ko-KR" sz="2400" dirty="0">
-              <a:latin typeface="나눔스퀘어 Bold" panose="020B0600000101010101" pitchFamily="50" charset="-127"/>
-              <a:ea typeface="나눔스퀘어 Bold" panose="020B0600000101010101" pitchFamily="50" charset="-127"/>
-            </a:endParaRPr>
-          </a:p>
-        </p:txBody>
-      </p:sp>
-      <p:sp>
-        <p:nvSpPr>
-          <p:cNvPr id="8" name="TextBox 7">
-            <a:extLst>
-              <a:ext uri="{FF2B5EF4-FFF2-40B4-BE49-F238E27FC236}">
-                <a16:creationId xmlns:a16="http://schemas.microsoft.com/office/drawing/2014/main" id="{EAFEC5D0-CFF9-763E-17D5-2F117EB1DE3C}"/>
-              </a:ext>
-            </a:extLst>
-          </p:cNvPr>
-          <p:cNvSpPr txBox="1"/>
-          <p:nvPr/>
-        </p:nvSpPr>
-        <p:spPr>
-          <a:xfrm>
-            <a:off x="2057400" y="9313007"/>
+            <a:off x="9525000" y="9073490"/>
             <a:ext cx="9222580" cy="1200329"/>
           </a:xfrm>
           <a:prstGeom prst="rect">
@@ -30068,7 +30448,7 @@
         </p:nvSpPr>
         <p:spPr>
           <a:xfrm>
-            <a:off x="2057400" y="9603407"/>
+            <a:off x="9525000" y="9418134"/>
             <a:ext cx="9222580" cy="646331"/>
           </a:xfrm>
           <a:prstGeom prst="rect">
@@ -30092,148 +30472,6 @@
           </a:p>
           <a:p>
             <a:endParaRPr lang="ko-KR" altLang="en-US" dirty="0"/>
-          </a:p>
-        </p:txBody>
-      </p:sp>
-      <p:sp>
-        <p:nvSpPr>
-          <p:cNvPr id="12" name="TextBox 11">
-            <a:extLst>
-              <a:ext uri="{FF2B5EF4-FFF2-40B4-BE49-F238E27FC236}">
-                <a16:creationId xmlns:a16="http://schemas.microsoft.com/office/drawing/2014/main" id="{F48535DF-C839-6414-38EA-002BDBC408FF}"/>
-              </a:ext>
-            </a:extLst>
-          </p:cNvPr>
-          <p:cNvSpPr txBox="1"/>
-          <p:nvPr/>
-        </p:nvSpPr>
-        <p:spPr>
-          <a:xfrm>
-            <a:off x="8029586" y="9256820"/>
-            <a:ext cx="9222580" cy="923330"/>
-          </a:xfrm>
-          <a:prstGeom prst="rect">
-            <a:avLst/>
-          </a:prstGeom>
-          <a:noFill/>
-        </p:spPr>
-        <p:txBody>
-          <a:bodyPr wrap="square">
-            <a:spAutoFit/>
-          </a:bodyPr>
-          <a:lstStyle/>
-          <a:p>
-            <a:r>
-              <a:rPr lang="ko-KR" altLang="en-US" dirty="0">
-                <a:hlinkClick r:id="rId6"/>
-              </a:rPr>
-              <a:t>https://huggingface.co/datasets/convai-challenge/conv_ai_2</a:t>
-            </a:r>
-            <a:endParaRPr lang="en-US" altLang="ko-KR" dirty="0"/>
-          </a:p>
-          <a:p>
-            <a:r>
-              <a:rPr lang="en-US" altLang="ko-KR" dirty="0">
-                <a:hlinkClick r:id="rId7"/>
-              </a:rPr>
-              <a:t>https://huggingface.co/datasets/abisee/cnn_dailymail?row=6</a:t>
-            </a:r>
-            <a:endParaRPr lang="en-US" altLang="ko-KR" dirty="0"/>
-          </a:p>
-          <a:p>
-            <a:endParaRPr lang="ko-KR" altLang="en-US" dirty="0"/>
-          </a:p>
-        </p:txBody>
-      </p:sp>
-      <p:sp>
-        <p:nvSpPr>
-          <p:cNvPr id="13" name="TextBox 12">
-            <a:extLst>
-              <a:ext uri="{FF2B5EF4-FFF2-40B4-BE49-F238E27FC236}">
-                <a16:creationId xmlns:a16="http://schemas.microsoft.com/office/drawing/2014/main" id="{DC005699-7FF2-E98D-EF23-51006244F76F}"/>
-              </a:ext>
-            </a:extLst>
-          </p:cNvPr>
-          <p:cNvSpPr txBox="1"/>
-          <p:nvPr/>
-        </p:nvSpPr>
-        <p:spPr>
-          <a:xfrm>
-            <a:off x="9697342" y="5439080"/>
-            <a:ext cx="8561234" cy="4524315"/>
-          </a:xfrm>
-          <a:prstGeom prst="rect">
-            <a:avLst/>
-          </a:prstGeom>
-          <a:noFill/>
-        </p:spPr>
-        <p:txBody>
-          <a:bodyPr wrap="square">
-            <a:spAutoFit/>
-          </a:bodyPr>
-          <a:lstStyle/>
-          <a:p>
-            <a:r>
-              <a:rPr lang="en-US" altLang="ko-KR" sz="2400" dirty="0">
-                <a:latin typeface="나눔스퀘어 Bold" panose="020B0600000101010101" pitchFamily="50" charset="-127"/>
-                <a:ea typeface="나눔스퀘어 Bold" panose="020B0600000101010101" pitchFamily="50" charset="-127"/>
-              </a:rPr>
-              <a:t>CNN/DM (CNN/Daily Mail)</a:t>
-            </a:r>
-          </a:p>
-          <a:p>
-            <a:endParaRPr lang="en-US" altLang="ko-KR" sz="2400" dirty="0">
-              <a:latin typeface="나눔스퀘어 Bold" panose="020B0600000101010101" pitchFamily="50" charset="-127"/>
-              <a:ea typeface="나눔스퀘어 Bold" panose="020B0600000101010101" pitchFamily="50" charset="-127"/>
-            </a:endParaRPr>
-          </a:p>
-          <a:p>
-            <a:r>
-              <a:rPr lang="en-US" altLang="ko-KR" sz="2400" dirty="0">
-                <a:latin typeface="나눔스퀘어 Bold" panose="020B0600000101010101" pitchFamily="50" charset="-127"/>
-                <a:ea typeface="나눔스퀘어 Bold" panose="020B0600000101010101" pitchFamily="50" charset="-127"/>
-              </a:rPr>
-              <a:t>Input : </a:t>
-            </a:r>
-            <a:r>
-              <a:rPr lang="en-US" altLang="ko-KR" sz="2400" i="1" dirty="0"/>
-              <a:t>News Article: powerful earthquake struck the coastal region early this morning, causing widespread damage to infrastructure and leaving hundreds injured. Emergency services have been mobilized, and residents are advised to stay alert as aftershocks are expected.</a:t>
-            </a:r>
-          </a:p>
-          <a:p>
-            <a:r>
-              <a:rPr lang="en-US" altLang="ko-KR" sz="2400" dirty="0">
-                <a:latin typeface="나눔스퀘어 Bold" panose="020B0600000101010101" pitchFamily="50" charset="-127"/>
-                <a:ea typeface="나눔스퀘어 Bold" panose="020B0600000101010101" pitchFamily="50" charset="-127"/>
-              </a:rPr>
-              <a:t>Output : </a:t>
-            </a:r>
-            <a:r>
-              <a:rPr lang="en-US" altLang="ko-KR" sz="2400" i="1" dirty="0"/>
-              <a:t>Earthquake hits coastal region; emergency crews rescue hundreds amid aftershock warnings.</a:t>
-            </a:r>
-            <a:endParaRPr lang="en-US" altLang="ko-KR" sz="2400" i="1" dirty="0">
-              <a:latin typeface="나눔스퀘어 Bold" panose="020B0600000101010101" pitchFamily="50" charset="-127"/>
-              <a:ea typeface="나눔스퀘어 Bold" panose="020B0600000101010101" pitchFamily="50" charset="-127"/>
-            </a:endParaRPr>
-          </a:p>
-          <a:p>
-            <a:endParaRPr lang="en-US" altLang="ko-KR" sz="2400" dirty="0">
-              <a:latin typeface="나눔스퀘어 Bold" panose="020B0600000101010101" pitchFamily="50" charset="-127"/>
-              <a:ea typeface="나눔스퀘어 Bold" panose="020B0600000101010101" pitchFamily="50" charset="-127"/>
-            </a:endParaRPr>
-          </a:p>
-          <a:p>
-            <a:endParaRPr lang="en-US" altLang="ko-KR" sz="2400" dirty="0">
-              <a:latin typeface="나눔스퀘어 Bold" panose="020B0600000101010101" pitchFamily="50" charset="-127"/>
-              <a:ea typeface="나눔스퀘어 Bold" panose="020B0600000101010101" pitchFamily="50" charset="-127"/>
-            </a:endParaRPr>
-          </a:p>
-          <a:p>
-            <a:endParaRPr lang="en-US" altLang="ko-KR" sz="2400" dirty="0">
-              <a:latin typeface="나눔스퀘어 Bold" panose="020B0600000101010101" pitchFamily="50" charset="-127"/>
-              <a:ea typeface="나눔스퀘어 Bold" panose="020B0600000101010101" pitchFamily="50" charset="-127"/>
-            </a:endParaRPr>
           </a:p>
         </p:txBody>
       </p:sp>
@@ -30251,6 +30489,524 @@
 </file>
 
 <file path=ppt/slides/slide34.xml><?xml version="1.0" encoding="utf-8"?>
+<p:sld xmlns:a="http://schemas.openxmlformats.org/drawingml/2006/main" xmlns:r="http://schemas.openxmlformats.org/officeDocument/2006/relationships" xmlns:p="http://schemas.openxmlformats.org/presentationml/2006/main">
+  <p:cSld>
+    <p:spTree>
+      <p:nvGrpSpPr>
+        <p:cNvPr id="1" name="">
+          <a:extLst>
+            <a:ext uri="{FF2B5EF4-FFF2-40B4-BE49-F238E27FC236}">
+              <a16:creationId xmlns:a16="http://schemas.microsoft.com/office/drawing/2014/main" id="{5DB8FCE2-7F7F-FFFE-9AB7-158AD9B7C7EB}"/>
+            </a:ext>
+          </a:extLst>
+        </p:cNvPr>
+        <p:cNvGrpSpPr/>
+        <p:nvPr/>
+      </p:nvGrpSpPr>
+      <p:grpSpPr>
+        <a:xfrm>
+          <a:off x="0" y="0"/>
+          <a:ext cx="0" cy="0"/>
+          <a:chOff x="0" y="0"/>
+          <a:chExt cx="0" cy="0"/>
+        </a:xfrm>
+      </p:grpSpPr>
+      <p:grpSp>
+        <p:nvGrpSpPr>
+          <p:cNvPr id="1006" name="그룹 1006">
+            <a:extLst>
+              <a:ext uri="{FF2B5EF4-FFF2-40B4-BE49-F238E27FC236}">
+                <a16:creationId xmlns:a16="http://schemas.microsoft.com/office/drawing/2014/main" id="{BB732ED3-7516-7615-63AC-E05BAF4F0801}"/>
+              </a:ext>
+            </a:extLst>
+          </p:cNvPr>
+          <p:cNvGrpSpPr/>
+          <p:nvPr/>
+        </p:nvGrpSpPr>
+        <p:grpSpPr>
+          <a:xfrm>
+            <a:off x="867846" y="9325428"/>
+            <a:ext cx="16284590" cy="1025987"/>
+            <a:chOff x="867846" y="9325428"/>
+            <a:chExt cx="16284590" cy="1025987"/>
+          </a:xfrm>
+        </p:grpSpPr>
+        <p:pic>
+          <p:nvPicPr>
+            <p:cNvPr id="18" name="Object 17">
+              <a:extLst>
+                <a:ext uri="{FF2B5EF4-FFF2-40B4-BE49-F238E27FC236}">
+                  <a16:creationId xmlns:a16="http://schemas.microsoft.com/office/drawing/2014/main" id="{3D5545C1-0EFC-7BCB-679B-333E79FFAA4E}"/>
+                </a:ext>
+              </a:extLst>
+            </p:cNvPr>
+            <p:cNvPicPr>
+              <a:picLocks noChangeAspect="1"/>
+            </p:cNvPicPr>
+            <p:nvPr/>
+          </p:nvPicPr>
+          <p:blipFill>
+            <a:blip r:embed="rId3" cstate="print"/>
+            <a:stretch>
+              <a:fillRect/>
+            </a:stretch>
+          </p:blipFill>
+          <p:spPr>
+            <a:xfrm>
+              <a:off x="867846" y="9325428"/>
+              <a:ext cx="16284590" cy="1025987"/>
+            </a:xfrm>
+            <a:prstGeom prst="rect">
+              <a:avLst/>
+            </a:prstGeom>
+          </p:spPr>
+        </p:pic>
+      </p:grpSp>
+      <p:sp>
+        <p:nvSpPr>
+          <p:cNvPr id="41" name="직사각형 40">
+            <a:extLst>
+              <a:ext uri="{FF2B5EF4-FFF2-40B4-BE49-F238E27FC236}">
+                <a16:creationId xmlns:a16="http://schemas.microsoft.com/office/drawing/2014/main" id="{6DBE66BC-1C39-7A9A-64B6-FE06BF72BAEB}"/>
+              </a:ext>
+            </a:extLst>
+          </p:cNvPr>
+          <p:cNvSpPr/>
+          <p:nvPr/>
+        </p:nvSpPr>
+        <p:spPr>
+          <a:xfrm>
+            <a:off x="0" y="428072"/>
+            <a:ext cx="18288000" cy="860400"/>
+          </a:xfrm>
+          <a:prstGeom prst="rect">
+            <a:avLst/>
+          </a:prstGeom>
+          <a:solidFill>
+            <a:srgbClr val="0F569B"/>
+          </a:solidFill>
+          <a:ln>
+            <a:solidFill>
+              <a:srgbClr val="0F569B"/>
+            </a:solidFill>
+          </a:ln>
+        </p:spPr>
+        <p:style>
+          <a:lnRef idx="2">
+            <a:schemeClr val="accent1">
+              <a:shade val="15000"/>
+            </a:schemeClr>
+          </a:lnRef>
+          <a:fillRef idx="1">
+            <a:schemeClr val="accent1"/>
+          </a:fillRef>
+          <a:effectRef idx="0">
+            <a:schemeClr val="accent1"/>
+          </a:effectRef>
+          <a:fontRef idx="minor">
+            <a:schemeClr val="lt1"/>
+          </a:fontRef>
+        </p:style>
+        <p:txBody>
+          <a:bodyPr rtlCol="0" anchor="ctr"/>
+          <a:lstStyle/>
+          <a:p>
+            <a:pPr algn="ctr"/>
+            <a:endParaRPr lang="ko-KR" altLang="en-US"/>
+          </a:p>
+        </p:txBody>
+      </p:sp>
+      <p:sp>
+        <p:nvSpPr>
+          <p:cNvPr id="22" name="Object 22">
+            <a:extLst>
+              <a:ext uri="{FF2B5EF4-FFF2-40B4-BE49-F238E27FC236}">
+                <a16:creationId xmlns:a16="http://schemas.microsoft.com/office/drawing/2014/main" id="{16E4D9F4-A5F1-3ED0-ABA3-CBC07A44419A}"/>
+              </a:ext>
+            </a:extLst>
+          </p:cNvPr>
+          <p:cNvSpPr txBox="1"/>
+          <p:nvPr/>
+        </p:nvSpPr>
+        <p:spPr>
+          <a:xfrm>
+            <a:off x="582766" y="427385"/>
+            <a:ext cx="16389846" cy="861774"/>
+          </a:xfrm>
+          <a:prstGeom prst="rect">
+            <a:avLst/>
+          </a:prstGeom>
+          <a:noFill/>
+        </p:spPr>
+        <p:txBody>
+          <a:bodyPr wrap="square" rtlCol="0" anchor="t">
+            <a:spAutoFit/>
+          </a:bodyPr>
+          <a:lstStyle/>
+          <a:p>
+            <a:r>
+              <a:rPr lang="en-US" sz="5000" dirty="0">
+                <a:solidFill>
+                  <a:schemeClr val="bg1"/>
+                </a:solidFill>
+                <a:latin typeface="나눔스퀘어 ExtraBold" panose="020B0600000101010101" pitchFamily="50" charset="-127"/>
+                <a:ea typeface="나눔스퀘어 ExtraBold" panose="020B0600000101010101" pitchFamily="50" charset="-127"/>
+              </a:rPr>
+              <a:t>Appendix</a:t>
+            </a:r>
+          </a:p>
+        </p:txBody>
+      </p:sp>
+      <p:sp>
+        <p:nvSpPr>
+          <p:cNvPr id="5" name="슬라이드 번호 개체 틀 4">
+            <a:extLst>
+              <a:ext uri="{FF2B5EF4-FFF2-40B4-BE49-F238E27FC236}">
+                <a16:creationId xmlns:a16="http://schemas.microsoft.com/office/drawing/2014/main" id="{27332B5F-F902-1134-6912-F54222083F0B}"/>
+              </a:ext>
+            </a:extLst>
+          </p:cNvPr>
+          <p:cNvSpPr>
+            <a:spLocks noGrp="1"/>
+          </p:cNvSpPr>
+          <p:nvPr>
+            <p:ph type="sldNum" sz="quarter" idx="12"/>
+          </p:nvPr>
+        </p:nvSpPr>
+        <p:spPr/>
+        <p:txBody>
+          <a:bodyPr/>
+          <a:lstStyle/>
+          <a:p>
+            <a:fld id="{B1393E5F-521B-4CAD-9D3A-AE923D912DCE}" type="slidenum">
+              <a:rPr lang="en-US" smtClean="0"/>
+              <a:pPr/>
+              <a:t>34</a:t>
+            </a:fld>
+            <a:r>
+              <a:rPr lang="en-US"/>
+              <a:t> / 40</a:t>
+            </a:r>
+            <a:endParaRPr lang="en-US" dirty="0"/>
+          </a:p>
+        </p:txBody>
+      </p:sp>
+      <p:sp>
+        <p:nvSpPr>
+          <p:cNvPr id="3" name="TextBox 2">
+            <a:extLst>
+              <a:ext uri="{FF2B5EF4-FFF2-40B4-BE49-F238E27FC236}">
+                <a16:creationId xmlns:a16="http://schemas.microsoft.com/office/drawing/2014/main" id="{D1D61DC5-4E21-3BD4-EB5A-AA302936FAE9}"/>
+              </a:ext>
+            </a:extLst>
+          </p:cNvPr>
+          <p:cNvSpPr txBox="1"/>
+          <p:nvPr/>
+        </p:nvSpPr>
+        <p:spPr>
+          <a:xfrm>
+            <a:off x="563716" y="1562100"/>
+            <a:ext cx="9158288" cy="707886"/>
+          </a:xfrm>
+          <a:prstGeom prst="rect">
+            <a:avLst/>
+          </a:prstGeom>
+          <a:noFill/>
+        </p:spPr>
+        <p:txBody>
+          <a:bodyPr wrap="square">
+            <a:spAutoFit/>
+          </a:bodyPr>
+          <a:lstStyle/>
+          <a:p>
+            <a:r>
+              <a:rPr lang="en-US" altLang="ko-KR" sz="4000" dirty="0">
+                <a:latin typeface="나눔스퀘어 Bold" panose="020B0600000101010101" pitchFamily="50" charset="-127"/>
+                <a:ea typeface="나눔스퀘어 Bold" panose="020B0600000101010101" pitchFamily="50" charset="-127"/>
+              </a:rPr>
+              <a:t>Dataset</a:t>
+            </a:r>
+            <a:r>
+              <a:rPr lang="ko-KR" altLang="en-US" sz="4000" dirty="0">
+                <a:latin typeface="나눔스퀘어 Bold" panose="020B0600000101010101" pitchFamily="50" charset="-127"/>
+                <a:ea typeface="나눔스퀘어 Bold" panose="020B0600000101010101" pitchFamily="50" charset="-127"/>
+              </a:rPr>
+              <a:t> </a:t>
+            </a:r>
+            <a:r>
+              <a:rPr lang="en-US" altLang="ko-KR" sz="4000" dirty="0">
+                <a:latin typeface="나눔스퀘어 Bold" panose="020B0600000101010101" pitchFamily="50" charset="-127"/>
+                <a:ea typeface="나눔스퀘어 Bold" panose="020B0600000101010101" pitchFamily="50" charset="-127"/>
+              </a:rPr>
+              <a:t>Example</a:t>
+            </a:r>
+          </a:p>
+        </p:txBody>
+      </p:sp>
+      <p:sp>
+        <p:nvSpPr>
+          <p:cNvPr id="4" name="TextBox 3">
+            <a:extLst>
+              <a:ext uri="{FF2B5EF4-FFF2-40B4-BE49-F238E27FC236}">
+                <a16:creationId xmlns:a16="http://schemas.microsoft.com/office/drawing/2014/main" id="{0CAFE30D-919D-1072-8137-C99582D7FB1E}"/>
+              </a:ext>
+            </a:extLst>
+          </p:cNvPr>
+          <p:cNvSpPr txBox="1"/>
+          <p:nvPr/>
+        </p:nvSpPr>
+        <p:spPr>
+          <a:xfrm>
+            <a:off x="582766" y="3855323"/>
+            <a:ext cx="8561234" cy="3785652"/>
+          </a:xfrm>
+          <a:prstGeom prst="rect">
+            <a:avLst/>
+          </a:prstGeom>
+          <a:noFill/>
+        </p:spPr>
+        <p:txBody>
+          <a:bodyPr wrap="square">
+            <a:spAutoFit/>
+          </a:bodyPr>
+          <a:lstStyle/>
+          <a:p>
+            <a:r>
+              <a:rPr lang="en-US" altLang="ko-KR" sz="2400" dirty="0">
+                <a:latin typeface="나눔스퀘어 Bold" panose="020B0600000101010101" pitchFamily="50" charset="-127"/>
+                <a:ea typeface="나눔스퀘어 Bold" panose="020B0600000101010101" pitchFamily="50" charset="-127"/>
+              </a:rPr>
+              <a:t>ConvAI2 (Conversation with AI)</a:t>
+            </a:r>
+          </a:p>
+          <a:p>
+            <a:endParaRPr lang="en-US" altLang="ko-KR" sz="2400" dirty="0">
+              <a:latin typeface="나눔스퀘어 Bold" panose="020B0600000101010101" pitchFamily="50" charset="-127"/>
+              <a:ea typeface="나눔스퀘어 Bold" panose="020B0600000101010101" pitchFamily="50" charset="-127"/>
+            </a:endParaRPr>
+          </a:p>
+          <a:p>
+            <a:r>
+              <a:rPr lang="en-US" altLang="ko-KR" sz="2400" dirty="0">
+                <a:latin typeface="나눔스퀘어 Bold" panose="020B0600000101010101" pitchFamily="50" charset="-127"/>
+                <a:ea typeface="나눔스퀘어 Bold" panose="020B0600000101010101" pitchFamily="50" charset="-127"/>
+              </a:rPr>
+              <a:t>Input : </a:t>
+            </a:r>
+            <a:r>
+              <a:rPr lang="en-US" altLang="ko-KR" sz="2400" i="1" dirty="0"/>
+              <a:t>User: Hi, how are you doing today? </a:t>
+            </a:r>
+          </a:p>
+          <a:p>
+            <a:r>
+              <a:rPr lang="en-US" altLang="ko-KR" sz="2400" i="1" dirty="0"/>
+              <a:t>Bot: I'm doing well, thanks! What about you? </a:t>
+            </a:r>
+          </a:p>
+          <a:p>
+            <a:r>
+              <a:rPr lang="en-US" altLang="ko-KR" sz="2400" i="1" dirty="0"/>
+              <a:t>User: I'm a bit bored and looking for something fun to talk about.</a:t>
+            </a:r>
+            <a:endParaRPr lang="en-US" altLang="ko-KR" sz="2400" i="1" dirty="0">
+              <a:latin typeface="나눔스퀘어 Bold" panose="020B0600000101010101" pitchFamily="50" charset="-127"/>
+              <a:ea typeface="나눔스퀘어 Bold" panose="020B0600000101010101" pitchFamily="50" charset="-127"/>
+            </a:endParaRPr>
+          </a:p>
+          <a:p>
+            <a:r>
+              <a:rPr lang="en-US" altLang="ko-KR" sz="2400" dirty="0">
+                <a:latin typeface="나눔스퀘어 Bold" panose="020B0600000101010101" pitchFamily="50" charset="-127"/>
+                <a:ea typeface="나눔스퀘어 Bold" panose="020B0600000101010101" pitchFamily="50" charset="-127"/>
+              </a:rPr>
+              <a:t>Output : </a:t>
+            </a:r>
+            <a:r>
+              <a:rPr lang="en-US" altLang="ko-KR" sz="2400" i="1" dirty="0"/>
+              <a:t>Maybe we can chat about your hobbies. What do you usually enjoy doing in your free time?</a:t>
+            </a:r>
+            <a:endParaRPr lang="en-US" altLang="ko-KR" sz="2400" i="1" dirty="0">
+              <a:latin typeface="나눔스퀘어 Bold" panose="020B0600000101010101" pitchFamily="50" charset="-127"/>
+              <a:ea typeface="나눔스퀘어 Bold" panose="020B0600000101010101" pitchFamily="50" charset="-127"/>
+            </a:endParaRPr>
+          </a:p>
+          <a:p>
+            <a:endParaRPr lang="en-US" altLang="ko-KR" sz="2400" dirty="0">
+              <a:latin typeface="나눔스퀘어 Bold" panose="020B0600000101010101" pitchFamily="50" charset="-127"/>
+              <a:ea typeface="나눔스퀘어 Bold" panose="020B0600000101010101" pitchFamily="50" charset="-127"/>
+            </a:endParaRPr>
+          </a:p>
+          <a:p>
+            <a:endParaRPr lang="en-US" altLang="ko-KR" sz="2400" dirty="0">
+              <a:latin typeface="나눔스퀘어 Bold" panose="020B0600000101010101" pitchFamily="50" charset="-127"/>
+              <a:ea typeface="나눔스퀘어 Bold" panose="020B0600000101010101" pitchFamily="50" charset="-127"/>
+            </a:endParaRPr>
+          </a:p>
+          <a:p>
+            <a:endParaRPr lang="en-US" altLang="ko-KR" sz="2400" dirty="0">
+              <a:latin typeface="나눔스퀘어 Bold" panose="020B0600000101010101" pitchFamily="50" charset="-127"/>
+              <a:ea typeface="나눔스퀘어 Bold" panose="020B0600000101010101" pitchFamily="50" charset="-127"/>
+            </a:endParaRPr>
+          </a:p>
+        </p:txBody>
+      </p:sp>
+      <p:sp>
+        <p:nvSpPr>
+          <p:cNvPr id="6" name="TextBox 5">
+            <a:extLst>
+              <a:ext uri="{FF2B5EF4-FFF2-40B4-BE49-F238E27FC236}">
+                <a16:creationId xmlns:a16="http://schemas.microsoft.com/office/drawing/2014/main" id="{54351FFF-4399-6BD3-45C8-503CF6EB2C1D}"/>
+              </a:ext>
+            </a:extLst>
+          </p:cNvPr>
+          <p:cNvSpPr txBox="1"/>
+          <p:nvPr/>
+        </p:nvSpPr>
+        <p:spPr>
+          <a:xfrm>
+            <a:off x="1371600" y="8973667"/>
+            <a:ext cx="9222580" cy="923330"/>
+          </a:xfrm>
+          <a:prstGeom prst="rect">
+            <a:avLst/>
+          </a:prstGeom>
+          <a:noFill/>
+        </p:spPr>
+        <p:txBody>
+          <a:bodyPr wrap="square">
+            <a:spAutoFit/>
+          </a:bodyPr>
+          <a:lstStyle/>
+          <a:p>
+            <a:r>
+              <a:rPr lang="ko-KR" altLang="en-US" dirty="0">
+                <a:hlinkClick r:id="rId4"/>
+              </a:rPr>
+              <a:t>https://huggingface.co/datasets/convai-challenge/conv_ai_2</a:t>
+            </a:r>
+            <a:endParaRPr lang="en-US" altLang="ko-KR" dirty="0"/>
+          </a:p>
+          <a:p>
+            <a:r>
+              <a:rPr lang="en-US" altLang="ko-KR" dirty="0">
+                <a:hlinkClick r:id="rId5"/>
+              </a:rPr>
+              <a:t>https://huggingface.co/datasets/abisee/cnn_dailymail?row=6</a:t>
+            </a:r>
+            <a:endParaRPr lang="en-US" altLang="ko-KR" dirty="0"/>
+          </a:p>
+          <a:p>
+            <a:endParaRPr lang="ko-KR" altLang="en-US" dirty="0"/>
+          </a:p>
+        </p:txBody>
+      </p:sp>
+      <p:sp>
+        <p:nvSpPr>
+          <p:cNvPr id="7" name="TextBox 6">
+            <a:extLst>
+              <a:ext uri="{FF2B5EF4-FFF2-40B4-BE49-F238E27FC236}">
+                <a16:creationId xmlns:a16="http://schemas.microsoft.com/office/drawing/2014/main" id="{57B5F217-DA7E-58DB-DD36-F6B53A9AA964}"/>
+              </a:ext>
+            </a:extLst>
+          </p:cNvPr>
+          <p:cNvSpPr txBox="1"/>
+          <p:nvPr/>
+        </p:nvSpPr>
+        <p:spPr>
+          <a:xfrm>
+            <a:off x="9250537" y="3485991"/>
+            <a:ext cx="8561234" cy="4524315"/>
+          </a:xfrm>
+          <a:prstGeom prst="rect">
+            <a:avLst/>
+          </a:prstGeom>
+          <a:noFill/>
+        </p:spPr>
+        <p:txBody>
+          <a:bodyPr wrap="square">
+            <a:spAutoFit/>
+          </a:bodyPr>
+          <a:lstStyle/>
+          <a:p>
+            <a:r>
+              <a:rPr lang="en-US" altLang="ko-KR" sz="2400" dirty="0">
+                <a:latin typeface="나눔스퀘어 Bold" panose="020B0600000101010101" pitchFamily="50" charset="-127"/>
+                <a:ea typeface="나눔스퀘어 Bold" panose="020B0600000101010101" pitchFamily="50" charset="-127"/>
+              </a:rPr>
+              <a:t>CNN/DM (CNN/Daily Mail)</a:t>
+            </a:r>
+          </a:p>
+          <a:p>
+            <a:endParaRPr lang="en-US" altLang="ko-KR" sz="2400" dirty="0">
+              <a:latin typeface="나눔스퀘어 Bold" panose="020B0600000101010101" pitchFamily="50" charset="-127"/>
+              <a:ea typeface="나눔스퀘어 Bold" panose="020B0600000101010101" pitchFamily="50" charset="-127"/>
+            </a:endParaRPr>
+          </a:p>
+          <a:p>
+            <a:r>
+              <a:rPr lang="en-US" altLang="ko-KR" sz="2400" dirty="0">
+                <a:latin typeface="나눔스퀘어 Bold" panose="020B0600000101010101" pitchFamily="50" charset="-127"/>
+                <a:ea typeface="나눔스퀘어 Bold" panose="020B0600000101010101" pitchFamily="50" charset="-127"/>
+              </a:rPr>
+              <a:t>Input : </a:t>
+            </a:r>
+            <a:r>
+              <a:rPr lang="en-US" altLang="ko-KR" sz="2400" i="1" dirty="0"/>
+              <a:t>News Article: powerful earthquake struck the coastal region early this morning, causing widespread damage to infrastructure and leaving hundreds injured. Emergency services have been mobilized, and residents are advised to stay alert as aftershocks are expected.</a:t>
+            </a:r>
+          </a:p>
+          <a:p>
+            <a:r>
+              <a:rPr lang="en-US" altLang="ko-KR" sz="2400" dirty="0">
+                <a:latin typeface="나눔스퀘어 Bold" panose="020B0600000101010101" pitchFamily="50" charset="-127"/>
+                <a:ea typeface="나눔스퀘어 Bold" panose="020B0600000101010101" pitchFamily="50" charset="-127"/>
+              </a:rPr>
+              <a:t>Output : </a:t>
+            </a:r>
+            <a:r>
+              <a:rPr lang="en-US" altLang="ko-KR" sz="2400" i="1" dirty="0"/>
+              <a:t>Earthquake hits coastal region; emergency crews rescue hundreds amid aftershock warnings.</a:t>
+            </a:r>
+            <a:endParaRPr lang="en-US" altLang="ko-KR" sz="2400" i="1" dirty="0">
+              <a:latin typeface="나눔스퀘어 Bold" panose="020B0600000101010101" pitchFamily="50" charset="-127"/>
+              <a:ea typeface="나눔스퀘어 Bold" panose="020B0600000101010101" pitchFamily="50" charset="-127"/>
+            </a:endParaRPr>
+          </a:p>
+          <a:p>
+            <a:endParaRPr lang="en-US" altLang="ko-KR" sz="2400" dirty="0">
+              <a:latin typeface="나눔스퀘어 Bold" panose="020B0600000101010101" pitchFamily="50" charset="-127"/>
+              <a:ea typeface="나눔스퀘어 Bold" panose="020B0600000101010101" pitchFamily="50" charset="-127"/>
+            </a:endParaRPr>
+          </a:p>
+          <a:p>
+            <a:endParaRPr lang="en-US" altLang="ko-KR" sz="2400" dirty="0">
+              <a:latin typeface="나눔스퀘어 Bold" panose="020B0600000101010101" pitchFamily="50" charset="-127"/>
+              <a:ea typeface="나눔스퀘어 Bold" panose="020B0600000101010101" pitchFamily="50" charset="-127"/>
+            </a:endParaRPr>
+          </a:p>
+          <a:p>
+            <a:endParaRPr lang="en-US" altLang="ko-KR" sz="2400" dirty="0">
+              <a:latin typeface="나눔스퀘어 Bold" panose="020B0600000101010101" pitchFamily="50" charset="-127"/>
+              <a:ea typeface="나눔스퀘어 Bold" panose="020B0600000101010101" pitchFamily="50" charset="-127"/>
+            </a:endParaRPr>
+          </a:p>
+        </p:txBody>
+      </p:sp>
+    </p:spTree>
+    <p:extLst>
+      <p:ext uri="{BB962C8B-B14F-4D97-AF65-F5344CB8AC3E}">
+        <p14:creationId xmlns:p14="http://schemas.microsoft.com/office/powerpoint/2010/main" val="2471082013"/>
+      </p:ext>
+    </p:extLst>
+  </p:cSld>
+  <p:clrMapOvr>
+    <a:masterClrMapping/>
+  </p:clrMapOvr>
+</p:sld>
+</file>
+
+<file path=ppt/slides/slide35.xml><?xml version="1.0" encoding="utf-8"?>
 <p:sld xmlns:a="http://schemas.openxmlformats.org/drawingml/2006/main" xmlns:r="http://schemas.openxmlformats.org/officeDocument/2006/relationships" xmlns:p="http://schemas.openxmlformats.org/presentationml/2006/main">
   <p:cSld>
     <p:spTree>
@@ -30686,7 +31442,7 @@
             <a:fld id="{B1393E5F-521B-4CAD-9D3A-AE923D912DCE}" type="slidenum">
               <a:rPr lang="en-US" smtClean="0"/>
               <a:pPr/>
-              <a:t>34</a:t>
+              <a:t>35</a:t>
             </a:fld>
             <a:r>
               <a:rPr lang="en-US"/>
@@ -31218,7 +31974,7 @@
 </p:sld>
 </file>
 
-<file path=ppt/slides/slide35.xml><?xml version="1.0" encoding="utf-8"?>
+<file path=ppt/slides/slide36.xml><?xml version="1.0" encoding="utf-8"?>
 <p:sld xmlns:a="http://schemas.openxmlformats.org/drawingml/2006/main" xmlns:r="http://schemas.openxmlformats.org/officeDocument/2006/relationships" xmlns:p="http://schemas.openxmlformats.org/presentationml/2006/main">
   <p:cSld>
     <p:spTree>
@@ -32229,7 +32985,7 @@
             <a:fld id="{B1393E5F-521B-4CAD-9D3A-AE923D912DCE}" type="slidenum">
               <a:rPr lang="en-US" smtClean="0"/>
               <a:pPr/>
-              <a:t>35</a:t>
+              <a:t>36</a:t>
             </a:fld>
             <a:r>
               <a:rPr lang="en-US"/>
@@ -32252,7 +33008,7 @@
 </p:sld>
 </file>
 
-<file path=ppt/slides/slide36.xml><?xml version="1.0" encoding="utf-8"?>
+<file path=ppt/slides/slide37.xml><?xml version="1.0" encoding="utf-8"?>
 <p:sld xmlns:a="http://schemas.openxmlformats.org/drawingml/2006/main" xmlns:r="http://schemas.openxmlformats.org/officeDocument/2006/relationships" xmlns:p="http://schemas.openxmlformats.org/presentationml/2006/main">
   <p:cSld>
     <p:spTree>
@@ -33066,21 +33822,42 @@
                 <a:latin typeface="나눔스퀘어 Bold" panose="020B0600000101010101" pitchFamily="50" charset="-127"/>
                 <a:ea typeface="나눔스퀘어 Bold" panose="020B0600000101010101" pitchFamily="50" charset="-127"/>
               </a:rPr>
-              <a:t>이라고 </a:t>
-            </a:r>
-            <a:r>
-              <a:rPr lang="ko-KR" altLang="en-US" sz="2000" dirty="0" err="1">
-                <a:latin typeface="나눔스퀘어 Bold" panose="020B0600000101010101" pitchFamily="50" charset="-127"/>
-                <a:ea typeface="나눔스퀘어 Bold" panose="020B0600000101010101" pitchFamily="50" charset="-127"/>
-              </a:rPr>
-              <a:t>추측가능함</a:t>
+              <a:t>이라고 추측가능</a:t>
             </a:r>
             <a:r>
               <a:rPr lang="en-US" altLang="ko-KR" sz="2000" dirty="0">
                 <a:latin typeface="나눔스퀘어 Bold" panose="020B0600000101010101" pitchFamily="50" charset="-127"/>
                 <a:ea typeface="나눔스퀘어 Bold" panose="020B0600000101010101" pitchFamily="50" charset="-127"/>
               </a:rPr>
-              <a:t>.</a:t>
+              <a:t>. (transformers library</a:t>
+            </a:r>
+            <a:r>
+              <a:rPr lang="ko-KR" altLang="en-US" sz="2000" dirty="0">
+                <a:latin typeface="나눔스퀘어 Bold" panose="020B0600000101010101" pitchFamily="50" charset="-127"/>
+                <a:ea typeface="나눔스퀘어 Bold" panose="020B0600000101010101" pitchFamily="50" charset="-127"/>
+              </a:rPr>
+              <a:t>의 </a:t>
+            </a:r>
+            <a:r>
+              <a:rPr lang="en-US" altLang="ko-KR" sz="2000" dirty="0">
+                <a:latin typeface="나눔스퀘어 Bold" panose="020B0600000101010101" pitchFamily="50" charset="-127"/>
+                <a:ea typeface="나눔스퀘어 Bold" panose="020B0600000101010101" pitchFamily="50" charset="-127"/>
+              </a:rPr>
+              <a:t>BART</a:t>
+            </a:r>
+            <a:r>
+              <a:rPr lang="ko-KR" altLang="en-US" sz="2000" dirty="0">
+                <a:latin typeface="나눔스퀘어 Bold" panose="020B0600000101010101" pitchFamily="50" charset="-127"/>
+                <a:ea typeface="나눔스퀘어 Bold" panose="020B0600000101010101" pitchFamily="50" charset="-127"/>
+              </a:rPr>
+              <a:t>로 확인</a:t>
+            </a:r>
+            <a:r>
+              <a:rPr lang="en-US" altLang="ko-KR" sz="2000" dirty="0">
+                <a:latin typeface="나눔스퀘어 Bold" panose="020B0600000101010101" pitchFamily="50" charset="-127"/>
+                <a:ea typeface="나눔스퀘어 Bold" panose="020B0600000101010101" pitchFamily="50" charset="-127"/>
+              </a:rPr>
+              <a:t>)</a:t>
             </a:r>
           </a:p>
           <a:p>
@@ -33458,7 +34235,7 @@
             <a:fld id="{B1393E5F-521B-4CAD-9D3A-AE923D912DCE}" type="slidenum">
               <a:rPr lang="en-US" smtClean="0"/>
               <a:pPr/>
-              <a:t>36</a:t>
+              <a:t>37</a:t>
             </a:fld>
             <a:r>
               <a:rPr lang="en-US"/>
@@ -33481,7 +34258,7 @@
 </p:sld>
 </file>
 
-<file path=ppt/slides/slide37.xml><?xml version="1.0" encoding="utf-8"?>
+<file path=ppt/slides/slide38.xml><?xml version="1.0" encoding="utf-8"?>
 <p:sld xmlns:a="http://schemas.openxmlformats.org/drawingml/2006/main" xmlns:r="http://schemas.openxmlformats.org/officeDocument/2006/relationships" xmlns:p="http://schemas.openxmlformats.org/presentationml/2006/main">
   <p:cSld>
     <p:spTree>
@@ -33674,7 +34451,7 @@
             <a:fld id="{B1393E5F-521B-4CAD-9D3A-AE923D912DCE}" type="slidenum">
               <a:rPr lang="en-US" smtClean="0"/>
               <a:pPr/>
-              <a:t>37</a:t>
+              <a:t>38</a:t>
             </a:fld>
             <a:r>
               <a:rPr lang="en-US"/>
@@ -33747,7 +34524,7 @@
         </p:nvSpPr>
         <p:spPr>
           <a:xfrm>
-            <a:off x="578002" y="3848100"/>
+            <a:off x="582766" y="3609727"/>
             <a:ext cx="16109797" cy="5016758"/>
           </a:xfrm>
           <a:prstGeom prst="rect">
@@ -33796,7 +34573,19 @@
             </a:r>
             <a:r>
               <a:rPr lang="en-US" altLang="ko-KR" sz="3200" i="1" dirty="0"/>
-              <a:t>, where the source input to the encoder and the target is the decoder output, or (2) adding the source as prefix to the target in the decoder, with a loss only on the target part of the sequence. We find the former works better for BART models, and the latter for other models. </a:t>
+              <a:t>, where the source input to the encoder and the target is the decoder output, or (2) </a:t>
+            </a:r>
+            <a:r>
+              <a:rPr lang="en-US" altLang="ko-KR" sz="3200" i="1" dirty="0">
+                <a:solidFill>
+                  <a:srgbClr val="3B7DDD"/>
+                </a:solidFill>
+              </a:rPr>
+              <a:t>adding the source as prefix to the target in the decoder</a:t>
+            </a:r>
+            <a:r>
+              <a:rPr lang="en-US" altLang="ko-KR" sz="3200" i="1" dirty="0"/>
+              <a:t>, with a loss only on the target part of the sequence. We find the former works better for BART models, and the latter for other models. </a:t>
             </a:r>
             <a:r>
               <a:rPr lang="en-US" altLang="ko-KR" sz="3200" i="1" dirty="0">
@@ -33827,7 +34616,7 @@
 </p:sld>
 </file>
 
-<file path=ppt/slides/slide38.xml><?xml version="1.0" encoding="utf-8"?>
+<file path=ppt/slides/slide39.xml><?xml version="1.0" encoding="utf-8"?>
 <p:sld xmlns:a="http://schemas.openxmlformats.org/drawingml/2006/main" xmlns:r="http://schemas.openxmlformats.org/officeDocument/2006/relationships" xmlns:p="http://schemas.openxmlformats.org/presentationml/2006/main">
   <p:cSld>
     <p:spTree>
@@ -34010,7 +34799,7 @@
         </p:nvSpPr>
         <p:spPr>
           <a:xfrm>
-            <a:off x="867846" y="3234071"/>
+            <a:off x="578003" y="3609727"/>
             <a:ext cx="15286554" cy="3046988"/>
           </a:xfrm>
           <a:prstGeom prst="rect">
@@ -34096,7 +34885,7 @@
             <a:fld id="{B1393E5F-521B-4CAD-9D3A-AE923D912DCE}" type="slidenum">
               <a:rPr lang="en-US" smtClean="0"/>
               <a:pPr/>
-              <a:t>38</a:t>
+              <a:t>39</a:t>
             </a:fld>
             <a:r>
               <a:rPr lang="en-US"/>
@@ -34159,404 +34948,6 @@
     <p:extLst>
       <p:ext uri="{BB962C8B-B14F-4D97-AF65-F5344CB8AC3E}">
         <p14:creationId xmlns:p14="http://schemas.microsoft.com/office/powerpoint/2010/main" val="3065262297"/>
-      </p:ext>
-    </p:extLst>
-  </p:cSld>
-  <p:clrMapOvr>
-    <a:masterClrMapping/>
-  </p:clrMapOvr>
-</p:sld>
-</file>
-
-<file path=ppt/slides/slide39.xml><?xml version="1.0" encoding="utf-8"?>
-<p:sld xmlns:a="http://schemas.openxmlformats.org/drawingml/2006/main" xmlns:r="http://schemas.openxmlformats.org/officeDocument/2006/relationships" xmlns:p="http://schemas.openxmlformats.org/presentationml/2006/main">
-  <p:cSld>
-    <p:spTree>
-      <p:nvGrpSpPr>
-        <p:cNvPr id="1" name="">
-          <a:extLst>
-            <a:ext uri="{FF2B5EF4-FFF2-40B4-BE49-F238E27FC236}">
-              <a16:creationId xmlns:a16="http://schemas.microsoft.com/office/drawing/2014/main" id="{0D2BEB64-8FA3-F237-F866-5AC2C3BF1FF3}"/>
-            </a:ext>
-          </a:extLst>
-        </p:cNvPr>
-        <p:cNvGrpSpPr/>
-        <p:nvPr/>
-      </p:nvGrpSpPr>
-      <p:grpSpPr>
-        <a:xfrm>
-          <a:off x="0" y="0"/>
-          <a:ext cx="0" cy="0"/>
-          <a:chOff x="0" y="0"/>
-          <a:chExt cx="0" cy="0"/>
-        </a:xfrm>
-      </p:grpSpPr>
-      <p:grpSp>
-        <p:nvGrpSpPr>
-          <p:cNvPr id="1006" name="그룹 1006">
-            <a:extLst>
-              <a:ext uri="{FF2B5EF4-FFF2-40B4-BE49-F238E27FC236}">
-                <a16:creationId xmlns:a16="http://schemas.microsoft.com/office/drawing/2014/main" id="{B1F7C0EF-BC00-2974-FDCC-F21F836E51EA}"/>
-              </a:ext>
-            </a:extLst>
-          </p:cNvPr>
-          <p:cNvGrpSpPr/>
-          <p:nvPr/>
-        </p:nvGrpSpPr>
-        <p:grpSpPr>
-          <a:xfrm>
-            <a:off x="867846" y="9325428"/>
-            <a:ext cx="16284590" cy="1025987"/>
-            <a:chOff x="867846" y="9325428"/>
-            <a:chExt cx="16284590" cy="1025987"/>
-          </a:xfrm>
-        </p:grpSpPr>
-        <p:pic>
-          <p:nvPicPr>
-            <p:cNvPr id="18" name="Object 17">
-              <a:extLst>
-                <a:ext uri="{FF2B5EF4-FFF2-40B4-BE49-F238E27FC236}">
-                  <a16:creationId xmlns:a16="http://schemas.microsoft.com/office/drawing/2014/main" id="{86D03904-74CB-9552-66F1-A8B8FCDE7DE8}"/>
-                </a:ext>
-              </a:extLst>
-            </p:cNvPr>
-            <p:cNvPicPr>
-              <a:picLocks noChangeAspect="1"/>
-            </p:cNvPicPr>
-            <p:nvPr/>
-          </p:nvPicPr>
-          <p:blipFill>
-            <a:blip r:embed="rId3" cstate="print"/>
-            <a:stretch>
-              <a:fillRect/>
-            </a:stretch>
-          </p:blipFill>
-          <p:spPr>
-            <a:xfrm>
-              <a:off x="867846" y="9325428"/>
-              <a:ext cx="16284590" cy="1025987"/>
-            </a:xfrm>
-            <a:prstGeom prst="rect">
-              <a:avLst/>
-            </a:prstGeom>
-          </p:spPr>
-        </p:pic>
-      </p:grpSp>
-      <p:sp>
-        <p:nvSpPr>
-          <p:cNvPr id="41" name="직사각형 40">
-            <a:extLst>
-              <a:ext uri="{FF2B5EF4-FFF2-40B4-BE49-F238E27FC236}">
-                <a16:creationId xmlns:a16="http://schemas.microsoft.com/office/drawing/2014/main" id="{CFC1C585-89BB-FF87-42C9-429D00BEEBEB}"/>
-              </a:ext>
-            </a:extLst>
-          </p:cNvPr>
-          <p:cNvSpPr/>
-          <p:nvPr/>
-        </p:nvSpPr>
-        <p:spPr>
-          <a:xfrm>
-            <a:off x="0" y="428072"/>
-            <a:ext cx="18288000" cy="860400"/>
-          </a:xfrm>
-          <a:prstGeom prst="rect">
-            <a:avLst/>
-          </a:prstGeom>
-          <a:solidFill>
-            <a:srgbClr val="0F569B"/>
-          </a:solidFill>
-          <a:ln>
-            <a:solidFill>
-              <a:srgbClr val="0F569B"/>
-            </a:solidFill>
-          </a:ln>
-        </p:spPr>
-        <p:style>
-          <a:lnRef idx="2">
-            <a:schemeClr val="accent1">
-              <a:shade val="15000"/>
-            </a:schemeClr>
-          </a:lnRef>
-          <a:fillRef idx="1">
-            <a:schemeClr val="accent1"/>
-          </a:fillRef>
-          <a:effectRef idx="0">
-            <a:schemeClr val="accent1"/>
-          </a:effectRef>
-          <a:fontRef idx="minor">
-            <a:schemeClr val="lt1"/>
-          </a:fontRef>
-        </p:style>
-        <p:txBody>
-          <a:bodyPr rtlCol="0" anchor="ctr"/>
-          <a:lstStyle/>
-          <a:p>
-            <a:pPr algn="ctr"/>
-            <a:endParaRPr lang="ko-KR" altLang="en-US"/>
-          </a:p>
-        </p:txBody>
-      </p:sp>
-      <p:sp>
-        <p:nvSpPr>
-          <p:cNvPr id="22" name="Object 22">
-            <a:extLst>
-              <a:ext uri="{FF2B5EF4-FFF2-40B4-BE49-F238E27FC236}">
-                <a16:creationId xmlns:a16="http://schemas.microsoft.com/office/drawing/2014/main" id="{7D77ADEE-51E1-2363-9B63-3F9C10294F5F}"/>
-              </a:ext>
-            </a:extLst>
-          </p:cNvPr>
-          <p:cNvSpPr txBox="1"/>
-          <p:nvPr/>
-        </p:nvSpPr>
-        <p:spPr>
-          <a:xfrm>
-            <a:off x="582766" y="427385"/>
-            <a:ext cx="16389846" cy="861774"/>
-          </a:xfrm>
-          <a:prstGeom prst="rect">
-            <a:avLst/>
-          </a:prstGeom>
-          <a:noFill/>
-        </p:spPr>
-        <p:txBody>
-          <a:bodyPr wrap="square" rtlCol="0" anchor="t">
-            <a:spAutoFit/>
-          </a:bodyPr>
-          <a:lstStyle/>
-          <a:p>
-            <a:r>
-              <a:rPr lang="en-US" sz="5000" dirty="0">
-                <a:solidFill>
-                  <a:schemeClr val="bg1"/>
-                </a:solidFill>
-                <a:latin typeface="나눔스퀘어 ExtraBold" panose="020B0600000101010101" pitchFamily="50" charset="-127"/>
-                <a:ea typeface="나눔스퀘어 ExtraBold" panose="020B0600000101010101" pitchFamily="50" charset="-127"/>
-              </a:rPr>
-              <a:t>Appendix</a:t>
-            </a:r>
-          </a:p>
-        </p:txBody>
-      </p:sp>
-      <p:sp>
-        <p:nvSpPr>
-          <p:cNvPr id="5" name="슬라이드 번호 개체 틀 4">
-            <a:extLst>
-              <a:ext uri="{FF2B5EF4-FFF2-40B4-BE49-F238E27FC236}">
-                <a16:creationId xmlns:a16="http://schemas.microsoft.com/office/drawing/2014/main" id="{B84A4E62-38CA-2A26-279F-0F3CBE6B497D}"/>
-              </a:ext>
-            </a:extLst>
-          </p:cNvPr>
-          <p:cNvSpPr>
-            <a:spLocks noGrp="1"/>
-          </p:cNvSpPr>
-          <p:nvPr>
-            <p:ph type="sldNum" sz="quarter" idx="12"/>
-          </p:nvPr>
-        </p:nvSpPr>
-        <p:spPr/>
-        <p:txBody>
-          <a:bodyPr/>
-          <a:lstStyle/>
-          <a:p>
-            <a:fld id="{B1393E5F-521B-4CAD-9D3A-AE923D912DCE}" type="slidenum">
-              <a:rPr lang="en-US" smtClean="0"/>
-              <a:pPr/>
-              <a:t>39</a:t>
-            </a:fld>
-            <a:r>
-              <a:rPr lang="en-US"/>
-              <a:t> / 40</a:t>
-            </a:r>
-            <a:endParaRPr lang="en-US" dirty="0"/>
-          </a:p>
-        </p:txBody>
-      </p:sp>
-      <p:sp>
-        <p:nvSpPr>
-          <p:cNvPr id="2" name="TextBox 1">
-            <a:extLst>
-              <a:ext uri="{FF2B5EF4-FFF2-40B4-BE49-F238E27FC236}">
-                <a16:creationId xmlns:a16="http://schemas.microsoft.com/office/drawing/2014/main" id="{5171FF52-3557-B4C6-82EA-5A249FCC14CC}"/>
-              </a:ext>
-            </a:extLst>
-          </p:cNvPr>
-          <p:cNvSpPr txBox="1"/>
-          <p:nvPr/>
-        </p:nvSpPr>
-        <p:spPr>
-          <a:xfrm>
-            <a:off x="582766" y="2095500"/>
-            <a:ext cx="9158288" cy="707886"/>
-          </a:xfrm>
-          <a:prstGeom prst="rect">
-            <a:avLst/>
-          </a:prstGeom>
-          <a:noFill/>
-        </p:spPr>
-        <p:txBody>
-          <a:bodyPr wrap="square">
-            <a:spAutoFit/>
-          </a:bodyPr>
-          <a:lstStyle/>
-          <a:p>
-            <a:r>
-              <a:rPr lang="en-US" altLang="ko-KR" sz="4000" dirty="0">
-                <a:latin typeface="나눔스퀘어 Bold" panose="020B0600000101010101" pitchFamily="50" charset="-127"/>
-                <a:ea typeface="나눔스퀘어 Bold" panose="020B0600000101010101" pitchFamily="50" charset="-127"/>
-              </a:rPr>
-              <a:t>Beam</a:t>
-            </a:r>
-            <a:r>
-              <a:rPr lang="ko-KR" altLang="en-US" sz="4000" dirty="0">
-                <a:latin typeface="나눔스퀘어 Bold" panose="020B0600000101010101" pitchFamily="50" charset="-127"/>
-                <a:ea typeface="나눔스퀘어 Bold" panose="020B0600000101010101" pitchFamily="50" charset="-127"/>
-              </a:rPr>
-              <a:t> </a:t>
-            </a:r>
-            <a:r>
-              <a:rPr lang="en-US" altLang="ko-KR" sz="4000" dirty="0">
-                <a:latin typeface="나눔스퀘어 Bold" panose="020B0600000101010101" pitchFamily="50" charset="-127"/>
-                <a:ea typeface="나눔스퀘어 Bold" panose="020B0600000101010101" pitchFamily="50" charset="-127"/>
-              </a:rPr>
-              <a:t>Search</a:t>
-            </a:r>
-            <a:r>
-              <a:rPr lang="ko-KR" altLang="en-US" sz="4000" dirty="0">
-                <a:latin typeface="나눔스퀘어 Bold" panose="020B0600000101010101" pitchFamily="50" charset="-127"/>
-                <a:ea typeface="나눔스퀘어 Bold" panose="020B0600000101010101" pitchFamily="50" charset="-127"/>
-              </a:rPr>
-              <a:t> </a:t>
-            </a:r>
-            <a:r>
-              <a:rPr lang="en-US" altLang="ko-KR" sz="4000" dirty="0">
-                <a:latin typeface="나눔스퀘어 Bold" panose="020B0600000101010101" pitchFamily="50" charset="-127"/>
-                <a:ea typeface="나눔스퀘어 Bold" panose="020B0600000101010101" pitchFamily="50" charset="-127"/>
-              </a:rPr>
-              <a:t>vs</a:t>
-            </a:r>
-            <a:r>
-              <a:rPr lang="ko-KR" altLang="en-US" sz="4000" dirty="0">
-                <a:latin typeface="나눔스퀘어 Bold" panose="020B0600000101010101" pitchFamily="50" charset="-127"/>
-                <a:ea typeface="나눔스퀘어 Bold" panose="020B0600000101010101" pitchFamily="50" charset="-127"/>
-              </a:rPr>
-              <a:t> </a:t>
-            </a:r>
-            <a:r>
-              <a:rPr lang="en-US" altLang="ko-KR" sz="4000" dirty="0">
-                <a:latin typeface="나눔스퀘어 Bold" panose="020B0600000101010101" pitchFamily="50" charset="-127"/>
-                <a:ea typeface="나눔스퀘어 Bold" panose="020B0600000101010101" pitchFamily="50" charset="-127"/>
-              </a:rPr>
-              <a:t>Greedy</a:t>
-            </a:r>
-            <a:r>
-              <a:rPr lang="ko-KR" altLang="en-US" sz="4000" dirty="0">
-                <a:latin typeface="나눔스퀘어 Bold" panose="020B0600000101010101" pitchFamily="50" charset="-127"/>
-                <a:ea typeface="나눔스퀘어 Bold" panose="020B0600000101010101" pitchFamily="50" charset="-127"/>
-              </a:rPr>
-              <a:t> </a:t>
-            </a:r>
-            <a:r>
-              <a:rPr lang="en-US" altLang="ko-KR" sz="4000" dirty="0">
-                <a:latin typeface="나눔스퀘어 Bold" panose="020B0600000101010101" pitchFamily="50" charset="-127"/>
-                <a:ea typeface="나눔스퀘어 Bold" panose="020B0600000101010101" pitchFamily="50" charset="-127"/>
-              </a:rPr>
-              <a:t>Search</a:t>
-            </a:r>
-          </a:p>
-        </p:txBody>
-      </p:sp>
-      <p:pic>
-        <p:nvPicPr>
-          <p:cNvPr id="3074" name="Picture 2" descr="Decoding Methods for Generative AI | Niklas Heidloff">
-            <a:extLst>
-              <a:ext uri="{FF2B5EF4-FFF2-40B4-BE49-F238E27FC236}">
-                <a16:creationId xmlns:a16="http://schemas.microsoft.com/office/drawing/2014/main" id="{0F05FE8C-1EEF-11EF-C36C-BE1BD0DCDEA7}"/>
-              </a:ext>
-            </a:extLst>
-          </p:cNvPr>
-          <p:cNvPicPr>
-            <a:picLocks noChangeAspect="1" noChangeArrowheads="1"/>
-          </p:cNvPicPr>
-          <p:nvPr/>
-        </p:nvPicPr>
-        <p:blipFill>
-          <a:blip r:embed="rId4">
-            <a:extLst>
-              <a:ext uri="{28A0092B-C50C-407E-A947-70E740481C1C}">
-                <a14:useLocalDpi xmlns:a14="http://schemas.microsoft.com/office/drawing/2010/main" val="0"/>
-              </a:ext>
-            </a:extLst>
-          </a:blip>
-          <a:srcRect/>
-          <a:stretch>
-            <a:fillRect/>
-          </a:stretch>
-        </p:blipFill>
-        <p:spPr bwMode="auto">
-          <a:xfrm>
-            <a:off x="3257571" y="3095387"/>
-            <a:ext cx="10744200" cy="5654842"/>
-          </a:xfrm>
-          <a:prstGeom prst="rect">
-            <a:avLst/>
-          </a:prstGeom>
-          <a:noFill/>
-          <a:extLst>
-            <a:ext uri="{909E8E84-426E-40DD-AFC4-6F175D3DCCD1}">
-              <a14:hiddenFill xmlns:a14="http://schemas.microsoft.com/office/drawing/2010/main">
-                <a:solidFill>
-                  <a:srgbClr val="FFFFFF"/>
-                </a:solidFill>
-              </a14:hiddenFill>
-            </a:ext>
-          </a:extLst>
-        </p:spPr>
-      </p:pic>
-      <p:sp>
-        <p:nvSpPr>
-          <p:cNvPr id="4" name="TextBox 3">
-            <a:extLst>
-              <a:ext uri="{FF2B5EF4-FFF2-40B4-BE49-F238E27FC236}">
-                <a16:creationId xmlns:a16="http://schemas.microsoft.com/office/drawing/2014/main" id="{705EBB81-5D1F-ECD0-5E85-D67C8DF40612}"/>
-              </a:ext>
-            </a:extLst>
-          </p:cNvPr>
-          <p:cNvSpPr txBox="1"/>
-          <p:nvPr/>
-        </p:nvSpPr>
-        <p:spPr>
-          <a:xfrm>
-            <a:off x="582766" y="8893342"/>
-            <a:ext cx="9158288" cy="646331"/>
-          </a:xfrm>
-          <a:prstGeom prst="rect">
-            <a:avLst/>
-          </a:prstGeom>
-          <a:noFill/>
-        </p:spPr>
-        <p:txBody>
-          <a:bodyPr wrap="square">
-            <a:spAutoFit/>
-          </a:bodyPr>
-          <a:lstStyle/>
-          <a:p>
-            <a:r>
-              <a:rPr lang="ko-KR" altLang="en-US" dirty="0">
-                <a:hlinkClick r:id="rId5"/>
-              </a:rPr>
-              <a:t>https://heidloff.net/article/greedy-beam-sampling/</a:t>
-            </a:r>
-            <a:endParaRPr lang="en-US" altLang="ko-KR" dirty="0"/>
-          </a:p>
-          <a:p>
-            <a:endParaRPr lang="ko-KR" altLang="en-US" dirty="0"/>
-          </a:p>
-        </p:txBody>
-      </p:sp>
-    </p:spTree>
-    <p:extLst>
-      <p:ext uri="{BB962C8B-B14F-4D97-AF65-F5344CB8AC3E}">
-        <p14:creationId xmlns:p14="http://schemas.microsoft.com/office/powerpoint/2010/main" val="1879570347"/>
       </p:ext>
     </p:extLst>
   </p:cSld>
@@ -35105,7 +35496,7 @@
         <p:cNvPr id="1" name="">
           <a:extLst>
             <a:ext uri="{FF2B5EF4-FFF2-40B4-BE49-F238E27FC236}">
-              <a16:creationId xmlns:a16="http://schemas.microsoft.com/office/drawing/2014/main" id="{5DB8FCE2-7F7F-FFFE-9AB7-158AD9B7C7EB}"/>
+              <a16:creationId xmlns:a16="http://schemas.microsoft.com/office/drawing/2014/main" id="{0D2BEB64-8FA3-F237-F866-5AC2C3BF1FF3}"/>
             </a:ext>
           </a:extLst>
         </p:cNvPr>
@@ -35125,7 +35516,7 @@
           <p:cNvPr id="1006" name="그룹 1006">
             <a:extLst>
               <a:ext uri="{FF2B5EF4-FFF2-40B4-BE49-F238E27FC236}">
-                <a16:creationId xmlns:a16="http://schemas.microsoft.com/office/drawing/2014/main" id="{BB732ED3-7516-7615-63AC-E05BAF4F0801}"/>
+                <a16:creationId xmlns:a16="http://schemas.microsoft.com/office/drawing/2014/main" id="{B1F7C0EF-BC00-2974-FDCC-F21F836E51EA}"/>
               </a:ext>
             </a:extLst>
           </p:cNvPr>
@@ -35145,7 +35536,7 @@
             <p:cNvPr id="18" name="Object 17">
               <a:extLst>
                 <a:ext uri="{FF2B5EF4-FFF2-40B4-BE49-F238E27FC236}">
-                  <a16:creationId xmlns:a16="http://schemas.microsoft.com/office/drawing/2014/main" id="{3D5545C1-0EFC-7BCB-679B-333E79FFAA4E}"/>
+                  <a16:creationId xmlns:a16="http://schemas.microsoft.com/office/drawing/2014/main" id="{86D03904-74CB-9552-66F1-A8B8FCDE7DE8}"/>
                 </a:ext>
               </a:extLst>
             </p:cNvPr>
@@ -35176,7 +35567,7 @@
           <p:cNvPr id="41" name="직사각형 40">
             <a:extLst>
               <a:ext uri="{FF2B5EF4-FFF2-40B4-BE49-F238E27FC236}">
-                <a16:creationId xmlns:a16="http://schemas.microsoft.com/office/drawing/2014/main" id="{6DBE66BC-1C39-7A9A-64B6-FE06BF72BAEB}"/>
+                <a16:creationId xmlns:a16="http://schemas.microsoft.com/office/drawing/2014/main" id="{CFC1C585-89BB-FF87-42C9-429D00BEEBEB}"/>
               </a:ext>
             </a:extLst>
           </p:cNvPr>
@@ -35230,7 +35621,7 @@
           <p:cNvPr id="22" name="Object 22">
             <a:extLst>
               <a:ext uri="{FF2B5EF4-FFF2-40B4-BE49-F238E27FC236}">
-                <a16:creationId xmlns:a16="http://schemas.microsoft.com/office/drawing/2014/main" id="{16E4D9F4-A5F1-3ED0-ABA3-CBC07A44419A}"/>
+                <a16:creationId xmlns:a16="http://schemas.microsoft.com/office/drawing/2014/main" id="{7D77ADEE-51E1-2363-9B63-3F9C10294F5F}"/>
               </a:ext>
             </a:extLst>
           </p:cNvPr>
@@ -35271,7 +35662,7 @@
           <p:cNvPr id="5" name="슬라이드 번호 개체 틀 4">
             <a:extLst>
               <a:ext uri="{FF2B5EF4-FFF2-40B4-BE49-F238E27FC236}">
-                <a16:creationId xmlns:a16="http://schemas.microsoft.com/office/drawing/2014/main" id="{27332B5F-F902-1134-6912-F54222083F0B}"/>
+                <a16:creationId xmlns:a16="http://schemas.microsoft.com/office/drawing/2014/main" id="{B84A4E62-38CA-2A26-279F-0F3CBE6B497D}"/>
               </a:ext>
             </a:extLst>
           </p:cNvPr>
@@ -35305,7 +35696,7 @@
           <p:cNvPr id="2" name="TextBox 1">
             <a:extLst>
               <a:ext uri="{FF2B5EF4-FFF2-40B4-BE49-F238E27FC236}">
-                <a16:creationId xmlns:a16="http://schemas.microsoft.com/office/drawing/2014/main" id="{C1CF08B0-4A3A-E087-26C3-0FB3A869309C}"/>
+                <a16:creationId xmlns:a16="http://schemas.microsoft.com/office/drawing/2014/main" id="{5171FF52-3557-B4C6-82EA-5A249FCC14CC}"/>
               </a:ext>
             </a:extLst>
           </p:cNvPr>
@@ -35333,15 +35724,159 @@
                 <a:latin typeface="나눔스퀘어 Bold" panose="020B0600000101010101" pitchFamily="50" charset="-127"/>
                 <a:ea typeface="나눔스퀘어 Bold" panose="020B0600000101010101" pitchFamily="50" charset="-127"/>
               </a:rPr>
-              <a:t>BERT vs GPT1 vs BART</a:t>
-            </a:r>
+              <a:t>Beam</a:t>
+            </a:r>
+            <a:r>
+              <a:rPr lang="ko-KR" altLang="en-US" sz="4000" dirty="0">
+                <a:latin typeface="나눔스퀘어 Bold" panose="020B0600000101010101" pitchFamily="50" charset="-127"/>
+                <a:ea typeface="나눔스퀘어 Bold" panose="020B0600000101010101" pitchFamily="50" charset="-127"/>
+              </a:rPr>
+              <a:t> </a:t>
+            </a:r>
+            <a:r>
+              <a:rPr lang="en-US" altLang="ko-KR" sz="4000" dirty="0">
+                <a:latin typeface="나눔스퀘어 Bold" panose="020B0600000101010101" pitchFamily="50" charset="-127"/>
+                <a:ea typeface="나눔스퀘어 Bold" panose="020B0600000101010101" pitchFamily="50" charset="-127"/>
+              </a:rPr>
+              <a:t>Search</a:t>
+            </a:r>
+            <a:r>
+              <a:rPr lang="ko-KR" altLang="en-US" sz="4000" dirty="0">
+                <a:latin typeface="나눔스퀘어 Bold" panose="020B0600000101010101" pitchFamily="50" charset="-127"/>
+                <a:ea typeface="나눔스퀘어 Bold" panose="020B0600000101010101" pitchFamily="50" charset="-127"/>
+              </a:rPr>
+              <a:t> </a:t>
+            </a:r>
+            <a:r>
+              <a:rPr lang="en-US" altLang="ko-KR" sz="4000" dirty="0">
+                <a:latin typeface="나눔스퀘어 Bold" panose="020B0600000101010101" pitchFamily="50" charset="-127"/>
+                <a:ea typeface="나눔스퀘어 Bold" panose="020B0600000101010101" pitchFamily="50" charset="-127"/>
+              </a:rPr>
+              <a:t>vs</a:t>
+            </a:r>
+            <a:r>
+              <a:rPr lang="ko-KR" altLang="en-US" sz="4000" dirty="0">
+                <a:latin typeface="나눔스퀘어 Bold" panose="020B0600000101010101" pitchFamily="50" charset="-127"/>
+                <a:ea typeface="나눔스퀘어 Bold" panose="020B0600000101010101" pitchFamily="50" charset="-127"/>
+              </a:rPr>
+              <a:t> </a:t>
+            </a:r>
+            <a:r>
+              <a:rPr lang="en-US" altLang="ko-KR" sz="4000" dirty="0">
+                <a:latin typeface="나눔스퀘어 Bold" panose="020B0600000101010101" pitchFamily="50" charset="-127"/>
+                <a:ea typeface="나눔스퀘어 Bold" panose="020B0600000101010101" pitchFamily="50" charset="-127"/>
+              </a:rPr>
+              <a:t>Greedy</a:t>
+            </a:r>
+            <a:r>
+              <a:rPr lang="ko-KR" altLang="en-US" sz="4000" dirty="0">
+                <a:latin typeface="나눔스퀘어 Bold" panose="020B0600000101010101" pitchFamily="50" charset="-127"/>
+                <a:ea typeface="나눔스퀘어 Bold" panose="020B0600000101010101" pitchFamily="50" charset="-127"/>
+              </a:rPr>
+              <a:t> </a:t>
+            </a:r>
+            <a:r>
+              <a:rPr lang="en-US" altLang="ko-KR" sz="4000" dirty="0">
+                <a:latin typeface="나눔스퀘어 Bold" panose="020B0600000101010101" pitchFamily="50" charset="-127"/>
+                <a:ea typeface="나눔스퀘어 Bold" panose="020B0600000101010101" pitchFamily="50" charset="-127"/>
+              </a:rPr>
+              <a:t>Search</a:t>
+            </a:r>
+          </a:p>
+        </p:txBody>
+      </p:sp>
+      <p:pic>
+        <p:nvPicPr>
+          <p:cNvPr id="3074" name="Picture 2" descr="Decoding Methods for Generative AI | Niklas Heidloff">
+            <a:extLst>
+              <a:ext uri="{FF2B5EF4-FFF2-40B4-BE49-F238E27FC236}">
+                <a16:creationId xmlns:a16="http://schemas.microsoft.com/office/drawing/2014/main" id="{0F05FE8C-1EEF-11EF-C36C-BE1BD0DCDEA7}"/>
+              </a:ext>
+            </a:extLst>
+          </p:cNvPr>
+          <p:cNvPicPr>
+            <a:picLocks noChangeAspect="1" noChangeArrowheads="1"/>
+          </p:cNvPicPr>
+          <p:nvPr/>
+        </p:nvPicPr>
+        <p:blipFill>
+          <a:blip r:embed="rId4">
+            <a:extLst>
+              <a:ext uri="{28A0092B-C50C-407E-A947-70E740481C1C}">
+                <a14:useLocalDpi xmlns:a14="http://schemas.microsoft.com/office/drawing/2010/main" val="0"/>
+              </a:ext>
+            </a:extLst>
+          </a:blip>
+          <a:srcRect/>
+          <a:stretch>
+            <a:fillRect/>
+          </a:stretch>
+        </p:blipFill>
+        <p:spPr bwMode="auto">
+          <a:xfrm>
+            <a:off x="3257571" y="3095387"/>
+            <a:ext cx="10744200" cy="5654842"/>
+          </a:xfrm>
+          <a:prstGeom prst="rect">
+            <a:avLst/>
+          </a:prstGeom>
+          <a:noFill/>
+          <a:extLst>
+            <a:ext uri="{909E8E84-426E-40DD-AFC4-6F175D3DCCD1}">
+              <a14:hiddenFill xmlns:a14="http://schemas.microsoft.com/office/drawing/2010/main">
+                <a:solidFill>
+                  <a:srgbClr val="FFFFFF"/>
+                </a:solidFill>
+              </a14:hiddenFill>
+            </a:ext>
+          </a:extLst>
+        </p:spPr>
+      </p:pic>
+      <p:sp>
+        <p:nvSpPr>
+          <p:cNvPr id="4" name="TextBox 3">
+            <a:extLst>
+              <a:ext uri="{FF2B5EF4-FFF2-40B4-BE49-F238E27FC236}">
+                <a16:creationId xmlns:a16="http://schemas.microsoft.com/office/drawing/2014/main" id="{705EBB81-5D1F-ECD0-5E85-D67C8DF40612}"/>
+              </a:ext>
+            </a:extLst>
+          </p:cNvPr>
+          <p:cNvSpPr txBox="1"/>
+          <p:nvPr/>
+        </p:nvSpPr>
+        <p:spPr>
+          <a:xfrm>
+            <a:off x="582766" y="8893342"/>
+            <a:ext cx="9158288" cy="646331"/>
+          </a:xfrm>
+          <a:prstGeom prst="rect">
+            <a:avLst/>
+          </a:prstGeom>
+          <a:noFill/>
+        </p:spPr>
+        <p:txBody>
+          <a:bodyPr wrap="square">
+            <a:spAutoFit/>
+          </a:bodyPr>
+          <a:lstStyle/>
+          <a:p>
+            <a:r>
+              <a:rPr lang="ko-KR" altLang="en-US" dirty="0">
+                <a:hlinkClick r:id="rId5"/>
+              </a:rPr>
+              <a:t>https://heidloff.net/article/greedy-beam-sampling/</a:t>
+            </a:r>
+            <a:endParaRPr lang="en-US" altLang="ko-KR" dirty="0"/>
+          </a:p>
+          <a:p>
+            <a:endParaRPr lang="ko-KR" altLang="en-US" dirty="0"/>
           </a:p>
         </p:txBody>
       </p:sp>
     </p:spTree>
     <p:extLst>
       <p:ext uri="{BB962C8B-B14F-4D97-AF65-F5344CB8AC3E}">
-        <p14:creationId xmlns:p14="http://schemas.microsoft.com/office/powerpoint/2010/main" val="2471082013"/>
+        <p14:creationId xmlns:p14="http://schemas.microsoft.com/office/powerpoint/2010/main" val="1879570347"/>
       </p:ext>
     </p:extLst>
   </p:cSld>
@@ -35975,7 +36510,7 @@
         <p:spPr>
           <a:xfrm>
             <a:off x="14232752" y="4120574"/>
-            <a:ext cx="2617634" cy="3416320"/>
+            <a:ext cx="2617634" cy="3693319"/>
           </a:xfrm>
           <a:prstGeom prst="rect">
             <a:avLst/>
@@ -36069,7 +36604,43 @@
               </a:rPr>
               <a:t>V : 50257 (GPT2)</a:t>
             </a:r>
-            <a:endParaRPr lang="ko-KR" altLang="en-US" sz="2400" dirty="0"/>
+          </a:p>
+          <a:p>
+            <a:r>
+              <a:rPr lang="en-US" altLang="ko-KR" sz="1600" dirty="0">
+                <a:solidFill>
+                  <a:srgbClr val="0F569B"/>
+                </a:solidFill>
+                <a:latin typeface="나눔스퀘어 Bold" panose="020B0600000101010101" pitchFamily="50" charset="-127"/>
+                <a:ea typeface="나눔스퀘어 Bold" panose="020B0600000101010101" pitchFamily="50" charset="-127"/>
+              </a:rPr>
+              <a:t>50265 in</a:t>
+            </a:r>
+            <a:r>
+              <a:rPr lang="ko-KR" altLang="en-US" sz="1600" dirty="0">
+                <a:solidFill>
+                  <a:srgbClr val="0F569B"/>
+                </a:solidFill>
+                <a:latin typeface="나눔스퀘어 Bold" panose="020B0600000101010101" pitchFamily="50" charset="-127"/>
+                <a:ea typeface="나눔스퀘어 Bold" panose="020B0600000101010101" pitchFamily="50" charset="-127"/>
+              </a:rPr>
+              <a:t> </a:t>
+            </a:r>
+            <a:r>
+              <a:rPr lang="en-US" altLang="ko-KR" sz="1600" dirty="0" err="1">
+                <a:solidFill>
+                  <a:srgbClr val="0F569B"/>
+                </a:solidFill>
+                <a:latin typeface="나눔스퀘어 Bold" panose="020B0600000101010101" pitchFamily="50" charset="-127"/>
+                <a:ea typeface="나눔스퀘어 Bold" panose="020B0600000101010101" pitchFamily="50" charset="-127"/>
+              </a:rPr>
+              <a:t>Huggingface</a:t>
+            </a:r>
+            <a:endParaRPr lang="ko-KR" altLang="en-US" sz="1600" dirty="0">
+              <a:solidFill>
+                <a:srgbClr val="0F569B"/>
+              </a:solidFill>
+            </a:endParaRPr>
           </a:p>
         </p:txBody>
       </p:sp>
@@ -36488,7 +37059,7 @@
                 <a:latin typeface="나눔스퀘어 Bold" panose="020B0600000101010101" pitchFamily="50" charset="-127"/>
                 <a:ea typeface="나눔스퀘어 Bold" panose="020B0600000101010101" pitchFamily="50" charset="-127"/>
               </a:rPr>
-              <a:t>BART is trained by corrupting documents and then optimizing a reconstruction loss</a:t>
+              <a:t>BART is trained by corrupting documents and then optimizing a reconstruction loss (BERT)</a:t>
             </a:r>
           </a:p>
           <a:p>
@@ -36524,7 +37095,21 @@
                 <a:latin typeface="나눔스퀘어 Bold" panose="020B0600000101010101" pitchFamily="50" charset="-127"/>
                 <a:ea typeface="나눔스퀘어 Bold" panose="020B0600000101010101" pitchFamily="50" charset="-127"/>
               </a:rPr>
-              <a:t>에 따라서 모델의 성능이 많이 달라진다는 사실이 최근 연구에서 보고됨 </a:t>
+              <a:t>에 따라서 모델의 성능이 많이 달라진다는 사실이 최근 </a:t>
+            </a:r>
+            <a:r>
+              <a:rPr lang="ko-KR" altLang="en-US" sz="2800" dirty="0" err="1">
+                <a:latin typeface="나눔스퀘어 Bold" panose="020B0600000101010101" pitchFamily="50" charset="-127"/>
+                <a:ea typeface="나눔스퀘어 Bold" panose="020B0600000101010101" pitchFamily="50" charset="-127"/>
+              </a:rPr>
+              <a:t>연구들에서</a:t>
+            </a:r>
+            <a:r>
+              <a:rPr lang="ko-KR" altLang="en-US" sz="2800" dirty="0">
+                <a:latin typeface="나눔스퀘어 Bold" panose="020B0600000101010101" pitchFamily="50" charset="-127"/>
+                <a:ea typeface="나눔스퀘어 Bold" panose="020B0600000101010101" pitchFamily="50" charset="-127"/>
+              </a:rPr>
+              <a:t> 보고됨 </a:t>
             </a:r>
             <a:r>
               <a:rPr lang="en-US" altLang="ko-KR" sz="2800" dirty="0">
@@ -37970,7 +38555,7 @@
         </p:nvSpPr>
         <p:spPr>
           <a:xfrm>
-            <a:off x="4191000" y="9155272"/>
+            <a:off x="4392095" y="9155272"/>
             <a:ext cx="1956318" cy="523220"/>
           </a:xfrm>
           <a:prstGeom prst="rect">

--- a/세미나/BART_김정현.pptx
+++ b/세미나/BART_김정현.pptx
@@ -292,7 +292,7 @@
           <a:p>
             <a:fld id="{0CE04193-3A20-41BD-ABE6-6B3D68754BCC}" type="datetimeFigureOut">
               <a:rPr lang="ko-KR" altLang="en-US" smtClean="0"/>
-              <a:t>2025-03-04</a:t>
+              <a:t>2025-03-05</a:t>
             </a:fld>
             <a:endParaRPr lang="ko-KR" altLang="en-US"/>
           </a:p>
@@ -470,7 +470,7 @@
           <a:p>
             <a:fld id="{6CDB6226-F7BF-4BA1-8AB4-AEEB733C2994}" type="datetimeFigureOut">
               <a:rPr lang="ko-KR" altLang="en-US" smtClean="0"/>
-              <a:t>2025-03-04</a:t>
+              <a:t>2025-03-05</a:t>
             </a:fld>
             <a:endParaRPr lang="ko-KR" altLang="en-US"/>
           </a:p>
@@ -5231,7 +5231,7 @@
           <a:p>
             <a:fld id="{2414693C-C504-49E8-BF4F-961B7701578B}" type="datetime1">
               <a:rPr lang="en-US" altLang="ko-KR" smtClean="0"/>
-              <a:t>3/4/2025</a:t>
+              <a:t>3/5/2025</a:t>
             </a:fld>
             <a:endParaRPr lang="en-US"/>
           </a:p>
@@ -5871,7 +5871,7 @@
           <a:p>
             <a:fld id="{1E8DED9A-EF9B-4AD1-B46D-9F79B751506F}" type="datetime1">
               <a:rPr lang="en-US" altLang="ko-KR" smtClean="0"/>
-              <a:t>3/4/2025</a:t>
+              <a:t>3/5/2025</a:t>
             </a:fld>
             <a:endParaRPr lang="en-US"/>
           </a:p>
@@ -6068,7 +6068,7 @@
           <a:p>
             <a:fld id="{B2F00E6E-F3B3-4916-8AAF-C5D059A280F1}" type="datetime1">
               <a:rPr lang="en-US" altLang="ko-KR" smtClean="0"/>
-              <a:t>3/4/2025</a:t>
+              <a:t>3/5/2025</a:t>
             </a:fld>
             <a:endParaRPr lang="en-US"/>
           </a:p>
@@ -6257,7 +6257,7 @@
           <a:p>
             <a:fld id="{6E63054C-B876-4A78-A39D-9689B2AFAE92}" type="datetime1">
               <a:rPr lang="en-US" altLang="ko-KR" smtClean="0"/>
-              <a:t>3/4/2025</a:t>
+              <a:t>3/5/2025</a:t>
             </a:fld>
             <a:endParaRPr lang="en-US"/>
           </a:p>
@@ -6521,7 +6521,7 @@
           <a:p>
             <a:fld id="{0BBA6D5F-50EF-4C10-BD2A-983562B87F50}" type="datetime1">
               <a:rPr lang="en-US" altLang="ko-KR" smtClean="0"/>
-              <a:t>3/4/2025</a:t>
+              <a:t>3/5/2025</a:t>
             </a:fld>
             <a:endParaRPr lang="en-US"/>
           </a:p>
@@ -6825,7 +6825,7 @@
           <a:p>
             <a:fld id="{32FE8A48-6009-407A-A168-0B2EB972A0A7}" type="datetime1">
               <a:rPr lang="en-US" altLang="ko-KR" smtClean="0"/>
-              <a:t>3/4/2025</a:t>
+              <a:t>3/5/2025</a:t>
             </a:fld>
             <a:endParaRPr lang="en-US"/>
           </a:p>
@@ -7263,7 +7263,7 @@
           <a:p>
             <a:fld id="{ECD8B9C2-E3B4-4812-A8B6-0130D96D4DEC}" type="datetime1">
               <a:rPr lang="en-US" altLang="ko-KR" smtClean="0"/>
-              <a:t>3/4/2025</a:t>
+              <a:t>3/5/2025</a:t>
             </a:fld>
             <a:endParaRPr lang="en-US"/>
           </a:p>
@@ -7399,7 +7399,7 @@
           <a:p>
             <a:fld id="{333A554B-F5D7-414D-9827-37856CEEFA1A}" type="datetime1">
               <a:rPr lang="en-US" altLang="ko-KR" smtClean="0"/>
-              <a:t>3/4/2025</a:t>
+              <a:t>3/5/2025</a:t>
             </a:fld>
             <a:endParaRPr lang="en-US"/>
           </a:p>
@@ -7513,7 +7513,7 @@
           <a:p>
             <a:fld id="{F9EEB192-3058-4F1D-9D23-138995488931}" type="datetime1">
               <a:rPr lang="en-US" altLang="ko-KR" smtClean="0"/>
-              <a:t>3/4/2025</a:t>
+              <a:t>3/5/2025</a:t>
             </a:fld>
             <a:endParaRPr lang="en-US"/>
           </a:p>
@@ -7807,7 +7807,7 @@
           <a:p>
             <a:fld id="{FC1FCF00-D3FA-4DF5-B85E-A64E5145ACC0}" type="datetime1">
               <a:rPr lang="en-US" altLang="ko-KR" smtClean="0"/>
-              <a:t>3/4/2025</a:t>
+              <a:t>3/5/2025</a:t>
             </a:fld>
             <a:endParaRPr lang="en-US"/>
           </a:p>
@@ -8078,7 +8078,7 @@
           <a:p>
             <a:fld id="{B40140CF-A2C8-4920-9E3D-37DC2736E1CE}" type="datetime1">
               <a:rPr lang="en-US" altLang="ko-KR" smtClean="0"/>
-              <a:t>3/4/2025</a:t>
+              <a:t>3/5/2025</a:t>
             </a:fld>
             <a:endParaRPr lang="en-US"/>
           </a:p>
@@ -25335,7 +25335,7 @@
         </p:nvSpPr>
         <p:spPr>
           <a:xfrm>
-            <a:off x="725172" y="2239454"/>
+            <a:off x="725172" y="1866900"/>
             <a:ext cx="16105034" cy="6001643"/>
           </a:xfrm>
           <a:prstGeom prst="rect">
@@ -25829,7 +25829,7 @@
         </p:nvSpPr>
         <p:spPr>
           <a:xfrm>
-            <a:off x="549428" y="2247900"/>
+            <a:off x="582766" y="1943100"/>
             <a:ext cx="16105034" cy="4031873"/>
           </a:xfrm>
           <a:prstGeom prst="rect">
@@ -30198,7 +30198,7 @@
         <p:spPr>
           <a:xfrm>
             <a:off x="444144" y="3904881"/>
-            <a:ext cx="8561234" cy="3785652"/>
+            <a:ext cx="8561234" cy="4154984"/>
           </a:xfrm>
           <a:prstGeom prst="rect">
             <a:avLst/>
@@ -30237,6 +30237,8 @@
               <a:rPr lang="en-US" altLang="ko-KR" sz="2400" i="1" dirty="0"/>
               <a:t>How do muscles grow?</a:t>
             </a:r>
+          </a:p>
+          <a:p>
             <a:endParaRPr lang="en-US" altLang="ko-KR" sz="2400" i="1" dirty="0">
               <a:latin typeface="나눔스퀘어 Bold" panose="020B0600000101010101" pitchFamily="50" charset="-127"/>
               <a:ea typeface="나눔스퀘어 Bold" panose="020B0600000101010101" pitchFamily="50" charset="-127"/>
@@ -30303,7 +30305,7 @@
         <p:spPr>
           <a:xfrm>
             <a:off x="9525000" y="3514104"/>
-            <a:ext cx="8561234" cy="4524315"/>
+            <a:ext cx="8561234" cy="4893647"/>
           </a:xfrm>
           <a:prstGeom prst="rect">
             <a:avLst/>
@@ -30349,6 +30351,9 @@
               <a:rPr lang="en-US" altLang="ko-KR" sz="2400" i="1" dirty="0"/>
               <a:t>The city council has unveiled an ambitious plan to revitalize the downtown area by renovating old buildings, improving public transportation, and creating new public spaces. The initiative is expected to boost tourism and local economic growth amid rising unemployment.</a:t>
             </a:r>
+          </a:p>
+          <a:p>
+            <a:endParaRPr lang="en-US" altLang="ko-KR" sz="2400" i="1" dirty="0"/>
           </a:p>
           <a:p>
             <a:r>
@@ -30758,7 +30763,7 @@
         <p:spPr>
           <a:xfrm>
             <a:off x="582766" y="3855323"/>
-            <a:ext cx="8561234" cy="3785652"/>
+            <a:ext cx="8561234" cy="4524315"/>
           </a:xfrm>
           <a:prstGeom prst="rect">
             <a:avLst/>
@@ -30809,6 +30814,14 @@
               <a:rPr lang="en-US" altLang="ko-KR" sz="2400" i="1" dirty="0"/>
               <a:t>User: I'm a bit bored and looking for something fun to talk about.</a:t>
             </a:r>
+          </a:p>
+          <a:p>
+            <a:endParaRPr lang="en-US" altLang="ko-KR" sz="2400" i="1" dirty="0">
+              <a:latin typeface="나눔스퀘어 Bold" panose="020B0600000101010101" pitchFamily="50" charset="-127"/>
+              <a:ea typeface="나눔스퀘어 Bold" panose="020B0600000101010101" pitchFamily="50" charset="-127"/>
+            </a:endParaRPr>
+          </a:p>
+          <a:p>
             <a:endParaRPr lang="en-US" altLang="ko-KR" sz="2400" i="1" dirty="0">
               <a:latin typeface="나눔스퀘어 Bold" panose="020B0600000101010101" pitchFamily="50" charset="-127"/>
               <a:ea typeface="나눔스퀘어 Bold" panose="020B0600000101010101" pitchFamily="50" charset="-127"/>
@@ -30916,7 +30929,7 @@
         <p:spPr>
           <a:xfrm>
             <a:off x="9250537" y="3485991"/>
-            <a:ext cx="8561234" cy="4524315"/>
+            <a:ext cx="8561234" cy="5262979"/>
           </a:xfrm>
           <a:prstGeom prst="rect">
             <a:avLst/>
@@ -30955,6 +30968,12 @@
               <a:rPr lang="en-US" altLang="ko-KR" sz="2400" i="1" dirty="0"/>
               <a:t>News Article: powerful earthquake struck the coastal region early this morning, causing widespread damage to infrastructure and leaving hundreds injured. Emergency services have been mobilized, and residents are advised to stay alert as aftershocks are expected.</a:t>
             </a:r>
+          </a:p>
+          <a:p>
+            <a:endParaRPr lang="en-US" altLang="ko-KR" sz="2400" i="1" dirty="0"/>
+          </a:p>
+          <a:p>
+            <a:endParaRPr lang="en-US" altLang="ko-KR" sz="2400" i="1" dirty="0"/>
           </a:p>
           <a:p>
             <a:r>
@@ -31044,7 +31063,7 @@
         <p:spPr>
           <a:xfrm>
             <a:off x="10287000" y="2498587"/>
-            <a:ext cx="6836861" cy="6124754"/>
+            <a:ext cx="6836861" cy="5262979"/>
           </a:xfrm>
           <a:prstGeom prst="rect">
             <a:avLst/>
@@ -31058,7 +31077,7 @@
           <a:lstStyle/>
           <a:p>
             <a:r>
-              <a:rPr lang="en-US" altLang="ko-KR" sz="2800" dirty="0">
+              <a:rPr lang="en-US" altLang="ko-KR" sz="2400" dirty="0">
                 <a:latin typeface="나눔스퀘어 Bold" panose="020B0600000101010101" pitchFamily="50" charset="-127"/>
                 <a:ea typeface="나눔스퀘어 Bold" panose="020B0600000101010101" pitchFamily="50" charset="-127"/>
               </a:rPr>
@@ -31066,70 +31085,70 @@
             </a:r>
           </a:p>
           <a:p>
-            <a:endParaRPr lang="en-US" altLang="ko-KR" sz="2800" dirty="0">
+            <a:endParaRPr lang="en-US" altLang="ko-KR" sz="2400" dirty="0">
               <a:latin typeface="나눔스퀘어 Bold" panose="020B0600000101010101" pitchFamily="50" charset="-127"/>
               <a:ea typeface="나눔스퀘어 Bold" panose="020B0600000101010101" pitchFamily="50" charset="-127"/>
             </a:endParaRPr>
           </a:p>
           <a:p>
-            <a:endParaRPr lang="en-US" altLang="ko-KR" sz="2800" dirty="0">
+            <a:endParaRPr lang="en-US" altLang="ko-KR" sz="2400" dirty="0">
               <a:latin typeface="나눔스퀘어 Bold" panose="020B0600000101010101" pitchFamily="50" charset="-127"/>
               <a:ea typeface="나눔스퀘어 Bold" panose="020B0600000101010101" pitchFamily="50" charset="-127"/>
             </a:endParaRPr>
           </a:p>
           <a:p>
-            <a:endParaRPr lang="en-US" altLang="ko-KR" sz="2800" dirty="0">
+            <a:endParaRPr lang="en-US" altLang="ko-KR" sz="2400" dirty="0">
               <a:latin typeface="나눔스퀘어 Bold" panose="020B0600000101010101" pitchFamily="50" charset="-127"/>
               <a:ea typeface="나눔스퀘어 Bold" panose="020B0600000101010101" pitchFamily="50" charset="-127"/>
             </a:endParaRPr>
           </a:p>
           <a:p>
-            <a:endParaRPr lang="en-US" altLang="ko-KR" sz="2800" dirty="0">
+            <a:endParaRPr lang="en-US" altLang="ko-KR" sz="2400" dirty="0">
               <a:latin typeface="나눔스퀘어 Bold" panose="020B0600000101010101" pitchFamily="50" charset="-127"/>
               <a:ea typeface="나눔스퀘어 Bold" panose="020B0600000101010101" pitchFamily="50" charset="-127"/>
             </a:endParaRPr>
           </a:p>
           <a:p>
-            <a:endParaRPr lang="en-US" altLang="ko-KR" sz="2800" dirty="0">
+            <a:endParaRPr lang="en-US" altLang="ko-KR" sz="2400" dirty="0">
               <a:latin typeface="나눔스퀘어 Bold" panose="020B0600000101010101" pitchFamily="50" charset="-127"/>
               <a:ea typeface="나눔스퀘어 Bold" panose="020B0600000101010101" pitchFamily="50" charset="-127"/>
             </a:endParaRPr>
           </a:p>
           <a:p>
-            <a:endParaRPr lang="en-US" altLang="ko-KR" sz="2800" dirty="0">
+            <a:endParaRPr lang="en-US" altLang="ko-KR" sz="2400" dirty="0">
               <a:latin typeface="나눔스퀘어 Bold" panose="020B0600000101010101" pitchFamily="50" charset="-127"/>
               <a:ea typeface="나눔스퀘어 Bold" panose="020B0600000101010101" pitchFamily="50" charset="-127"/>
             </a:endParaRPr>
           </a:p>
           <a:p>
-            <a:endParaRPr lang="en-US" altLang="ko-KR" sz="2800" dirty="0">
+            <a:endParaRPr lang="en-US" altLang="ko-KR" sz="2400" dirty="0">
               <a:latin typeface="나눔스퀘어 Bold" panose="020B0600000101010101" pitchFamily="50" charset="-127"/>
               <a:ea typeface="나눔스퀘어 Bold" panose="020B0600000101010101" pitchFamily="50" charset="-127"/>
             </a:endParaRPr>
           </a:p>
           <a:p>
-            <a:endParaRPr lang="en-US" altLang="ko-KR" sz="2800" dirty="0">
+            <a:endParaRPr lang="en-US" altLang="ko-KR" sz="2400" dirty="0">
               <a:latin typeface="나눔스퀘어 Bold" panose="020B0600000101010101" pitchFamily="50" charset="-127"/>
               <a:ea typeface="나눔스퀘어 Bold" panose="020B0600000101010101" pitchFamily="50" charset="-127"/>
             </a:endParaRPr>
           </a:p>
           <a:p>
             <a:r>
-              <a:rPr lang="en-US" altLang="ko-KR" sz="2800" dirty="0">
+              <a:rPr lang="en-US" altLang="ko-KR" sz="2400" dirty="0">
                 <a:latin typeface="나눔스퀘어 Bold" panose="020B0600000101010101" pitchFamily="50" charset="-127"/>
                 <a:ea typeface="나눔스퀘어 Bold" panose="020B0600000101010101" pitchFamily="50" charset="-127"/>
               </a:rPr>
               <a:t>N = maximum n-gram size (</a:t>
             </a:r>
             <a:r>
-              <a:rPr lang="ko-KR" altLang="en-US" sz="2800" dirty="0">
+              <a:rPr lang="ko-KR" altLang="en-US" sz="2400" dirty="0">
                 <a:latin typeface="나눔스퀘어 Bold" panose="020B0600000101010101" pitchFamily="50" charset="-127"/>
                 <a:ea typeface="나눔스퀘어 Bold" panose="020B0600000101010101" pitchFamily="50" charset="-127"/>
               </a:rPr>
               <a:t>보통 </a:t>
             </a:r>
             <a:r>
-              <a:rPr lang="en-US" altLang="ko-KR" sz="2800" dirty="0">
+              <a:rPr lang="en-US" altLang="ko-KR" sz="2400" dirty="0">
                 <a:latin typeface="나눔스퀘어 Bold" panose="020B0600000101010101" pitchFamily="50" charset="-127"/>
                 <a:ea typeface="나눔스퀘어 Bold" panose="020B0600000101010101" pitchFamily="50" charset="-127"/>
               </a:rPr>
@@ -31138,14 +31157,14 @@
           </a:p>
           <a:p>
             <a:r>
-              <a:rPr lang="en-US" altLang="ko-KR" sz="2800" dirty="0" err="1">
+              <a:rPr lang="en-US" altLang="ko-KR" sz="2400" dirty="0" err="1">
                 <a:latin typeface="나눔스퀘어 Bold" panose="020B0600000101010101" pitchFamily="50" charset="-127"/>
                 <a:ea typeface="나눔스퀘어 Bold" panose="020B0600000101010101" pitchFamily="50" charset="-127"/>
               </a:rPr>
               <a:t>P_n</a:t>
             </a:r>
             <a:r>
-              <a:rPr lang="en-US" altLang="ko-KR" sz="2800" dirty="0">
+              <a:rPr lang="en-US" altLang="ko-KR" sz="2400" dirty="0">
                 <a:latin typeface="나눔스퀘어 Bold" panose="020B0600000101010101" pitchFamily="50" charset="-127"/>
                 <a:ea typeface="나눔스퀘어 Bold" panose="020B0600000101010101" pitchFamily="50" charset="-127"/>
               </a:rPr>
@@ -31154,28 +31173,28 @@
           </a:p>
           <a:p>
             <a:r>
-              <a:rPr lang="en-US" altLang="ko-KR" sz="2800" dirty="0" err="1">
+              <a:rPr lang="en-US" altLang="ko-KR" sz="2400" dirty="0" err="1">
                 <a:latin typeface="나눔스퀘어 Bold" panose="020B0600000101010101" pitchFamily="50" charset="-127"/>
                 <a:ea typeface="나눔스퀘어 Bold" panose="020B0600000101010101" pitchFamily="50" charset="-127"/>
               </a:rPr>
               <a:t>w_n</a:t>
             </a:r>
             <a:r>
-              <a:rPr lang="en-US" altLang="ko-KR" sz="2800" dirty="0">
+              <a:rPr lang="en-US" altLang="ko-KR" sz="2400" dirty="0">
                 <a:latin typeface="나눔스퀘어 Bold" panose="020B0600000101010101" pitchFamily="50" charset="-127"/>
                 <a:ea typeface="나눔스퀘어 Bold" panose="020B0600000101010101" pitchFamily="50" charset="-127"/>
               </a:rPr>
               <a:t> = weight for n-gram (</a:t>
             </a:r>
             <a:r>
-              <a:rPr lang="ko-KR" altLang="en-US" sz="2800" dirty="0">
+              <a:rPr lang="ko-KR" altLang="en-US" sz="2400" dirty="0">
                 <a:latin typeface="나눔스퀘어 Bold" panose="020B0600000101010101" pitchFamily="50" charset="-127"/>
                 <a:ea typeface="나눔스퀘어 Bold" panose="020B0600000101010101" pitchFamily="50" charset="-127"/>
               </a:rPr>
               <a:t>보통 </a:t>
             </a:r>
             <a:r>
-              <a:rPr lang="en-US" altLang="ko-KR" sz="2800" dirty="0">
+              <a:rPr lang="en-US" altLang="ko-KR" sz="2400" dirty="0">
                 <a:latin typeface="나눔스퀘어 Bold" panose="020B0600000101010101" pitchFamily="50" charset="-127"/>
                 <a:ea typeface="나눔스퀘어 Bold" panose="020B0600000101010101" pitchFamily="50" charset="-127"/>
               </a:rPr>
@@ -31184,34 +31203,34 @@
           </a:p>
           <a:p>
             <a:r>
-              <a:rPr lang="en-US" altLang="ko-KR" sz="2800" dirty="0">
+              <a:rPr lang="en-US" altLang="ko-KR" sz="2400" dirty="0">
                 <a:latin typeface="나눔스퀘어 Bold" panose="020B0600000101010101" pitchFamily="50" charset="-127"/>
                 <a:ea typeface="나눔스퀘어 Bold" panose="020B0600000101010101" pitchFamily="50" charset="-127"/>
               </a:rPr>
               <a:t>C = </a:t>
             </a:r>
             <a:r>
-              <a:rPr lang="ko-KR" altLang="en-US" sz="2800" dirty="0">
+              <a:rPr lang="ko-KR" altLang="en-US" sz="2400" dirty="0">
                 <a:latin typeface="나눔스퀘어 Bold" panose="020B0600000101010101" pitchFamily="50" charset="-127"/>
                 <a:ea typeface="나눔스퀘어 Bold" panose="020B0600000101010101" pitchFamily="50" charset="-127"/>
               </a:rPr>
               <a:t>출력 문장 길이</a:t>
             </a:r>
-            <a:endParaRPr lang="en-US" altLang="ko-KR" sz="2800" dirty="0">
+            <a:endParaRPr lang="en-US" altLang="ko-KR" sz="2400" dirty="0">
               <a:latin typeface="나눔스퀘어 Bold" panose="020B0600000101010101" pitchFamily="50" charset="-127"/>
               <a:ea typeface="나눔스퀘어 Bold" panose="020B0600000101010101" pitchFamily="50" charset="-127"/>
             </a:endParaRPr>
           </a:p>
           <a:p>
             <a:r>
-              <a:rPr lang="en-US" altLang="ko-KR" sz="2800" dirty="0">
+              <a:rPr lang="en-US" altLang="ko-KR" sz="2400" dirty="0">
                 <a:latin typeface="나눔스퀘어 Bold" panose="020B0600000101010101" pitchFamily="50" charset="-127"/>
                 <a:ea typeface="나눔스퀘어 Bold" panose="020B0600000101010101" pitchFamily="50" charset="-127"/>
               </a:rPr>
               <a:t>R = </a:t>
             </a:r>
             <a:r>
-              <a:rPr lang="ko-KR" altLang="en-US" sz="2800" dirty="0">
+              <a:rPr lang="ko-KR" altLang="en-US" sz="2400" dirty="0">
                 <a:latin typeface="나눔스퀘어 Bold" panose="020B0600000101010101" pitchFamily="50" charset="-127"/>
                 <a:ea typeface="나눔스퀘어 Bold" panose="020B0600000101010101" pitchFamily="50" charset="-127"/>
               </a:rPr>
@@ -31467,7 +31486,7 @@
         <p:spPr>
           <a:xfrm>
             <a:off x="549428" y="2809067"/>
-            <a:ext cx="8561234" cy="7848302"/>
+            <a:ext cx="8561234" cy="7478970"/>
           </a:xfrm>
           <a:prstGeom prst="rect">
             <a:avLst/>
@@ -31481,21 +31500,21 @@
           <a:lstStyle/>
           <a:p>
             <a:r>
-              <a:rPr lang="en-US" altLang="ko-KR" sz="2800" dirty="0">
+              <a:rPr lang="en-US" altLang="ko-KR" sz="2400" dirty="0">
                 <a:latin typeface="나눔스퀘어 Bold" panose="020B0600000101010101" pitchFamily="50" charset="-127"/>
                 <a:ea typeface="나눔스퀘어 Bold" panose="020B0600000101010101" pitchFamily="50" charset="-127"/>
               </a:rPr>
               <a:t>Rouge(Recall-Oriented Understudy for </a:t>
             </a:r>
             <a:r>
-              <a:rPr lang="en-US" altLang="ko-KR" sz="2800" dirty="0" err="1">
+              <a:rPr lang="en-US" altLang="ko-KR" sz="2400" dirty="0" err="1">
                 <a:latin typeface="나눔스퀘어 Bold" panose="020B0600000101010101" pitchFamily="50" charset="-127"/>
                 <a:ea typeface="나눔스퀘어 Bold" panose="020B0600000101010101" pitchFamily="50" charset="-127"/>
               </a:rPr>
               <a:t>Gisting</a:t>
             </a:r>
             <a:r>
-              <a:rPr lang="en-US" altLang="ko-KR" sz="2800" dirty="0">
+              <a:rPr lang="en-US" altLang="ko-KR" sz="2400" dirty="0">
                 <a:latin typeface="나눔스퀘어 Bold" panose="020B0600000101010101" pitchFamily="50" charset="-127"/>
                 <a:ea typeface="나눔스퀘어 Bold" panose="020B0600000101010101" pitchFamily="50" charset="-127"/>
               </a:rPr>
@@ -31503,248 +31522,266 @@
             </a:r>
           </a:p>
           <a:p>
-            <a:endParaRPr lang="en-US" altLang="ko-KR" sz="2800" dirty="0">
+            <a:endParaRPr lang="en-US" altLang="ko-KR" sz="2400" dirty="0">
               <a:latin typeface="나눔스퀘어 Bold" panose="020B0600000101010101" pitchFamily="50" charset="-127"/>
               <a:ea typeface="나눔스퀘어 Bold" panose="020B0600000101010101" pitchFamily="50" charset="-127"/>
             </a:endParaRPr>
           </a:p>
           <a:p>
-            <a:endParaRPr lang="en-US" altLang="ko-KR" sz="2800" dirty="0">
+            <a:endParaRPr lang="en-US" altLang="ko-KR" sz="2400" dirty="0">
               <a:latin typeface="나눔스퀘어 Bold" panose="020B0600000101010101" pitchFamily="50" charset="-127"/>
               <a:ea typeface="나눔스퀘어 Bold" panose="020B0600000101010101" pitchFamily="50" charset="-127"/>
             </a:endParaRPr>
           </a:p>
           <a:p>
-            <a:endParaRPr lang="en-US" altLang="ko-KR" sz="2800" dirty="0">
+            <a:endParaRPr lang="en-US" altLang="ko-KR" sz="2400" dirty="0">
               <a:latin typeface="나눔스퀘어 Bold" panose="020B0600000101010101" pitchFamily="50" charset="-127"/>
               <a:ea typeface="나눔스퀘어 Bold" panose="020B0600000101010101" pitchFamily="50" charset="-127"/>
             </a:endParaRPr>
           </a:p>
           <a:p>
-            <a:endParaRPr lang="en-US" altLang="ko-KR" sz="2800" dirty="0">
+            <a:endParaRPr lang="en-US" altLang="ko-KR" sz="2400" dirty="0">
               <a:latin typeface="나눔스퀘어 Bold" panose="020B0600000101010101" pitchFamily="50" charset="-127"/>
               <a:ea typeface="나눔스퀘어 Bold" panose="020B0600000101010101" pitchFamily="50" charset="-127"/>
             </a:endParaRPr>
           </a:p>
           <a:p>
-            <a:endParaRPr lang="en-US" altLang="ko-KR" sz="2800" dirty="0">
+            <a:endParaRPr lang="en-US" altLang="ko-KR" sz="2400" dirty="0">
               <a:latin typeface="나눔스퀘어 Bold" panose="020B0600000101010101" pitchFamily="50" charset="-127"/>
               <a:ea typeface="나눔스퀘어 Bold" panose="020B0600000101010101" pitchFamily="50" charset="-127"/>
             </a:endParaRPr>
           </a:p>
           <a:p>
-            <a:endParaRPr lang="en-US" altLang="ko-KR" sz="2800" dirty="0">
+            <a:endParaRPr lang="en-US" altLang="ko-KR" sz="2400" dirty="0">
               <a:latin typeface="나눔스퀘어 Bold" panose="020B0600000101010101" pitchFamily="50" charset="-127"/>
               <a:ea typeface="나눔스퀘어 Bold" panose="020B0600000101010101" pitchFamily="50" charset="-127"/>
             </a:endParaRPr>
           </a:p>
           <a:p>
-            <a:r>
-              <a:rPr lang="en-US" altLang="ko-KR" sz="2800" dirty="0">
-                <a:latin typeface="나눔스퀘어 Bold" panose="020B0600000101010101" pitchFamily="50" charset="-127"/>
-                <a:ea typeface="나눔스퀘어 Bold" panose="020B0600000101010101" pitchFamily="50" charset="-127"/>
-              </a:rPr>
-              <a:t>Precision</a:t>
-            </a:r>
-            <a:r>
-              <a:rPr lang="ko-KR" altLang="en-US" sz="2800" dirty="0">
-                <a:latin typeface="나눔스퀘어 Bold" panose="020B0600000101010101" pitchFamily="50" charset="-127"/>
-                <a:ea typeface="나눔스퀘어 Bold" panose="020B0600000101010101" pitchFamily="50" charset="-127"/>
-              </a:rPr>
-              <a:t> </a:t>
-            </a:r>
-            <a:r>
-              <a:rPr lang="en-US" altLang="ko-KR" sz="2800" dirty="0">
-                <a:latin typeface="나눔스퀘어 Bold" panose="020B0600000101010101" pitchFamily="50" charset="-127"/>
-                <a:ea typeface="나눔스퀘어 Bold" panose="020B0600000101010101" pitchFamily="50" charset="-127"/>
-              </a:rPr>
-              <a:t>=</a:t>
-            </a:r>
-            <a:r>
-              <a:rPr lang="ko-KR" altLang="en-US" sz="2800" dirty="0">
-                <a:latin typeface="나눔스퀘어 Bold" panose="020B0600000101010101" pitchFamily="50" charset="-127"/>
-                <a:ea typeface="나눔스퀘어 Bold" panose="020B0600000101010101" pitchFamily="50" charset="-127"/>
-              </a:rPr>
-              <a:t> 정답 </a:t>
-            </a:r>
-            <a:r>
-              <a:rPr lang="en-US" altLang="ko-KR" sz="2800" dirty="0">
-                <a:latin typeface="나눔스퀘어 Bold" panose="020B0600000101010101" pitchFamily="50" charset="-127"/>
-                <a:ea typeface="나눔스퀘어 Bold" panose="020B0600000101010101" pitchFamily="50" charset="-127"/>
-              </a:rPr>
-              <a:t>n-gram </a:t>
-            </a:r>
-            <a:r>
-              <a:rPr lang="ko-KR" altLang="en-US" sz="2800" dirty="0">
-                <a:latin typeface="나눔스퀘어 Bold" panose="020B0600000101010101" pitchFamily="50" charset="-127"/>
-                <a:ea typeface="나눔스퀘어 Bold" panose="020B0600000101010101" pitchFamily="50" charset="-127"/>
-              </a:rPr>
-              <a:t>수 </a:t>
-            </a:r>
-            <a:r>
-              <a:rPr lang="en-US" altLang="ko-KR" sz="2800" dirty="0">
-                <a:latin typeface="나눔스퀘어 Bold" panose="020B0600000101010101" pitchFamily="50" charset="-127"/>
-                <a:ea typeface="나눔스퀘어 Bold" panose="020B0600000101010101" pitchFamily="50" charset="-127"/>
-              </a:rPr>
-              <a:t>/ </a:t>
-            </a:r>
-            <a:r>
-              <a:rPr lang="ko-KR" altLang="en-US" sz="2800" dirty="0">
-                <a:latin typeface="나눔스퀘어 Bold" panose="020B0600000101010101" pitchFamily="50" charset="-127"/>
-                <a:ea typeface="나눔스퀘어 Bold" panose="020B0600000101010101" pitchFamily="50" charset="-127"/>
-              </a:rPr>
-              <a:t>생성 문장 길이</a:t>
-            </a:r>
-            <a:endParaRPr lang="en-US" altLang="ko-KR" sz="2800" dirty="0">
+            <a:endParaRPr lang="en-US" altLang="ko-KR" sz="2400" dirty="0">
               <a:latin typeface="나눔스퀘어 Bold" panose="020B0600000101010101" pitchFamily="50" charset="-127"/>
               <a:ea typeface="나눔스퀘어 Bold" panose="020B0600000101010101" pitchFamily="50" charset="-127"/>
             </a:endParaRPr>
           </a:p>
           <a:p>
-            <a:r>
-              <a:rPr lang="en-US" altLang="ko-KR" sz="2800" dirty="0">
-                <a:latin typeface="나눔스퀘어 Bold" panose="020B0600000101010101" pitchFamily="50" charset="-127"/>
-                <a:ea typeface="나눔스퀘어 Bold" panose="020B0600000101010101" pitchFamily="50" charset="-127"/>
-              </a:rPr>
-              <a:t>Recall = </a:t>
-            </a:r>
-            <a:r>
-              <a:rPr lang="ko-KR" altLang="en-US" sz="2800" dirty="0">
-                <a:latin typeface="나눔스퀘어 Bold" panose="020B0600000101010101" pitchFamily="50" charset="-127"/>
-                <a:ea typeface="나눔스퀘어 Bold" panose="020B0600000101010101" pitchFamily="50" charset="-127"/>
-              </a:rPr>
-              <a:t>정답 </a:t>
-            </a:r>
-            <a:r>
-              <a:rPr lang="en-US" altLang="ko-KR" sz="2800" dirty="0">
-                <a:latin typeface="나눔스퀘어 Bold" panose="020B0600000101010101" pitchFamily="50" charset="-127"/>
-                <a:ea typeface="나눔스퀘어 Bold" panose="020B0600000101010101" pitchFamily="50" charset="-127"/>
-              </a:rPr>
-              <a:t>n-gram </a:t>
-            </a:r>
-            <a:r>
-              <a:rPr lang="ko-KR" altLang="en-US" sz="2800" dirty="0">
-                <a:latin typeface="나눔스퀘어 Bold" panose="020B0600000101010101" pitchFamily="50" charset="-127"/>
-                <a:ea typeface="나눔스퀘어 Bold" panose="020B0600000101010101" pitchFamily="50" charset="-127"/>
-              </a:rPr>
-              <a:t>수 </a:t>
-            </a:r>
-            <a:r>
-              <a:rPr lang="en-US" altLang="ko-KR" sz="2800" dirty="0">
-                <a:latin typeface="나눔스퀘어 Bold" panose="020B0600000101010101" pitchFamily="50" charset="-127"/>
-                <a:ea typeface="나눔스퀘어 Bold" panose="020B0600000101010101" pitchFamily="50" charset="-127"/>
-              </a:rPr>
-              <a:t>/ </a:t>
-            </a:r>
-            <a:r>
-              <a:rPr lang="ko-KR" altLang="en-US" sz="2800" dirty="0">
-                <a:latin typeface="나눔스퀘어 Bold" panose="020B0600000101010101" pitchFamily="50" charset="-127"/>
-                <a:ea typeface="나눔스퀘어 Bold" panose="020B0600000101010101" pitchFamily="50" charset="-127"/>
-              </a:rPr>
-              <a:t>정답 문장 길이</a:t>
-            </a:r>
-            <a:endParaRPr lang="en-US" altLang="ko-KR" sz="2800" dirty="0">
+            <a:endParaRPr lang="en-US" altLang="ko-KR" sz="2400" dirty="0">
               <a:latin typeface="나눔스퀘어 Bold" panose="020B0600000101010101" pitchFamily="50" charset="-127"/>
               <a:ea typeface="나눔스퀘어 Bold" panose="020B0600000101010101" pitchFamily="50" charset="-127"/>
             </a:endParaRPr>
           </a:p>
           <a:p>
-            <a:endParaRPr lang="en-US" altLang="ko-KR" sz="2800" dirty="0">
+            <a:endParaRPr lang="en-US" altLang="ko-KR" sz="2400" dirty="0">
               <a:latin typeface="나눔스퀘어 Bold" panose="020B0600000101010101" pitchFamily="50" charset="-127"/>
               <a:ea typeface="나눔스퀘어 Bold" panose="020B0600000101010101" pitchFamily="50" charset="-127"/>
             </a:endParaRPr>
           </a:p>
           <a:p>
             <a:r>
-              <a:rPr lang="en-US" altLang="ko-KR" sz="2800" dirty="0">
-                <a:latin typeface="나눔스퀘어 Bold" panose="020B0600000101010101" pitchFamily="50" charset="-127"/>
-                <a:ea typeface="나눔스퀘어 Bold" panose="020B0600000101010101" pitchFamily="50" charset="-127"/>
-              </a:rPr>
-              <a:t>Rouge-n = n-gram</a:t>
-            </a:r>
-            <a:r>
-              <a:rPr lang="ko-KR" altLang="en-US" sz="2800" dirty="0">
-                <a:latin typeface="나눔스퀘어 Bold" panose="020B0600000101010101" pitchFamily="50" charset="-127"/>
-                <a:ea typeface="나눔스퀘어 Bold" panose="020B0600000101010101" pitchFamily="50" charset="-127"/>
-              </a:rPr>
-              <a:t> 기준 </a:t>
-            </a:r>
-            <a:r>
-              <a:rPr lang="en-US" altLang="ko-KR" sz="2800" dirty="0">
-                <a:latin typeface="나눔스퀘어 Bold" panose="020B0600000101010101" pitchFamily="50" charset="-127"/>
-                <a:ea typeface="나눔스퀘어 Bold" panose="020B0600000101010101" pitchFamily="50" charset="-127"/>
-              </a:rPr>
-              <a:t>F1 score</a:t>
-            </a:r>
-          </a:p>
-          <a:p>
-            <a:r>
-              <a:rPr lang="en-US" altLang="ko-KR" sz="2800" dirty="0">
-                <a:latin typeface="나눔스퀘어 Bold" panose="020B0600000101010101" pitchFamily="50" charset="-127"/>
-                <a:ea typeface="나눔스퀘어 Bold" panose="020B0600000101010101" pitchFamily="50" charset="-127"/>
-              </a:rPr>
-              <a:t>Rouge-L = n-gram </a:t>
-            </a:r>
-            <a:r>
-              <a:rPr lang="ko-KR" altLang="en-US" sz="2800" dirty="0">
-                <a:latin typeface="나눔스퀘어 Bold" panose="020B0600000101010101" pitchFamily="50" charset="-127"/>
-                <a:ea typeface="나눔스퀘어 Bold" panose="020B0600000101010101" pitchFamily="50" charset="-127"/>
-              </a:rPr>
-              <a:t>대신 </a:t>
-            </a:r>
-            <a:r>
-              <a:rPr lang="en-US" altLang="ko-KR" sz="2800" dirty="0">
-                <a:latin typeface="나눔스퀘어 Bold" panose="020B0600000101010101" pitchFamily="50" charset="-127"/>
-                <a:ea typeface="나눔스퀘어 Bold" panose="020B0600000101010101" pitchFamily="50" charset="-127"/>
-              </a:rPr>
-              <a:t>LCS</a:t>
-            </a:r>
-            <a:r>
-              <a:rPr lang="en-US" altLang="ko-KR" sz="2800" i="1" dirty="0">
-                <a:latin typeface="나눔스퀘어 Bold" panose="020B0600000101010101" pitchFamily="50" charset="-127"/>
-                <a:ea typeface="나눔스퀘어 Bold" panose="020B0600000101010101" pitchFamily="50" charset="-127"/>
-              </a:rPr>
-              <a:t>, Longest Common Subsequence</a:t>
-            </a:r>
-            <a:r>
-              <a:rPr lang="en-US" altLang="ko-KR" sz="2800" dirty="0">
+              <a:rPr lang="en-US" altLang="ko-KR" sz="2400" dirty="0">
+                <a:latin typeface="나눔스퀘어 Bold" panose="020B0600000101010101" pitchFamily="50" charset="-127"/>
+                <a:ea typeface="나눔스퀘어 Bold" panose="020B0600000101010101" pitchFamily="50" charset="-127"/>
+              </a:rPr>
+              <a:t>Precision</a:t>
+            </a:r>
+            <a:r>
+              <a:rPr lang="ko-KR" altLang="en-US" sz="2400" dirty="0">
                 <a:latin typeface="나눔스퀘어 Bold" panose="020B0600000101010101" pitchFamily="50" charset="-127"/>
                 <a:ea typeface="나눔스퀘어 Bold" panose="020B0600000101010101" pitchFamily="50" charset="-127"/>
               </a:rPr>
               <a:t> </a:t>
             </a:r>
             <a:r>
-              <a:rPr lang="ko-KR" altLang="en-US" sz="2800" dirty="0">
-                <a:latin typeface="나눔스퀘어 Bold" panose="020B0600000101010101" pitchFamily="50" charset="-127"/>
-                <a:ea typeface="나눔스퀘어 Bold" panose="020B0600000101010101" pitchFamily="50" charset="-127"/>
-              </a:rPr>
-              <a:t>사용</a:t>
-            </a:r>
-            <a:endParaRPr lang="en-US" altLang="ko-KR" sz="2800" dirty="0">
+              <a:rPr lang="en-US" altLang="ko-KR" sz="2400" dirty="0">
+                <a:latin typeface="나눔스퀘어 Bold" panose="020B0600000101010101" pitchFamily="50" charset="-127"/>
+                <a:ea typeface="나눔스퀘어 Bold" panose="020B0600000101010101" pitchFamily="50" charset="-127"/>
+              </a:rPr>
+              <a:t>=</a:t>
+            </a:r>
+            <a:r>
+              <a:rPr lang="ko-KR" altLang="en-US" sz="2400" dirty="0">
+                <a:latin typeface="나눔스퀘어 Bold" panose="020B0600000101010101" pitchFamily="50" charset="-127"/>
+                <a:ea typeface="나눔스퀘어 Bold" panose="020B0600000101010101" pitchFamily="50" charset="-127"/>
+              </a:rPr>
+              <a:t> 정답 </a:t>
+            </a:r>
+            <a:r>
+              <a:rPr lang="en-US" altLang="ko-KR" sz="2400" dirty="0">
+                <a:latin typeface="나눔스퀘어 Bold" panose="020B0600000101010101" pitchFamily="50" charset="-127"/>
+                <a:ea typeface="나눔스퀘어 Bold" panose="020B0600000101010101" pitchFamily="50" charset="-127"/>
+              </a:rPr>
+              <a:t>n-gram </a:t>
+            </a:r>
+            <a:r>
+              <a:rPr lang="ko-KR" altLang="en-US" sz="2400" dirty="0">
+                <a:latin typeface="나눔스퀘어 Bold" panose="020B0600000101010101" pitchFamily="50" charset="-127"/>
+                <a:ea typeface="나눔스퀘어 Bold" panose="020B0600000101010101" pitchFamily="50" charset="-127"/>
+              </a:rPr>
+              <a:t>수 </a:t>
+            </a:r>
+            <a:r>
+              <a:rPr lang="en-US" altLang="ko-KR" sz="2400" dirty="0">
+                <a:latin typeface="나눔스퀘어 Bold" panose="020B0600000101010101" pitchFamily="50" charset="-127"/>
+                <a:ea typeface="나눔스퀘어 Bold" panose="020B0600000101010101" pitchFamily="50" charset="-127"/>
+              </a:rPr>
+              <a:t>/ </a:t>
+            </a:r>
+            <a:r>
+              <a:rPr lang="ko-KR" altLang="en-US" sz="2400" dirty="0">
+                <a:latin typeface="나눔스퀘어 Bold" panose="020B0600000101010101" pitchFamily="50" charset="-127"/>
+                <a:ea typeface="나눔스퀘어 Bold" panose="020B0600000101010101" pitchFamily="50" charset="-127"/>
+              </a:rPr>
+              <a:t>생성 문장 길이</a:t>
+            </a:r>
+            <a:endParaRPr lang="en-US" altLang="ko-KR" sz="2400" dirty="0">
               <a:latin typeface="나눔스퀘어 Bold" panose="020B0600000101010101" pitchFamily="50" charset="-127"/>
               <a:ea typeface="나눔스퀘어 Bold" panose="020B0600000101010101" pitchFamily="50" charset="-127"/>
             </a:endParaRPr>
           </a:p>
           <a:p>
-            <a:endParaRPr lang="en-US" altLang="ko-KR" sz="2800" dirty="0">
+            <a:r>
+              <a:rPr lang="en-US" altLang="ko-KR" sz="2400" dirty="0">
+                <a:latin typeface="나눔스퀘어 Bold" panose="020B0600000101010101" pitchFamily="50" charset="-127"/>
+                <a:ea typeface="나눔스퀘어 Bold" panose="020B0600000101010101" pitchFamily="50" charset="-127"/>
+              </a:rPr>
+              <a:t>Recall = </a:t>
+            </a:r>
+            <a:r>
+              <a:rPr lang="ko-KR" altLang="en-US" sz="2400" dirty="0">
+                <a:latin typeface="나눔스퀘어 Bold" panose="020B0600000101010101" pitchFamily="50" charset="-127"/>
+                <a:ea typeface="나눔스퀘어 Bold" panose="020B0600000101010101" pitchFamily="50" charset="-127"/>
+              </a:rPr>
+              <a:t>정답 </a:t>
+            </a:r>
+            <a:r>
+              <a:rPr lang="en-US" altLang="ko-KR" sz="2400" dirty="0">
+                <a:latin typeface="나눔스퀘어 Bold" panose="020B0600000101010101" pitchFamily="50" charset="-127"/>
+                <a:ea typeface="나눔스퀘어 Bold" panose="020B0600000101010101" pitchFamily="50" charset="-127"/>
+              </a:rPr>
+              <a:t>n-gram </a:t>
+            </a:r>
+            <a:r>
+              <a:rPr lang="ko-KR" altLang="en-US" sz="2400" dirty="0">
+                <a:latin typeface="나눔스퀘어 Bold" panose="020B0600000101010101" pitchFamily="50" charset="-127"/>
+                <a:ea typeface="나눔스퀘어 Bold" panose="020B0600000101010101" pitchFamily="50" charset="-127"/>
+              </a:rPr>
+              <a:t>수 </a:t>
+            </a:r>
+            <a:r>
+              <a:rPr lang="en-US" altLang="ko-KR" sz="2400" dirty="0">
+                <a:latin typeface="나눔스퀘어 Bold" panose="020B0600000101010101" pitchFamily="50" charset="-127"/>
+                <a:ea typeface="나눔스퀘어 Bold" panose="020B0600000101010101" pitchFamily="50" charset="-127"/>
+              </a:rPr>
+              <a:t>/ </a:t>
+            </a:r>
+            <a:r>
+              <a:rPr lang="ko-KR" altLang="en-US" sz="2400" dirty="0">
+                <a:latin typeface="나눔스퀘어 Bold" panose="020B0600000101010101" pitchFamily="50" charset="-127"/>
+                <a:ea typeface="나눔스퀘어 Bold" panose="020B0600000101010101" pitchFamily="50" charset="-127"/>
+              </a:rPr>
+              <a:t>정답 문장 길이</a:t>
+            </a:r>
+            <a:endParaRPr lang="en-US" altLang="ko-KR" sz="2400" dirty="0">
               <a:latin typeface="나눔스퀘어 Bold" panose="020B0600000101010101" pitchFamily="50" charset="-127"/>
               <a:ea typeface="나눔스퀘어 Bold" panose="020B0600000101010101" pitchFamily="50" charset="-127"/>
             </a:endParaRPr>
           </a:p>
           <a:p>
-            <a:endParaRPr lang="en-US" altLang="ko-KR" sz="2800" dirty="0">
+            <a:endParaRPr lang="en-US" altLang="ko-KR" sz="2400" dirty="0">
               <a:latin typeface="나눔스퀘어 Bold" panose="020B0600000101010101" pitchFamily="50" charset="-127"/>
               <a:ea typeface="나눔스퀘어 Bold" panose="020B0600000101010101" pitchFamily="50" charset="-127"/>
             </a:endParaRPr>
           </a:p>
           <a:p>
-            <a:endParaRPr lang="en-US" altLang="ko-KR" sz="2800" dirty="0">
+            <a:r>
+              <a:rPr lang="en-US" altLang="ko-KR" sz="2400" dirty="0">
+                <a:latin typeface="나눔스퀘어 Bold" panose="020B0600000101010101" pitchFamily="50" charset="-127"/>
+                <a:ea typeface="나눔스퀘어 Bold" panose="020B0600000101010101" pitchFamily="50" charset="-127"/>
+              </a:rPr>
+              <a:t>Rouge-n = n-gram</a:t>
+            </a:r>
+            <a:r>
+              <a:rPr lang="ko-KR" altLang="en-US" sz="2400" dirty="0">
+                <a:latin typeface="나눔스퀘어 Bold" panose="020B0600000101010101" pitchFamily="50" charset="-127"/>
+                <a:ea typeface="나눔스퀘어 Bold" panose="020B0600000101010101" pitchFamily="50" charset="-127"/>
+              </a:rPr>
+              <a:t> 기준 </a:t>
+            </a:r>
+            <a:r>
+              <a:rPr lang="en-US" altLang="ko-KR" sz="2400" dirty="0">
+                <a:latin typeface="나눔스퀘어 Bold" panose="020B0600000101010101" pitchFamily="50" charset="-127"/>
+                <a:ea typeface="나눔스퀘어 Bold" panose="020B0600000101010101" pitchFamily="50" charset="-127"/>
+              </a:rPr>
+              <a:t>F1 score</a:t>
+            </a:r>
+          </a:p>
+          <a:p>
+            <a:r>
+              <a:rPr lang="en-US" altLang="ko-KR" sz="2400" dirty="0">
+                <a:latin typeface="나눔스퀘어 Bold" panose="020B0600000101010101" pitchFamily="50" charset="-127"/>
+                <a:ea typeface="나눔스퀘어 Bold" panose="020B0600000101010101" pitchFamily="50" charset="-127"/>
+              </a:rPr>
+              <a:t>Rouge-L = n-gram </a:t>
+            </a:r>
+            <a:r>
+              <a:rPr lang="ko-KR" altLang="en-US" sz="2400" dirty="0">
+                <a:latin typeface="나눔스퀘어 Bold" panose="020B0600000101010101" pitchFamily="50" charset="-127"/>
+                <a:ea typeface="나눔스퀘어 Bold" panose="020B0600000101010101" pitchFamily="50" charset="-127"/>
+              </a:rPr>
+              <a:t>대신 </a:t>
+            </a:r>
+            <a:r>
+              <a:rPr lang="en-US" altLang="ko-KR" sz="2400" dirty="0">
+                <a:latin typeface="나눔스퀘어 Bold" panose="020B0600000101010101" pitchFamily="50" charset="-127"/>
+                <a:ea typeface="나눔스퀘어 Bold" panose="020B0600000101010101" pitchFamily="50" charset="-127"/>
+              </a:rPr>
+              <a:t>LCS</a:t>
+            </a:r>
+            <a:r>
+              <a:rPr lang="en-US" altLang="ko-KR" sz="2400" i="1" dirty="0">
+                <a:latin typeface="나눔스퀘어 Bold" panose="020B0600000101010101" pitchFamily="50" charset="-127"/>
+                <a:ea typeface="나눔스퀘어 Bold" panose="020B0600000101010101" pitchFamily="50" charset="-127"/>
+              </a:rPr>
+              <a:t>, Longest Common Subsequence</a:t>
+            </a:r>
+            <a:r>
+              <a:rPr lang="en-US" altLang="ko-KR" sz="2400" dirty="0">
+                <a:latin typeface="나눔스퀘어 Bold" panose="020B0600000101010101" pitchFamily="50" charset="-127"/>
+                <a:ea typeface="나눔스퀘어 Bold" panose="020B0600000101010101" pitchFamily="50" charset="-127"/>
+              </a:rPr>
+              <a:t> </a:t>
+            </a:r>
+            <a:r>
+              <a:rPr lang="ko-KR" altLang="en-US" sz="2400" dirty="0">
+                <a:latin typeface="나눔스퀘어 Bold" panose="020B0600000101010101" pitchFamily="50" charset="-127"/>
+                <a:ea typeface="나눔스퀘어 Bold" panose="020B0600000101010101" pitchFamily="50" charset="-127"/>
+              </a:rPr>
+              <a:t>사용</a:t>
+            </a:r>
+            <a:endParaRPr lang="en-US" altLang="ko-KR" sz="2400" dirty="0">
               <a:latin typeface="나눔스퀘어 Bold" panose="020B0600000101010101" pitchFamily="50" charset="-127"/>
               <a:ea typeface="나눔스퀘어 Bold" panose="020B0600000101010101" pitchFamily="50" charset="-127"/>
             </a:endParaRPr>
           </a:p>
           <a:p>
-            <a:endParaRPr lang="en-US" altLang="ko-KR" sz="2800" dirty="0">
+            <a:endParaRPr lang="en-US" altLang="ko-KR" sz="2400" dirty="0">
+              <a:latin typeface="나눔스퀘어 Bold" panose="020B0600000101010101" pitchFamily="50" charset="-127"/>
+              <a:ea typeface="나눔스퀘어 Bold" panose="020B0600000101010101" pitchFamily="50" charset="-127"/>
+            </a:endParaRPr>
+          </a:p>
+          <a:p>
+            <a:endParaRPr lang="en-US" altLang="ko-KR" sz="2400" dirty="0">
+              <a:latin typeface="나눔스퀘어 Bold" panose="020B0600000101010101" pitchFamily="50" charset="-127"/>
+              <a:ea typeface="나눔스퀘어 Bold" panose="020B0600000101010101" pitchFamily="50" charset="-127"/>
+            </a:endParaRPr>
+          </a:p>
+          <a:p>
+            <a:endParaRPr lang="en-US" altLang="ko-KR" sz="2400" dirty="0">
+              <a:latin typeface="나눔스퀘어 Bold" panose="020B0600000101010101" pitchFamily="50" charset="-127"/>
+              <a:ea typeface="나눔스퀘어 Bold" panose="020B0600000101010101" pitchFamily="50" charset="-127"/>
+            </a:endParaRPr>
+          </a:p>
+          <a:p>
+            <a:endParaRPr lang="en-US" altLang="ko-KR" sz="2400" dirty="0">
               <a:latin typeface="나눔스퀘어 Bold" panose="020B0600000101010101" pitchFamily="50" charset="-127"/>
               <a:ea typeface="나눔스퀘어 Bold" panose="020B0600000101010101" pitchFamily="50" charset="-127"/>
             </a:endParaRPr>
